--- a/T7.3/TraceabilityArchitecture/images/2015-11-01 openETCS traceability_Figures.pptx
+++ b/T7.3/TraceabilityArchitecture/images/2015-11-01 openETCS traceability_Figures.pptx
@@ -5,10 +5,10 @@
     <p:sldMasterId id="2147483648" r:id="rId1"/>
   </p:sldMasterIdLst>
   <p:notesMasterIdLst>
-    <p:notesMasterId r:id="rId30"/>
+    <p:notesMasterId r:id="rId31"/>
   </p:notesMasterIdLst>
   <p:handoutMasterIdLst>
-    <p:handoutMasterId r:id="rId31"/>
+    <p:handoutMasterId r:id="rId32"/>
   </p:handoutMasterIdLst>
   <p:sldIdLst>
     <p:sldId id="256" r:id="rId2"/>
@@ -20,25 +20,26 @@
     <p:sldId id="303" r:id="rId8"/>
     <p:sldId id="306" r:id="rId9"/>
     <p:sldId id="291" r:id="rId10"/>
-    <p:sldId id="292" r:id="rId11"/>
-    <p:sldId id="297" r:id="rId12"/>
-    <p:sldId id="285" r:id="rId13"/>
-    <p:sldId id="266" r:id="rId14"/>
-    <p:sldId id="271" r:id="rId15"/>
-    <p:sldId id="275" r:id="rId16"/>
-    <p:sldId id="277" r:id="rId17"/>
-    <p:sldId id="276" r:id="rId18"/>
-    <p:sldId id="265" r:id="rId19"/>
-    <p:sldId id="272" r:id="rId20"/>
-    <p:sldId id="302" r:id="rId21"/>
-    <p:sldId id="301" r:id="rId22"/>
-    <p:sldId id="282" r:id="rId23"/>
-    <p:sldId id="283" r:id="rId24"/>
-    <p:sldId id="284" r:id="rId25"/>
-    <p:sldId id="274" r:id="rId26"/>
-    <p:sldId id="304" r:id="rId27"/>
-    <p:sldId id="307" r:id="rId28"/>
-    <p:sldId id="308" r:id="rId29"/>
+    <p:sldId id="309" r:id="rId11"/>
+    <p:sldId id="292" r:id="rId12"/>
+    <p:sldId id="297" r:id="rId13"/>
+    <p:sldId id="285" r:id="rId14"/>
+    <p:sldId id="266" r:id="rId15"/>
+    <p:sldId id="271" r:id="rId16"/>
+    <p:sldId id="275" r:id="rId17"/>
+    <p:sldId id="277" r:id="rId18"/>
+    <p:sldId id="276" r:id="rId19"/>
+    <p:sldId id="265" r:id="rId20"/>
+    <p:sldId id="272" r:id="rId21"/>
+    <p:sldId id="302" r:id="rId22"/>
+    <p:sldId id="301" r:id="rId23"/>
+    <p:sldId id="282" r:id="rId24"/>
+    <p:sldId id="283" r:id="rId25"/>
+    <p:sldId id="284" r:id="rId26"/>
+    <p:sldId id="274" r:id="rId27"/>
+    <p:sldId id="304" r:id="rId28"/>
+    <p:sldId id="307" r:id="rId29"/>
+    <p:sldId id="308" r:id="rId30"/>
   </p:sldIdLst>
   <p:sldSz cx="9144000" cy="6858000" type="screen4x3"/>
   <p:notesSz cx="6858000" cy="9144000"/>
@@ -722,7 +723,7 @@
           <a:p>
             <a:fld id="{0AB746B2-06D9-5248-B3EC-078D066A7E31}" type="slidenum">
               <a:rPr lang="fr-FR" smtClean="0"/>
-              <a:t>12</a:t>
+              <a:t>13</a:t>
             </a:fld>
             <a:endParaRPr lang="fr-FR"/>
           </a:p>
@@ -806,7 +807,7 @@
           <a:p>
             <a:fld id="{0AB746B2-06D9-5248-B3EC-078D066A7E31}" type="slidenum">
               <a:rPr lang="fr-FR" smtClean="0"/>
-              <a:t>21</a:t>
+              <a:t>22</a:t>
             </a:fld>
             <a:endParaRPr lang="fr-FR"/>
           </a:p>
@@ -4026,6 +4027,2129 @@
         </p:nvSpPr>
         <p:spPr>
           <a:xfrm>
+            <a:off x="283301" y="307130"/>
+            <a:ext cx="8664969" cy="6550870"/>
+          </a:xfrm>
+          <a:prstGeom prst="rect">
+            <a:avLst/>
+          </a:prstGeom>
+          <a:solidFill>
+            <a:schemeClr val="bg1">
+              <a:lumMod val="85000"/>
+              <a:alpha val="18000"/>
+            </a:schemeClr>
+          </a:solidFill>
+          <a:ln>
+            <a:solidFill>
+              <a:schemeClr val="tx1"/>
+            </a:solidFill>
+          </a:ln>
+        </p:spPr>
+        <p:style>
+          <a:lnRef idx="1">
+            <a:schemeClr val="accent1"/>
+          </a:lnRef>
+          <a:fillRef idx="3">
+            <a:schemeClr val="accent1"/>
+          </a:fillRef>
+          <a:effectRef idx="2">
+            <a:schemeClr val="accent1"/>
+          </a:effectRef>
+          <a:fontRef idx="minor">
+            <a:schemeClr val="lt1"/>
+          </a:fontRef>
+        </p:style>
+        <p:txBody>
+          <a:bodyPr rtlCol="0" anchor="ctr"/>
+          <a:lstStyle/>
+          <a:p>
+            <a:pPr algn="ctr"/>
+            <a:endParaRPr lang="fr-FR"/>
+          </a:p>
+        </p:txBody>
+      </p:sp>
+      <p:sp>
+        <p:nvSpPr>
+          <p:cNvPr id="11" name="Rectangle à coins arrondis 10"/>
+          <p:cNvSpPr/>
+          <p:nvPr/>
+        </p:nvSpPr>
+        <p:spPr>
+          <a:xfrm>
+            <a:off x="3020428" y="672132"/>
+            <a:ext cx="2871008" cy="2872640"/>
+          </a:xfrm>
+          <a:prstGeom prst="roundRect">
+            <a:avLst/>
+          </a:prstGeom>
+          <a:solidFill>
+            <a:srgbClr val="3366FF"/>
+          </a:solidFill>
+        </p:spPr>
+        <p:style>
+          <a:lnRef idx="1">
+            <a:schemeClr val="accent1"/>
+          </a:lnRef>
+          <a:fillRef idx="3">
+            <a:schemeClr val="accent1"/>
+          </a:fillRef>
+          <a:effectRef idx="2">
+            <a:schemeClr val="accent1"/>
+          </a:effectRef>
+          <a:fontRef idx="minor">
+            <a:schemeClr val="lt1"/>
+          </a:fontRef>
+        </p:style>
+        <p:txBody>
+          <a:bodyPr rtlCol="0" anchor="ctr"/>
+          <a:lstStyle/>
+          <a:p>
+            <a:pPr algn="ctr"/>
+            <a:r>
+              <a:rPr lang="eu-ES" sz="1400" dirty="0" smtClean="0"/>
+              <a:t>OpenETCS architecture SysML model - system level definition</a:t>
+            </a:r>
+          </a:p>
+          <a:p>
+            <a:pPr algn="ctr"/>
+            <a:endParaRPr lang="eu-ES" sz="1400" dirty="0"/>
+          </a:p>
+          <a:p>
+            <a:pPr algn="ctr"/>
+            <a:endParaRPr lang="eu-ES" sz="1400" dirty="0" smtClean="0"/>
+          </a:p>
+          <a:p>
+            <a:pPr algn="ctr"/>
+            <a:endParaRPr lang="eu-ES" sz="1400" dirty="0"/>
+          </a:p>
+          <a:p>
+            <a:pPr algn="ctr"/>
+            <a:endParaRPr lang="eu-ES" sz="1400" dirty="0" smtClean="0"/>
+          </a:p>
+          <a:p>
+            <a:pPr algn="ctr"/>
+            <a:endParaRPr lang="eu-ES" sz="1400" dirty="0" smtClean="0"/>
+          </a:p>
+          <a:p>
+            <a:pPr algn="ctr"/>
+            <a:endParaRPr lang="eu-ES" sz="1400" dirty="0"/>
+          </a:p>
+          <a:p>
+            <a:pPr algn="ctr"/>
+            <a:endParaRPr lang="eu-ES" sz="1400" dirty="0" smtClean="0"/>
+          </a:p>
+          <a:p>
+            <a:pPr algn="ctr"/>
+            <a:endParaRPr lang="eu-ES" sz="1400" dirty="0"/>
+          </a:p>
+          <a:p>
+            <a:pPr algn="ctr"/>
+            <a:endParaRPr lang="eu-ES" sz="1400" dirty="0" smtClean="0"/>
+          </a:p>
+          <a:p>
+            <a:pPr algn="ctr"/>
+            <a:endParaRPr lang="eu-ES" sz="1400" dirty="0"/>
+          </a:p>
+          <a:p>
+            <a:pPr algn="ctr"/>
+            <a:endParaRPr lang="eu-ES" sz="1400" dirty="0"/>
+          </a:p>
+        </p:txBody>
+      </p:sp>
+      <p:sp>
+        <p:nvSpPr>
+          <p:cNvPr id="70" name="ZoneTexte 69"/>
+          <p:cNvSpPr txBox="1"/>
+          <p:nvPr/>
+        </p:nvSpPr>
+        <p:spPr>
+          <a:xfrm>
+            <a:off x="334947" y="355060"/>
+            <a:ext cx="2204960" cy="317071"/>
+          </a:xfrm>
+          <a:prstGeom prst="rect">
+            <a:avLst/>
+          </a:prstGeom>
+          <a:noFill/>
+        </p:spPr>
+        <p:txBody>
+          <a:bodyPr wrap="none" rtlCol="0">
+            <a:spAutoFit/>
+          </a:bodyPr>
+          <a:lstStyle/>
+          <a:p>
+            <a:r>
+              <a:rPr lang="fr-FR" sz="1100" i="1" dirty="0" smtClean="0"/>
+              <a:t>OpenETCS </a:t>
+            </a:r>
+            <a:r>
+              <a:rPr lang="fr-FR" sz="1100" i="1" dirty="0" err="1" smtClean="0"/>
+              <a:t>product</a:t>
+            </a:r>
+            <a:r>
+              <a:rPr lang="fr-FR" sz="1100" i="1" dirty="0" smtClean="0"/>
+              <a:t> </a:t>
+            </a:r>
+            <a:r>
+              <a:rPr lang="fr-FR" sz="1100" i="1" dirty="0" err="1" smtClean="0"/>
+              <a:t>definition</a:t>
+            </a:r>
+            <a:endParaRPr lang="fr-FR" sz="1100" i="1" dirty="0"/>
+          </a:p>
+        </p:txBody>
+      </p:sp>
+      <p:pic>
+        <p:nvPicPr>
+          <p:cNvPr id="19" name="Image 18" descr="1stlevelarchitecture.PNG"/>
+          <p:cNvPicPr>
+            <a:picLocks noChangeAspect="1"/>
+          </p:cNvPicPr>
+          <p:nvPr/>
+        </p:nvPicPr>
+        <p:blipFill>
+          <a:blip r:embed="rId2">
+            <a:extLst>
+              <a:ext uri="{28A0092B-C50C-407E-A947-70E740481C1C}">
+                <a14:useLocalDpi xmlns:a14="http://schemas.microsoft.com/office/drawing/2010/main" val="0"/>
+              </a:ext>
+            </a:extLst>
+          </a:blip>
+          <a:stretch>
+            <a:fillRect/>
+          </a:stretch>
+        </p:blipFill>
+        <p:spPr>
+          <a:xfrm>
+            <a:off x="3412195" y="1307724"/>
+            <a:ext cx="1390605" cy="894849"/>
+          </a:xfrm>
+          <a:prstGeom prst="rect">
+            <a:avLst/>
+          </a:prstGeom>
+        </p:spPr>
+      </p:pic>
+      <p:sp>
+        <p:nvSpPr>
+          <p:cNvPr id="13" name="Cylindre 12"/>
+          <p:cNvSpPr/>
+          <p:nvPr/>
+        </p:nvSpPr>
+        <p:spPr>
+          <a:xfrm>
+            <a:off x="469608" y="1718170"/>
+            <a:ext cx="1889100" cy="4485467"/>
+          </a:xfrm>
+          <a:prstGeom prst="can">
+            <a:avLst>
+              <a:gd name="adj" fmla="val 16329"/>
+            </a:avLst>
+          </a:prstGeom>
+          <a:solidFill>
+            <a:srgbClr val="CC66FF"/>
+          </a:solidFill>
+          <a:ln>
+            <a:solidFill>
+              <a:srgbClr val="000000"/>
+            </a:solidFill>
+          </a:ln>
+        </p:spPr>
+        <p:style>
+          <a:lnRef idx="1">
+            <a:schemeClr val="accent1"/>
+          </a:lnRef>
+          <a:fillRef idx="3">
+            <a:schemeClr val="accent1"/>
+          </a:fillRef>
+          <a:effectRef idx="2">
+            <a:schemeClr val="accent1"/>
+          </a:effectRef>
+          <a:fontRef idx="minor">
+            <a:schemeClr val="lt1"/>
+          </a:fontRef>
+        </p:style>
+        <p:txBody>
+          <a:bodyPr rtlCol="0" anchor="ctr"/>
+          <a:lstStyle/>
+          <a:p>
+            <a:pPr algn="ctr"/>
+            <a:endParaRPr lang="fr-FR" sz="1600" dirty="0" smtClean="0">
+              <a:solidFill>
+                <a:schemeClr val="bg1"/>
+              </a:solidFill>
+            </a:endParaRPr>
+          </a:p>
+          <a:p>
+            <a:pPr algn="ctr"/>
+            <a:endParaRPr lang="fr-FR" sz="1600" dirty="0">
+              <a:solidFill>
+                <a:schemeClr val="bg1"/>
+              </a:solidFill>
+            </a:endParaRPr>
+          </a:p>
+          <a:p>
+            <a:pPr algn="ctr"/>
+            <a:endParaRPr lang="fr-FR" sz="1600" dirty="0" smtClean="0">
+              <a:solidFill>
+                <a:schemeClr val="bg1"/>
+              </a:solidFill>
+            </a:endParaRPr>
+          </a:p>
+          <a:p>
+            <a:pPr algn="ctr"/>
+            <a:r>
+              <a:rPr lang="fr-FR" sz="1600" dirty="0" smtClean="0">
+                <a:solidFill>
+                  <a:schemeClr val="bg1"/>
+                </a:solidFill>
+              </a:rPr>
+              <a:t>OpenETCS Software</a:t>
+            </a:r>
+          </a:p>
+          <a:p>
+            <a:pPr algn="ctr"/>
+            <a:r>
+              <a:rPr lang="fr-FR" sz="1600" dirty="0" smtClean="0">
+                <a:solidFill>
+                  <a:schemeClr val="bg1"/>
+                </a:solidFill>
+              </a:rPr>
+              <a:t>Requirements</a:t>
+            </a:r>
+          </a:p>
+          <a:p>
+            <a:pPr algn="ctr"/>
+            <a:endParaRPr lang="fr-FR" sz="1600" dirty="0">
+              <a:solidFill>
+                <a:schemeClr val="bg1"/>
+              </a:solidFill>
+            </a:endParaRPr>
+          </a:p>
+          <a:p>
+            <a:pPr algn="ctr"/>
+            <a:endParaRPr lang="fr-FR" sz="1600" dirty="0" smtClean="0">
+              <a:solidFill>
+                <a:schemeClr val="bg1"/>
+              </a:solidFill>
+            </a:endParaRPr>
+          </a:p>
+          <a:p>
+            <a:pPr algn="ctr"/>
+            <a:endParaRPr lang="fr-FR" sz="1600" dirty="0" smtClean="0">
+              <a:solidFill>
+                <a:schemeClr val="bg1"/>
+              </a:solidFill>
+            </a:endParaRPr>
+          </a:p>
+          <a:p>
+            <a:pPr algn="ctr"/>
+            <a:endParaRPr lang="fr-FR" sz="1600" dirty="0" smtClean="0">
+              <a:solidFill>
+                <a:schemeClr val="bg1"/>
+              </a:solidFill>
+            </a:endParaRPr>
+          </a:p>
+          <a:p>
+            <a:pPr algn="ctr"/>
+            <a:endParaRPr lang="fr-FR" sz="1600" dirty="0">
+              <a:solidFill>
+                <a:schemeClr val="bg1"/>
+              </a:solidFill>
+            </a:endParaRPr>
+          </a:p>
+          <a:p>
+            <a:pPr algn="ctr"/>
+            <a:endParaRPr lang="fr-FR" sz="1600" dirty="0" smtClean="0">
+              <a:solidFill>
+                <a:schemeClr val="bg1"/>
+              </a:solidFill>
+            </a:endParaRPr>
+          </a:p>
+          <a:p>
+            <a:pPr algn="ctr"/>
+            <a:endParaRPr lang="fr-FR" sz="1600" dirty="0">
+              <a:solidFill>
+                <a:schemeClr val="bg1"/>
+              </a:solidFill>
+            </a:endParaRPr>
+          </a:p>
+          <a:p>
+            <a:pPr algn="ctr"/>
+            <a:endParaRPr lang="fr-FR" sz="1600" dirty="0" smtClean="0">
+              <a:solidFill>
+                <a:schemeClr val="bg1"/>
+              </a:solidFill>
+            </a:endParaRPr>
+          </a:p>
+          <a:p>
+            <a:pPr algn="ctr"/>
+            <a:endParaRPr lang="fr-FR" sz="1600" dirty="0">
+              <a:solidFill>
+                <a:schemeClr val="bg1"/>
+              </a:solidFill>
+            </a:endParaRPr>
+          </a:p>
+          <a:p>
+            <a:pPr algn="ctr"/>
+            <a:endParaRPr lang="fr-FR" sz="1600" dirty="0" smtClean="0">
+              <a:solidFill>
+                <a:schemeClr val="bg1"/>
+              </a:solidFill>
+            </a:endParaRPr>
+          </a:p>
+          <a:p>
+            <a:pPr algn="ctr"/>
+            <a:endParaRPr lang="fr-FR" sz="1600" dirty="0" smtClean="0">
+              <a:solidFill>
+                <a:schemeClr val="bg1"/>
+              </a:solidFill>
+            </a:endParaRPr>
+          </a:p>
+          <a:p>
+            <a:pPr algn="ctr"/>
+            <a:endParaRPr lang="fr-FR" sz="1600" dirty="0">
+              <a:solidFill>
+                <a:schemeClr val="bg1"/>
+              </a:solidFill>
+            </a:endParaRPr>
+          </a:p>
+          <a:p>
+            <a:pPr algn="ctr"/>
+            <a:endParaRPr lang="fr-FR" sz="1600" dirty="0" smtClean="0">
+              <a:solidFill>
+                <a:schemeClr val="bg1"/>
+              </a:solidFill>
+            </a:endParaRPr>
+          </a:p>
+          <a:p>
+            <a:pPr algn="ctr"/>
+            <a:endParaRPr lang="fr-FR" sz="1600" dirty="0">
+              <a:solidFill>
+                <a:schemeClr val="bg1"/>
+              </a:solidFill>
+            </a:endParaRPr>
+          </a:p>
+          <a:p>
+            <a:pPr algn="ctr"/>
+            <a:endParaRPr lang="fr-FR" sz="1600" dirty="0" smtClean="0">
+              <a:solidFill>
+                <a:schemeClr val="bg1"/>
+              </a:solidFill>
+            </a:endParaRPr>
+          </a:p>
+          <a:p>
+            <a:pPr algn="ctr"/>
+            <a:endParaRPr lang="fr-FR" sz="1600" dirty="0" smtClean="0">
+              <a:solidFill>
+                <a:schemeClr val="bg1"/>
+              </a:solidFill>
+            </a:endParaRPr>
+          </a:p>
+          <a:p>
+            <a:pPr algn="ctr"/>
+            <a:endParaRPr lang="fr-FR" sz="1600" dirty="0">
+              <a:solidFill>
+                <a:schemeClr val="bg1"/>
+              </a:solidFill>
+            </a:endParaRPr>
+          </a:p>
+        </p:txBody>
+      </p:sp>
+      <p:pic>
+        <p:nvPicPr>
+          <p:cNvPr id="2" name="Image 1" descr="2ndlevelarchitecture.PNG"/>
+          <p:cNvPicPr>
+            <a:picLocks noChangeAspect="1"/>
+          </p:cNvPicPr>
+          <p:nvPr/>
+        </p:nvPicPr>
+        <p:blipFill>
+          <a:blip r:embed="rId3">
+            <a:extLst>
+              <a:ext uri="{28A0092B-C50C-407E-A947-70E740481C1C}">
+                <a14:useLocalDpi xmlns:a14="http://schemas.microsoft.com/office/drawing/2010/main" val="0"/>
+              </a:ext>
+            </a:extLst>
+          </a:blip>
+          <a:stretch>
+            <a:fillRect/>
+          </a:stretch>
+        </p:blipFill>
+        <p:spPr>
+          <a:xfrm>
+            <a:off x="3137831" y="2283307"/>
+            <a:ext cx="2600646" cy="1163697"/>
+          </a:xfrm>
+          <a:prstGeom prst="rect">
+            <a:avLst/>
+          </a:prstGeom>
+        </p:spPr>
+      </p:pic>
+      <p:sp>
+        <p:nvSpPr>
+          <p:cNvPr id="14" name="Rectangle à coins arrondis 13"/>
+          <p:cNvSpPr/>
+          <p:nvPr/>
+        </p:nvSpPr>
+        <p:spPr>
+          <a:xfrm>
+            <a:off x="6489162" y="2428464"/>
+            <a:ext cx="2380011" cy="3494411"/>
+          </a:xfrm>
+          <a:prstGeom prst="roundRect">
+            <a:avLst/>
+          </a:prstGeom>
+          <a:solidFill>
+            <a:srgbClr val="3366FF"/>
+          </a:solidFill>
+        </p:spPr>
+        <p:style>
+          <a:lnRef idx="1">
+            <a:schemeClr val="accent1"/>
+          </a:lnRef>
+          <a:fillRef idx="3">
+            <a:schemeClr val="accent1"/>
+          </a:fillRef>
+          <a:effectRef idx="2">
+            <a:schemeClr val="accent1"/>
+          </a:effectRef>
+          <a:fontRef idx="minor">
+            <a:schemeClr val="lt1"/>
+          </a:fontRef>
+        </p:style>
+        <p:txBody>
+          <a:bodyPr rtlCol="0" anchor="ctr"/>
+          <a:lstStyle/>
+          <a:p>
+            <a:pPr algn="ctr"/>
+            <a:r>
+              <a:rPr lang="eu-ES" sz="1400" dirty="0" smtClean="0"/>
+              <a:t>OpenETCS (formal) executable SCADE</a:t>
+            </a:r>
+          </a:p>
+          <a:p>
+            <a:pPr algn="ctr"/>
+            <a:r>
+              <a:rPr lang="fr-FR" sz="1400" dirty="0" smtClean="0"/>
+              <a:t>M</a:t>
+            </a:r>
+            <a:r>
+              <a:rPr lang="eu-ES" sz="1400" dirty="0" smtClean="0"/>
+              <a:t>odel</a:t>
+            </a:r>
+          </a:p>
+          <a:p>
+            <a:pPr algn="ctr"/>
+            <a:endParaRPr lang="eu-ES" sz="1400" dirty="0"/>
+          </a:p>
+          <a:p>
+            <a:pPr algn="ctr"/>
+            <a:endParaRPr lang="eu-ES" sz="1400" dirty="0" smtClean="0"/>
+          </a:p>
+          <a:p>
+            <a:pPr algn="ctr"/>
+            <a:endParaRPr lang="eu-ES" sz="1400" dirty="0" smtClean="0"/>
+          </a:p>
+          <a:p>
+            <a:pPr algn="ctr"/>
+            <a:endParaRPr lang="eu-ES" dirty="0" smtClean="0"/>
+          </a:p>
+          <a:p>
+            <a:pPr algn="ctr"/>
+            <a:endParaRPr lang="eu-ES" dirty="0"/>
+          </a:p>
+          <a:p>
+            <a:pPr algn="ctr"/>
+            <a:endParaRPr lang="eu-ES" dirty="0" smtClean="0"/>
+          </a:p>
+          <a:p>
+            <a:pPr algn="ctr"/>
+            <a:endParaRPr lang="eu-ES" dirty="0"/>
+          </a:p>
+          <a:p>
+            <a:pPr algn="ctr"/>
+            <a:endParaRPr lang="eu-ES" dirty="0"/>
+          </a:p>
+        </p:txBody>
+      </p:sp>
+      <p:sp>
+        <p:nvSpPr>
+          <p:cNvPr id="15" name="Rectangle à coins arrondis 14"/>
+          <p:cNvSpPr/>
+          <p:nvPr/>
+        </p:nvSpPr>
+        <p:spPr>
+          <a:xfrm>
+            <a:off x="7177335" y="4674186"/>
+            <a:ext cx="1421305" cy="587034"/>
+          </a:xfrm>
+          <a:prstGeom prst="roundRect">
+            <a:avLst/>
+          </a:prstGeom>
+          <a:solidFill>
+            <a:srgbClr val="0000FF">
+              <a:alpha val="68000"/>
+            </a:srgbClr>
+          </a:solidFill>
+          <a:ln>
+            <a:solidFill>
+              <a:schemeClr val="tx1"/>
+            </a:solidFill>
+          </a:ln>
+        </p:spPr>
+        <p:style>
+          <a:lnRef idx="1">
+            <a:schemeClr val="accent1"/>
+          </a:lnRef>
+          <a:fillRef idx="3">
+            <a:schemeClr val="accent1"/>
+          </a:fillRef>
+          <a:effectRef idx="2">
+            <a:schemeClr val="accent1"/>
+          </a:effectRef>
+          <a:fontRef idx="minor">
+            <a:schemeClr val="lt1"/>
+          </a:fontRef>
+        </p:style>
+        <p:txBody>
+          <a:bodyPr rtlCol="0" anchor="ctr"/>
+          <a:lstStyle/>
+          <a:p>
+            <a:pPr algn="ctr"/>
+            <a:endParaRPr lang="eu-ES" sz="1100" dirty="0"/>
+          </a:p>
+        </p:txBody>
+      </p:sp>
+      <p:sp>
+        <p:nvSpPr>
+          <p:cNvPr id="16" name="Rectangle à coins arrondis 15"/>
+          <p:cNvSpPr/>
+          <p:nvPr/>
+        </p:nvSpPr>
+        <p:spPr>
+          <a:xfrm>
+            <a:off x="7229428" y="4732821"/>
+            <a:ext cx="1449343" cy="613773"/>
+          </a:xfrm>
+          <a:prstGeom prst="roundRect">
+            <a:avLst/>
+          </a:prstGeom>
+          <a:solidFill>
+            <a:srgbClr val="0000FF">
+              <a:alpha val="68000"/>
+            </a:srgbClr>
+          </a:solidFill>
+          <a:ln>
+            <a:solidFill>
+              <a:srgbClr val="000000"/>
+            </a:solidFill>
+          </a:ln>
+        </p:spPr>
+        <p:style>
+          <a:lnRef idx="1">
+            <a:schemeClr val="accent1"/>
+          </a:lnRef>
+          <a:fillRef idx="3">
+            <a:schemeClr val="accent1"/>
+          </a:fillRef>
+          <a:effectRef idx="2">
+            <a:schemeClr val="accent1"/>
+          </a:effectRef>
+          <a:fontRef idx="minor">
+            <a:schemeClr val="lt1"/>
+          </a:fontRef>
+        </p:style>
+        <p:txBody>
+          <a:bodyPr rtlCol="0" anchor="ctr"/>
+          <a:lstStyle/>
+          <a:p>
+            <a:pPr algn="ctr"/>
+            <a:endParaRPr lang="eu-ES" sz="1100" dirty="0"/>
+          </a:p>
+        </p:txBody>
+      </p:sp>
+      <p:sp>
+        <p:nvSpPr>
+          <p:cNvPr id="17" name="Rectangle à coins arrondis 16"/>
+          <p:cNvSpPr/>
+          <p:nvPr/>
+        </p:nvSpPr>
+        <p:spPr>
+          <a:xfrm>
+            <a:off x="7309427" y="4822838"/>
+            <a:ext cx="1481016" cy="619804"/>
+          </a:xfrm>
+          <a:prstGeom prst="roundRect">
+            <a:avLst/>
+          </a:prstGeom>
+          <a:solidFill>
+            <a:srgbClr val="0000FF">
+              <a:alpha val="68000"/>
+            </a:srgbClr>
+          </a:solidFill>
+          <a:ln>
+            <a:solidFill>
+              <a:srgbClr val="000000"/>
+            </a:solidFill>
+          </a:ln>
+        </p:spPr>
+        <p:style>
+          <a:lnRef idx="1">
+            <a:schemeClr val="accent1"/>
+          </a:lnRef>
+          <a:fillRef idx="3">
+            <a:schemeClr val="accent1"/>
+          </a:fillRef>
+          <a:effectRef idx="2">
+            <a:schemeClr val="accent1"/>
+          </a:effectRef>
+          <a:fontRef idx="minor">
+            <a:schemeClr val="lt1"/>
+          </a:fontRef>
+        </p:style>
+        <p:txBody>
+          <a:bodyPr rtlCol="0" anchor="ctr"/>
+          <a:lstStyle/>
+          <a:p>
+            <a:pPr algn="ctr"/>
+            <a:r>
+              <a:rPr lang="eu-ES" sz="1100" dirty="0" smtClean="0"/>
+              <a:t>Detailed design function model</a:t>
+            </a:r>
+            <a:endParaRPr lang="eu-ES" sz="1100" dirty="0"/>
+          </a:p>
+        </p:txBody>
+      </p:sp>
+      <p:sp>
+        <p:nvSpPr>
+          <p:cNvPr id="18" name="Rectangle à coins arrondis 17"/>
+          <p:cNvSpPr/>
+          <p:nvPr/>
+        </p:nvSpPr>
+        <p:spPr>
+          <a:xfrm>
+            <a:off x="6627997" y="3544771"/>
+            <a:ext cx="1689965" cy="441568"/>
+          </a:xfrm>
+          <a:prstGeom prst="roundRect">
+            <a:avLst/>
+          </a:prstGeom>
+          <a:solidFill>
+            <a:srgbClr val="0000FF">
+              <a:alpha val="68000"/>
+            </a:srgbClr>
+          </a:solidFill>
+          <a:ln>
+            <a:solidFill>
+              <a:srgbClr val="000000"/>
+            </a:solidFill>
+          </a:ln>
+        </p:spPr>
+        <p:style>
+          <a:lnRef idx="1">
+            <a:schemeClr val="accent1"/>
+          </a:lnRef>
+          <a:fillRef idx="3">
+            <a:schemeClr val="accent1"/>
+          </a:fillRef>
+          <a:effectRef idx="2">
+            <a:schemeClr val="accent1"/>
+          </a:effectRef>
+          <a:fontRef idx="minor">
+            <a:schemeClr val="lt1"/>
+          </a:fontRef>
+        </p:style>
+        <p:txBody>
+          <a:bodyPr rtlCol="0" anchor="ctr"/>
+          <a:lstStyle/>
+          <a:p>
+            <a:pPr algn="ctr"/>
+            <a:endParaRPr lang="eu-ES" sz="1100" dirty="0"/>
+          </a:p>
+        </p:txBody>
+      </p:sp>
+      <p:sp>
+        <p:nvSpPr>
+          <p:cNvPr id="20" name="Rectangle à coins arrondis 19"/>
+          <p:cNvSpPr/>
+          <p:nvPr/>
+        </p:nvSpPr>
+        <p:spPr>
+          <a:xfrm>
+            <a:off x="6737074" y="3650584"/>
+            <a:ext cx="1672503" cy="441568"/>
+          </a:xfrm>
+          <a:prstGeom prst="roundRect">
+            <a:avLst/>
+          </a:prstGeom>
+          <a:solidFill>
+            <a:srgbClr val="0000FF">
+              <a:alpha val="68000"/>
+            </a:srgbClr>
+          </a:solidFill>
+          <a:ln>
+            <a:solidFill>
+              <a:srgbClr val="000000"/>
+            </a:solidFill>
+          </a:ln>
+        </p:spPr>
+        <p:style>
+          <a:lnRef idx="1">
+            <a:schemeClr val="accent1"/>
+          </a:lnRef>
+          <a:fillRef idx="3">
+            <a:schemeClr val="accent1"/>
+          </a:fillRef>
+          <a:effectRef idx="2">
+            <a:schemeClr val="accent1"/>
+          </a:effectRef>
+          <a:fontRef idx="minor">
+            <a:schemeClr val="lt1"/>
+          </a:fontRef>
+        </p:style>
+        <p:txBody>
+          <a:bodyPr rtlCol="0" anchor="ctr"/>
+          <a:lstStyle/>
+          <a:p>
+            <a:pPr algn="ctr"/>
+            <a:r>
+              <a:rPr lang="fr-FR" sz="1100" dirty="0" err="1" smtClean="0"/>
+              <a:t>Integration</a:t>
+            </a:r>
+            <a:r>
+              <a:rPr lang="fr-FR" sz="1100" dirty="0" smtClean="0"/>
+              <a:t> model</a:t>
+            </a:r>
+            <a:endParaRPr lang="eu-ES" sz="1100" dirty="0"/>
+          </a:p>
+        </p:txBody>
+      </p:sp>
+      <p:sp>
+        <p:nvSpPr>
+          <p:cNvPr id="21" name="ZoneTexte 20"/>
+          <p:cNvSpPr txBox="1"/>
+          <p:nvPr/>
+        </p:nvSpPr>
+        <p:spPr>
+          <a:xfrm rot="1980773">
+            <a:off x="5225066" y="2481422"/>
+            <a:ext cx="1890032" cy="307777"/>
+          </a:xfrm>
+          <a:prstGeom prst="rect">
+            <a:avLst/>
+          </a:prstGeom>
+          <a:noFill/>
+        </p:spPr>
+        <p:txBody>
+          <a:bodyPr wrap="square" rtlCol="0">
+            <a:spAutoFit/>
+          </a:bodyPr>
+          <a:lstStyle/>
+          <a:p>
+            <a:pPr algn="ctr"/>
+            <a:r>
+              <a:rPr lang="fr-FR" sz="1400" dirty="0" err="1" smtClean="0"/>
+              <a:t>Reflect</a:t>
+            </a:r>
+            <a:r>
+              <a:rPr lang="fr-FR" sz="1400" dirty="0" smtClean="0"/>
+              <a:t> architecture</a:t>
+            </a:r>
+            <a:endParaRPr lang="fr-FR" sz="1400" dirty="0"/>
+          </a:p>
+        </p:txBody>
+      </p:sp>
+      <p:cxnSp>
+        <p:nvCxnSpPr>
+          <p:cNvPr id="22" name="Connecteur droit avec flèche 21"/>
+          <p:cNvCxnSpPr/>
+          <p:nvPr/>
+        </p:nvCxnSpPr>
+        <p:spPr>
+          <a:xfrm>
+            <a:off x="4909530" y="3190880"/>
+            <a:ext cx="2267805" cy="1541942"/>
+          </a:xfrm>
+          <a:prstGeom prst="straightConnector1">
+            <a:avLst/>
+          </a:prstGeom>
+          <a:ln w="28575" cmpd="sng">
+            <a:solidFill>
+              <a:srgbClr val="000000"/>
+            </a:solidFill>
+            <a:tailEnd type="arrow"/>
+          </a:ln>
+        </p:spPr>
+        <p:style>
+          <a:lnRef idx="2">
+            <a:schemeClr val="accent1"/>
+          </a:lnRef>
+          <a:fillRef idx="0">
+            <a:schemeClr val="accent1"/>
+          </a:fillRef>
+          <a:effectRef idx="1">
+            <a:schemeClr val="accent1"/>
+          </a:effectRef>
+          <a:fontRef idx="minor">
+            <a:schemeClr val="tx1"/>
+          </a:fontRef>
+        </p:style>
+      </p:cxnSp>
+      <p:sp>
+        <p:nvSpPr>
+          <p:cNvPr id="24" name="ZoneTexte 23"/>
+          <p:cNvSpPr txBox="1"/>
+          <p:nvPr/>
+        </p:nvSpPr>
+        <p:spPr>
+          <a:xfrm rot="2209508">
+            <a:off x="5051468" y="4007847"/>
+            <a:ext cx="1494563" cy="307777"/>
+          </a:xfrm>
+          <a:prstGeom prst="rect">
+            <a:avLst/>
+          </a:prstGeom>
+          <a:noFill/>
+        </p:spPr>
+        <p:txBody>
+          <a:bodyPr wrap="square" rtlCol="0">
+            <a:spAutoFit/>
+          </a:bodyPr>
+          <a:lstStyle/>
+          <a:p>
+            <a:pPr algn="ctr"/>
+            <a:r>
+              <a:rPr lang="fr-FR" sz="1400" dirty="0" err="1" smtClean="0"/>
+              <a:t>Functional</a:t>
+            </a:r>
+            <a:r>
+              <a:rPr lang="fr-FR" sz="1400" dirty="0" smtClean="0"/>
+              <a:t> block</a:t>
+            </a:r>
+            <a:endParaRPr lang="fr-FR" sz="1400" dirty="0"/>
+          </a:p>
+        </p:txBody>
+      </p:sp>
+      <p:cxnSp>
+        <p:nvCxnSpPr>
+          <p:cNvPr id="26" name="Connecteur droit avec flèche 25"/>
+          <p:cNvCxnSpPr>
+            <a:endCxn id="17" idx="1"/>
+          </p:cNvCxnSpPr>
+          <p:nvPr/>
+        </p:nvCxnSpPr>
+        <p:spPr>
+          <a:xfrm>
+            <a:off x="4706745" y="3279225"/>
+            <a:ext cx="2602682" cy="1853515"/>
+          </a:xfrm>
+          <a:prstGeom prst="straightConnector1">
+            <a:avLst/>
+          </a:prstGeom>
+          <a:ln w="28575" cmpd="sng">
+            <a:solidFill>
+              <a:srgbClr val="000000"/>
+            </a:solidFill>
+            <a:tailEnd type="arrow"/>
+          </a:ln>
+        </p:spPr>
+        <p:style>
+          <a:lnRef idx="2">
+            <a:schemeClr val="accent1"/>
+          </a:lnRef>
+          <a:fillRef idx="0">
+            <a:schemeClr val="accent1"/>
+          </a:fillRef>
+          <a:effectRef idx="1">
+            <a:schemeClr val="accent1"/>
+          </a:effectRef>
+          <a:fontRef idx="minor">
+            <a:schemeClr val="tx1"/>
+          </a:fontRef>
+        </p:style>
+      </p:cxnSp>
+      <p:cxnSp>
+        <p:nvCxnSpPr>
+          <p:cNvPr id="28" name="Connecteur droit avec flèche 27"/>
+          <p:cNvCxnSpPr>
+            <a:stCxn id="2" idx="3"/>
+          </p:cNvCxnSpPr>
+          <p:nvPr/>
+        </p:nvCxnSpPr>
+        <p:spPr>
+          <a:xfrm>
+            <a:off x="5738477" y="2865156"/>
+            <a:ext cx="998597" cy="666978"/>
+          </a:xfrm>
+          <a:prstGeom prst="straightConnector1">
+            <a:avLst/>
+          </a:prstGeom>
+          <a:ln w="28575" cmpd="sng">
+            <a:solidFill>
+              <a:srgbClr val="000000"/>
+            </a:solidFill>
+            <a:tailEnd type="arrow"/>
+          </a:ln>
+        </p:spPr>
+        <p:style>
+          <a:lnRef idx="2">
+            <a:schemeClr val="accent1"/>
+          </a:lnRef>
+          <a:fillRef idx="0">
+            <a:schemeClr val="accent1"/>
+          </a:fillRef>
+          <a:effectRef idx="1">
+            <a:schemeClr val="accent1"/>
+          </a:effectRef>
+          <a:fontRef idx="minor">
+            <a:schemeClr val="tx1"/>
+          </a:fontRef>
+        </p:style>
+      </p:cxnSp>
+      <p:cxnSp>
+        <p:nvCxnSpPr>
+          <p:cNvPr id="29" name="Connecteur droit avec flèche 28"/>
+          <p:cNvCxnSpPr/>
+          <p:nvPr/>
+        </p:nvCxnSpPr>
+        <p:spPr>
+          <a:xfrm flipV="1">
+            <a:off x="8124098" y="4050836"/>
+            <a:ext cx="0" cy="840534"/>
+          </a:xfrm>
+          <a:prstGeom prst="straightConnector1">
+            <a:avLst/>
+          </a:prstGeom>
+          <a:ln w="28575" cmpd="sng">
+            <a:solidFill>
+              <a:srgbClr val="000000"/>
+            </a:solidFill>
+            <a:tailEnd type="arrow"/>
+          </a:ln>
+        </p:spPr>
+        <p:style>
+          <a:lnRef idx="2">
+            <a:schemeClr val="accent1"/>
+          </a:lnRef>
+          <a:fillRef idx="0">
+            <a:schemeClr val="accent1"/>
+          </a:fillRef>
+          <a:effectRef idx="1">
+            <a:schemeClr val="accent1"/>
+          </a:effectRef>
+          <a:fontRef idx="minor">
+            <a:schemeClr val="tx1"/>
+          </a:fontRef>
+        </p:style>
+      </p:cxnSp>
+      <p:sp>
+        <p:nvSpPr>
+          <p:cNvPr id="30" name="ZoneTexte 29"/>
+          <p:cNvSpPr txBox="1"/>
+          <p:nvPr/>
+        </p:nvSpPr>
+        <p:spPr>
+          <a:xfrm>
+            <a:off x="7123770" y="4229893"/>
+            <a:ext cx="924253" cy="261610"/>
+          </a:xfrm>
+          <a:prstGeom prst="rect">
+            <a:avLst/>
+          </a:prstGeom>
+          <a:noFill/>
+        </p:spPr>
+        <p:txBody>
+          <a:bodyPr wrap="square" rtlCol="0">
+            <a:spAutoFit/>
+          </a:bodyPr>
+          <a:lstStyle/>
+          <a:p>
+            <a:pPr algn="ctr"/>
+            <a:r>
+              <a:rPr lang="fr-FR" sz="1100" dirty="0" err="1" smtClean="0">
+                <a:solidFill>
+                  <a:schemeClr val="bg1"/>
+                </a:solidFill>
+              </a:rPr>
+              <a:t>integration</a:t>
+            </a:r>
+            <a:endParaRPr lang="fr-FR" sz="1100" dirty="0">
+              <a:solidFill>
+                <a:schemeClr val="bg1"/>
+              </a:solidFill>
+            </a:endParaRPr>
+          </a:p>
+        </p:txBody>
+      </p:sp>
+      <p:cxnSp>
+        <p:nvCxnSpPr>
+          <p:cNvPr id="31" name="Connecteur droit avec flèche 30"/>
+          <p:cNvCxnSpPr/>
+          <p:nvPr/>
+        </p:nvCxnSpPr>
+        <p:spPr>
+          <a:xfrm flipV="1">
+            <a:off x="7954114" y="4050836"/>
+            <a:ext cx="0" cy="593697"/>
+          </a:xfrm>
+          <a:prstGeom prst="straightConnector1">
+            <a:avLst/>
+          </a:prstGeom>
+          <a:ln w="28575" cmpd="sng">
+            <a:solidFill>
+              <a:srgbClr val="000000"/>
+            </a:solidFill>
+            <a:tailEnd type="arrow"/>
+          </a:ln>
+        </p:spPr>
+        <p:style>
+          <a:lnRef idx="2">
+            <a:schemeClr val="accent1"/>
+          </a:lnRef>
+          <a:fillRef idx="0">
+            <a:schemeClr val="accent1"/>
+          </a:fillRef>
+          <a:effectRef idx="1">
+            <a:schemeClr val="accent1"/>
+          </a:effectRef>
+          <a:fontRef idx="minor">
+            <a:schemeClr val="tx1"/>
+          </a:fontRef>
+        </p:style>
+      </p:cxnSp>
+      <p:sp>
+        <p:nvSpPr>
+          <p:cNvPr id="38" name="Rectangle 37"/>
+          <p:cNvSpPr/>
+          <p:nvPr/>
+        </p:nvSpPr>
+        <p:spPr>
+          <a:xfrm>
+            <a:off x="676472" y="3279226"/>
+            <a:ext cx="1504877" cy="1747220"/>
+          </a:xfrm>
+          <a:prstGeom prst="rect">
+            <a:avLst/>
+          </a:prstGeom>
+          <a:solidFill>
+            <a:srgbClr val="CC66FF"/>
+          </a:solidFill>
+          <a:ln>
+            <a:solidFill>
+              <a:schemeClr val="bg1"/>
+            </a:solidFill>
+          </a:ln>
+        </p:spPr>
+        <p:style>
+          <a:lnRef idx="1">
+            <a:schemeClr val="accent1"/>
+          </a:lnRef>
+          <a:fillRef idx="3">
+            <a:schemeClr val="accent1"/>
+          </a:fillRef>
+          <a:effectRef idx="2">
+            <a:schemeClr val="accent1"/>
+          </a:effectRef>
+          <a:fontRef idx="minor">
+            <a:schemeClr val="lt1"/>
+          </a:fontRef>
+        </p:style>
+        <p:txBody>
+          <a:bodyPr rtlCol="0" anchor="ctr"/>
+          <a:lstStyle/>
+          <a:p>
+            <a:pPr algn="ctr"/>
+            <a:r>
+              <a:rPr lang="fr-FR" sz="1600" dirty="0" smtClean="0"/>
+              <a:t>Software </a:t>
+            </a:r>
+            <a:r>
+              <a:rPr lang="fr-FR" sz="1600" dirty="0" err="1" smtClean="0"/>
+              <a:t>level</a:t>
+            </a:r>
+            <a:endParaRPr lang="fr-FR" sz="1600" dirty="0"/>
+          </a:p>
+        </p:txBody>
+      </p:sp>
+      <p:cxnSp>
+        <p:nvCxnSpPr>
+          <p:cNvPr id="39" name="Connecteur droit avec flèche 38"/>
+          <p:cNvCxnSpPr/>
+          <p:nvPr/>
+        </p:nvCxnSpPr>
+        <p:spPr>
+          <a:xfrm flipH="1" flipV="1">
+            <a:off x="2181349" y="4732821"/>
+            <a:ext cx="5048079" cy="1"/>
+          </a:xfrm>
+          <a:prstGeom prst="straightConnector1">
+            <a:avLst/>
+          </a:prstGeom>
+          <a:ln>
+            <a:solidFill>
+              <a:srgbClr val="FF6600"/>
+            </a:solidFill>
+            <a:prstDash val="sysDash"/>
+            <a:headEnd type="oval"/>
+            <a:tailEnd type="stealth" w="lg" len="lg"/>
+          </a:ln>
+        </p:spPr>
+        <p:style>
+          <a:lnRef idx="2">
+            <a:schemeClr val="accent1"/>
+          </a:lnRef>
+          <a:fillRef idx="0">
+            <a:schemeClr val="accent1"/>
+          </a:fillRef>
+          <a:effectRef idx="1">
+            <a:schemeClr val="accent1"/>
+          </a:effectRef>
+          <a:fontRef idx="minor">
+            <a:schemeClr val="tx1"/>
+          </a:fontRef>
+        </p:style>
+      </p:cxnSp>
+      <p:cxnSp>
+        <p:nvCxnSpPr>
+          <p:cNvPr id="42" name="Connecteur droit avec flèche 41"/>
+          <p:cNvCxnSpPr/>
+          <p:nvPr/>
+        </p:nvCxnSpPr>
+        <p:spPr>
+          <a:xfrm flipH="1" flipV="1">
+            <a:off x="2181350" y="4891370"/>
+            <a:ext cx="5048080" cy="6689"/>
+          </a:xfrm>
+          <a:prstGeom prst="straightConnector1">
+            <a:avLst/>
+          </a:prstGeom>
+          <a:ln>
+            <a:solidFill>
+              <a:srgbClr val="FF6600"/>
+            </a:solidFill>
+            <a:prstDash val="sysDash"/>
+            <a:headEnd type="oval"/>
+            <a:tailEnd type="stealth" w="lg" len="lg"/>
+          </a:ln>
+        </p:spPr>
+        <p:style>
+          <a:lnRef idx="2">
+            <a:schemeClr val="accent1"/>
+          </a:lnRef>
+          <a:fillRef idx="0">
+            <a:schemeClr val="accent1"/>
+          </a:fillRef>
+          <a:effectRef idx="1">
+            <a:schemeClr val="accent1"/>
+          </a:effectRef>
+          <a:fontRef idx="minor">
+            <a:schemeClr val="tx1"/>
+          </a:fontRef>
+        </p:style>
+      </p:cxnSp>
+      <p:sp>
+        <p:nvSpPr>
+          <p:cNvPr id="46" name="Rectangle 45"/>
+          <p:cNvSpPr/>
+          <p:nvPr/>
+        </p:nvSpPr>
+        <p:spPr>
+          <a:xfrm>
+            <a:off x="676473" y="5261220"/>
+            <a:ext cx="1504877" cy="661655"/>
+          </a:xfrm>
+          <a:prstGeom prst="rect">
+            <a:avLst/>
+          </a:prstGeom>
+          <a:solidFill>
+            <a:srgbClr val="CC66FF"/>
+          </a:solidFill>
+          <a:ln>
+            <a:solidFill>
+              <a:schemeClr val="bg1"/>
+            </a:solidFill>
+          </a:ln>
+        </p:spPr>
+        <p:style>
+          <a:lnRef idx="1">
+            <a:schemeClr val="accent1"/>
+          </a:lnRef>
+          <a:fillRef idx="3">
+            <a:schemeClr val="accent1"/>
+          </a:fillRef>
+          <a:effectRef idx="2">
+            <a:schemeClr val="accent1"/>
+          </a:effectRef>
+          <a:fontRef idx="minor">
+            <a:schemeClr val="lt1"/>
+          </a:fontRef>
+        </p:style>
+        <p:txBody>
+          <a:bodyPr rtlCol="0" anchor="ctr"/>
+          <a:lstStyle/>
+          <a:p>
+            <a:pPr algn="ctr"/>
+            <a:r>
+              <a:rPr lang="fr-FR" sz="1600" dirty="0" smtClean="0"/>
+              <a:t>Component</a:t>
+            </a:r>
+          </a:p>
+          <a:p>
+            <a:pPr algn="ctr"/>
+            <a:r>
+              <a:rPr lang="fr-FR" sz="1600" dirty="0" err="1" smtClean="0"/>
+              <a:t>level</a:t>
+            </a:r>
+            <a:endParaRPr lang="fr-FR" sz="1600" dirty="0"/>
+          </a:p>
+        </p:txBody>
+      </p:sp>
+      <p:cxnSp>
+        <p:nvCxnSpPr>
+          <p:cNvPr id="51" name="Connecteur droit avec flèche 50"/>
+          <p:cNvCxnSpPr>
+            <a:endCxn id="46" idx="3"/>
+          </p:cNvCxnSpPr>
+          <p:nvPr/>
+        </p:nvCxnSpPr>
+        <p:spPr>
+          <a:xfrm flipH="1">
+            <a:off x="2181350" y="5349939"/>
+            <a:ext cx="5200480" cy="242109"/>
+          </a:xfrm>
+          <a:prstGeom prst="straightConnector1">
+            <a:avLst/>
+          </a:prstGeom>
+          <a:ln>
+            <a:solidFill>
+              <a:srgbClr val="FF6600"/>
+            </a:solidFill>
+            <a:prstDash val="sysDash"/>
+            <a:headEnd type="oval"/>
+            <a:tailEnd type="stealth" w="lg" len="lg"/>
+          </a:ln>
+        </p:spPr>
+        <p:style>
+          <a:lnRef idx="2">
+            <a:schemeClr val="accent1"/>
+          </a:lnRef>
+          <a:fillRef idx="0">
+            <a:schemeClr val="accent1"/>
+          </a:fillRef>
+          <a:effectRef idx="1">
+            <a:schemeClr val="accent1"/>
+          </a:effectRef>
+          <a:fontRef idx="minor">
+            <a:schemeClr val="tx1"/>
+          </a:fontRef>
+        </p:style>
+      </p:cxnSp>
+      <p:cxnSp>
+        <p:nvCxnSpPr>
+          <p:cNvPr id="53" name="Connecteur droit avec flèche 52"/>
+          <p:cNvCxnSpPr/>
+          <p:nvPr/>
+        </p:nvCxnSpPr>
+        <p:spPr>
+          <a:xfrm flipH="1">
+            <a:off x="2181350" y="5242553"/>
+            <a:ext cx="5048080" cy="200089"/>
+          </a:xfrm>
+          <a:prstGeom prst="straightConnector1">
+            <a:avLst/>
+          </a:prstGeom>
+          <a:ln>
+            <a:solidFill>
+              <a:srgbClr val="FF6600"/>
+            </a:solidFill>
+            <a:prstDash val="sysDash"/>
+            <a:headEnd type="oval"/>
+            <a:tailEnd type="stealth" w="lg" len="lg"/>
+          </a:ln>
+        </p:spPr>
+        <p:style>
+          <a:lnRef idx="2">
+            <a:schemeClr val="accent1"/>
+          </a:lnRef>
+          <a:fillRef idx="0">
+            <a:schemeClr val="accent1"/>
+          </a:fillRef>
+          <a:effectRef idx="1">
+            <a:schemeClr val="accent1"/>
+          </a:effectRef>
+          <a:fontRef idx="minor">
+            <a:schemeClr val="tx1"/>
+          </a:fontRef>
+        </p:style>
+      </p:cxnSp>
+      <p:sp>
+        <p:nvSpPr>
+          <p:cNvPr id="56" name="Rectangle à coins arrondis 55"/>
+          <p:cNvSpPr/>
+          <p:nvPr/>
+        </p:nvSpPr>
+        <p:spPr>
+          <a:xfrm>
+            <a:off x="7046367" y="5561842"/>
+            <a:ext cx="988960" cy="259142"/>
+          </a:xfrm>
+          <a:prstGeom prst="roundRect">
+            <a:avLst/>
+          </a:prstGeom>
+          <a:solidFill>
+            <a:srgbClr val="0000FF">
+              <a:alpha val="68000"/>
+            </a:srgbClr>
+          </a:solidFill>
+          <a:ln>
+            <a:solidFill>
+              <a:srgbClr val="000000"/>
+            </a:solidFill>
+          </a:ln>
+        </p:spPr>
+        <p:style>
+          <a:lnRef idx="1">
+            <a:schemeClr val="accent1"/>
+          </a:lnRef>
+          <a:fillRef idx="3">
+            <a:schemeClr val="accent1"/>
+          </a:fillRef>
+          <a:effectRef idx="2">
+            <a:schemeClr val="accent1"/>
+          </a:effectRef>
+          <a:fontRef idx="minor">
+            <a:schemeClr val="lt1"/>
+          </a:fontRef>
+        </p:style>
+        <p:txBody>
+          <a:bodyPr rtlCol="0" anchor="ctr"/>
+          <a:lstStyle/>
+          <a:p>
+            <a:pPr algn="ctr"/>
+            <a:r>
+              <a:rPr lang="fr-FR" sz="1100" dirty="0" smtClean="0"/>
+              <a:t>Types model</a:t>
+            </a:r>
+            <a:endParaRPr lang="eu-ES" sz="1100" dirty="0"/>
+          </a:p>
+        </p:txBody>
+      </p:sp>
+      <p:cxnSp>
+        <p:nvCxnSpPr>
+          <p:cNvPr id="57" name="Connecteur droit avec flèche 56"/>
+          <p:cNvCxnSpPr/>
+          <p:nvPr/>
+        </p:nvCxnSpPr>
+        <p:spPr>
+          <a:xfrm flipH="1">
+            <a:off x="2181350" y="5638053"/>
+            <a:ext cx="4865017" cy="129571"/>
+          </a:xfrm>
+          <a:prstGeom prst="straightConnector1">
+            <a:avLst/>
+          </a:prstGeom>
+          <a:ln>
+            <a:solidFill>
+              <a:srgbClr val="FF6600"/>
+            </a:solidFill>
+            <a:prstDash val="sysDash"/>
+            <a:headEnd type="oval"/>
+            <a:tailEnd type="stealth" w="lg" len="lg"/>
+          </a:ln>
+        </p:spPr>
+        <p:style>
+          <a:lnRef idx="2">
+            <a:schemeClr val="accent1"/>
+          </a:lnRef>
+          <a:fillRef idx="0">
+            <a:schemeClr val="accent1"/>
+          </a:fillRef>
+          <a:effectRef idx="1">
+            <a:schemeClr val="accent1"/>
+          </a:effectRef>
+          <a:fontRef idx="minor">
+            <a:schemeClr val="tx1"/>
+          </a:fontRef>
+        </p:style>
+      </p:cxnSp>
+      <p:sp>
+        <p:nvSpPr>
+          <p:cNvPr id="61" name="Rectangle à coins arrondis 60"/>
+          <p:cNvSpPr/>
+          <p:nvPr/>
+        </p:nvSpPr>
+        <p:spPr>
+          <a:xfrm>
+            <a:off x="6920191" y="6366363"/>
+            <a:ext cx="1635153" cy="412098"/>
+          </a:xfrm>
+          <a:prstGeom prst="roundRect">
+            <a:avLst/>
+          </a:prstGeom>
+          <a:solidFill>
+            <a:srgbClr val="3366FF">
+              <a:alpha val="68000"/>
+            </a:srgbClr>
+          </a:solidFill>
+        </p:spPr>
+        <p:style>
+          <a:lnRef idx="1">
+            <a:schemeClr val="accent1"/>
+          </a:lnRef>
+          <a:fillRef idx="3">
+            <a:schemeClr val="accent1"/>
+          </a:fillRef>
+          <a:effectRef idx="2">
+            <a:schemeClr val="accent1"/>
+          </a:effectRef>
+          <a:fontRef idx="minor">
+            <a:schemeClr val="lt1"/>
+          </a:fontRef>
+        </p:style>
+        <p:txBody>
+          <a:bodyPr rtlCol="0" anchor="ctr"/>
+          <a:lstStyle/>
+          <a:p>
+            <a:pPr algn="ctr"/>
+            <a:r>
+              <a:rPr lang="eu-ES" sz="1100" dirty="0" smtClean="0"/>
+              <a:t>SW application executable code</a:t>
+            </a:r>
+            <a:endParaRPr lang="eu-ES" sz="1100" dirty="0"/>
+          </a:p>
+        </p:txBody>
+      </p:sp>
+      <p:cxnSp>
+        <p:nvCxnSpPr>
+          <p:cNvPr id="62" name="Connecteur droit avec flèche 61"/>
+          <p:cNvCxnSpPr/>
+          <p:nvPr/>
+        </p:nvCxnSpPr>
+        <p:spPr>
+          <a:xfrm>
+            <a:off x="7584693" y="5947460"/>
+            <a:ext cx="1" cy="418903"/>
+          </a:xfrm>
+          <a:prstGeom prst="straightConnector1">
+            <a:avLst/>
+          </a:prstGeom>
+          <a:ln w="28575" cmpd="sng">
+            <a:solidFill>
+              <a:srgbClr val="000000"/>
+            </a:solidFill>
+            <a:tailEnd type="arrow"/>
+          </a:ln>
+        </p:spPr>
+        <p:style>
+          <a:lnRef idx="2">
+            <a:schemeClr val="accent1"/>
+          </a:lnRef>
+          <a:fillRef idx="0">
+            <a:schemeClr val="accent1"/>
+          </a:fillRef>
+          <a:effectRef idx="1">
+            <a:schemeClr val="accent1"/>
+          </a:effectRef>
+          <a:fontRef idx="minor">
+            <a:schemeClr val="tx1"/>
+          </a:fontRef>
+        </p:style>
+      </p:cxnSp>
+      <p:sp>
+        <p:nvSpPr>
+          <p:cNvPr id="63" name="ZoneTexte 62"/>
+          <p:cNvSpPr txBox="1"/>
+          <p:nvPr/>
+        </p:nvSpPr>
+        <p:spPr>
+          <a:xfrm>
+            <a:off x="7571846" y="5926638"/>
+            <a:ext cx="1419116" cy="276999"/>
+          </a:xfrm>
+          <a:prstGeom prst="rect">
+            <a:avLst/>
+          </a:prstGeom>
+          <a:noFill/>
+        </p:spPr>
+        <p:txBody>
+          <a:bodyPr wrap="square" rtlCol="0">
+            <a:spAutoFit/>
+          </a:bodyPr>
+          <a:lstStyle/>
+          <a:p>
+            <a:pPr algn="ctr"/>
+            <a:r>
+              <a:rPr lang="fr-FR" sz="1200" dirty="0" err="1" smtClean="0"/>
+              <a:t>Generates</a:t>
+            </a:r>
+            <a:r>
+              <a:rPr lang="fr-FR" sz="1200" dirty="0" smtClean="0"/>
+              <a:t> (KCG)</a:t>
+            </a:r>
+            <a:endParaRPr lang="fr-FR" sz="1200" dirty="0"/>
+          </a:p>
+        </p:txBody>
+      </p:sp>
+      <p:sp>
+        <p:nvSpPr>
+          <p:cNvPr id="84" name="Rectangle à coins arrondis 83"/>
+          <p:cNvSpPr/>
+          <p:nvPr/>
+        </p:nvSpPr>
+        <p:spPr>
+          <a:xfrm>
+            <a:off x="2744157" y="3827674"/>
+            <a:ext cx="2440994" cy="681986"/>
+          </a:xfrm>
+          <a:prstGeom prst="roundRect">
+            <a:avLst/>
+          </a:prstGeom>
+          <a:solidFill>
+            <a:srgbClr val="3366FF"/>
+          </a:solidFill>
+        </p:spPr>
+        <p:style>
+          <a:lnRef idx="1">
+            <a:schemeClr val="accent1"/>
+          </a:lnRef>
+          <a:fillRef idx="3">
+            <a:schemeClr val="accent1"/>
+          </a:fillRef>
+          <a:effectRef idx="2">
+            <a:schemeClr val="accent1"/>
+          </a:effectRef>
+          <a:fontRef idx="minor">
+            <a:schemeClr val="lt1"/>
+          </a:fontRef>
+        </p:style>
+        <p:txBody>
+          <a:bodyPr rtlCol="0" anchor="ctr"/>
+          <a:lstStyle/>
+          <a:p>
+            <a:pPr algn="ctr"/>
+            <a:r>
+              <a:rPr lang="eu-ES" sz="1400" dirty="0" smtClean="0"/>
+              <a:t>OpenETCS SW Architecture and Design Document (Draft)</a:t>
+            </a:r>
+            <a:endParaRPr lang="eu-ES" sz="1400" dirty="0"/>
+          </a:p>
+        </p:txBody>
+      </p:sp>
+      <p:cxnSp>
+        <p:nvCxnSpPr>
+          <p:cNvPr id="85" name="Connecteur droit avec flèche 84"/>
+          <p:cNvCxnSpPr/>
+          <p:nvPr/>
+        </p:nvCxnSpPr>
+        <p:spPr>
+          <a:xfrm flipH="1" flipV="1">
+            <a:off x="5108337" y="4229893"/>
+            <a:ext cx="1380827" cy="414640"/>
+          </a:xfrm>
+          <a:prstGeom prst="straightConnector1">
+            <a:avLst/>
+          </a:prstGeom>
+          <a:ln w="28575" cmpd="sng">
+            <a:solidFill>
+              <a:srgbClr val="000000"/>
+            </a:solidFill>
+            <a:tailEnd type="arrow"/>
+          </a:ln>
+        </p:spPr>
+        <p:style>
+          <a:lnRef idx="2">
+            <a:schemeClr val="accent1"/>
+          </a:lnRef>
+          <a:fillRef idx="0">
+            <a:schemeClr val="accent1"/>
+          </a:fillRef>
+          <a:effectRef idx="1">
+            <a:schemeClr val="accent1"/>
+          </a:effectRef>
+          <a:fontRef idx="minor">
+            <a:schemeClr val="tx1"/>
+          </a:fontRef>
+        </p:style>
+      </p:cxnSp>
+      <p:cxnSp>
+        <p:nvCxnSpPr>
+          <p:cNvPr id="95" name="Connecteur droit avec flèche 94"/>
+          <p:cNvCxnSpPr>
+            <a:stCxn id="84" idx="1"/>
+          </p:cNvCxnSpPr>
+          <p:nvPr/>
+        </p:nvCxnSpPr>
+        <p:spPr>
+          <a:xfrm flipH="1">
+            <a:off x="2181350" y="4168667"/>
+            <a:ext cx="562807" cy="389693"/>
+          </a:xfrm>
+          <a:prstGeom prst="straightConnector1">
+            <a:avLst/>
+          </a:prstGeom>
+          <a:ln>
+            <a:solidFill>
+              <a:srgbClr val="FF6600"/>
+            </a:solidFill>
+            <a:prstDash val="sysDash"/>
+            <a:headEnd type="oval"/>
+            <a:tailEnd type="stealth" w="lg" len="lg"/>
+          </a:ln>
+        </p:spPr>
+        <p:style>
+          <a:lnRef idx="2">
+            <a:schemeClr val="accent1"/>
+          </a:lnRef>
+          <a:fillRef idx="0">
+            <a:schemeClr val="accent1"/>
+          </a:fillRef>
+          <a:effectRef idx="1">
+            <a:schemeClr val="accent1"/>
+          </a:effectRef>
+          <a:fontRef idx="minor">
+            <a:schemeClr val="tx1"/>
+          </a:fontRef>
+        </p:style>
+      </p:cxnSp>
+      <p:cxnSp>
+        <p:nvCxnSpPr>
+          <p:cNvPr id="96" name="Connecteur droit avec flèche 95"/>
+          <p:cNvCxnSpPr/>
+          <p:nvPr/>
+        </p:nvCxnSpPr>
+        <p:spPr>
+          <a:xfrm flipH="1">
+            <a:off x="2181351" y="4491503"/>
+            <a:ext cx="839077" cy="858436"/>
+          </a:xfrm>
+          <a:prstGeom prst="straightConnector1">
+            <a:avLst/>
+          </a:prstGeom>
+          <a:ln>
+            <a:solidFill>
+              <a:srgbClr val="FF6600"/>
+            </a:solidFill>
+            <a:prstDash val="sysDash"/>
+            <a:headEnd type="oval"/>
+            <a:tailEnd type="stealth" w="lg" len="lg"/>
+          </a:ln>
+        </p:spPr>
+        <p:style>
+          <a:lnRef idx="2">
+            <a:schemeClr val="accent1"/>
+          </a:lnRef>
+          <a:fillRef idx="0">
+            <a:schemeClr val="accent1"/>
+          </a:fillRef>
+          <a:effectRef idx="1">
+            <a:schemeClr val="accent1"/>
+          </a:effectRef>
+          <a:fontRef idx="minor">
+            <a:schemeClr val="tx1"/>
+          </a:fontRef>
+        </p:style>
+      </p:cxnSp>
+      <p:cxnSp>
+        <p:nvCxnSpPr>
+          <p:cNvPr id="97" name="Connecteur droit avec flèche 96"/>
+          <p:cNvCxnSpPr/>
+          <p:nvPr/>
+        </p:nvCxnSpPr>
+        <p:spPr>
+          <a:xfrm flipH="1">
+            <a:off x="2102560" y="2635950"/>
+            <a:ext cx="1195364" cy="643276"/>
+          </a:xfrm>
+          <a:prstGeom prst="straightConnector1">
+            <a:avLst/>
+          </a:prstGeom>
+          <a:ln>
+            <a:solidFill>
+              <a:srgbClr val="FF6600"/>
+            </a:solidFill>
+            <a:prstDash val="sysDash"/>
+            <a:headEnd type="oval"/>
+            <a:tailEnd type="stealth" w="lg" len="lg"/>
+          </a:ln>
+        </p:spPr>
+        <p:style>
+          <a:lnRef idx="2">
+            <a:schemeClr val="accent1"/>
+          </a:lnRef>
+          <a:fillRef idx="0">
+            <a:schemeClr val="accent1"/>
+          </a:fillRef>
+          <a:effectRef idx="1">
+            <a:schemeClr val="accent1"/>
+          </a:effectRef>
+          <a:fontRef idx="minor">
+            <a:schemeClr val="tx1"/>
+          </a:fontRef>
+        </p:style>
+      </p:cxnSp>
+      <p:cxnSp>
+        <p:nvCxnSpPr>
+          <p:cNvPr id="98" name="Connecteur droit avec flèche 97"/>
+          <p:cNvCxnSpPr/>
+          <p:nvPr/>
+        </p:nvCxnSpPr>
+        <p:spPr>
+          <a:xfrm flipH="1">
+            <a:off x="2181349" y="2710653"/>
+            <a:ext cx="1511473" cy="736351"/>
+          </a:xfrm>
+          <a:prstGeom prst="straightConnector1">
+            <a:avLst/>
+          </a:prstGeom>
+          <a:ln>
+            <a:solidFill>
+              <a:srgbClr val="FF6600"/>
+            </a:solidFill>
+            <a:prstDash val="sysDash"/>
+            <a:headEnd type="oval"/>
+            <a:tailEnd type="stealth" w="lg" len="lg"/>
+          </a:ln>
+        </p:spPr>
+        <p:style>
+          <a:lnRef idx="2">
+            <a:schemeClr val="accent1"/>
+          </a:lnRef>
+          <a:fillRef idx="0">
+            <a:schemeClr val="accent1"/>
+          </a:fillRef>
+          <a:effectRef idx="1">
+            <a:schemeClr val="accent1"/>
+          </a:effectRef>
+          <a:fontRef idx="minor">
+            <a:schemeClr val="tx1"/>
+          </a:fontRef>
+        </p:style>
+      </p:cxnSp>
+      <p:cxnSp>
+        <p:nvCxnSpPr>
+          <p:cNvPr id="99" name="Connecteur droit avec flèche 98"/>
+          <p:cNvCxnSpPr/>
+          <p:nvPr/>
+        </p:nvCxnSpPr>
+        <p:spPr>
+          <a:xfrm flipH="1">
+            <a:off x="2181349" y="3073496"/>
+            <a:ext cx="1230846" cy="517154"/>
+          </a:xfrm>
+          <a:prstGeom prst="straightConnector1">
+            <a:avLst/>
+          </a:prstGeom>
+          <a:ln>
+            <a:solidFill>
+              <a:srgbClr val="FF6600"/>
+            </a:solidFill>
+            <a:prstDash val="sysDash"/>
+            <a:headEnd type="oval"/>
+            <a:tailEnd type="stealth" w="lg" len="lg"/>
+          </a:ln>
+        </p:spPr>
+        <p:style>
+          <a:lnRef idx="2">
+            <a:schemeClr val="accent1"/>
+          </a:lnRef>
+          <a:fillRef idx="0">
+            <a:schemeClr val="accent1"/>
+          </a:fillRef>
+          <a:effectRef idx="1">
+            <a:schemeClr val="accent1"/>
+          </a:effectRef>
+          <a:fontRef idx="minor">
+            <a:schemeClr val="tx1"/>
+          </a:fontRef>
+        </p:style>
+      </p:cxnSp>
+      <p:cxnSp>
+        <p:nvCxnSpPr>
+          <p:cNvPr id="100" name="Connecteur droit avec flèche 99"/>
+          <p:cNvCxnSpPr/>
+          <p:nvPr/>
+        </p:nvCxnSpPr>
+        <p:spPr>
+          <a:xfrm flipH="1">
+            <a:off x="2102560" y="3073496"/>
+            <a:ext cx="1590261" cy="754178"/>
+          </a:xfrm>
+          <a:prstGeom prst="straightConnector1">
+            <a:avLst/>
+          </a:prstGeom>
+          <a:ln>
+            <a:solidFill>
+              <a:srgbClr val="FF6600"/>
+            </a:solidFill>
+            <a:prstDash val="sysDash"/>
+            <a:headEnd type="oval"/>
+            <a:tailEnd type="stealth" w="lg" len="lg"/>
+          </a:ln>
+        </p:spPr>
+        <p:style>
+          <a:lnRef idx="2">
+            <a:schemeClr val="accent1"/>
+          </a:lnRef>
+          <a:fillRef idx="0">
+            <a:schemeClr val="accent1"/>
+          </a:fillRef>
+          <a:effectRef idx="1">
+            <a:schemeClr val="accent1"/>
+          </a:effectRef>
+          <a:fontRef idx="minor">
+            <a:schemeClr val="tx1"/>
+          </a:fontRef>
+        </p:style>
+      </p:cxnSp>
+      <p:sp>
+        <p:nvSpPr>
+          <p:cNvPr id="104" name="ZoneTexte 103"/>
+          <p:cNvSpPr txBox="1"/>
+          <p:nvPr/>
+        </p:nvSpPr>
+        <p:spPr>
+          <a:xfrm rot="19963912">
+            <a:off x="1895704" y="2350855"/>
+            <a:ext cx="1434892" cy="523220"/>
+          </a:xfrm>
+          <a:prstGeom prst="rect">
+            <a:avLst/>
+          </a:prstGeom>
+          <a:solidFill>
+            <a:srgbClr val="FFFFFF">
+              <a:alpha val="62000"/>
+            </a:srgbClr>
+          </a:solidFill>
+        </p:spPr>
+        <p:txBody>
+          <a:bodyPr wrap="square" rtlCol="0">
+            <a:spAutoFit/>
+          </a:bodyPr>
+          <a:lstStyle/>
+          <a:p>
+            <a:r>
+              <a:rPr lang="fr-FR" sz="1400" dirty="0" smtClean="0">
+                <a:solidFill>
+                  <a:srgbClr val="FF6600"/>
+                </a:solidFill>
+              </a:rPr>
+              <a:t>System </a:t>
+            </a:r>
+            <a:r>
+              <a:rPr lang="fr-FR" sz="1400" dirty="0" err="1" smtClean="0">
+                <a:solidFill>
+                  <a:srgbClr val="FF6600"/>
+                </a:solidFill>
+              </a:rPr>
+              <a:t>functions</a:t>
+            </a:r>
+            <a:r>
+              <a:rPr lang="fr-FR" sz="1400" dirty="0" smtClean="0">
+                <a:solidFill>
+                  <a:srgbClr val="FF6600"/>
+                </a:solidFill>
+              </a:rPr>
+              <a:t> and </a:t>
+            </a:r>
+            <a:r>
+              <a:rPr lang="fr-FR" sz="1400" dirty="0" err="1" smtClean="0">
+                <a:solidFill>
+                  <a:srgbClr val="FF6600"/>
+                </a:solidFill>
+              </a:rPr>
+              <a:t>Internal</a:t>
+            </a:r>
+            <a:r>
+              <a:rPr lang="fr-FR" sz="1400" dirty="0" smtClean="0">
+                <a:solidFill>
+                  <a:srgbClr val="FF6600"/>
+                </a:solidFill>
+              </a:rPr>
+              <a:t> IF</a:t>
+            </a:r>
+            <a:endParaRPr lang="fr-FR" sz="1400" dirty="0">
+              <a:solidFill>
+                <a:srgbClr val="FF6600"/>
+              </a:solidFill>
+            </a:endParaRPr>
+          </a:p>
+        </p:txBody>
+      </p:sp>
+      <p:grpSp>
+        <p:nvGrpSpPr>
+          <p:cNvPr id="108" name="Grouper 107"/>
+          <p:cNvGrpSpPr/>
+          <p:nvPr/>
+        </p:nvGrpSpPr>
+        <p:grpSpPr>
+          <a:xfrm>
+            <a:off x="6294158" y="559597"/>
+            <a:ext cx="2384613" cy="370751"/>
+            <a:chOff x="6294158" y="420861"/>
+            <a:chExt cx="2384613" cy="370751"/>
+          </a:xfrm>
+        </p:grpSpPr>
+        <p:cxnSp>
+          <p:nvCxnSpPr>
+            <p:cNvPr id="109" name="Connecteur droit avec flèche 108"/>
+            <p:cNvCxnSpPr/>
+            <p:nvPr/>
+          </p:nvCxnSpPr>
+          <p:spPr>
+            <a:xfrm flipH="1" flipV="1">
+              <a:off x="6737074" y="420861"/>
+              <a:ext cx="1642100" cy="5815"/>
+            </a:xfrm>
+            <a:prstGeom prst="straightConnector1">
+              <a:avLst/>
+            </a:prstGeom>
+            <a:ln>
+              <a:solidFill>
+                <a:srgbClr val="FF6600"/>
+              </a:solidFill>
+              <a:prstDash val="sysDash"/>
+              <a:headEnd type="oval"/>
+              <a:tailEnd type="stealth" w="lg" len="lg"/>
+            </a:ln>
+          </p:spPr>
+          <p:style>
+            <a:lnRef idx="2">
+              <a:schemeClr val="accent1"/>
+            </a:lnRef>
+            <a:fillRef idx="0">
+              <a:schemeClr val="accent1"/>
+            </a:fillRef>
+            <a:effectRef idx="1">
+              <a:schemeClr val="accent1"/>
+            </a:effectRef>
+            <a:fontRef idx="minor">
+              <a:schemeClr val="tx1"/>
+            </a:fontRef>
+          </p:style>
+        </p:cxnSp>
+        <p:sp>
+          <p:nvSpPr>
+            <p:cNvPr id="111" name="ZoneTexte 110"/>
+            <p:cNvSpPr txBox="1"/>
+            <p:nvPr/>
+          </p:nvSpPr>
+          <p:spPr>
+            <a:xfrm>
+              <a:off x="6294158" y="483835"/>
+              <a:ext cx="2384613" cy="307777"/>
+            </a:xfrm>
+            <a:prstGeom prst="rect">
+              <a:avLst/>
+            </a:prstGeom>
+            <a:noFill/>
+          </p:spPr>
+          <p:txBody>
+            <a:bodyPr wrap="square" rtlCol="0">
+              <a:spAutoFit/>
+            </a:bodyPr>
+            <a:lstStyle/>
+            <a:p>
+              <a:pPr algn="ctr"/>
+              <a:r>
+                <a:rPr lang="eu-ES" sz="1400" dirty="0" smtClean="0"/>
+                <a:t>Deduce (create) requirements</a:t>
+              </a:r>
+              <a:endParaRPr lang="eu-ES" sz="1400" dirty="0"/>
+            </a:p>
+          </p:txBody>
+        </p:sp>
+      </p:grpSp>
+      <p:sp>
+        <p:nvSpPr>
+          <p:cNvPr id="112" name="ZoneTexte 111"/>
+          <p:cNvSpPr txBox="1"/>
+          <p:nvPr/>
+        </p:nvSpPr>
+        <p:spPr>
+          <a:xfrm>
+            <a:off x="3326812" y="-53360"/>
+            <a:ext cx="3805399" cy="369332"/>
+          </a:xfrm>
+          <a:prstGeom prst="rect">
+            <a:avLst/>
+          </a:prstGeom>
+          <a:noFill/>
+        </p:spPr>
+        <p:txBody>
+          <a:bodyPr wrap="none" rtlCol="0">
+            <a:spAutoFit/>
+          </a:bodyPr>
+          <a:lstStyle/>
+          <a:p>
+            <a:r>
+              <a:rPr lang="fr-FR" dirty="0" err="1" smtClean="0"/>
+              <a:t>requirement</a:t>
+            </a:r>
+            <a:r>
+              <a:rPr lang="fr-FR" dirty="0" smtClean="0"/>
+              <a:t> </a:t>
+            </a:r>
+            <a:r>
+              <a:rPr lang="fr-FR" dirty="0" err="1" smtClean="0"/>
+              <a:t>creation</a:t>
+            </a:r>
+            <a:r>
+              <a:rPr lang="fr-FR" dirty="0" smtClean="0"/>
+              <a:t> </a:t>
+            </a:r>
+            <a:r>
+              <a:rPr lang="fr-FR" dirty="0" err="1" smtClean="0"/>
+              <a:t>at</a:t>
+            </a:r>
+            <a:r>
+              <a:rPr lang="fr-FR" dirty="0" smtClean="0"/>
+              <a:t> software </a:t>
+            </a:r>
+            <a:r>
+              <a:rPr lang="fr-FR" dirty="0" err="1" smtClean="0"/>
+              <a:t>level</a:t>
+            </a:r>
+            <a:endParaRPr lang="fr-FR" dirty="0"/>
+          </a:p>
+        </p:txBody>
+      </p:sp>
+    </p:spTree>
+    <p:extLst>
+      <p:ext uri="{BB962C8B-B14F-4D97-AF65-F5344CB8AC3E}">
+        <p14:creationId xmlns:p14="http://schemas.microsoft.com/office/powerpoint/2010/main" val="4254574462"/>
+      </p:ext>
+    </p:extLst>
+  </p:cSld>
+  <p:clrMapOvr>
+    <a:masterClrMapping/>
+  </p:clrMapOvr>
+</p:sld>
+</file>
+
+<file path=ppt/slides/slide11.xml><?xml version="1.0" encoding="utf-8"?>
+<p:sld xmlns:a="http://schemas.openxmlformats.org/drawingml/2006/main" xmlns:r="http://schemas.openxmlformats.org/officeDocument/2006/relationships" xmlns:p="http://schemas.openxmlformats.org/presentationml/2006/main">
+  <p:cSld>
+    <p:spTree>
+      <p:nvGrpSpPr>
+        <p:cNvPr id="1" name=""/>
+        <p:cNvGrpSpPr/>
+        <p:nvPr/>
+      </p:nvGrpSpPr>
+      <p:grpSpPr>
+        <a:xfrm>
+          <a:off x="0" y="0"/>
+          <a:ext cx="0" cy="0"/>
+          <a:chOff x="0" y="0"/>
+          <a:chExt cx="0" cy="0"/>
+        </a:xfrm>
+      </p:grpSpPr>
+      <p:sp>
+        <p:nvSpPr>
+          <p:cNvPr id="68" name="Rectangle 67"/>
+          <p:cNvSpPr/>
+          <p:nvPr/>
+        </p:nvSpPr>
+        <p:spPr>
+          <a:xfrm>
             <a:off x="283301" y="420860"/>
             <a:ext cx="8664969" cy="6405123"/>
           </a:xfrm>
@@ -6308,7 +8432,7 @@
 </p:sld>
 </file>
 
-<file path=ppt/slides/slide11.xml><?xml version="1.0" encoding="utf-8"?>
+<file path=ppt/slides/slide12.xml><?xml version="1.0" encoding="utf-8"?>
 <p:sld xmlns:a="http://schemas.openxmlformats.org/drawingml/2006/main" xmlns:r="http://schemas.openxmlformats.org/officeDocument/2006/relationships" xmlns:p="http://schemas.openxmlformats.org/presentationml/2006/main">
   <p:cSld>
     <p:spTree>
@@ -9476,7 +11600,7 @@
 </p:sld>
 </file>
 
-<file path=ppt/slides/slide12.xml><?xml version="1.0" encoding="utf-8"?>
+<file path=ppt/slides/slide13.xml><?xml version="1.0" encoding="utf-8"?>
 <p:sld xmlns:a="http://schemas.openxmlformats.org/drawingml/2006/main" xmlns:r="http://schemas.openxmlformats.org/officeDocument/2006/relationships" xmlns:p="http://schemas.openxmlformats.org/presentationml/2006/main">
   <p:cSld>
     <p:spTree>
@@ -10004,7 +12128,7 @@
 </p:sld>
 </file>
 
-<file path=ppt/slides/slide13.xml><?xml version="1.0" encoding="utf-8"?>
+<file path=ppt/slides/slide14.xml><?xml version="1.0" encoding="utf-8"?>
 <p:sld xmlns:a="http://schemas.openxmlformats.org/drawingml/2006/main" xmlns:r="http://schemas.openxmlformats.org/officeDocument/2006/relationships" xmlns:p="http://schemas.openxmlformats.org/presentationml/2006/main">
   <p:cSld>
     <p:spTree>
@@ -10152,7 +12276,7 @@
           <a:p>
             <a:fld id="{692C3D5F-CF0A-C342-86E8-AC8A51E170D1}" type="slidenum">
               <a:rPr lang="fr-FR" smtClean="0"/>
-              <a:t>13</a:t>
+              <a:t>14</a:t>
             </a:fld>
             <a:endParaRPr lang="fr-FR"/>
           </a:p>
@@ -10171,7 +12295,7 @@
 </p:sld>
 </file>
 
-<file path=ppt/slides/slide14.xml><?xml version="1.0" encoding="utf-8"?>
+<file path=ppt/slides/slide15.xml><?xml version="1.0" encoding="utf-8"?>
 <p:sld xmlns:a="http://schemas.openxmlformats.org/drawingml/2006/main" xmlns:r="http://schemas.openxmlformats.org/officeDocument/2006/relationships" xmlns:p="http://schemas.openxmlformats.org/presentationml/2006/main">
   <p:cSld>
     <p:spTree>
@@ -11231,7 +13355,7 @@
 </p:sld>
 </file>
 
-<file path=ppt/slides/slide15.xml><?xml version="1.0" encoding="utf-8"?>
+<file path=ppt/slides/slide16.xml><?xml version="1.0" encoding="utf-8"?>
 <p:sld xmlns:a="http://schemas.openxmlformats.org/drawingml/2006/main" xmlns:r="http://schemas.openxmlformats.org/officeDocument/2006/relationships" xmlns:p="http://schemas.openxmlformats.org/presentationml/2006/main">
   <p:cSld>
     <p:spTree>
@@ -11339,7 +13463,7 @@
           <a:p>
             <a:fld id="{692C3D5F-CF0A-C342-86E8-AC8A51E170D1}" type="slidenum">
               <a:rPr lang="fr-FR" smtClean="0"/>
-              <a:t>15</a:t>
+              <a:t>16</a:t>
             </a:fld>
             <a:endParaRPr lang="fr-FR"/>
           </a:p>
@@ -12787,7 +14911,7 @@
 </p:sld>
 </file>
 
-<file path=ppt/slides/slide16.xml><?xml version="1.0" encoding="utf-8"?>
+<file path=ppt/slides/slide17.xml><?xml version="1.0" encoding="utf-8"?>
 <p:sld xmlns:a="http://schemas.openxmlformats.org/drawingml/2006/main" xmlns:r="http://schemas.openxmlformats.org/officeDocument/2006/relationships" xmlns:p="http://schemas.openxmlformats.org/presentationml/2006/main">
   <p:cSld>
     <p:spTree>
@@ -13111,7 +15235,7 @@
 </p:sld>
 </file>
 
-<file path=ppt/slides/slide17.xml><?xml version="1.0" encoding="utf-8"?>
+<file path=ppt/slides/slide18.xml><?xml version="1.0" encoding="utf-8"?>
 <p:sld xmlns:a="http://schemas.openxmlformats.org/drawingml/2006/main" xmlns:r="http://schemas.openxmlformats.org/officeDocument/2006/relationships" xmlns:p="http://schemas.openxmlformats.org/presentationml/2006/main">
   <p:cSld>
     <p:spTree>
@@ -13202,7 +15326,7 @@
           <a:p>
             <a:fld id="{692C3D5F-CF0A-C342-86E8-AC8A51E170D1}" type="slidenum">
               <a:rPr lang="fr-FR" smtClean="0"/>
-              <a:t>17</a:t>
+              <a:t>18</a:t>
             </a:fld>
             <a:endParaRPr lang="fr-FR"/>
           </a:p>
@@ -14534,7 +16658,7 @@
 </p:sld>
 </file>
 
-<file path=ppt/slides/slide18.xml><?xml version="1.0" encoding="utf-8"?>
+<file path=ppt/slides/slide19.xml><?xml version="1.0" encoding="utf-8"?>
 <p:sld xmlns:a="http://schemas.openxmlformats.org/drawingml/2006/main" xmlns:r="http://schemas.openxmlformats.org/officeDocument/2006/relationships" xmlns:p="http://schemas.openxmlformats.org/presentationml/2006/main">
   <p:cSld>
     <p:spTree>
@@ -16032,7 +18156,7 @@
           <a:p>
             <a:fld id="{692C3D5F-CF0A-C342-86E8-AC8A51E170D1}" type="slidenum">
               <a:rPr lang="fr-FR" smtClean="0"/>
-              <a:t>18</a:t>
+              <a:t>19</a:t>
             </a:fld>
             <a:endParaRPr lang="fr-FR"/>
           </a:p>
@@ -16506,124 +18630,6 @@
 </p:sld>
 </file>
 
-<file path=ppt/slides/slide19.xml><?xml version="1.0" encoding="utf-8"?>
-<p:sld xmlns:a="http://schemas.openxmlformats.org/drawingml/2006/main" xmlns:r="http://schemas.openxmlformats.org/officeDocument/2006/relationships" xmlns:p="http://schemas.openxmlformats.org/presentationml/2006/main">
-  <p:cSld>
-    <p:spTree>
-      <p:nvGrpSpPr>
-        <p:cNvPr id="1" name=""/>
-        <p:cNvGrpSpPr/>
-        <p:nvPr/>
-      </p:nvGrpSpPr>
-      <p:grpSpPr>
-        <a:xfrm>
-          <a:off x="0" y="0"/>
-          <a:ext cx="0" cy="0"/>
-          <a:chOff x="0" y="0"/>
-          <a:chExt cx="0" cy="0"/>
-        </a:xfrm>
-      </p:grpSpPr>
-      <p:sp>
-        <p:nvSpPr>
-          <p:cNvPr id="2" name="Titre 1"/>
-          <p:cNvSpPr>
-            <a:spLocks noGrp="1"/>
-          </p:cNvSpPr>
-          <p:nvPr>
-            <p:ph type="title"/>
-          </p:nvPr>
-        </p:nvSpPr>
-        <p:spPr/>
-        <p:txBody>
-          <a:bodyPr/>
-          <a:lstStyle/>
-          <a:p>
-            <a:r>
-              <a:rPr lang="fr-FR" dirty="0" smtClean="0"/>
-              <a:t>BACKUP</a:t>
-            </a:r>
-            <a:endParaRPr lang="fr-FR" dirty="0"/>
-          </a:p>
-        </p:txBody>
-      </p:sp>
-      <p:sp>
-        <p:nvSpPr>
-          <p:cNvPr id="3" name="Espace réservé du contenu 2"/>
-          <p:cNvSpPr>
-            <a:spLocks noGrp="1"/>
-          </p:cNvSpPr>
-          <p:nvPr>
-            <p:ph idx="1"/>
-          </p:nvPr>
-        </p:nvSpPr>
-        <p:spPr/>
-        <p:txBody>
-          <a:bodyPr/>
-          <a:lstStyle/>
-          <a:p>
-            <a:endParaRPr lang="fr-FR"/>
-          </a:p>
-        </p:txBody>
-      </p:sp>
-      <p:sp>
-        <p:nvSpPr>
-          <p:cNvPr id="4" name="Espace réservé de la date 3"/>
-          <p:cNvSpPr>
-            <a:spLocks noGrp="1"/>
-          </p:cNvSpPr>
-          <p:nvPr>
-            <p:ph type="dt" sz="half" idx="10"/>
-          </p:nvPr>
-        </p:nvSpPr>
-        <p:spPr/>
-        <p:txBody>
-          <a:bodyPr/>
-          <a:lstStyle/>
-          <a:p>
-            <a:r>
-              <a:rPr lang="fr-FR" smtClean="0"/>
-              <a:t>28/09/2015</a:t>
-            </a:r>
-            <a:endParaRPr lang="fr-FR"/>
-          </a:p>
-        </p:txBody>
-      </p:sp>
-      <p:sp>
-        <p:nvSpPr>
-          <p:cNvPr id="5" name="Espace réservé du numéro de diapositive 4"/>
-          <p:cNvSpPr>
-            <a:spLocks noGrp="1"/>
-          </p:cNvSpPr>
-          <p:nvPr>
-            <p:ph type="sldNum" sz="quarter" idx="12"/>
-          </p:nvPr>
-        </p:nvSpPr>
-        <p:spPr/>
-        <p:txBody>
-          <a:bodyPr/>
-          <a:lstStyle/>
-          <a:p>
-            <a:fld id="{692C3D5F-CF0A-C342-86E8-AC8A51E170D1}" type="slidenum">
-              <a:rPr lang="fr-FR" smtClean="0"/>
-              <a:t>19</a:t>
-            </a:fld>
-            <a:endParaRPr lang="fr-FR"/>
-          </a:p>
-        </p:txBody>
-      </p:sp>
-    </p:spTree>
-    <p:extLst>
-      <p:ext uri="{BB962C8B-B14F-4D97-AF65-F5344CB8AC3E}">
-        <p14:creationId xmlns:p14="http://schemas.microsoft.com/office/powerpoint/2010/main" val="15612193"/>
-      </p:ext>
-    </p:extLst>
-  </p:cSld>
-  <p:clrMapOvr>
-    <a:masterClrMapping/>
-  </p:clrMapOvr>
-</p:sld>
-</file>
-
 <file path=ppt/slides/slide2.xml><?xml version="1.0" encoding="utf-8"?>
 <p:sld xmlns:a="http://schemas.openxmlformats.org/drawingml/2006/main" xmlns:r="http://schemas.openxmlformats.org/officeDocument/2006/relationships" xmlns:p="http://schemas.openxmlformats.org/presentationml/2006/main">
   <p:cSld>
@@ -16807,6 +18813,124 @@
       </p:grpSpPr>
       <p:sp>
         <p:nvSpPr>
+          <p:cNvPr id="2" name="Titre 1"/>
+          <p:cNvSpPr>
+            <a:spLocks noGrp="1"/>
+          </p:cNvSpPr>
+          <p:nvPr>
+            <p:ph type="title"/>
+          </p:nvPr>
+        </p:nvSpPr>
+        <p:spPr/>
+        <p:txBody>
+          <a:bodyPr/>
+          <a:lstStyle/>
+          <a:p>
+            <a:r>
+              <a:rPr lang="fr-FR" dirty="0" smtClean="0"/>
+              <a:t>BACKUP</a:t>
+            </a:r>
+            <a:endParaRPr lang="fr-FR" dirty="0"/>
+          </a:p>
+        </p:txBody>
+      </p:sp>
+      <p:sp>
+        <p:nvSpPr>
+          <p:cNvPr id="3" name="Espace réservé du contenu 2"/>
+          <p:cNvSpPr>
+            <a:spLocks noGrp="1"/>
+          </p:cNvSpPr>
+          <p:nvPr>
+            <p:ph idx="1"/>
+          </p:nvPr>
+        </p:nvSpPr>
+        <p:spPr/>
+        <p:txBody>
+          <a:bodyPr/>
+          <a:lstStyle/>
+          <a:p>
+            <a:endParaRPr lang="fr-FR"/>
+          </a:p>
+        </p:txBody>
+      </p:sp>
+      <p:sp>
+        <p:nvSpPr>
+          <p:cNvPr id="4" name="Espace réservé de la date 3"/>
+          <p:cNvSpPr>
+            <a:spLocks noGrp="1"/>
+          </p:cNvSpPr>
+          <p:nvPr>
+            <p:ph type="dt" sz="half" idx="10"/>
+          </p:nvPr>
+        </p:nvSpPr>
+        <p:spPr/>
+        <p:txBody>
+          <a:bodyPr/>
+          <a:lstStyle/>
+          <a:p>
+            <a:r>
+              <a:rPr lang="fr-FR" smtClean="0"/>
+              <a:t>28/09/2015</a:t>
+            </a:r>
+            <a:endParaRPr lang="fr-FR"/>
+          </a:p>
+        </p:txBody>
+      </p:sp>
+      <p:sp>
+        <p:nvSpPr>
+          <p:cNvPr id="5" name="Espace réservé du numéro de diapositive 4"/>
+          <p:cNvSpPr>
+            <a:spLocks noGrp="1"/>
+          </p:cNvSpPr>
+          <p:nvPr>
+            <p:ph type="sldNum" sz="quarter" idx="12"/>
+          </p:nvPr>
+        </p:nvSpPr>
+        <p:spPr/>
+        <p:txBody>
+          <a:bodyPr/>
+          <a:lstStyle/>
+          <a:p>
+            <a:fld id="{692C3D5F-CF0A-C342-86E8-AC8A51E170D1}" type="slidenum">
+              <a:rPr lang="fr-FR" smtClean="0"/>
+              <a:t>20</a:t>
+            </a:fld>
+            <a:endParaRPr lang="fr-FR"/>
+          </a:p>
+        </p:txBody>
+      </p:sp>
+    </p:spTree>
+    <p:extLst>
+      <p:ext uri="{BB962C8B-B14F-4D97-AF65-F5344CB8AC3E}">
+        <p14:creationId xmlns:p14="http://schemas.microsoft.com/office/powerpoint/2010/main" val="15612193"/>
+      </p:ext>
+    </p:extLst>
+  </p:cSld>
+  <p:clrMapOvr>
+    <a:masterClrMapping/>
+  </p:clrMapOvr>
+</p:sld>
+</file>
+
+<file path=ppt/slides/slide21.xml><?xml version="1.0" encoding="utf-8"?>
+<p:sld xmlns:a="http://schemas.openxmlformats.org/drawingml/2006/main" xmlns:r="http://schemas.openxmlformats.org/officeDocument/2006/relationships" xmlns:p="http://schemas.openxmlformats.org/presentationml/2006/main">
+  <p:cSld>
+    <p:spTree>
+      <p:nvGrpSpPr>
+        <p:cNvPr id="1" name=""/>
+        <p:cNvGrpSpPr/>
+        <p:nvPr/>
+      </p:nvGrpSpPr>
+      <p:grpSpPr>
+        <a:xfrm>
+          <a:off x="0" y="0"/>
+          <a:ext cx="0" cy="0"/>
+          <a:chOff x="0" y="0"/>
+          <a:chExt cx="0" cy="0"/>
+        </a:xfrm>
+      </p:grpSpPr>
+      <p:sp>
+        <p:nvSpPr>
           <p:cNvPr id="2" name="Espace réservé de la date 1"/>
           <p:cNvSpPr>
             <a:spLocks noGrp="1"/>
@@ -16845,7 +18969,7 @@
           <a:p>
             <a:fld id="{692C3D5F-CF0A-C342-86E8-AC8A51E170D1}" type="slidenum">
               <a:rPr lang="fr-FR" smtClean="0"/>
-              <a:t>20</a:t>
+              <a:t>21</a:t>
             </a:fld>
             <a:endParaRPr lang="fr-FR"/>
           </a:p>
@@ -16894,7 +19018,7 @@
 </p:sld>
 </file>
 
-<file path=ppt/slides/slide21.xml><?xml version="1.0" encoding="utf-8"?>
+<file path=ppt/slides/slide22.xml><?xml version="1.0" encoding="utf-8"?>
 <p:sld xmlns:a="http://schemas.openxmlformats.org/drawingml/2006/main" xmlns:r="http://schemas.openxmlformats.org/officeDocument/2006/relationships" xmlns:p="http://schemas.openxmlformats.org/presentationml/2006/main">
   <p:cSld>
     <p:spTree>
@@ -20755,7 +22879,7 @@
 </p:sld>
 </file>
 
-<file path=ppt/slides/slide22.xml><?xml version="1.0" encoding="utf-8"?>
+<file path=ppt/slides/slide23.xml><?xml version="1.0" encoding="utf-8"?>
 <p:sld xmlns:a="http://schemas.openxmlformats.org/drawingml/2006/main" xmlns:r="http://schemas.openxmlformats.org/officeDocument/2006/relationships" xmlns:p="http://schemas.openxmlformats.org/presentationml/2006/main">
   <p:cSld>
     <p:spTree>
@@ -24525,7 +26649,7 @@
 </p:sld>
 </file>
 
-<file path=ppt/slides/slide23.xml><?xml version="1.0" encoding="utf-8"?>
+<file path=ppt/slides/slide24.xml><?xml version="1.0" encoding="utf-8"?>
 <p:sld xmlns:a="http://schemas.openxmlformats.org/drawingml/2006/main" xmlns:r="http://schemas.openxmlformats.org/officeDocument/2006/relationships" xmlns:p="http://schemas.openxmlformats.org/presentationml/2006/main">
   <p:cSld>
     <p:spTree>
@@ -24601,7 +26725,7 @@
           <a:p>
             <a:fld id="{692C3D5F-CF0A-C342-86E8-AC8A51E170D1}" type="slidenum">
               <a:rPr lang="fr-FR" smtClean="0"/>
-              <a:t>23</a:t>
+              <a:t>24</a:t>
             </a:fld>
             <a:endParaRPr lang="fr-FR"/>
           </a:p>
@@ -24644,7 +26768,7 @@
 </p:sld>
 </file>
 
-<file path=ppt/slides/slide24.xml><?xml version="1.0" encoding="utf-8"?>
+<file path=ppt/slides/slide25.xml><?xml version="1.0" encoding="utf-8"?>
 <p:sld xmlns:a="http://schemas.openxmlformats.org/drawingml/2006/main" xmlns:r="http://schemas.openxmlformats.org/officeDocument/2006/relationships" xmlns:p="http://schemas.openxmlformats.org/presentationml/2006/main">
   <p:cSld>
     <p:spTree>
@@ -28853,7 +30977,7 @@
 </p:sld>
 </file>
 
-<file path=ppt/slides/slide25.xml><?xml version="1.0" encoding="utf-8"?>
+<file path=ppt/slides/slide26.xml><?xml version="1.0" encoding="utf-8"?>
 <p:sld xmlns:a="http://schemas.openxmlformats.org/drawingml/2006/main" xmlns:r="http://schemas.openxmlformats.org/officeDocument/2006/relationships" xmlns:p="http://schemas.openxmlformats.org/presentationml/2006/main">
   <p:cSld>
     <p:spTree>
@@ -33801,7 +35925,7 @@
 </p:sld>
 </file>
 
-<file path=ppt/slides/slide26.xml><?xml version="1.0" encoding="utf-8"?>
+<file path=ppt/slides/slide27.xml><?xml version="1.0" encoding="utf-8"?>
 <p:sld xmlns:a="http://schemas.openxmlformats.org/drawingml/2006/main" xmlns:r="http://schemas.openxmlformats.org/officeDocument/2006/relationships" xmlns:p="http://schemas.openxmlformats.org/presentationml/2006/main">
   <p:cSld>
     <p:spTree>
@@ -36287,7 +38411,7 @@
 </p:sld>
 </file>
 
-<file path=ppt/slides/slide27.xml><?xml version="1.0" encoding="utf-8"?>
+<file path=ppt/slides/slide28.xml><?xml version="1.0" encoding="utf-8"?>
 <p:sld xmlns:a="http://schemas.openxmlformats.org/drawingml/2006/main" xmlns:r="http://schemas.openxmlformats.org/officeDocument/2006/relationships" xmlns:p="http://schemas.openxmlformats.org/presentationml/2006/main">
   <p:cSld>
     <p:spTree>
@@ -37703,7 +39827,7 @@
 </p:sld>
 </file>
 
-<file path=ppt/slides/slide28.xml><?xml version="1.0" encoding="utf-8"?>
+<file path=ppt/slides/slide29.xml><?xml version="1.0" encoding="utf-8"?>
 <p:sld xmlns:a="http://schemas.openxmlformats.org/drawingml/2006/main" xmlns:r="http://schemas.openxmlformats.org/officeDocument/2006/relationships" xmlns:p="http://schemas.openxmlformats.org/presentationml/2006/main">
   <p:cSld>
     <p:spTree>
@@ -43376,9 +45500,9 @@
         <p:grpSpPr>
           <a:xfrm>
             <a:off x="90767" y="83813"/>
-            <a:ext cx="9018594" cy="6660799"/>
+            <a:ext cx="8910843" cy="6063175"/>
             <a:chOff x="90767" y="83813"/>
-            <a:chExt cx="9018594" cy="6660799"/>
+            <a:chExt cx="8910843" cy="6063175"/>
           </a:xfrm>
         </p:grpSpPr>
         <p:sp>
@@ -43389,8 +45513,8 @@
           </p:nvSpPr>
           <p:spPr>
             <a:xfrm>
-              <a:off x="1912707" y="1837097"/>
-              <a:ext cx="7196654" cy="4907515"/>
+              <a:off x="1912707" y="1837098"/>
+              <a:ext cx="7088903" cy="4309890"/>
             </a:xfrm>
             <a:prstGeom prst="rect">
               <a:avLst/>
@@ -43438,8 +45562,8 @@
           </p:nvSpPr>
           <p:spPr>
             <a:xfrm>
-              <a:off x="4106347" y="4961098"/>
-              <a:ext cx="3580166" cy="1164546"/>
+              <a:off x="4106347" y="4662282"/>
+              <a:ext cx="3580166" cy="887983"/>
             </a:xfrm>
             <a:prstGeom prst="can">
               <a:avLst>
@@ -43650,7 +45774,7 @@
           <p:spPr>
             <a:xfrm>
               <a:off x="90767" y="83814"/>
-              <a:ext cx="1149679" cy="5775366"/>
+              <a:ext cx="1149679" cy="5038676"/>
             </a:xfrm>
             <a:prstGeom prst="roundRect">
               <a:avLst/>
@@ -43804,8 +45928,8 @@
           </p:nvSpPr>
           <p:spPr>
             <a:xfrm>
-              <a:off x="224225" y="1144247"/>
-              <a:ext cx="853237" cy="4704834"/>
+              <a:off x="224225" y="1144248"/>
+              <a:ext cx="853237" cy="3892868"/>
             </a:xfrm>
             <a:prstGeom prst="roundRect">
               <a:avLst/>
@@ -44533,7 +46657,7 @@
           </p:nvSpPr>
           <p:spPr>
             <a:xfrm>
-              <a:off x="337521" y="5947460"/>
+              <a:off x="202007" y="5251057"/>
               <a:ext cx="1267477" cy="598024"/>
             </a:xfrm>
             <a:prstGeom prst="roundRect">
@@ -45070,13 +47194,15 @@
         <p:cxnSp>
           <p:nvCxnSpPr>
             <p:cNvPr id="132" name="Connecteur droit avec flèche 131"/>
-            <p:cNvCxnSpPr/>
+            <p:cNvCxnSpPr>
+              <a:stCxn id="79" idx="3"/>
+            </p:cNvCxnSpPr>
             <p:nvPr/>
           </p:nvCxnSpPr>
           <p:spPr>
             <a:xfrm flipV="1">
-              <a:off x="1644308" y="2988119"/>
-              <a:ext cx="2562998" cy="2959344"/>
+              <a:off x="1469484" y="2806698"/>
+              <a:ext cx="2613981" cy="2743371"/>
             </a:xfrm>
             <a:prstGeom prst="straightConnector1">
               <a:avLst/>
@@ -45227,7 +47353,7 @@
           </p:nvCxnSpPr>
           <p:spPr>
             <a:xfrm flipH="1" flipV="1">
-              <a:off x="2193687" y="6218377"/>
+              <a:off x="2722729" y="6022264"/>
               <a:ext cx="1642100" cy="5815"/>
             </a:xfrm>
             <a:prstGeom prst="straightConnector1">
@@ -45265,8 +47391,8 @@
           </p:nvSpPr>
           <p:spPr>
             <a:xfrm>
-              <a:off x="1705515" y="6218377"/>
-              <a:ext cx="2501791" cy="523220"/>
+              <a:off x="2106558" y="5695192"/>
+              <a:ext cx="3016506" cy="307777"/>
             </a:xfrm>
             <a:prstGeom prst="rect">
               <a:avLst/>
@@ -45304,8 +47430,8 @@
           </p:nvSpPr>
           <p:spPr>
             <a:xfrm>
-              <a:off x="4121922" y="3263440"/>
-              <a:ext cx="3564591" cy="1581582"/>
+              <a:off x="4121922" y="3617758"/>
+              <a:ext cx="3564591" cy="789719"/>
             </a:xfrm>
             <a:prstGeom prst="can">
               <a:avLst>
@@ -45346,27 +47472,59 @@
                     <a:schemeClr val="bg1"/>
                   </a:solidFill>
                 </a:rPr>
-                <a:t>OpenETCS System Requirements</a:t>
+                <a:t>OpenETCS System </a:t>
+              </a:r>
+              <a:r>
+                <a:rPr lang="fr-FR" sz="1600" dirty="0" smtClean="0">
+                  <a:solidFill>
+                    <a:schemeClr val="bg1"/>
+                  </a:solidFill>
+                </a:rPr>
+                <a:t>Requirements</a:t>
               </a:r>
             </a:p>
             <a:p>
               <a:pPr algn="ctr"/>
-              <a:endParaRPr lang="fr-FR" sz="1600" dirty="0">
-                <a:solidFill>
-                  <a:schemeClr val="bg1"/>
-                </a:solidFill>
-              </a:endParaRPr>
-            </a:p>
-            <a:p>
-              <a:pPr algn="ctr"/>
-              <a:endParaRPr lang="fr-FR" sz="1600" dirty="0">
-                <a:solidFill>
-                  <a:schemeClr val="bg1"/>
-                </a:solidFill>
-              </a:endParaRPr>
-            </a:p>
-            <a:p>
-              <a:pPr algn="ctr"/>
+              <a:r>
+                <a:rPr lang="fr-FR" sz="1600" dirty="0" smtClean="0">
+                  <a:solidFill>
+                    <a:schemeClr val="bg1"/>
+                  </a:solidFill>
+                </a:rPr>
+                <a:t>(</a:t>
+              </a:r>
+              <a:r>
+                <a:rPr lang="fr-FR" sz="1600" dirty="0" err="1" smtClean="0">
+                  <a:solidFill>
+                    <a:schemeClr val="bg1"/>
+                  </a:solidFill>
+                </a:rPr>
+                <a:t>including</a:t>
+              </a:r>
+              <a:r>
+                <a:rPr lang="fr-FR" sz="1600" dirty="0" smtClean="0">
+                  <a:solidFill>
+                    <a:schemeClr val="bg1"/>
+                  </a:solidFill>
+                </a:rPr>
+                <a:t> </a:t>
+              </a:r>
+              <a:r>
+                <a:rPr lang="fr-FR" sz="1600" dirty="0" err="1" smtClean="0">
+                  <a:solidFill>
+                    <a:schemeClr val="bg1"/>
+                  </a:solidFill>
+                </a:rPr>
+                <a:t>safety</a:t>
+              </a:r>
+              <a:r>
+                <a:rPr lang="fr-FR" sz="1600" dirty="0" smtClean="0">
+                  <a:solidFill>
+                    <a:schemeClr val="bg1"/>
+                  </a:solidFill>
+                </a:rPr>
+                <a:t> requirements)</a:t>
+              </a:r>
               <a:endParaRPr lang="fr-FR" sz="1600" dirty="0" smtClean="0">
                 <a:solidFill>
                   <a:schemeClr val="bg1"/>
@@ -45383,108 +47541,6 @@
             </a:p>
           </p:txBody>
         </p:sp>
-        <p:sp>
-          <p:nvSpPr>
-            <p:cNvPr id="47" name="Rectangle 46"/>
-            <p:cNvSpPr/>
-            <p:nvPr/>
-          </p:nvSpPr>
-          <p:spPr>
-            <a:xfrm>
-              <a:off x="4434424" y="4321620"/>
-              <a:ext cx="2920666" cy="343996"/>
-            </a:xfrm>
-            <a:prstGeom prst="rect">
-              <a:avLst/>
-            </a:prstGeom>
-            <a:solidFill>
-              <a:srgbClr val="CC66FF"/>
-            </a:solidFill>
-          </p:spPr>
-          <p:style>
-            <a:lnRef idx="1">
-              <a:schemeClr val="accent1"/>
-            </a:lnRef>
-            <a:fillRef idx="3">
-              <a:schemeClr val="accent1"/>
-            </a:fillRef>
-            <a:effectRef idx="2">
-              <a:schemeClr val="accent1"/>
-            </a:effectRef>
-            <a:fontRef idx="minor">
-              <a:schemeClr val="lt1"/>
-            </a:fontRef>
-          </p:style>
-          <p:txBody>
-            <a:bodyPr rtlCol="0" anchor="ctr"/>
-            <a:lstStyle/>
-            <a:p>
-              <a:pPr algn="ctr"/>
-              <a:r>
-                <a:rPr lang="fr-FR" sz="1600" dirty="0" err="1" smtClean="0"/>
-                <a:t>Subsystem</a:t>
-              </a:r>
-              <a:r>
-                <a:rPr lang="fr-FR" dirty="0" smtClean="0"/>
-                <a:t> </a:t>
-              </a:r>
-              <a:r>
-                <a:rPr lang="fr-FR" sz="1600" dirty="0" err="1" smtClean="0"/>
-                <a:t>level</a:t>
-              </a:r>
-              <a:endParaRPr lang="fr-FR" dirty="0"/>
-            </a:p>
-          </p:txBody>
-        </p:sp>
-        <p:sp>
-          <p:nvSpPr>
-            <p:cNvPr id="48" name="Rectangle 47"/>
-            <p:cNvSpPr/>
-            <p:nvPr/>
-          </p:nvSpPr>
-          <p:spPr>
-            <a:xfrm>
-              <a:off x="4463058" y="3741152"/>
-              <a:ext cx="2920666" cy="321704"/>
-            </a:xfrm>
-            <a:prstGeom prst="rect">
-              <a:avLst/>
-            </a:prstGeom>
-            <a:solidFill>
-              <a:srgbClr val="CC66FF"/>
-            </a:solidFill>
-          </p:spPr>
-          <p:style>
-            <a:lnRef idx="1">
-              <a:schemeClr val="accent1"/>
-            </a:lnRef>
-            <a:fillRef idx="3">
-              <a:schemeClr val="accent1"/>
-            </a:fillRef>
-            <a:effectRef idx="2">
-              <a:schemeClr val="accent1"/>
-            </a:effectRef>
-            <a:fontRef idx="minor">
-              <a:schemeClr val="lt1"/>
-            </a:fontRef>
-          </p:style>
-          <p:txBody>
-            <a:bodyPr rtlCol="0" anchor="ctr"/>
-            <a:lstStyle/>
-            <a:p>
-              <a:pPr algn="ctr"/>
-              <a:r>
-                <a:rPr lang="fr-FR" sz="1600" dirty="0" smtClean="0"/>
-                <a:t>System </a:t>
-              </a:r>
-              <a:r>
-                <a:rPr lang="fr-FR" sz="1600" dirty="0" err="1" smtClean="0"/>
-                <a:t>level</a:t>
-              </a:r>
-              <a:endParaRPr lang="fr-FR" sz="1600" dirty="0"/>
-            </a:p>
-          </p:txBody>
-        </p:sp>
         <p:cxnSp>
           <p:nvCxnSpPr>
             <p:cNvPr id="58" name="Connecteur droit avec flèche 57"/>
@@ -45493,44 +47549,8 @@
           </p:nvCxnSpPr>
           <p:spPr>
             <a:xfrm flipV="1">
-              <a:off x="5825733" y="4685019"/>
-              <a:ext cx="3525" cy="533517"/>
-            </a:xfrm>
-            <a:prstGeom prst="straightConnector1">
-              <a:avLst/>
-            </a:prstGeom>
-            <a:ln w="57150" cmpd="sng">
-              <a:solidFill>
-                <a:srgbClr val="FF0000"/>
-              </a:solidFill>
-              <a:tailEnd type="arrow"/>
-            </a:ln>
-          </p:spPr>
-          <p:style>
-            <a:lnRef idx="2">
-              <a:schemeClr val="accent1"/>
-            </a:lnRef>
-            <a:fillRef idx="0">
-              <a:schemeClr val="accent1"/>
-            </a:fillRef>
-            <a:effectRef idx="1">
-              <a:schemeClr val="accent1"/>
-            </a:effectRef>
-            <a:fontRef idx="minor">
-              <a:schemeClr val="tx1"/>
-            </a:fontRef>
-          </p:style>
-        </p:cxnSp>
-        <p:cxnSp>
-          <p:nvCxnSpPr>
-            <p:cNvPr id="60" name="Connecteur droit avec flèche 59"/>
-            <p:cNvCxnSpPr/>
-            <p:nvPr/>
-          </p:nvCxnSpPr>
-          <p:spPr>
-            <a:xfrm flipV="1">
-              <a:off x="5825733" y="3973186"/>
-              <a:ext cx="1" cy="348433"/>
+              <a:off x="5825733" y="4386204"/>
+              <a:ext cx="3525" cy="437470"/>
             </a:xfrm>
             <a:prstGeom prst="straightConnector1">
               <a:avLst/>
@@ -45601,7 +47621,7 @@
           </p:nvCxnSpPr>
           <p:spPr>
             <a:xfrm flipH="1">
-              <a:off x="2651137" y="5622398"/>
+              <a:off x="5501450" y="6037009"/>
               <a:ext cx="976304" cy="1"/>
             </a:xfrm>
             <a:prstGeom prst="straightConnector1">
@@ -45637,7 +47657,7 @@
           </p:nvSpPr>
           <p:spPr>
             <a:xfrm>
-              <a:off x="1953967" y="5675514"/>
+              <a:off x="4831615" y="5734312"/>
               <a:ext cx="2384613" cy="307777"/>
             </a:xfrm>
             <a:prstGeom prst="rect">
@@ -45667,9 +47687,9 @@
             <p:nvPr/>
           </p:nvCxnSpPr>
           <p:spPr>
-            <a:xfrm>
-              <a:off x="7844575" y="2212982"/>
-              <a:ext cx="0" cy="3823669"/>
+            <a:xfrm flipH="1">
+              <a:off x="7800515" y="2212982"/>
+              <a:ext cx="44060" cy="3261679"/>
             </a:xfrm>
             <a:prstGeom prst="line">
               <a:avLst/>
@@ -46164,8 +48184,8 @@
           </p:nvSpPr>
           <p:spPr>
             <a:xfrm>
-              <a:off x="2134581" y="2431660"/>
-              <a:ext cx="1095531" cy="307777"/>
+              <a:off x="2134581" y="1996685"/>
+              <a:ext cx="1095531" cy="738664"/>
             </a:xfrm>
             <a:prstGeom prst="rect">
               <a:avLst/>
@@ -46192,7 +48212,15 @@
                     <a:srgbClr val="FF6600"/>
                   </a:solidFill>
                 </a:rPr>
-                <a:t> IF</a:t>
+                <a:t> </a:t>
+              </a:r>
+              <a:r>
+                <a:rPr lang="fr-FR" sz="1400" dirty="0" smtClean="0">
+                  <a:solidFill>
+                    <a:srgbClr val="FF6600"/>
+                  </a:solidFill>
+                </a:rPr>
+                <a:t>System Interfaces</a:t>
               </a:r>
               <a:endParaRPr lang="fr-FR" sz="1400" dirty="0">
                 <a:solidFill>
@@ -46210,8 +48238,8 @@
           </p:nvCxnSpPr>
           <p:spPr>
             <a:xfrm flipH="1">
-              <a:off x="2027848" y="2742668"/>
-              <a:ext cx="2081216" cy="131417"/>
+              <a:off x="2013402" y="2742668"/>
+              <a:ext cx="2095662" cy="0"/>
             </a:xfrm>
             <a:prstGeom prst="straightConnector1">
               <a:avLst/>
@@ -46248,8 +48276,8 @@
           </p:nvCxnSpPr>
           <p:spPr>
             <a:xfrm flipH="1">
-              <a:off x="2027848" y="2657292"/>
-              <a:ext cx="3361962" cy="391200"/>
+              <a:off x="2013402" y="2657292"/>
+              <a:ext cx="3376408" cy="309483"/>
             </a:xfrm>
             <a:prstGeom prst="straightConnector1">
               <a:avLst/>
@@ -46362,8 +48390,8 @@
           </p:nvSpPr>
           <p:spPr>
             <a:xfrm>
-              <a:off x="2123906" y="3281197"/>
-              <a:ext cx="1095531" cy="307777"/>
+              <a:off x="1956524" y="3175851"/>
+              <a:ext cx="1095531" cy="523220"/>
             </a:xfrm>
             <a:prstGeom prst="rect">
               <a:avLst/>
@@ -46390,7 +48418,7 @@
                     <a:srgbClr val="FF6600"/>
                   </a:solidFill>
                 </a:rPr>
-                <a:t> IF</a:t>
+                <a:t> SW  Interfaces</a:t>
               </a:r>
               <a:endParaRPr lang="fr-FR" sz="1400" dirty="0">
                 <a:solidFill>
@@ -46408,10 +48436,10 @@
           </p:nvGrpSpPr>
           <p:grpSpPr>
             <a:xfrm>
-              <a:off x="993918" y="6155153"/>
-              <a:ext cx="2384613" cy="307777"/>
-              <a:chOff x="6390215" y="409131"/>
-              <a:chExt cx="2384613" cy="307777"/>
+              <a:off x="993918" y="6166883"/>
+              <a:ext cx="2384613" cy="349407"/>
+              <a:chOff x="6390215" y="420861"/>
+              <a:chExt cx="2384613" cy="349407"/>
             </a:xfrm>
           </p:grpSpPr>
           <p:cxnSp>
@@ -46460,7 +48488,7 @@
             </p:nvSpPr>
             <p:spPr>
               <a:xfrm>
-                <a:off x="6390215" y="409131"/>
+                <a:off x="6390215" y="462491"/>
                 <a:ext cx="2384613" cy="307777"/>
               </a:xfrm>
               <a:prstGeom prst="rect">
@@ -46845,13 +48873,15 @@
         <p:cxnSp>
           <p:nvCxnSpPr>
             <p:cNvPr id="28" name="Connecteur droit avec flèche 27"/>
-            <p:cNvCxnSpPr/>
+            <p:cNvCxnSpPr>
+              <a:endCxn id="19" idx="1"/>
+            </p:cNvCxnSpPr>
             <p:nvPr/>
           </p:nvCxnSpPr>
           <p:spPr>
             <a:xfrm>
-              <a:off x="2027848" y="2372146"/>
-              <a:ext cx="1350683" cy="59514"/>
+              <a:off x="2027849" y="3146094"/>
+              <a:ext cx="1350682" cy="130426"/>
             </a:xfrm>
             <a:prstGeom prst="straightConnector1">
               <a:avLst/>
@@ -47050,2045 +49080,6 @@
       </p:grpSpPr>
       <p:sp>
         <p:nvSpPr>
-          <p:cNvPr id="68" name="Rectangle 67"/>
-          <p:cNvSpPr/>
-          <p:nvPr/>
-        </p:nvSpPr>
-        <p:spPr>
-          <a:xfrm>
-            <a:off x="283301" y="307130"/>
-            <a:ext cx="8664969" cy="6550870"/>
-          </a:xfrm>
-          <a:prstGeom prst="rect">
-            <a:avLst/>
-          </a:prstGeom>
-          <a:solidFill>
-            <a:schemeClr val="bg1">
-              <a:lumMod val="85000"/>
-              <a:alpha val="18000"/>
-            </a:schemeClr>
-          </a:solidFill>
-          <a:ln>
-            <a:solidFill>
-              <a:schemeClr val="tx1"/>
-            </a:solidFill>
-          </a:ln>
-        </p:spPr>
-        <p:style>
-          <a:lnRef idx="1">
-            <a:schemeClr val="accent1"/>
-          </a:lnRef>
-          <a:fillRef idx="3">
-            <a:schemeClr val="accent1"/>
-          </a:fillRef>
-          <a:effectRef idx="2">
-            <a:schemeClr val="accent1"/>
-          </a:effectRef>
-          <a:fontRef idx="minor">
-            <a:schemeClr val="lt1"/>
-          </a:fontRef>
-        </p:style>
-        <p:txBody>
-          <a:bodyPr rtlCol="0" anchor="ctr"/>
-          <a:lstStyle/>
-          <a:p>
-            <a:pPr algn="ctr"/>
-            <a:endParaRPr lang="fr-FR"/>
-          </a:p>
-        </p:txBody>
-      </p:sp>
-      <p:sp>
-        <p:nvSpPr>
-          <p:cNvPr id="11" name="Rectangle à coins arrondis 10"/>
-          <p:cNvSpPr/>
-          <p:nvPr/>
-        </p:nvSpPr>
-        <p:spPr>
-          <a:xfrm>
-            <a:off x="3020428" y="672132"/>
-            <a:ext cx="2871008" cy="2872640"/>
-          </a:xfrm>
-          <a:prstGeom prst="roundRect">
-            <a:avLst/>
-          </a:prstGeom>
-          <a:solidFill>
-            <a:srgbClr val="3366FF"/>
-          </a:solidFill>
-        </p:spPr>
-        <p:style>
-          <a:lnRef idx="1">
-            <a:schemeClr val="accent1"/>
-          </a:lnRef>
-          <a:fillRef idx="3">
-            <a:schemeClr val="accent1"/>
-          </a:fillRef>
-          <a:effectRef idx="2">
-            <a:schemeClr val="accent1"/>
-          </a:effectRef>
-          <a:fontRef idx="minor">
-            <a:schemeClr val="lt1"/>
-          </a:fontRef>
-        </p:style>
-        <p:txBody>
-          <a:bodyPr rtlCol="0" anchor="ctr"/>
-          <a:lstStyle/>
-          <a:p>
-            <a:pPr algn="ctr"/>
-            <a:r>
-              <a:rPr lang="eu-ES" sz="1400" dirty="0" smtClean="0"/>
-              <a:t>OpenETCS architecture SysML model - system level definition</a:t>
-            </a:r>
-          </a:p>
-          <a:p>
-            <a:pPr algn="ctr"/>
-            <a:endParaRPr lang="eu-ES" sz="1400" dirty="0"/>
-          </a:p>
-          <a:p>
-            <a:pPr algn="ctr"/>
-            <a:endParaRPr lang="eu-ES" sz="1400" dirty="0" smtClean="0"/>
-          </a:p>
-          <a:p>
-            <a:pPr algn="ctr"/>
-            <a:endParaRPr lang="eu-ES" sz="1400" dirty="0"/>
-          </a:p>
-          <a:p>
-            <a:pPr algn="ctr"/>
-            <a:endParaRPr lang="eu-ES" sz="1400" dirty="0" smtClean="0"/>
-          </a:p>
-          <a:p>
-            <a:pPr algn="ctr"/>
-            <a:endParaRPr lang="eu-ES" sz="1400" dirty="0" smtClean="0"/>
-          </a:p>
-          <a:p>
-            <a:pPr algn="ctr"/>
-            <a:endParaRPr lang="eu-ES" sz="1400" dirty="0"/>
-          </a:p>
-          <a:p>
-            <a:pPr algn="ctr"/>
-            <a:endParaRPr lang="eu-ES" sz="1400" dirty="0" smtClean="0"/>
-          </a:p>
-          <a:p>
-            <a:pPr algn="ctr"/>
-            <a:endParaRPr lang="eu-ES" sz="1400" dirty="0"/>
-          </a:p>
-          <a:p>
-            <a:pPr algn="ctr"/>
-            <a:endParaRPr lang="eu-ES" sz="1400" dirty="0" smtClean="0"/>
-          </a:p>
-          <a:p>
-            <a:pPr algn="ctr"/>
-            <a:endParaRPr lang="eu-ES" sz="1400" dirty="0"/>
-          </a:p>
-          <a:p>
-            <a:pPr algn="ctr"/>
-            <a:endParaRPr lang="eu-ES" sz="1400" dirty="0"/>
-          </a:p>
-        </p:txBody>
-      </p:sp>
-      <p:sp>
-        <p:nvSpPr>
-          <p:cNvPr id="70" name="ZoneTexte 69"/>
-          <p:cNvSpPr txBox="1"/>
-          <p:nvPr/>
-        </p:nvSpPr>
-        <p:spPr>
-          <a:xfrm>
-            <a:off x="334947" y="355060"/>
-            <a:ext cx="2204960" cy="317071"/>
-          </a:xfrm>
-          <a:prstGeom prst="rect">
-            <a:avLst/>
-          </a:prstGeom>
-          <a:noFill/>
-        </p:spPr>
-        <p:txBody>
-          <a:bodyPr wrap="none" rtlCol="0">
-            <a:spAutoFit/>
-          </a:bodyPr>
-          <a:lstStyle/>
-          <a:p>
-            <a:r>
-              <a:rPr lang="fr-FR" sz="1100" i="1" dirty="0" smtClean="0"/>
-              <a:t>OpenETCS </a:t>
-            </a:r>
-            <a:r>
-              <a:rPr lang="fr-FR" sz="1100" i="1" dirty="0" err="1" smtClean="0"/>
-              <a:t>product</a:t>
-            </a:r>
-            <a:r>
-              <a:rPr lang="fr-FR" sz="1100" i="1" dirty="0" smtClean="0"/>
-              <a:t> </a:t>
-            </a:r>
-            <a:r>
-              <a:rPr lang="fr-FR" sz="1100" i="1" dirty="0" err="1" smtClean="0"/>
-              <a:t>definition</a:t>
-            </a:r>
-            <a:endParaRPr lang="fr-FR" sz="1100" i="1" dirty="0"/>
-          </a:p>
-        </p:txBody>
-      </p:sp>
-      <p:pic>
-        <p:nvPicPr>
-          <p:cNvPr id="19" name="Image 18" descr="1stlevelarchitecture.PNG"/>
-          <p:cNvPicPr>
-            <a:picLocks noChangeAspect="1"/>
-          </p:cNvPicPr>
-          <p:nvPr/>
-        </p:nvPicPr>
-        <p:blipFill>
-          <a:blip r:embed="rId2">
-            <a:extLst>
-              <a:ext uri="{28A0092B-C50C-407E-A947-70E740481C1C}">
-                <a14:useLocalDpi xmlns:a14="http://schemas.microsoft.com/office/drawing/2010/main" val="0"/>
-              </a:ext>
-            </a:extLst>
-          </a:blip>
-          <a:stretch>
-            <a:fillRect/>
-          </a:stretch>
-        </p:blipFill>
-        <p:spPr>
-          <a:xfrm>
-            <a:off x="3412195" y="1307724"/>
-            <a:ext cx="1390605" cy="894849"/>
-          </a:xfrm>
-          <a:prstGeom prst="rect">
-            <a:avLst/>
-          </a:prstGeom>
-        </p:spPr>
-      </p:pic>
-      <p:sp>
-        <p:nvSpPr>
-          <p:cNvPr id="13" name="Cylindre 12"/>
-          <p:cNvSpPr/>
-          <p:nvPr/>
-        </p:nvSpPr>
-        <p:spPr>
-          <a:xfrm>
-            <a:off x="469608" y="1718170"/>
-            <a:ext cx="1889100" cy="4485467"/>
-          </a:xfrm>
-          <a:prstGeom prst="can">
-            <a:avLst>
-              <a:gd name="adj" fmla="val 16329"/>
-            </a:avLst>
-          </a:prstGeom>
-          <a:solidFill>
-            <a:srgbClr val="CC66FF"/>
-          </a:solidFill>
-          <a:ln>
-            <a:solidFill>
-              <a:srgbClr val="000000"/>
-            </a:solidFill>
-          </a:ln>
-        </p:spPr>
-        <p:style>
-          <a:lnRef idx="1">
-            <a:schemeClr val="accent1"/>
-          </a:lnRef>
-          <a:fillRef idx="3">
-            <a:schemeClr val="accent1"/>
-          </a:fillRef>
-          <a:effectRef idx="2">
-            <a:schemeClr val="accent1"/>
-          </a:effectRef>
-          <a:fontRef idx="minor">
-            <a:schemeClr val="lt1"/>
-          </a:fontRef>
-        </p:style>
-        <p:txBody>
-          <a:bodyPr rtlCol="0" anchor="ctr"/>
-          <a:lstStyle/>
-          <a:p>
-            <a:pPr algn="ctr"/>
-            <a:endParaRPr lang="fr-FR" sz="1600" dirty="0" smtClean="0">
-              <a:solidFill>
-                <a:schemeClr val="bg1"/>
-              </a:solidFill>
-            </a:endParaRPr>
-          </a:p>
-          <a:p>
-            <a:pPr algn="ctr"/>
-            <a:endParaRPr lang="fr-FR" sz="1600" dirty="0">
-              <a:solidFill>
-                <a:schemeClr val="bg1"/>
-              </a:solidFill>
-            </a:endParaRPr>
-          </a:p>
-          <a:p>
-            <a:pPr algn="ctr"/>
-            <a:endParaRPr lang="fr-FR" sz="1600" dirty="0" smtClean="0">
-              <a:solidFill>
-                <a:schemeClr val="bg1"/>
-              </a:solidFill>
-            </a:endParaRPr>
-          </a:p>
-          <a:p>
-            <a:pPr algn="ctr"/>
-            <a:r>
-              <a:rPr lang="fr-FR" sz="1600" dirty="0" smtClean="0">
-                <a:solidFill>
-                  <a:schemeClr val="bg1"/>
-                </a:solidFill>
-              </a:rPr>
-              <a:t>OpenETCS Software</a:t>
-            </a:r>
-          </a:p>
-          <a:p>
-            <a:pPr algn="ctr"/>
-            <a:r>
-              <a:rPr lang="fr-FR" sz="1600" dirty="0" smtClean="0">
-                <a:solidFill>
-                  <a:schemeClr val="bg1"/>
-                </a:solidFill>
-              </a:rPr>
-              <a:t>Requirements</a:t>
-            </a:r>
-          </a:p>
-          <a:p>
-            <a:pPr algn="ctr"/>
-            <a:endParaRPr lang="fr-FR" sz="1600" dirty="0">
-              <a:solidFill>
-                <a:schemeClr val="bg1"/>
-              </a:solidFill>
-            </a:endParaRPr>
-          </a:p>
-          <a:p>
-            <a:pPr algn="ctr"/>
-            <a:endParaRPr lang="fr-FR" sz="1600" dirty="0" smtClean="0">
-              <a:solidFill>
-                <a:schemeClr val="bg1"/>
-              </a:solidFill>
-            </a:endParaRPr>
-          </a:p>
-          <a:p>
-            <a:pPr algn="ctr"/>
-            <a:endParaRPr lang="fr-FR" sz="1600" dirty="0" smtClean="0">
-              <a:solidFill>
-                <a:schemeClr val="bg1"/>
-              </a:solidFill>
-            </a:endParaRPr>
-          </a:p>
-          <a:p>
-            <a:pPr algn="ctr"/>
-            <a:endParaRPr lang="fr-FR" sz="1600" dirty="0" smtClean="0">
-              <a:solidFill>
-                <a:schemeClr val="bg1"/>
-              </a:solidFill>
-            </a:endParaRPr>
-          </a:p>
-          <a:p>
-            <a:pPr algn="ctr"/>
-            <a:endParaRPr lang="fr-FR" sz="1600" dirty="0">
-              <a:solidFill>
-                <a:schemeClr val="bg1"/>
-              </a:solidFill>
-            </a:endParaRPr>
-          </a:p>
-          <a:p>
-            <a:pPr algn="ctr"/>
-            <a:endParaRPr lang="fr-FR" sz="1600" dirty="0" smtClean="0">
-              <a:solidFill>
-                <a:schemeClr val="bg1"/>
-              </a:solidFill>
-            </a:endParaRPr>
-          </a:p>
-          <a:p>
-            <a:pPr algn="ctr"/>
-            <a:endParaRPr lang="fr-FR" sz="1600" dirty="0">
-              <a:solidFill>
-                <a:schemeClr val="bg1"/>
-              </a:solidFill>
-            </a:endParaRPr>
-          </a:p>
-          <a:p>
-            <a:pPr algn="ctr"/>
-            <a:endParaRPr lang="fr-FR" sz="1600" dirty="0" smtClean="0">
-              <a:solidFill>
-                <a:schemeClr val="bg1"/>
-              </a:solidFill>
-            </a:endParaRPr>
-          </a:p>
-          <a:p>
-            <a:pPr algn="ctr"/>
-            <a:endParaRPr lang="fr-FR" sz="1600" dirty="0">
-              <a:solidFill>
-                <a:schemeClr val="bg1"/>
-              </a:solidFill>
-            </a:endParaRPr>
-          </a:p>
-          <a:p>
-            <a:pPr algn="ctr"/>
-            <a:endParaRPr lang="fr-FR" sz="1600" dirty="0" smtClean="0">
-              <a:solidFill>
-                <a:schemeClr val="bg1"/>
-              </a:solidFill>
-            </a:endParaRPr>
-          </a:p>
-          <a:p>
-            <a:pPr algn="ctr"/>
-            <a:endParaRPr lang="fr-FR" sz="1600" dirty="0" smtClean="0">
-              <a:solidFill>
-                <a:schemeClr val="bg1"/>
-              </a:solidFill>
-            </a:endParaRPr>
-          </a:p>
-          <a:p>
-            <a:pPr algn="ctr"/>
-            <a:endParaRPr lang="fr-FR" sz="1600" dirty="0">
-              <a:solidFill>
-                <a:schemeClr val="bg1"/>
-              </a:solidFill>
-            </a:endParaRPr>
-          </a:p>
-          <a:p>
-            <a:pPr algn="ctr"/>
-            <a:endParaRPr lang="fr-FR" sz="1600" dirty="0" smtClean="0">
-              <a:solidFill>
-                <a:schemeClr val="bg1"/>
-              </a:solidFill>
-            </a:endParaRPr>
-          </a:p>
-          <a:p>
-            <a:pPr algn="ctr"/>
-            <a:endParaRPr lang="fr-FR" sz="1600" dirty="0">
-              <a:solidFill>
-                <a:schemeClr val="bg1"/>
-              </a:solidFill>
-            </a:endParaRPr>
-          </a:p>
-          <a:p>
-            <a:pPr algn="ctr"/>
-            <a:endParaRPr lang="fr-FR" sz="1600" dirty="0" smtClean="0">
-              <a:solidFill>
-                <a:schemeClr val="bg1"/>
-              </a:solidFill>
-            </a:endParaRPr>
-          </a:p>
-          <a:p>
-            <a:pPr algn="ctr"/>
-            <a:endParaRPr lang="fr-FR" sz="1600" dirty="0" smtClean="0">
-              <a:solidFill>
-                <a:schemeClr val="bg1"/>
-              </a:solidFill>
-            </a:endParaRPr>
-          </a:p>
-          <a:p>
-            <a:pPr algn="ctr"/>
-            <a:endParaRPr lang="fr-FR" sz="1600" dirty="0">
-              <a:solidFill>
-                <a:schemeClr val="bg1"/>
-              </a:solidFill>
-            </a:endParaRPr>
-          </a:p>
-        </p:txBody>
-      </p:sp>
-      <p:pic>
-        <p:nvPicPr>
-          <p:cNvPr id="2" name="Image 1" descr="2ndlevelarchitecture.PNG"/>
-          <p:cNvPicPr>
-            <a:picLocks noChangeAspect="1"/>
-          </p:cNvPicPr>
-          <p:nvPr/>
-        </p:nvPicPr>
-        <p:blipFill>
-          <a:blip r:embed="rId3">
-            <a:extLst>
-              <a:ext uri="{28A0092B-C50C-407E-A947-70E740481C1C}">
-                <a14:useLocalDpi xmlns:a14="http://schemas.microsoft.com/office/drawing/2010/main" val="0"/>
-              </a:ext>
-            </a:extLst>
-          </a:blip>
-          <a:stretch>
-            <a:fillRect/>
-          </a:stretch>
-        </p:blipFill>
-        <p:spPr>
-          <a:xfrm>
-            <a:off x="3137831" y="2283307"/>
-            <a:ext cx="2600646" cy="1163697"/>
-          </a:xfrm>
-          <a:prstGeom prst="rect">
-            <a:avLst/>
-          </a:prstGeom>
-        </p:spPr>
-      </p:pic>
-      <p:sp>
-        <p:nvSpPr>
-          <p:cNvPr id="14" name="Rectangle à coins arrondis 13"/>
-          <p:cNvSpPr/>
-          <p:nvPr/>
-        </p:nvSpPr>
-        <p:spPr>
-          <a:xfrm>
-            <a:off x="6489162" y="2428464"/>
-            <a:ext cx="2380011" cy="3494411"/>
-          </a:xfrm>
-          <a:prstGeom prst="roundRect">
-            <a:avLst/>
-          </a:prstGeom>
-          <a:solidFill>
-            <a:srgbClr val="3366FF"/>
-          </a:solidFill>
-        </p:spPr>
-        <p:style>
-          <a:lnRef idx="1">
-            <a:schemeClr val="accent1"/>
-          </a:lnRef>
-          <a:fillRef idx="3">
-            <a:schemeClr val="accent1"/>
-          </a:fillRef>
-          <a:effectRef idx="2">
-            <a:schemeClr val="accent1"/>
-          </a:effectRef>
-          <a:fontRef idx="minor">
-            <a:schemeClr val="lt1"/>
-          </a:fontRef>
-        </p:style>
-        <p:txBody>
-          <a:bodyPr rtlCol="0" anchor="ctr"/>
-          <a:lstStyle/>
-          <a:p>
-            <a:pPr algn="ctr"/>
-            <a:r>
-              <a:rPr lang="eu-ES" sz="1400" dirty="0" smtClean="0"/>
-              <a:t>OpenETCS (formal) executable SCADE</a:t>
-            </a:r>
-          </a:p>
-          <a:p>
-            <a:pPr algn="ctr"/>
-            <a:r>
-              <a:rPr lang="fr-FR" sz="1400" dirty="0" smtClean="0"/>
-              <a:t>M</a:t>
-            </a:r>
-            <a:r>
-              <a:rPr lang="eu-ES" sz="1400" dirty="0" smtClean="0"/>
-              <a:t>odel</a:t>
-            </a:r>
-          </a:p>
-          <a:p>
-            <a:pPr algn="ctr"/>
-            <a:endParaRPr lang="eu-ES" sz="1400" dirty="0"/>
-          </a:p>
-          <a:p>
-            <a:pPr algn="ctr"/>
-            <a:endParaRPr lang="eu-ES" sz="1400" dirty="0" smtClean="0"/>
-          </a:p>
-          <a:p>
-            <a:pPr algn="ctr"/>
-            <a:endParaRPr lang="eu-ES" sz="1400" dirty="0" smtClean="0"/>
-          </a:p>
-          <a:p>
-            <a:pPr algn="ctr"/>
-            <a:endParaRPr lang="eu-ES" dirty="0" smtClean="0"/>
-          </a:p>
-          <a:p>
-            <a:pPr algn="ctr"/>
-            <a:endParaRPr lang="eu-ES" dirty="0"/>
-          </a:p>
-          <a:p>
-            <a:pPr algn="ctr"/>
-            <a:endParaRPr lang="eu-ES" dirty="0" smtClean="0"/>
-          </a:p>
-          <a:p>
-            <a:pPr algn="ctr"/>
-            <a:endParaRPr lang="eu-ES" dirty="0"/>
-          </a:p>
-          <a:p>
-            <a:pPr algn="ctr"/>
-            <a:endParaRPr lang="eu-ES" dirty="0"/>
-          </a:p>
-        </p:txBody>
-      </p:sp>
-      <p:sp>
-        <p:nvSpPr>
-          <p:cNvPr id="15" name="Rectangle à coins arrondis 14"/>
-          <p:cNvSpPr/>
-          <p:nvPr/>
-        </p:nvSpPr>
-        <p:spPr>
-          <a:xfrm>
-            <a:off x="7177335" y="4674186"/>
-            <a:ext cx="1421305" cy="587034"/>
-          </a:xfrm>
-          <a:prstGeom prst="roundRect">
-            <a:avLst/>
-          </a:prstGeom>
-          <a:solidFill>
-            <a:srgbClr val="0000FF">
-              <a:alpha val="68000"/>
-            </a:srgbClr>
-          </a:solidFill>
-          <a:ln>
-            <a:solidFill>
-              <a:schemeClr val="tx1"/>
-            </a:solidFill>
-          </a:ln>
-        </p:spPr>
-        <p:style>
-          <a:lnRef idx="1">
-            <a:schemeClr val="accent1"/>
-          </a:lnRef>
-          <a:fillRef idx="3">
-            <a:schemeClr val="accent1"/>
-          </a:fillRef>
-          <a:effectRef idx="2">
-            <a:schemeClr val="accent1"/>
-          </a:effectRef>
-          <a:fontRef idx="minor">
-            <a:schemeClr val="lt1"/>
-          </a:fontRef>
-        </p:style>
-        <p:txBody>
-          <a:bodyPr rtlCol="0" anchor="ctr"/>
-          <a:lstStyle/>
-          <a:p>
-            <a:pPr algn="ctr"/>
-            <a:endParaRPr lang="eu-ES" sz="1100" dirty="0"/>
-          </a:p>
-        </p:txBody>
-      </p:sp>
-      <p:sp>
-        <p:nvSpPr>
-          <p:cNvPr id="16" name="Rectangle à coins arrondis 15"/>
-          <p:cNvSpPr/>
-          <p:nvPr/>
-        </p:nvSpPr>
-        <p:spPr>
-          <a:xfrm>
-            <a:off x="7229428" y="4732821"/>
-            <a:ext cx="1449343" cy="613773"/>
-          </a:xfrm>
-          <a:prstGeom prst="roundRect">
-            <a:avLst/>
-          </a:prstGeom>
-          <a:solidFill>
-            <a:srgbClr val="0000FF">
-              <a:alpha val="68000"/>
-            </a:srgbClr>
-          </a:solidFill>
-          <a:ln>
-            <a:solidFill>
-              <a:srgbClr val="000000"/>
-            </a:solidFill>
-          </a:ln>
-        </p:spPr>
-        <p:style>
-          <a:lnRef idx="1">
-            <a:schemeClr val="accent1"/>
-          </a:lnRef>
-          <a:fillRef idx="3">
-            <a:schemeClr val="accent1"/>
-          </a:fillRef>
-          <a:effectRef idx="2">
-            <a:schemeClr val="accent1"/>
-          </a:effectRef>
-          <a:fontRef idx="minor">
-            <a:schemeClr val="lt1"/>
-          </a:fontRef>
-        </p:style>
-        <p:txBody>
-          <a:bodyPr rtlCol="0" anchor="ctr"/>
-          <a:lstStyle/>
-          <a:p>
-            <a:pPr algn="ctr"/>
-            <a:endParaRPr lang="eu-ES" sz="1100" dirty="0"/>
-          </a:p>
-        </p:txBody>
-      </p:sp>
-      <p:sp>
-        <p:nvSpPr>
-          <p:cNvPr id="17" name="Rectangle à coins arrondis 16"/>
-          <p:cNvSpPr/>
-          <p:nvPr/>
-        </p:nvSpPr>
-        <p:spPr>
-          <a:xfrm>
-            <a:off x="7309427" y="4822838"/>
-            <a:ext cx="1481016" cy="619804"/>
-          </a:xfrm>
-          <a:prstGeom prst="roundRect">
-            <a:avLst/>
-          </a:prstGeom>
-          <a:solidFill>
-            <a:srgbClr val="0000FF">
-              <a:alpha val="68000"/>
-            </a:srgbClr>
-          </a:solidFill>
-          <a:ln>
-            <a:solidFill>
-              <a:srgbClr val="000000"/>
-            </a:solidFill>
-          </a:ln>
-        </p:spPr>
-        <p:style>
-          <a:lnRef idx="1">
-            <a:schemeClr val="accent1"/>
-          </a:lnRef>
-          <a:fillRef idx="3">
-            <a:schemeClr val="accent1"/>
-          </a:fillRef>
-          <a:effectRef idx="2">
-            <a:schemeClr val="accent1"/>
-          </a:effectRef>
-          <a:fontRef idx="minor">
-            <a:schemeClr val="lt1"/>
-          </a:fontRef>
-        </p:style>
-        <p:txBody>
-          <a:bodyPr rtlCol="0" anchor="ctr"/>
-          <a:lstStyle/>
-          <a:p>
-            <a:pPr algn="ctr"/>
-            <a:r>
-              <a:rPr lang="eu-ES" sz="1100" dirty="0" smtClean="0"/>
-              <a:t>Detailed design function model</a:t>
-            </a:r>
-            <a:endParaRPr lang="eu-ES" sz="1100" dirty="0"/>
-          </a:p>
-        </p:txBody>
-      </p:sp>
-      <p:sp>
-        <p:nvSpPr>
-          <p:cNvPr id="18" name="Rectangle à coins arrondis 17"/>
-          <p:cNvSpPr/>
-          <p:nvPr/>
-        </p:nvSpPr>
-        <p:spPr>
-          <a:xfrm>
-            <a:off x="6627997" y="3544771"/>
-            <a:ext cx="1689965" cy="441568"/>
-          </a:xfrm>
-          <a:prstGeom prst="roundRect">
-            <a:avLst/>
-          </a:prstGeom>
-          <a:solidFill>
-            <a:srgbClr val="0000FF">
-              <a:alpha val="68000"/>
-            </a:srgbClr>
-          </a:solidFill>
-          <a:ln>
-            <a:solidFill>
-              <a:srgbClr val="000000"/>
-            </a:solidFill>
-          </a:ln>
-        </p:spPr>
-        <p:style>
-          <a:lnRef idx="1">
-            <a:schemeClr val="accent1"/>
-          </a:lnRef>
-          <a:fillRef idx="3">
-            <a:schemeClr val="accent1"/>
-          </a:fillRef>
-          <a:effectRef idx="2">
-            <a:schemeClr val="accent1"/>
-          </a:effectRef>
-          <a:fontRef idx="minor">
-            <a:schemeClr val="lt1"/>
-          </a:fontRef>
-        </p:style>
-        <p:txBody>
-          <a:bodyPr rtlCol="0" anchor="ctr"/>
-          <a:lstStyle/>
-          <a:p>
-            <a:pPr algn="ctr"/>
-            <a:endParaRPr lang="eu-ES" sz="1100" dirty="0"/>
-          </a:p>
-        </p:txBody>
-      </p:sp>
-      <p:sp>
-        <p:nvSpPr>
-          <p:cNvPr id="20" name="Rectangle à coins arrondis 19"/>
-          <p:cNvSpPr/>
-          <p:nvPr/>
-        </p:nvSpPr>
-        <p:spPr>
-          <a:xfrm>
-            <a:off x="6737074" y="3650584"/>
-            <a:ext cx="1672503" cy="441568"/>
-          </a:xfrm>
-          <a:prstGeom prst="roundRect">
-            <a:avLst/>
-          </a:prstGeom>
-          <a:solidFill>
-            <a:srgbClr val="0000FF">
-              <a:alpha val="68000"/>
-            </a:srgbClr>
-          </a:solidFill>
-          <a:ln>
-            <a:solidFill>
-              <a:srgbClr val="000000"/>
-            </a:solidFill>
-          </a:ln>
-        </p:spPr>
-        <p:style>
-          <a:lnRef idx="1">
-            <a:schemeClr val="accent1"/>
-          </a:lnRef>
-          <a:fillRef idx="3">
-            <a:schemeClr val="accent1"/>
-          </a:fillRef>
-          <a:effectRef idx="2">
-            <a:schemeClr val="accent1"/>
-          </a:effectRef>
-          <a:fontRef idx="minor">
-            <a:schemeClr val="lt1"/>
-          </a:fontRef>
-        </p:style>
-        <p:txBody>
-          <a:bodyPr rtlCol="0" anchor="ctr"/>
-          <a:lstStyle/>
-          <a:p>
-            <a:pPr algn="ctr"/>
-            <a:r>
-              <a:rPr lang="fr-FR" sz="1100" dirty="0" err="1" smtClean="0"/>
-              <a:t>Integration</a:t>
-            </a:r>
-            <a:r>
-              <a:rPr lang="fr-FR" sz="1100" dirty="0" smtClean="0"/>
-              <a:t> model</a:t>
-            </a:r>
-            <a:endParaRPr lang="eu-ES" sz="1100" dirty="0"/>
-          </a:p>
-        </p:txBody>
-      </p:sp>
-      <p:sp>
-        <p:nvSpPr>
-          <p:cNvPr id="21" name="ZoneTexte 20"/>
-          <p:cNvSpPr txBox="1"/>
-          <p:nvPr/>
-        </p:nvSpPr>
-        <p:spPr>
-          <a:xfrm rot="1980773">
-            <a:off x="5225066" y="2481422"/>
-            <a:ext cx="1890032" cy="307777"/>
-          </a:xfrm>
-          <a:prstGeom prst="rect">
-            <a:avLst/>
-          </a:prstGeom>
-          <a:noFill/>
-        </p:spPr>
-        <p:txBody>
-          <a:bodyPr wrap="square" rtlCol="0">
-            <a:spAutoFit/>
-          </a:bodyPr>
-          <a:lstStyle/>
-          <a:p>
-            <a:pPr algn="ctr"/>
-            <a:r>
-              <a:rPr lang="fr-FR" sz="1400" dirty="0" err="1" smtClean="0"/>
-              <a:t>Reflect</a:t>
-            </a:r>
-            <a:r>
-              <a:rPr lang="fr-FR" sz="1400" dirty="0" smtClean="0"/>
-              <a:t> architecture</a:t>
-            </a:r>
-            <a:endParaRPr lang="fr-FR" sz="1400" dirty="0"/>
-          </a:p>
-        </p:txBody>
-      </p:sp>
-      <p:cxnSp>
-        <p:nvCxnSpPr>
-          <p:cNvPr id="22" name="Connecteur droit avec flèche 21"/>
-          <p:cNvCxnSpPr/>
-          <p:nvPr/>
-        </p:nvCxnSpPr>
-        <p:spPr>
-          <a:xfrm>
-            <a:off x="4909530" y="3190880"/>
-            <a:ext cx="2267805" cy="1541942"/>
-          </a:xfrm>
-          <a:prstGeom prst="straightConnector1">
-            <a:avLst/>
-          </a:prstGeom>
-          <a:ln w="28575" cmpd="sng">
-            <a:solidFill>
-              <a:srgbClr val="000000"/>
-            </a:solidFill>
-            <a:tailEnd type="arrow"/>
-          </a:ln>
-        </p:spPr>
-        <p:style>
-          <a:lnRef idx="2">
-            <a:schemeClr val="accent1"/>
-          </a:lnRef>
-          <a:fillRef idx="0">
-            <a:schemeClr val="accent1"/>
-          </a:fillRef>
-          <a:effectRef idx="1">
-            <a:schemeClr val="accent1"/>
-          </a:effectRef>
-          <a:fontRef idx="minor">
-            <a:schemeClr val="tx1"/>
-          </a:fontRef>
-        </p:style>
-      </p:cxnSp>
-      <p:sp>
-        <p:nvSpPr>
-          <p:cNvPr id="24" name="ZoneTexte 23"/>
-          <p:cNvSpPr txBox="1"/>
-          <p:nvPr/>
-        </p:nvSpPr>
-        <p:spPr>
-          <a:xfrm rot="2209508">
-            <a:off x="5051468" y="4007847"/>
-            <a:ext cx="1494563" cy="307777"/>
-          </a:xfrm>
-          <a:prstGeom prst="rect">
-            <a:avLst/>
-          </a:prstGeom>
-          <a:noFill/>
-        </p:spPr>
-        <p:txBody>
-          <a:bodyPr wrap="square" rtlCol="0">
-            <a:spAutoFit/>
-          </a:bodyPr>
-          <a:lstStyle/>
-          <a:p>
-            <a:pPr algn="ctr"/>
-            <a:r>
-              <a:rPr lang="fr-FR" sz="1400" dirty="0" err="1" smtClean="0"/>
-              <a:t>Functional</a:t>
-            </a:r>
-            <a:r>
-              <a:rPr lang="fr-FR" sz="1400" dirty="0" smtClean="0"/>
-              <a:t> block</a:t>
-            </a:r>
-            <a:endParaRPr lang="fr-FR" sz="1400" dirty="0"/>
-          </a:p>
-        </p:txBody>
-      </p:sp>
-      <p:cxnSp>
-        <p:nvCxnSpPr>
-          <p:cNvPr id="26" name="Connecteur droit avec flèche 25"/>
-          <p:cNvCxnSpPr>
-            <a:endCxn id="17" idx="1"/>
-          </p:cNvCxnSpPr>
-          <p:nvPr/>
-        </p:nvCxnSpPr>
-        <p:spPr>
-          <a:xfrm>
-            <a:off x="4706745" y="3279225"/>
-            <a:ext cx="2602682" cy="1853515"/>
-          </a:xfrm>
-          <a:prstGeom prst="straightConnector1">
-            <a:avLst/>
-          </a:prstGeom>
-          <a:ln w="28575" cmpd="sng">
-            <a:solidFill>
-              <a:srgbClr val="000000"/>
-            </a:solidFill>
-            <a:tailEnd type="arrow"/>
-          </a:ln>
-        </p:spPr>
-        <p:style>
-          <a:lnRef idx="2">
-            <a:schemeClr val="accent1"/>
-          </a:lnRef>
-          <a:fillRef idx="0">
-            <a:schemeClr val="accent1"/>
-          </a:fillRef>
-          <a:effectRef idx="1">
-            <a:schemeClr val="accent1"/>
-          </a:effectRef>
-          <a:fontRef idx="minor">
-            <a:schemeClr val="tx1"/>
-          </a:fontRef>
-        </p:style>
-      </p:cxnSp>
-      <p:cxnSp>
-        <p:nvCxnSpPr>
-          <p:cNvPr id="28" name="Connecteur droit avec flèche 27"/>
-          <p:cNvCxnSpPr>
-            <a:stCxn id="2" idx="3"/>
-          </p:cNvCxnSpPr>
-          <p:nvPr/>
-        </p:nvCxnSpPr>
-        <p:spPr>
-          <a:xfrm>
-            <a:off x="5738477" y="2865156"/>
-            <a:ext cx="998597" cy="666978"/>
-          </a:xfrm>
-          <a:prstGeom prst="straightConnector1">
-            <a:avLst/>
-          </a:prstGeom>
-          <a:ln w="28575" cmpd="sng">
-            <a:solidFill>
-              <a:srgbClr val="000000"/>
-            </a:solidFill>
-            <a:tailEnd type="arrow"/>
-          </a:ln>
-        </p:spPr>
-        <p:style>
-          <a:lnRef idx="2">
-            <a:schemeClr val="accent1"/>
-          </a:lnRef>
-          <a:fillRef idx="0">
-            <a:schemeClr val="accent1"/>
-          </a:fillRef>
-          <a:effectRef idx="1">
-            <a:schemeClr val="accent1"/>
-          </a:effectRef>
-          <a:fontRef idx="minor">
-            <a:schemeClr val="tx1"/>
-          </a:fontRef>
-        </p:style>
-      </p:cxnSp>
-      <p:cxnSp>
-        <p:nvCxnSpPr>
-          <p:cNvPr id="29" name="Connecteur droit avec flèche 28"/>
-          <p:cNvCxnSpPr/>
-          <p:nvPr/>
-        </p:nvCxnSpPr>
-        <p:spPr>
-          <a:xfrm flipV="1">
-            <a:off x="8124098" y="4050836"/>
-            <a:ext cx="0" cy="840534"/>
-          </a:xfrm>
-          <a:prstGeom prst="straightConnector1">
-            <a:avLst/>
-          </a:prstGeom>
-          <a:ln w="28575" cmpd="sng">
-            <a:solidFill>
-              <a:srgbClr val="000000"/>
-            </a:solidFill>
-            <a:tailEnd type="arrow"/>
-          </a:ln>
-        </p:spPr>
-        <p:style>
-          <a:lnRef idx="2">
-            <a:schemeClr val="accent1"/>
-          </a:lnRef>
-          <a:fillRef idx="0">
-            <a:schemeClr val="accent1"/>
-          </a:fillRef>
-          <a:effectRef idx="1">
-            <a:schemeClr val="accent1"/>
-          </a:effectRef>
-          <a:fontRef idx="minor">
-            <a:schemeClr val="tx1"/>
-          </a:fontRef>
-        </p:style>
-      </p:cxnSp>
-      <p:sp>
-        <p:nvSpPr>
-          <p:cNvPr id="30" name="ZoneTexte 29"/>
-          <p:cNvSpPr txBox="1"/>
-          <p:nvPr/>
-        </p:nvSpPr>
-        <p:spPr>
-          <a:xfrm>
-            <a:off x="7123770" y="4229893"/>
-            <a:ext cx="924253" cy="261610"/>
-          </a:xfrm>
-          <a:prstGeom prst="rect">
-            <a:avLst/>
-          </a:prstGeom>
-          <a:noFill/>
-        </p:spPr>
-        <p:txBody>
-          <a:bodyPr wrap="square" rtlCol="0">
-            <a:spAutoFit/>
-          </a:bodyPr>
-          <a:lstStyle/>
-          <a:p>
-            <a:pPr algn="ctr"/>
-            <a:r>
-              <a:rPr lang="fr-FR" sz="1100" dirty="0" err="1" smtClean="0">
-                <a:solidFill>
-                  <a:schemeClr val="bg1"/>
-                </a:solidFill>
-              </a:rPr>
-              <a:t>integration</a:t>
-            </a:r>
-            <a:endParaRPr lang="fr-FR" sz="1100" dirty="0">
-              <a:solidFill>
-                <a:schemeClr val="bg1"/>
-              </a:solidFill>
-            </a:endParaRPr>
-          </a:p>
-        </p:txBody>
-      </p:sp>
-      <p:cxnSp>
-        <p:nvCxnSpPr>
-          <p:cNvPr id="31" name="Connecteur droit avec flèche 30"/>
-          <p:cNvCxnSpPr/>
-          <p:nvPr/>
-        </p:nvCxnSpPr>
-        <p:spPr>
-          <a:xfrm flipV="1">
-            <a:off x="7954114" y="4050836"/>
-            <a:ext cx="0" cy="593697"/>
-          </a:xfrm>
-          <a:prstGeom prst="straightConnector1">
-            <a:avLst/>
-          </a:prstGeom>
-          <a:ln w="28575" cmpd="sng">
-            <a:solidFill>
-              <a:srgbClr val="000000"/>
-            </a:solidFill>
-            <a:tailEnd type="arrow"/>
-          </a:ln>
-        </p:spPr>
-        <p:style>
-          <a:lnRef idx="2">
-            <a:schemeClr val="accent1"/>
-          </a:lnRef>
-          <a:fillRef idx="0">
-            <a:schemeClr val="accent1"/>
-          </a:fillRef>
-          <a:effectRef idx="1">
-            <a:schemeClr val="accent1"/>
-          </a:effectRef>
-          <a:fontRef idx="minor">
-            <a:schemeClr val="tx1"/>
-          </a:fontRef>
-        </p:style>
-      </p:cxnSp>
-      <p:sp>
-        <p:nvSpPr>
-          <p:cNvPr id="38" name="Rectangle 37"/>
-          <p:cNvSpPr/>
-          <p:nvPr/>
-        </p:nvSpPr>
-        <p:spPr>
-          <a:xfrm>
-            <a:off x="676472" y="3279226"/>
-            <a:ext cx="1504877" cy="1747220"/>
-          </a:xfrm>
-          <a:prstGeom prst="rect">
-            <a:avLst/>
-          </a:prstGeom>
-          <a:solidFill>
-            <a:srgbClr val="CC66FF"/>
-          </a:solidFill>
-          <a:ln>
-            <a:solidFill>
-              <a:schemeClr val="bg1"/>
-            </a:solidFill>
-          </a:ln>
-        </p:spPr>
-        <p:style>
-          <a:lnRef idx="1">
-            <a:schemeClr val="accent1"/>
-          </a:lnRef>
-          <a:fillRef idx="3">
-            <a:schemeClr val="accent1"/>
-          </a:fillRef>
-          <a:effectRef idx="2">
-            <a:schemeClr val="accent1"/>
-          </a:effectRef>
-          <a:fontRef idx="minor">
-            <a:schemeClr val="lt1"/>
-          </a:fontRef>
-        </p:style>
-        <p:txBody>
-          <a:bodyPr rtlCol="0" anchor="ctr"/>
-          <a:lstStyle/>
-          <a:p>
-            <a:pPr algn="ctr"/>
-            <a:r>
-              <a:rPr lang="fr-FR" sz="1600" dirty="0" smtClean="0"/>
-              <a:t>Software </a:t>
-            </a:r>
-            <a:r>
-              <a:rPr lang="fr-FR" sz="1600" dirty="0" err="1" smtClean="0"/>
-              <a:t>level</a:t>
-            </a:r>
-            <a:endParaRPr lang="fr-FR" sz="1600" dirty="0"/>
-          </a:p>
-        </p:txBody>
-      </p:sp>
-      <p:cxnSp>
-        <p:nvCxnSpPr>
-          <p:cNvPr id="39" name="Connecteur droit avec flèche 38"/>
-          <p:cNvCxnSpPr/>
-          <p:nvPr/>
-        </p:nvCxnSpPr>
-        <p:spPr>
-          <a:xfrm flipH="1" flipV="1">
-            <a:off x="2181349" y="4732821"/>
-            <a:ext cx="5048079" cy="1"/>
-          </a:xfrm>
-          <a:prstGeom prst="straightConnector1">
-            <a:avLst/>
-          </a:prstGeom>
-          <a:ln>
-            <a:solidFill>
-              <a:srgbClr val="FF6600"/>
-            </a:solidFill>
-            <a:prstDash val="sysDash"/>
-            <a:headEnd type="oval"/>
-            <a:tailEnd type="stealth" w="lg" len="lg"/>
-          </a:ln>
-        </p:spPr>
-        <p:style>
-          <a:lnRef idx="2">
-            <a:schemeClr val="accent1"/>
-          </a:lnRef>
-          <a:fillRef idx="0">
-            <a:schemeClr val="accent1"/>
-          </a:fillRef>
-          <a:effectRef idx="1">
-            <a:schemeClr val="accent1"/>
-          </a:effectRef>
-          <a:fontRef idx="minor">
-            <a:schemeClr val="tx1"/>
-          </a:fontRef>
-        </p:style>
-      </p:cxnSp>
-      <p:cxnSp>
-        <p:nvCxnSpPr>
-          <p:cNvPr id="42" name="Connecteur droit avec flèche 41"/>
-          <p:cNvCxnSpPr/>
-          <p:nvPr/>
-        </p:nvCxnSpPr>
-        <p:spPr>
-          <a:xfrm flipH="1" flipV="1">
-            <a:off x="2181350" y="4891370"/>
-            <a:ext cx="5048080" cy="6689"/>
-          </a:xfrm>
-          <a:prstGeom prst="straightConnector1">
-            <a:avLst/>
-          </a:prstGeom>
-          <a:ln>
-            <a:solidFill>
-              <a:srgbClr val="FF6600"/>
-            </a:solidFill>
-            <a:prstDash val="sysDash"/>
-            <a:headEnd type="oval"/>
-            <a:tailEnd type="stealth" w="lg" len="lg"/>
-          </a:ln>
-        </p:spPr>
-        <p:style>
-          <a:lnRef idx="2">
-            <a:schemeClr val="accent1"/>
-          </a:lnRef>
-          <a:fillRef idx="0">
-            <a:schemeClr val="accent1"/>
-          </a:fillRef>
-          <a:effectRef idx="1">
-            <a:schemeClr val="accent1"/>
-          </a:effectRef>
-          <a:fontRef idx="minor">
-            <a:schemeClr val="tx1"/>
-          </a:fontRef>
-        </p:style>
-      </p:cxnSp>
-      <p:sp>
-        <p:nvSpPr>
-          <p:cNvPr id="46" name="Rectangle 45"/>
-          <p:cNvSpPr/>
-          <p:nvPr/>
-        </p:nvSpPr>
-        <p:spPr>
-          <a:xfrm>
-            <a:off x="676473" y="5261220"/>
-            <a:ext cx="1504877" cy="661655"/>
-          </a:xfrm>
-          <a:prstGeom prst="rect">
-            <a:avLst/>
-          </a:prstGeom>
-          <a:solidFill>
-            <a:srgbClr val="CC66FF"/>
-          </a:solidFill>
-          <a:ln>
-            <a:solidFill>
-              <a:schemeClr val="bg1"/>
-            </a:solidFill>
-          </a:ln>
-        </p:spPr>
-        <p:style>
-          <a:lnRef idx="1">
-            <a:schemeClr val="accent1"/>
-          </a:lnRef>
-          <a:fillRef idx="3">
-            <a:schemeClr val="accent1"/>
-          </a:fillRef>
-          <a:effectRef idx="2">
-            <a:schemeClr val="accent1"/>
-          </a:effectRef>
-          <a:fontRef idx="minor">
-            <a:schemeClr val="lt1"/>
-          </a:fontRef>
-        </p:style>
-        <p:txBody>
-          <a:bodyPr rtlCol="0" anchor="ctr"/>
-          <a:lstStyle/>
-          <a:p>
-            <a:pPr algn="ctr"/>
-            <a:r>
-              <a:rPr lang="fr-FR" sz="1600" dirty="0" smtClean="0"/>
-              <a:t>Component</a:t>
-            </a:r>
-          </a:p>
-          <a:p>
-            <a:pPr algn="ctr"/>
-            <a:r>
-              <a:rPr lang="fr-FR" sz="1600" dirty="0" err="1" smtClean="0"/>
-              <a:t>level</a:t>
-            </a:r>
-            <a:endParaRPr lang="fr-FR" sz="1600" dirty="0"/>
-          </a:p>
-        </p:txBody>
-      </p:sp>
-      <p:cxnSp>
-        <p:nvCxnSpPr>
-          <p:cNvPr id="51" name="Connecteur droit avec flèche 50"/>
-          <p:cNvCxnSpPr>
-            <a:endCxn id="46" idx="3"/>
-          </p:cNvCxnSpPr>
-          <p:nvPr/>
-        </p:nvCxnSpPr>
-        <p:spPr>
-          <a:xfrm flipH="1">
-            <a:off x="2181350" y="5349939"/>
-            <a:ext cx="5200480" cy="242109"/>
-          </a:xfrm>
-          <a:prstGeom prst="straightConnector1">
-            <a:avLst/>
-          </a:prstGeom>
-          <a:ln>
-            <a:solidFill>
-              <a:srgbClr val="FF6600"/>
-            </a:solidFill>
-            <a:prstDash val="sysDash"/>
-            <a:headEnd type="oval"/>
-            <a:tailEnd type="stealth" w="lg" len="lg"/>
-          </a:ln>
-        </p:spPr>
-        <p:style>
-          <a:lnRef idx="2">
-            <a:schemeClr val="accent1"/>
-          </a:lnRef>
-          <a:fillRef idx="0">
-            <a:schemeClr val="accent1"/>
-          </a:fillRef>
-          <a:effectRef idx="1">
-            <a:schemeClr val="accent1"/>
-          </a:effectRef>
-          <a:fontRef idx="minor">
-            <a:schemeClr val="tx1"/>
-          </a:fontRef>
-        </p:style>
-      </p:cxnSp>
-      <p:cxnSp>
-        <p:nvCxnSpPr>
-          <p:cNvPr id="53" name="Connecteur droit avec flèche 52"/>
-          <p:cNvCxnSpPr/>
-          <p:nvPr/>
-        </p:nvCxnSpPr>
-        <p:spPr>
-          <a:xfrm flipH="1">
-            <a:off x="2181350" y="5242553"/>
-            <a:ext cx="5048080" cy="200089"/>
-          </a:xfrm>
-          <a:prstGeom prst="straightConnector1">
-            <a:avLst/>
-          </a:prstGeom>
-          <a:ln>
-            <a:solidFill>
-              <a:srgbClr val="FF6600"/>
-            </a:solidFill>
-            <a:prstDash val="sysDash"/>
-            <a:headEnd type="oval"/>
-            <a:tailEnd type="stealth" w="lg" len="lg"/>
-          </a:ln>
-        </p:spPr>
-        <p:style>
-          <a:lnRef idx="2">
-            <a:schemeClr val="accent1"/>
-          </a:lnRef>
-          <a:fillRef idx="0">
-            <a:schemeClr val="accent1"/>
-          </a:fillRef>
-          <a:effectRef idx="1">
-            <a:schemeClr val="accent1"/>
-          </a:effectRef>
-          <a:fontRef idx="minor">
-            <a:schemeClr val="tx1"/>
-          </a:fontRef>
-        </p:style>
-      </p:cxnSp>
-      <p:sp>
-        <p:nvSpPr>
-          <p:cNvPr id="56" name="Rectangle à coins arrondis 55"/>
-          <p:cNvSpPr/>
-          <p:nvPr/>
-        </p:nvSpPr>
-        <p:spPr>
-          <a:xfrm>
-            <a:off x="7046367" y="5561842"/>
-            <a:ext cx="988960" cy="259142"/>
-          </a:xfrm>
-          <a:prstGeom prst="roundRect">
-            <a:avLst/>
-          </a:prstGeom>
-          <a:solidFill>
-            <a:srgbClr val="0000FF">
-              <a:alpha val="68000"/>
-            </a:srgbClr>
-          </a:solidFill>
-          <a:ln>
-            <a:solidFill>
-              <a:srgbClr val="000000"/>
-            </a:solidFill>
-          </a:ln>
-        </p:spPr>
-        <p:style>
-          <a:lnRef idx="1">
-            <a:schemeClr val="accent1"/>
-          </a:lnRef>
-          <a:fillRef idx="3">
-            <a:schemeClr val="accent1"/>
-          </a:fillRef>
-          <a:effectRef idx="2">
-            <a:schemeClr val="accent1"/>
-          </a:effectRef>
-          <a:fontRef idx="minor">
-            <a:schemeClr val="lt1"/>
-          </a:fontRef>
-        </p:style>
-        <p:txBody>
-          <a:bodyPr rtlCol="0" anchor="ctr"/>
-          <a:lstStyle/>
-          <a:p>
-            <a:pPr algn="ctr"/>
-            <a:r>
-              <a:rPr lang="fr-FR" sz="1100" dirty="0" smtClean="0"/>
-              <a:t>Types model</a:t>
-            </a:r>
-            <a:endParaRPr lang="eu-ES" sz="1100" dirty="0"/>
-          </a:p>
-        </p:txBody>
-      </p:sp>
-      <p:cxnSp>
-        <p:nvCxnSpPr>
-          <p:cNvPr id="57" name="Connecteur droit avec flèche 56"/>
-          <p:cNvCxnSpPr/>
-          <p:nvPr/>
-        </p:nvCxnSpPr>
-        <p:spPr>
-          <a:xfrm flipH="1">
-            <a:off x="2181350" y="5638053"/>
-            <a:ext cx="4865017" cy="129571"/>
-          </a:xfrm>
-          <a:prstGeom prst="straightConnector1">
-            <a:avLst/>
-          </a:prstGeom>
-          <a:ln>
-            <a:solidFill>
-              <a:srgbClr val="FF6600"/>
-            </a:solidFill>
-            <a:prstDash val="sysDash"/>
-            <a:headEnd type="oval"/>
-            <a:tailEnd type="stealth" w="lg" len="lg"/>
-          </a:ln>
-        </p:spPr>
-        <p:style>
-          <a:lnRef idx="2">
-            <a:schemeClr val="accent1"/>
-          </a:lnRef>
-          <a:fillRef idx="0">
-            <a:schemeClr val="accent1"/>
-          </a:fillRef>
-          <a:effectRef idx="1">
-            <a:schemeClr val="accent1"/>
-          </a:effectRef>
-          <a:fontRef idx="minor">
-            <a:schemeClr val="tx1"/>
-          </a:fontRef>
-        </p:style>
-      </p:cxnSp>
-      <p:sp>
-        <p:nvSpPr>
-          <p:cNvPr id="61" name="Rectangle à coins arrondis 60"/>
-          <p:cNvSpPr/>
-          <p:nvPr/>
-        </p:nvSpPr>
-        <p:spPr>
-          <a:xfrm>
-            <a:off x="6920191" y="6366363"/>
-            <a:ext cx="1635153" cy="412098"/>
-          </a:xfrm>
-          <a:prstGeom prst="roundRect">
-            <a:avLst/>
-          </a:prstGeom>
-          <a:solidFill>
-            <a:srgbClr val="3366FF">
-              <a:alpha val="68000"/>
-            </a:srgbClr>
-          </a:solidFill>
-        </p:spPr>
-        <p:style>
-          <a:lnRef idx="1">
-            <a:schemeClr val="accent1"/>
-          </a:lnRef>
-          <a:fillRef idx="3">
-            <a:schemeClr val="accent1"/>
-          </a:fillRef>
-          <a:effectRef idx="2">
-            <a:schemeClr val="accent1"/>
-          </a:effectRef>
-          <a:fontRef idx="minor">
-            <a:schemeClr val="lt1"/>
-          </a:fontRef>
-        </p:style>
-        <p:txBody>
-          <a:bodyPr rtlCol="0" anchor="ctr"/>
-          <a:lstStyle/>
-          <a:p>
-            <a:pPr algn="ctr"/>
-            <a:r>
-              <a:rPr lang="eu-ES" sz="1100" dirty="0" smtClean="0"/>
-              <a:t>SW application executable code</a:t>
-            </a:r>
-            <a:endParaRPr lang="eu-ES" sz="1100" dirty="0"/>
-          </a:p>
-        </p:txBody>
-      </p:sp>
-      <p:cxnSp>
-        <p:nvCxnSpPr>
-          <p:cNvPr id="62" name="Connecteur droit avec flèche 61"/>
-          <p:cNvCxnSpPr/>
-          <p:nvPr/>
-        </p:nvCxnSpPr>
-        <p:spPr>
-          <a:xfrm>
-            <a:off x="7584693" y="5947460"/>
-            <a:ext cx="1" cy="418903"/>
-          </a:xfrm>
-          <a:prstGeom prst="straightConnector1">
-            <a:avLst/>
-          </a:prstGeom>
-          <a:ln w="28575" cmpd="sng">
-            <a:solidFill>
-              <a:srgbClr val="000000"/>
-            </a:solidFill>
-            <a:tailEnd type="arrow"/>
-          </a:ln>
-        </p:spPr>
-        <p:style>
-          <a:lnRef idx="2">
-            <a:schemeClr val="accent1"/>
-          </a:lnRef>
-          <a:fillRef idx="0">
-            <a:schemeClr val="accent1"/>
-          </a:fillRef>
-          <a:effectRef idx="1">
-            <a:schemeClr val="accent1"/>
-          </a:effectRef>
-          <a:fontRef idx="minor">
-            <a:schemeClr val="tx1"/>
-          </a:fontRef>
-        </p:style>
-      </p:cxnSp>
-      <p:sp>
-        <p:nvSpPr>
-          <p:cNvPr id="63" name="ZoneTexte 62"/>
-          <p:cNvSpPr txBox="1"/>
-          <p:nvPr/>
-        </p:nvSpPr>
-        <p:spPr>
-          <a:xfrm>
-            <a:off x="7571846" y="5926638"/>
-            <a:ext cx="1419116" cy="276999"/>
-          </a:xfrm>
-          <a:prstGeom prst="rect">
-            <a:avLst/>
-          </a:prstGeom>
-          <a:noFill/>
-        </p:spPr>
-        <p:txBody>
-          <a:bodyPr wrap="square" rtlCol="0">
-            <a:spAutoFit/>
-          </a:bodyPr>
-          <a:lstStyle/>
-          <a:p>
-            <a:pPr algn="ctr"/>
-            <a:r>
-              <a:rPr lang="fr-FR" sz="1200" dirty="0" err="1" smtClean="0"/>
-              <a:t>Generates</a:t>
-            </a:r>
-            <a:r>
-              <a:rPr lang="fr-FR" sz="1200" dirty="0" smtClean="0"/>
-              <a:t> (KCG)</a:t>
-            </a:r>
-            <a:endParaRPr lang="fr-FR" sz="1200" dirty="0"/>
-          </a:p>
-        </p:txBody>
-      </p:sp>
-      <p:sp>
-        <p:nvSpPr>
-          <p:cNvPr id="84" name="Rectangle à coins arrondis 83"/>
-          <p:cNvSpPr/>
-          <p:nvPr/>
-        </p:nvSpPr>
-        <p:spPr>
-          <a:xfrm>
-            <a:off x="2744157" y="3827674"/>
-            <a:ext cx="2440994" cy="681986"/>
-          </a:xfrm>
-          <a:prstGeom prst="roundRect">
-            <a:avLst/>
-          </a:prstGeom>
-          <a:solidFill>
-            <a:srgbClr val="3366FF"/>
-          </a:solidFill>
-        </p:spPr>
-        <p:style>
-          <a:lnRef idx="1">
-            <a:schemeClr val="accent1"/>
-          </a:lnRef>
-          <a:fillRef idx="3">
-            <a:schemeClr val="accent1"/>
-          </a:fillRef>
-          <a:effectRef idx="2">
-            <a:schemeClr val="accent1"/>
-          </a:effectRef>
-          <a:fontRef idx="minor">
-            <a:schemeClr val="lt1"/>
-          </a:fontRef>
-        </p:style>
-        <p:txBody>
-          <a:bodyPr rtlCol="0" anchor="ctr"/>
-          <a:lstStyle/>
-          <a:p>
-            <a:pPr algn="ctr"/>
-            <a:r>
-              <a:rPr lang="eu-ES" sz="1400" dirty="0" smtClean="0"/>
-              <a:t>OpenETCS SW Architecture and Design Document (Draft)</a:t>
-            </a:r>
-            <a:endParaRPr lang="eu-ES" sz="1400" dirty="0"/>
-          </a:p>
-        </p:txBody>
-      </p:sp>
-      <p:cxnSp>
-        <p:nvCxnSpPr>
-          <p:cNvPr id="85" name="Connecteur droit avec flèche 84"/>
-          <p:cNvCxnSpPr/>
-          <p:nvPr/>
-        </p:nvCxnSpPr>
-        <p:spPr>
-          <a:xfrm flipH="1" flipV="1">
-            <a:off x="5108337" y="4229893"/>
-            <a:ext cx="1380827" cy="414640"/>
-          </a:xfrm>
-          <a:prstGeom prst="straightConnector1">
-            <a:avLst/>
-          </a:prstGeom>
-          <a:ln w="28575" cmpd="sng">
-            <a:solidFill>
-              <a:srgbClr val="000000"/>
-            </a:solidFill>
-            <a:tailEnd type="arrow"/>
-          </a:ln>
-        </p:spPr>
-        <p:style>
-          <a:lnRef idx="2">
-            <a:schemeClr val="accent1"/>
-          </a:lnRef>
-          <a:fillRef idx="0">
-            <a:schemeClr val="accent1"/>
-          </a:fillRef>
-          <a:effectRef idx="1">
-            <a:schemeClr val="accent1"/>
-          </a:effectRef>
-          <a:fontRef idx="minor">
-            <a:schemeClr val="tx1"/>
-          </a:fontRef>
-        </p:style>
-      </p:cxnSp>
-      <p:cxnSp>
-        <p:nvCxnSpPr>
-          <p:cNvPr id="95" name="Connecteur droit avec flèche 94"/>
-          <p:cNvCxnSpPr>
-            <a:stCxn id="84" idx="1"/>
-          </p:cNvCxnSpPr>
-          <p:nvPr/>
-        </p:nvCxnSpPr>
-        <p:spPr>
-          <a:xfrm flipH="1">
-            <a:off x="2181350" y="4168667"/>
-            <a:ext cx="562807" cy="389693"/>
-          </a:xfrm>
-          <a:prstGeom prst="straightConnector1">
-            <a:avLst/>
-          </a:prstGeom>
-          <a:ln>
-            <a:solidFill>
-              <a:srgbClr val="FF6600"/>
-            </a:solidFill>
-            <a:prstDash val="sysDash"/>
-            <a:headEnd type="oval"/>
-            <a:tailEnd type="stealth" w="lg" len="lg"/>
-          </a:ln>
-        </p:spPr>
-        <p:style>
-          <a:lnRef idx="2">
-            <a:schemeClr val="accent1"/>
-          </a:lnRef>
-          <a:fillRef idx="0">
-            <a:schemeClr val="accent1"/>
-          </a:fillRef>
-          <a:effectRef idx="1">
-            <a:schemeClr val="accent1"/>
-          </a:effectRef>
-          <a:fontRef idx="minor">
-            <a:schemeClr val="tx1"/>
-          </a:fontRef>
-        </p:style>
-      </p:cxnSp>
-      <p:cxnSp>
-        <p:nvCxnSpPr>
-          <p:cNvPr id="96" name="Connecteur droit avec flèche 95"/>
-          <p:cNvCxnSpPr/>
-          <p:nvPr/>
-        </p:nvCxnSpPr>
-        <p:spPr>
-          <a:xfrm flipH="1">
-            <a:off x="2181351" y="4491503"/>
-            <a:ext cx="839077" cy="858436"/>
-          </a:xfrm>
-          <a:prstGeom prst="straightConnector1">
-            <a:avLst/>
-          </a:prstGeom>
-          <a:ln>
-            <a:solidFill>
-              <a:srgbClr val="FF6600"/>
-            </a:solidFill>
-            <a:prstDash val="sysDash"/>
-            <a:headEnd type="oval"/>
-            <a:tailEnd type="stealth" w="lg" len="lg"/>
-          </a:ln>
-        </p:spPr>
-        <p:style>
-          <a:lnRef idx="2">
-            <a:schemeClr val="accent1"/>
-          </a:lnRef>
-          <a:fillRef idx="0">
-            <a:schemeClr val="accent1"/>
-          </a:fillRef>
-          <a:effectRef idx="1">
-            <a:schemeClr val="accent1"/>
-          </a:effectRef>
-          <a:fontRef idx="minor">
-            <a:schemeClr val="tx1"/>
-          </a:fontRef>
-        </p:style>
-      </p:cxnSp>
-      <p:cxnSp>
-        <p:nvCxnSpPr>
-          <p:cNvPr id="97" name="Connecteur droit avec flèche 96"/>
-          <p:cNvCxnSpPr/>
-          <p:nvPr/>
-        </p:nvCxnSpPr>
-        <p:spPr>
-          <a:xfrm flipH="1">
-            <a:off x="2102560" y="2635950"/>
-            <a:ext cx="1195364" cy="643276"/>
-          </a:xfrm>
-          <a:prstGeom prst="straightConnector1">
-            <a:avLst/>
-          </a:prstGeom>
-          <a:ln>
-            <a:solidFill>
-              <a:srgbClr val="FF6600"/>
-            </a:solidFill>
-            <a:prstDash val="sysDash"/>
-            <a:headEnd type="oval"/>
-            <a:tailEnd type="stealth" w="lg" len="lg"/>
-          </a:ln>
-        </p:spPr>
-        <p:style>
-          <a:lnRef idx="2">
-            <a:schemeClr val="accent1"/>
-          </a:lnRef>
-          <a:fillRef idx="0">
-            <a:schemeClr val="accent1"/>
-          </a:fillRef>
-          <a:effectRef idx="1">
-            <a:schemeClr val="accent1"/>
-          </a:effectRef>
-          <a:fontRef idx="minor">
-            <a:schemeClr val="tx1"/>
-          </a:fontRef>
-        </p:style>
-      </p:cxnSp>
-      <p:cxnSp>
-        <p:nvCxnSpPr>
-          <p:cNvPr id="98" name="Connecteur droit avec flèche 97"/>
-          <p:cNvCxnSpPr/>
-          <p:nvPr/>
-        </p:nvCxnSpPr>
-        <p:spPr>
-          <a:xfrm flipH="1">
-            <a:off x="2181349" y="2710653"/>
-            <a:ext cx="1511473" cy="736351"/>
-          </a:xfrm>
-          <a:prstGeom prst="straightConnector1">
-            <a:avLst/>
-          </a:prstGeom>
-          <a:ln>
-            <a:solidFill>
-              <a:srgbClr val="FF6600"/>
-            </a:solidFill>
-            <a:prstDash val="sysDash"/>
-            <a:headEnd type="oval"/>
-            <a:tailEnd type="stealth" w="lg" len="lg"/>
-          </a:ln>
-        </p:spPr>
-        <p:style>
-          <a:lnRef idx="2">
-            <a:schemeClr val="accent1"/>
-          </a:lnRef>
-          <a:fillRef idx="0">
-            <a:schemeClr val="accent1"/>
-          </a:fillRef>
-          <a:effectRef idx="1">
-            <a:schemeClr val="accent1"/>
-          </a:effectRef>
-          <a:fontRef idx="minor">
-            <a:schemeClr val="tx1"/>
-          </a:fontRef>
-        </p:style>
-      </p:cxnSp>
-      <p:cxnSp>
-        <p:nvCxnSpPr>
-          <p:cNvPr id="99" name="Connecteur droit avec flèche 98"/>
-          <p:cNvCxnSpPr/>
-          <p:nvPr/>
-        </p:nvCxnSpPr>
-        <p:spPr>
-          <a:xfrm flipH="1">
-            <a:off x="2181349" y="3073496"/>
-            <a:ext cx="1230846" cy="517154"/>
-          </a:xfrm>
-          <a:prstGeom prst="straightConnector1">
-            <a:avLst/>
-          </a:prstGeom>
-          <a:ln>
-            <a:solidFill>
-              <a:srgbClr val="FF6600"/>
-            </a:solidFill>
-            <a:prstDash val="sysDash"/>
-            <a:headEnd type="oval"/>
-            <a:tailEnd type="stealth" w="lg" len="lg"/>
-          </a:ln>
-        </p:spPr>
-        <p:style>
-          <a:lnRef idx="2">
-            <a:schemeClr val="accent1"/>
-          </a:lnRef>
-          <a:fillRef idx="0">
-            <a:schemeClr val="accent1"/>
-          </a:fillRef>
-          <a:effectRef idx="1">
-            <a:schemeClr val="accent1"/>
-          </a:effectRef>
-          <a:fontRef idx="minor">
-            <a:schemeClr val="tx1"/>
-          </a:fontRef>
-        </p:style>
-      </p:cxnSp>
-      <p:cxnSp>
-        <p:nvCxnSpPr>
-          <p:cNvPr id="100" name="Connecteur droit avec flèche 99"/>
-          <p:cNvCxnSpPr/>
-          <p:nvPr/>
-        </p:nvCxnSpPr>
-        <p:spPr>
-          <a:xfrm flipH="1">
-            <a:off x="2102560" y="3073496"/>
-            <a:ext cx="1590261" cy="754178"/>
-          </a:xfrm>
-          <a:prstGeom prst="straightConnector1">
-            <a:avLst/>
-          </a:prstGeom>
-          <a:ln>
-            <a:solidFill>
-              <a:srgbClr val="FF6600"/>
-            </a:solidFill>
-            <a:prstDash val="sysDash"/>
-            <a:headEnd type="oval"/>
-            <a:tailEnd type="stealth" w="lg" len="lg"/>
-          </a:ln>
-        </p:spPr>
-        <p:style>
-          <a:lnRef idx="2">
-            <a:schemeClr val="accent1"/>
-          </a:lnRef>
-          <a:fillRef idx="0">
-            <a:schemeClr val="accent1"/>
-          </a:fillRef>
-          <a:effectRef idx="1">
-            <a:schemeClr val="accent1"/>
-          </a:effectRef>
-          <a:fontRef idx="minor">
-            <a:schemeClr val="tx1"/>
-          </a:fontRef>
-        </p:style>
-      </p:cxnSp>
-      <p:sp>
-        <p:nvSpPr>
-          <p:cNvPr id="104" name="ZoneTexte 103"/>
-          <p:cNvSpPr txBox="1"/>
-          <p:nvPr/>
-        </p:nvSpPr>
-        <p:spPr>
-          <a:xfrm rot="19963912">
-            <a:off x="1895704" y="2350855"/>
-            <a:ext cx="1434892" cy="523220"/>
-          </a:xfrm>
-          <a:prstGeom prst="rect">
-            <a:avLst/>
-          </a:prstGeom>
-          <a:solidFill>
-            <a:srgbClr val="FFFFFF">
-              <a:alpha val="62000"/>
-            </a:srgbClr>
-          </a:solidFill>
-        </p:spPr>
-        <p:txBody>
-          <a:bodyPr wrap="square" rtlCol="0">
-            <a:spAutoFit/>
-          </a:bodyPr>
-          <a:lstStyle/>
-          <a:p>
-            <a:r>
-              <a:rPr lang="fr-FR" sz="1400" dirty="0" smtClean="0">
-                <a:solidFill>
-                  <a:srgbClr val="FF6600"/>
-                </a:solidFill>
-              </a:rPr>
-              <a:t>System </a:t>
-            </a:r>
-            <a:r>
-              <a:rPr lang="fr-FR" sz="1400" dirty="0" err="1" smtClean="0">
-                <a:solidFill>
-                  <a:srgbClr val="FF6600"/>
-                </a:solidFill>
-              </a:rPr>
-              <a:t>functions</a:t>
-            </a:r>
-            <a:r>
-              <a:rPr lang="fr-FR" sz="1400" dirty="0" smtClean="0">
-                <a:solidFill>
-                  <a:srgbClr val="FF6600"/>
-                </a:solidFill>
-              </a:rPr>
-              <a:t> and </a:t>
-            </a:r>
-            <a:r>
-              <a:rPr lang="fr-FR" sz="1400" dirty="0" err="1" smtClean="0">
-                <a:solidFill>
-                  <a:srgbClr val="FF6600"/>
-                </a:solidFill>
-              </a:rPr>
-              <a:t>Internal</a:t>
-            </a:r>
-            <a:r>
-              <a:rPr lang="fr-FR" sz="1400" dirty="0" smtClean="0">
-                <a:solidFill>
-                  <a:srgbClr val="FF6600"/>
-                </a:solidFill>
-              </a:rPr>
-              <a:t> IF</a:t>
-            </a:r>
-            <a:endParaRPr lang="fr-FR" sz="1400" dirty="0">
-              <a:solidFill>
-                <a:srgbClr val="FF6600"/>
-              </a:solidFill>
-            </a:endParaRPr>
-          </a:p>
-        </p:txBody>
-      </p:sp>
-      <p:grpSp>
-        <p:nvGrpSpPr>
-          <p:cNvPr id="108" name="Grouper 107"/>
-          <p:cNvGrpSpPr/>
-          <p:nvPr/>
-        </p:nvGrpSpPr>
-        <p:grpSpPr>
-          <a:xfrm>
-            <a:off x="6294158" y="559597"/>
-            <a:ext cx="2384613" cy="370751"/>
-            <a:chOff x="6294158" y="420861"/>
-            <a:chExt cx="2384613" cy="370751"/>
-          </a:xfrm>
-        </p:grpSpPr>
-        <p:cxnSp>
-          <p:nvCxnSpPr>
-            <p:cNvPr id="109" name="Connecteur droit avec flèche 108"/>
-            <p:cNvCxnSpPr/>
-            <p:nvPr/>
-          </p:nvCxnSpPr>
-          <p:spPr>
-            <a:xfrm flipH="1" flipV="1">
-              <a:off x="6737074" y="420861"/>
-              <a:ext cx="1642100" cy="5815"/>
-            </a:xfrm>
-            <a:prstGeom prst="straightConnector1">
-              <a:avLst/>
-            </a:prstGeom>
-            <a:ln>
-              <a:solidFill>
-                <a:srgbClr val="FF6600"/>
-              </a:solidFill>
-              <a:prstDash val="sysDash"/>
-              <a:headEnd type="oval"/>
-              <a:tailEnd type="stealth" w="lg" len="lg"/>
-            </a:ln>
-          </p:spPr>
-          <p:style>
-            <a:lnRef idx="2">
-              <a:schemeClr val="accent1"/>
-            </a:lnRef>
-            <a:fillRef idx="0">
-              <a:schemeClr val="accent1"/>
-            </a:fillRef>
-            <a:effectRef idx="1">
-              <a:schemeClr val="accent1"/>
-            </a:effectRef>
-            <a:fontRef idx="minor">
-              <a:schemeClr val="tx1"/>
-            </a:fontRef>
-          </p:style>
-        </p:cxnSp>
-        <p:sp>
-          <p:nvSpPr>
-            <p:cNvPr id="111" name="ZoneTexte 110"/>
-            <p:cNvSpPr txBox="1"/>
-            <p:nvPr/>
-          </p:nvSpPr>
-          <p:spPr>
-            <a:xfrm>
-              <a:off x="6294158" y="483835"/>
-              <a:ext cx="2384613" cy="307777"/>
-            </a:xfrm>
-            <a:prstGeom prst="rect">
-              <a:avLst/>
-            </a:prstGeom>
-            <a:noFill/>
-          </p:spPr>
-          <p:txBody>
-            <a:bodyPr wrap="square" rtlCol="0">
-              <a:spAutoFit/>
-            </a:bodyPr>
-            <a:lstStyle/>
-            <a:p>
-              <a:pPr algn="ctr"/>
-              <a:r>
-                <a:rPr lang="eu-ES" sz="1400" dirty="0" smtClean="0"/>
-                <a:t>Deduce (create) requirements</a:t>
-              </a:r>
-              <a:endParaRPr lang="eu-ES" sz="1400" dirty="0"/>
-            </a:p>
-          </p:txBody>
-        </p:sp>
-      </p:grpSp>
-      <p:sp>
-        <p:nvSpPr>
           <p:cNvPr id="112" name="ZoneTexte 111"/>
           <p:cNvSpPr txBox="1"/>
           <p:nvPr/>
@@ -49141,6 +49132,1325 @@
           </a:p>
         </p:txBody>
       </p:sp>
+      <p:grpSp>
+        <p:nvGrpSpPr>
+          <p:cNvPr id="44" name="Grouper 43"/>
+          <p:cNvGrpSpPr/>
+          <p:nvPr/>
+        </p:nvGrpSpPr>
+        <p:grpSpPr>
+          <a:xfrm>
+            <a:off x="334947" y="522921"/>
+            <a:ext cx="8459518" cy="5541715"/>
+            <a:chOff x="334947" y="522921"/>
+            <a:chExt cx="8459518" cy="5541715"/>
+          </a:xfrm>
+        </p:grpSpPr>
+        <p:sp>
+          <p:nvSpPr>
+            <p:cNvPr id="11" name="Rectangle à coins arrondis 10"/>
+            <p:cNvSpPr/>
+            <p:nvPr/>
+          </p:nvSpPr>
+          <p:spPr>
+            <a:xfrm>
+              <a:off x="3020427" y="522921"/>
+              <a:ext cx="3426000" cy="3254915"/>
+            </a:xfrm>
+            <a:prstGeom prst="roundRect">
+              <a:avLst/>
+            </a:prstGeom>
+            <a:solidFill>
+              <a:srgbClr val="3366FF"/>
+            </a:solidFill>
+          </p:spPr>
+          <p:style>
+            <a:lnRef idx="1">
+              <a:schemeClr val="accent1"/>
+            </a:lnRef>
+            <a:fillRef idx="3">
+              <a:schemeClr val="accent1"/>
+            </a:fillRef>
+            <a:effectRef idx="2">
+              <a:schemeClr val="accent1"/>
+            </a:effectRef>
+            <a:fontRef idx="minor">
+              <a:schemeClr val="lt1"/>
+            </a:fontRef>
+          </p:style>
+          <p:txBody>
+            <a:bodyPr rtlCol="0" anchor="ctr"/>
+            <a:lstStyle/>
+            <a:p>
+              <a:pPr algn="ctr"/>
+              <a:r>
+                <a:rPr lang="eu-ES" sz="1400" dirty="0" smtClean="0"/>
+                <a:t>OpenETCS </a:t>
+              </a:r>
+              <a:r>
+                <a:rPr lang="eu-ES" sz="1400" dirty="0" smtClean="0"/>
+                <a:t>architecture SysML </a:t>
+              </a:r>
+              <a:r>
+                <a:rPr lang="eu-ES" sz="1400" dirty="0" smtClean="0"/>
+                <a:t>model </a:t>
+              </a:r>
+              <a:r>
+                <a:rPr lang="eu-ES" sz="1400" dirty="0" smtClean="0"/>
+                <a:t>for system and SW architecture definition</a:t>
+              </a:r>
+            </a:p>
+            <a:p>
+              <a:pPr algn="ctr"/>
+              <a:endParaRPr lang="eu-ES" sz="1400" dirty="0" smtClean="0"/>
+            </a:p>
+            <a:p>
+              <a:pPr algn="ctr"/>
+              <a:endParaRPr lang="eu-ES" sz="1400" dirty="0"/>
+            </a:p>
+            <a:p>
+              <a:pPr algn="ctr"/>
+              <a:endParaRPr lang="eu-ES" sz="1400" dirty="0" smtClean="0"/>
+            </a:p>
+            <a:p>
+              <a:pPr algn="ctr"/>
+              <a:endParaRPr lang="eu-ES" sz="1400" dirty="0"/>
+            </a:p>
+            <a:p>
+              <a:pPr algn="ctr"/>
+              <a:endParaRPr lang="eu-ES" sz="1400" dirty="0" smtClean="0"/>
+            </a:p>
+            <a:p>
+              <a:pPr algn="ctr"/>
+              <a:endParaRPr lang="eu-ES" sz="1400" dirty="0" smtClean="0"/>
+            </a:p>
+            <a:p>
+              <a:pPr algn="ctr"/>
+              <a:endParaRPr lang="eu-ES" sz="1400" dirty="0"/>
+            </a:p>
+            <a:p>
+              <a:pPr algn="ctr"/>
+              <a:endParaRPr lang="eu-ES" sz="1400" dirty="0" smtClean="0"/>
+            </a:p>
+            <a:p>
+              <a:pPr algn="ctr"/>
+              <a:endParaRPr lang="eu-ES" sz="1400" dirty="0"/>
+            </a:p>
+            <a:p>
+              <a:pPr algn="ctr"/>
+              <a:endParaRPr lang="eu-ES" sz="1400" dirty="0" smtClean="0"/>
+            </a:p>
+            <a:p>
+              <a:pPr algn="ctr"/>
+              <a:endParaRPr lang="eu-ES" sz="1400" dirty="0"/>
+            </a:p>
+            <a:p>
+              <a:pPr algn="ctr"/>
+              <a:endParaRPr lang="eu-ES" sz="1400" dirty="0"/>
+            </a:p>
+          </p:txBody>
+        </p:sp>
+        <p:pic>
+          <p:nvPicPr>
+            <p:cNvPr id="19" name="Image 18" descr="1stlevelarchitecture.PNG"/>
+            <p:cNvPicPr>
+              <a:picLocks noChangeAspect="1"/>
+            </p:cNvPicPr>
+            <p:nvPr/>
+          </p:nvPicPr>
+          <p:blipFill>
+            <a:blip r:embed="rId2">
+              <a:extLst>
+                <a:ext uri="{28A0092B-C50C-407E-A947-70E740481C1C}">
+                  <a14:useLocalDpi xmlns:a14="http://schemas.microsoft.com/office/drawing/2010/main" val="0"/>
+                </a:ext>
+              </a:extLst>
+            </a:blip>
+            <a:stretch>
+              <a:fillRect/>
+            </a:stretch>
+          </p:blipFill>
+          <p:spPr>
+            <a:xfrm>
+              <a:off x="3412195" y="1307725"/>
+              <a:ext cx="2326282" cy="894849"/>
+            </a:xfrm>
+            <a:prstGeom prst="rect">
+              <a:avLst/>
+            </a:prstGeom>
+          </p:spPr>
+        </p:pic>
+        <p:sp>
+          <p:nvSpPr>
+            <p:cNvPr id="13" name="Cylindre 12"/>
+            <p:cNvSpPr/>
+            <p:nvPr/>
+          </p:nvSpPr>
+          <p:spPr>
+            <a:xfrm>
+              <a:off x="334947" y="1036492"/>
+              <a:ext cx="2096962" cy="4485467"/>
+            </a:xfrm>
+            <a:prstGeom prst="can">
+              <a:avLst>
+                <a:gd name="adj" fmla="val 16329"/>
+              </a:avLst>
+            </a:prstGeom>
+            <a:solidFill>
+              <a:srgbClr val="CC66FF"/>
+            </a:solidFill>
+            <a:ln>
+              <a:solidFill>
+                <a:srgbClr val="000000"/>
+              </a:solidFill>
+            </a:ln>
+          </p:spPr>
+          <p:style>
+            <a:lnRef idx="1">
+              <a:schemeClr val="accent1"/>
+            </a:lnRef>
+            <a:fillRef idx="3">
+              <a:schemeClr val="accent1"/>
+            </a:fillRef>
+            <a:effectRef idx="2">
+              <a:schemeClr val="accent1"/>
+            </a:effectRef>
+            <a:fontRef idx="minor">
+              <a:schemeClr val="lt1"/>
+            </a:fontRef>
+          </p:style>
+          <p:txBody>
+            <a:bodyPr rtlCol="0" anchor="ctr"/>
+            <a:lstStyle/>
+            <a:p>
+              <a:pPr algn="ctr"/>
+              <a:endParaRPr lang="fr-FR" sz="1600" dirty="0" smtClean="0">
+                <a:solidFill>
+                  <a:schemeClr val="bg1"/>
+                </a:solidFill>
+              </a:endParaRPr>
+            </a:p>
+            <a:p>
+              <a:pPr algn="ctr"/>
+              <a:endParaRPr lang="fr-FR" sz="1600" dirty="0">
+                <a:solidFill>
+                  <a:schemeClr val="bg1"/>
+                </a:solidFill>
+              </a:endParaRPr>
+            </a:p>
+            <a:p>
+              <a:pPr algn="ctr"/>
+              <a:endParaRPr lang="fr-FR" sz="1600" dirty="0" smtClean="0">
+                <a:solidFill>
+                  <a:schemeClr val="bg1"/>
+                </a:solidFill>
+              </a:endParaRPr>
+            </a:p>
+            <a:p>
+              <a:pPr algn="ctr"/>
+              <a:r>
+                <a:rPr lang="fr-FR" sz="1600" dirty="0" smtClean="0">
+                  <a:solidFill>
+                    <a:schemeClr val="bg1"/>
+                  </a:solidFill>
+                </a:rPr>
+                <a:t>OpenETCS Software</a:t>
+              </a:r>
+            </a:p>
+            <a:p>
+              <a:pPr algn="ctr"/>
+              <a:r>
+                <a:rPr lang="fr-FR" sz="1600" dirty="0" smtClean="0">
+                  <a:solidFill>
+                    <a:schemeClr val="bg1"/>
+                  </a:solidFill>
+                </a:rPr>
+                <a:t>Requirements</a:t>
+              </a:r>
+            </a:p>
+            <a:p>
+              <a:pPr algn="ctr"/>
+              <a:endParaRPr lang="fr-FR" sz="1600" dirty="0">
+                <a:solidFill>
+                  <a:schemeClr val="bg1"/>
+                </a:solidFill>
+              </a:endParaRPr>
+            </a:p>
+            <a:p>
+              <a:pPr algn="ctr"/>
+              <a:endParaRPr lang="fr-FR" sz="1600" dirty="0" smtClean="0">
+                <a:solidFill>
+                  <a:schemeClr val="bg1"/>
+                </a:solidFill>
+              </a:endParaRPr>
+            </a:p>
+            <a:p>
+              <a:pPr algn="ctr"/>
+              <a:endParaRPr lang="fr-FR" sz="1600" dirty="0" smtClean="0">
+                <a:solidFill>
+                  <a:schemeClr val="bg1"/>
+                </a:solidFill>
+              </a:endParaRPr>
+            </a:p>
+            <a:p>
+              <a:pPr algn="ctr"/>
+              <a:endParaRPr lang="fr-FR" sz="1600" dirty="0" smtClean="0">
+                <a:solidFill>
+                  <a:schemeClr val="bg1"/>
+                </a:solidFill>
+              </a:endParaRPr>
+            </a:p>
+            <a:p>
+              <a:pPr algn="ctr"/>
+              <a:endParaRPr lang="fr-FR" sz="1600" dirty="0">
+                <a:solidFill>
+                  <a:schemeClr val="bg1"/>
+                </a:solidFill>
+              </a:endParaRPr>
+            </a:p>
+            <a:p>
+              <a:pPr algn="ctr"/>
+              <a:endParaRPr lang="fr-FR" sz="1600" dirty="0" smtClean="0">
+                <a:solidFill>
+                  <a:schemeClr val="bg1"/>
+                </a:solidFill>
+              </a:endParaRPr>
+            </a:p>
+            <a:p>
+              <a:pPr algn="ctr"/>
+              <a:endParaRPr lang="fr-FR" sz="1600" dirty="0">
+                <a:solidFill>
+                  <a:schemeClr val="bg1"/>
+                </a:solidFill>
+              </a:endParaRPr>
+            </a:p>
+            <a:p>
+              <a:pPr algn="ctr"/>
+              <a:endParaRPr lang="fr-FR" sz="1600" dirty="0" smtClean="0">
+                <a:solidFill>
+                  <a:schemeClr val="bg1"/>
+                </a:solidFill>
+              </a:endParaRPr>
+            </a:p>
+            <a:p>
+              <a:pPr algn="ctr"/>
+              <a:endParaRPr lang="fr-FR" sz="1600" dirty="0">
+                <a:solidFill>
+                  <a:schemeClr val="bg1"/>
+                </a:solidFill>
+              </a:endParaRPr>
+            </a:p>
+            <a:p>
+              <a:pPr algn="ctr"/>
+              <a:endParaRPr lang="fr-FR" sz="1600" dirty="0" smtClean="0">
+                <a:solidFill>
+                  <a:schemeClr val="bg1"/>
+                </a:solidFill>
+              </a:endParaRPr>
+            </a:p>
+            <a:p>
+              <a:pPr algn="ctr"/>
+              <a:endParaRPr lang="fr-FR" sz="1600" dirty="0" smtClean="0">
+                <a:solidFill>
+                  <a:schemeClr val="bg1"/>
+                </a:solidFill>
+              </a:endParaRPr>
+            </a:p>
+            <a:p>
+              <a:pPr algn="ctr"/>
+              <a:endParaRPr lang="fr-FR" sz="1600" dirty="0">
+                <a:solidFill>
+                  <a:schemeClr val="bg1"/>
+                </a:solidFill>
+              </a:endParaRPr>
+            </a:p>
+            <a:p>
+              <a:pPr algn="ctr"/>
+              <a:endParaRPr lang="fr-FR" sz="1600" dirty="0" smtClean="0">
+                <a:solidFill>
+                  <a:schemeClr val="bg1"/>
+                </a:solidFill>
+              </a:endParaRPr>
+            </a:p>
+            <a:p>
+              <a:pPr algn="ctr"/>
+              <a:endParaRPr lang="fr-FR" sz="1600" dirty="0">
+                <a:solidFill>
+                  <a:schemeClr val="bg1"/>
+                </a:solidFill>
+              </a:endParaRPr>
+            </a:p>
+            <a:p>
+              <a:pPr algn="ctr"/>
+              <a:endParaRPr lang="fr-FR" sz="1600" dirty="0" smtClean="0">
+                <a:solidFill>
+                  <a:schemeClr val="bg1"/>
+                </a:solidFill>
+              </a:endParaRPr>
+            </a:p>
+            <a:p>
+              <a:pPr algn="ctr"/>
+              <a:endParaRPr lang="fr-FR" sz="1600" dirty="0" smtClean="0">
+                <a:solidFill>
+                  <a:schemeClr val="bg1"/>
+                </a:solidFill>
+              </a:endParaRPr>
+            </a:p>
+            <a:p>
+              <a:pPr algn="ctr"/>
+              <a:endParaRPr lang="fr-FR" sz="1600" dirty="0">
+                <a:solidFill>
+                  <a:schemeClr val="bg1"/>
+                </a:solidFill>
+              </a:endParaRPr>
+            </a:p>
+          </p:txBody>
+        </p:sp>
+        <p:pic>
+          <p:nvPicPr>
+            <p:cNvPr id="2" name="Image 1" descr="2ndlevelarchitecture.PNG"/>
+            <p:cNvPicPr>
+              <a:picLocks noChangeAspect="1"/>
+            </p:cNvPicPr>
+            <p:nvPr/>
+          </p:nvPicPr>
+          <p:blipFill>
+            <a:blip r:embed="rId3">
+              <a:extLst>
+                <a:ext uri="{28A0092B-C50C-407E-A947-70E740481C1C}">
+                  <a14:useLocalDpi xmlns:a14="http://schemas.microsoft.com/office/drawing/2010/main" val="0"/>
+                </a:ext>
+              </a:extLst>
+            </a:blip>
+            <a:stretch>
+              <a:fillRect/>
+            </a:stretch>
+          </p:blipFill>
+          <p:spPr>
+            <a:xfrm>
+              <a:off x="3137830" y="2400699"/>
+              <a:ext cx="2824043" cy="1163697"/>
+            </a:xfrm>
+            <a:prstGeom prst="rect">
+              <a:avLst/>
+            </a:prstGeom>
+          </p:spPr>
+        </p:pic>
+        <p:sp>
+          <p:nvSpPr>
+            <p:cNvPr id="14" name="Rectangle à coins arrondis 13"/>
+            <p:cNvSpPr/>
+            <p:nvPr/>
+          </p:nvSpPr>
+          <p:spPr>
+            <a:xfrm>
+              <a:off x="6884014" y="2428464"/>
+              <a:ext cx="1910451" cy="3216947"/>
+            </a:xfrm>
+            <a:prstGeom prst="roundRect">
+              <a:avLst/>
+            </a:prstGeom>
+            <a:solidFill>
+              <a:srgbClr val="3366FF"/>
+            </a:solidFill>
+          </p:spPr>
+          <p:style>
+            <a:lnRef idx="1">
+              <a:schemeClr val="accent1"/>
+            </a:lnRef>
+            <a:fillRef idx="3">
+              <a:schemeClr val="accent1"/>
+            </a:fillRef>
+            <a:effectRef idx="2">
+              <a:schemeClr val="accent1"/>
+            </a:effectRef>
+            <a:fontRef idx="minor">
+              <a:schemeClr val="lt1"/>
+            </a:fontRef>
+          </p:style>
+          <p:txBody>
+            <a:bodyPr rtlCol="0" anchor="ctr"/>
+            <a:lstStyle/>
+            <a:p>
+              <a:pPr algn="ctr"/>
+              <a:r>
+                <a:rPr lang="eu-ES" sz="1400" dirty="0" smtClean="0"/>
+                <a:t>OpenETCS (formal) executable SCADE</a:t>
+              </a:r>
+            </a:p>
+            <a:p>
+              <a:pPr algn="ctr"/>
+              <a:r>
+                <a:rPr lang="fr-FR" sz="1400" dirty="0" smtClean="0"/>
+                <a:t>M</a:t>
+              </a:r>
+              <a:r>
+                <a:rPr lang="eu-ES" sz="1400" dirty="0" smtClean="0"/>
+                <a:t>odel</a:t>
+              </a:r>
+            </a:p>
+            <a:p>
+              <a:pPr algn="ctr"/>
+              <a:endParaRPr lang="eu-ES" sz="1400" dirty="0" smtClean="0"/>
+            </a:p>
+            <a:p>
+              <a:pPr algn="ctr"/>
+              <a:endParaRPr lang="eu-ES" sz="1400" dirty="0" smtClean="0"/>
+            </a:p>
+            <a:p>
+              <a:pPr algn="ctr"/>
+              <a:endParaRPr lang="eu-ES" sz="1400" dirty="0" smtClean="0"/>
+            </a:p>
+            <a:p>
+              <a:pPr algn="ctr"/>
+              <a:endParaRPr lang="eu-ES" dirty="0" smtClean="0"/>
+            </a:p>
+            <a:p>
+              <a:pPr algn="ctr"/>
+              <a:endParaRPr lang="eu-ES" dirty="0"/>
+            </a:p>
+            <a:p>
+              <a:pPr algn="ctr"/>
+              <a:endParaRPr lang="eu-ES" dirty="0" smtClean="0"/>
+            </a:p>
+            <a:p>
+              <a:pPr algn="ctr"/>
+              <a:endParaRPr lang="eu-ES" dirty="0"/>
+            </a:p>
+            <a:p>
+              <a:pPr algn="ctr"/>
+              <a:endParaRPr lang="eu-ES" dirty="0"/>
+            </a:p>
+          </p:txBody>
+        </p:sp>
+        <p:sp>
+          <p:nvSpPr>
+            <p:cNvPr id="20" name="Rectangle à coins arrondis 19"/>
+            <p:cNvSpPr/>
+            <p:nvPr/>
+          </p:nvSpPr>
+          <p:spPr>
+            <a:xfrm>
+              <a:off x="7012090" y="3575880"/>
+              <a:ext cx="1642966" cy="441568"/>
+            </a:xfrm>
+            <a:prstGeom prst="roundRect">
+              <a:avLst/>
+            </a:prstGeom>
+            <a:solidFill>
+              <a:srgbClr val="0000FF">
+                <a:alpha val="68000"/>
+              </a:srgbClr>
+            </a:solidFill>
+            <a:ln>
+              <a:solidFill>
+                <a:srgbClr val="000000"/>
+              </a:solidFill>
+            </a:ln>
+          </p:spPr>
+          <p:style>
+            <a:lnRef idx="1">
+              <a:schemeClr val="accent1"/>
+            </a:lnRef>
+            <a:fillRef idx="3">
+              <a:schemeClr val="accent1"/>
+            </a:fillRef>
+            <a:effectRef idx="2">
+              <a:schemeClr val="accent1"/>
+            </a:effectRef>
+            <a:fontRef idx="minor">
+              <a:schemeClr val="lt1"/>
+            </a:fontRef>
+          </p:style>
+          <p:txBody>
+            <a:bodyPr rtlCol="0" anchor="ctr"/>
+            <a:lstStyle/>
+            <a:p>
+              <a:pPr algn="ctr"/>
+              <a:r>
+                <a:rPr lang="fr-FR" sz="1100" dirty="0" smtClean="0"/>
+                <a:t>SW </a:t>
+              </a:r>
+              <a:r>
+                <a:rPr lang="fr-FR" sz="1100" dirty="0" err="1" smtClean="0"/>
+                <a:t>Integration</a:t>
+              </a:r>
+              <a:r>
+                <a:rPr lang="fr-FR" sz="1100" dirty="0" smtClean="0"/>
+                <a:t> </a:t>
+              </a:r>
+              <a:r>
+                <a:rPr lang="fr-FR" sz="1100" dirty="0" smtClean="0"/>
+                <a:t>model</a:t>
+              </a:r>
+              <a:endParaRPr lang="eu-ES" sz="1100" dirty="0"/>
+            </a:p>
+          </p:txBody>
+        </p:sp>
+        <p:sp>
+          <p:nvSpPr>
+            <p:cNvPr id="21" name="ZoneTexte 20"/>
+            <p:cNvSpPr txBox="1"/>
+            <p:nvPr/>
+          </p:nvSpPr>
+          <p:spPr>
+            <a:xfrm rot="1980773">
+              <a:off x="5893728" y="2708710"/>
+              <a:ext cx="1412786" cy="523220"/>
+            </a:xfrm>
+            <a:prstGeom prst="rect">
+              <a:avLst/>
+            </a:prstGeom>
+            <a:noFill/>
+          </p:spPr>
+          <p:txBody>
+            <a:bodyPr wrap="square" rtlCol="0">
+              <a:spAutoFit/>
+            </a:bodyPr>
+            <a:lstStyle/>
+            <a:p>
+              <a:pPr algn="ctr"/>
+              <a:r>
+                <a:rPr lang="fr-FR" sz="1400" dirty="0" err="1" smtClean="0"/>
+                <a:t>Reflect</a:t>
+              </a:r>
+              <a:r>
+                <a:rPr lang="fr-FR" sz="1400" dirty="0" smtClean="0"/>
+                <a:t> architecture</a:t>
+              </a:r>
+              <a:endParaRPr lang="fr-FR" sz="1400" dirty="0"/>
+            </a:p>
+          </p:txBody>
+        </p:sp>
+        <p:cxnSp>
+          <p:nvCxnSpPr>
+            <p:cNvPr id="28" name="Connecteur droit avec flèche 27"/>
+            <p:cNvCxnSpPr>
+              <a:stCxn id="2" idx="3"/>
+            </p:cNvCxnSpPr>
+            <p:nvPr/>
+          </p:nvCxnSpPr>
+          <p:spPr>
+            <a:xfrm>
+              <a:off x="5961873" y="2982548"/>
+              <a:ext cx="922141" cy="581848"/>
+            </a:xfrm>
+            <a:prstGeom prst="straightConnector1">
+              <a:avLst/>
+            </a:prstGeom>
+            <a:ln w="28575" cmpd="sng">
+              <a:solidFill>
+                <a:srgbClr val="000000"/>
+              </a:solidFill>
+              <a:tailEnd type="arrow"/>
+            </a:ln>
+          </p:spPr>
+          <p:style>
+            <a:lnRef idx="2">
+              <a:schemeClr val="accent1"/>
+            </a:lnRef>
+            <a:fillRef idx="0">
+              <a:schemeClr val="accent1"/>
+            </a:fillRef>
+            <a:effectRef idx="1">
+              <a:schemeClr val="accent1"/>
+            </a:effectRef>
+            <a:fontRef idx="minor">
+              <a:schemeClr val="tx1"/>
+            </a:fontRef>
+          </p:style>
+        </p:cxnSp>
+        <p:sp>
+          <p:nvSpPr>
+            <p:cNvPr id="38" name="Rectangle 37"/>
+            <p:cNvSpPr/>
+            <p:nvPr/>
+          </p:nvSpPr>
+          <p:spPr>
+            <a:xfrm>
+              <a:off x="436079" y="2040557"/>
+              <a:ext cx="1705556" cy="754178"/>
+            </a:xfrm>
+            <a:prstGeom prst="rect">
+              <a:avLst/>
+            </a:prstGeom>
+            <a:solidFill>
+              <a:srgbClr val="CC66FF"/>
+            </a:solidFill>
+            <a:ln>
+              <a:solidFill>
+                <a:schemeClr val="bg1"/>
+              </a:solidFill>
+            </a:ln>
+          </p:spPr>
+          <p:style>
+            <a:lnRef idx="1">
+              <a:schemeClr val="accent1"/>
+            </a:lnRef>
+            <a:fillRef idx="3">
+              <a:schemeClr val="accent1"/>
+            </a:fillRef>
+            <a:effectRef idx="2">
+              <a:schemeClr val="accent1"/>
+            </a:effectRef>
+            <a:fontRef idx="minor">
+              <a:schemeClr val="lt1"/>
+            </a:fontRef>
+          </p:style>
+          <p:txBody>
+            <a:bodyPr rtlCol="0" anchor="ctr"/>
+            <a:lstStyle/>
+            <a:p>
+              <a:pPr algn="ctr"/>
+              <a:r>
+                <a:rPr lang="fr-FR" sz="1600" dirty="0" smtClean="0"/>
+                <a:t>Software </a:t>
+              </a:r>
+              <a:r>
+                <a:rPr lang="fr-FR" sz="1600" dirty="0" err="1" smtClean="0"/>
+                <a:t>level</a:t>
+              </a:r>
+              <a:endParaRPr lang="fr-FR" sz="1600" dirty="0" smtClean="0"/>
+            </a:p>
+            <a:p>
+              <a:pPr algn="ctr"/>
+              <a:r>
+                <a:rPr lang="fr-FR" sz="1600" dirty="0" smtClean="0"/>
+                <a:t>requirements</a:t>
+              </a:r>
+              <a:endParaRPr lang="fr-FR" sz="1600" dirty="0"/>
+            </a:p>
+          </p:txBody>
+        </p:sp>
+        <p:sp>
+          <p:nvSpPr>
+            <p:cNvPr id="46" name="Rectangle 45"/>
+            <p:cNvSpPr/>
+            <p:nvPr/>
+          </p:nvSpPr>
+          <p:spPr>
+            <a:xfrm>
+              <a:off x="484359" y="3066986"/>
+              <a:ext cx="1426087" cy="848280"/>
+            </a:xfrm>
+            <a:prstGeom prst="rect">
+              <a:avLst/>
+            </a:prstGeom>
+            <a:solidFill>
+              <a:srgbClr val="CC66FF"/>
+            </a:solidFill>
+            <a:ln>
+              <a:solidFill>
+                <a:schemeClr val="bg1"/>
+              </a:solidFill>
+            </a:ln>
+          </p:spPr>
+          <p:style>
+            <a:lnRef idx="1">
+              <a:schemeClr val="accent1"/>
+            </a:lnRef>
+            <a:fillRef idx="3">
+              <a:schemeClr val="accent1"/>
+            </a:fillRef>
+            <a:effectRef idx="2">
+              <a:schemeClr val="accent1"/>
+            </a:effectRef>
+            <a:fontRef idx="minor">
+              <a:schemeClr val="lt1"/>
+            </a:fontRef>
+          </p:style>
+          <p:txBody>
+            <a:bodyPr rtlCol="0" anchor="ctr"/>
+            <a:lstStyle/>
+            <a:p>
+              <a:pPr algn="ctr"/>
+              <a:endParaRPr lang="fr-FR" sz="1600" dirty="0"/>
+            </a:p>
+          </p:txBody>
+        </p:sp>
+        <p:cxnSp>
+          <p:nvCxnSpPr>
+            <p:cNvPr id="97" name="Connecteur droit avec flèche 96"/>
+            <p:cNvCxnSpPr/>
+            <p:nvPr/>
+          </p:nvCxnSpPr>
+          <p:spPr>
+            <a:xfrm flipH="1">
+              <a:off x="2102560" y="2794735"/>
+              <a:ext cx="1195364" cy="484491"/>
+            </a:xfrm>
+            <a:prstGeom prst="straightConnector1">
+              <a:avLst/>
+            </a:prstGeom>
+            <a:ln>
+              <a:solidFill>
+                <a:srgbClr val="FF6600"/>
+              </a:solidFill>
+              <a:prstDash val="sysDash"/>
+              <a:headEnd type="oval"/>
+              <a:tailEnd type="stealth" w="lg" len="lg"/>
+            </a:ln>
+          </p:spPr>
+          <p:style>
+            <a:lnRef idx="2">
+              <a:schemeClr val="accent1"/>
+            </a:lnRef>
+            <a:fillRef idx="0">
+              <a:schemeClr val="accent1"/>
+            </a:fillRef>
+            <a:effectRef idx="1">
+              <a:schemeClr val="accent1"/>
+            </a:effectRef>
+            <a:fontRef idx="minor">
+              <a:schemeClr val="tx1"/>
+            </a:fontRef>
+          </p:style>
+        </p:cxnSp>
+        <p:cxnSp>
+          <p:nvCxnSpPr>
+            <p:cNvPr id="98" name="Connecteur droit avec flèche 97"/>
+            <p:cNvCxnSpPr>
+              <a:stCxn id="2" idx="2"/>
+              <a:endCxn id="49" idx="3"/>
+            </p:cNvCxnSpPr>
+            <p:nvPr/>
+          </p:nvCxnSpPr>
+          <p:spPr>
+            <a:xfrm flipH="1">
+              <a:off x="2141635" y="3564396"/>
+              <a:ext cx="2408217" cy="1391313"/>
+            </a:xfrm>
+            <a:prstGeom prst="straightConnector1">
+              <a:avLst/>
+            </a:prstGeom>
+            <a:ln>
+              <a:solidFill>
+                <a:srgbClr val="FF6600"/>
+              </a:solidFill>
+              <a:prstDash val="sysDash"/>
+              <a:headEnd type="oval"/>
+              <a:tailEnd type="stealth" w="lg" len="lg"/>
+            </a:ln>
+          </p:spPr>
+          <p:style>
+            <a:lnRef idx="2">
+              <a:schemeClr val="accent1"/>
+            </a:lnRef>
+            <a:fillRef idx="0">
+              <a:schemeClr val="accent1"/>
+            </a:fillRef>
+            <a:effectRef idx="1">
+              <a:schemeClr val="accent1"/>
+            </a:effectRef>
+            <a:fontRef idx="minor">
+              <a:schemeClr val="tx1"/>
+            </a:fontRef>
+          </p:style>
+        </p:cxnSp>
+        <p:cxnSp>
+          <p:nvCxnSpPr>
+            <p:cNvPr id="99" name="Connecteur droit avec flèche 98"/>
+            <p:cNvCxnSpPr/>
+            <p:nvPr/>
+          </p:nvCxnSpPr>
+          <p:spPr>
+            <a:xfrm flipH="1">
+              <a:off x="2181349" y="3219386"/>
+              <a:ext cx="1145463" cy="371264"/>
+            </a:xfrm>
+            <a:prstGeom prst="straightConnector1">
+              <a:avLst/>
+            </a:prstGeom>
+            <a:ln>
+              <a:solidFill>
+                <a:srgbClr val="FF6600"/>
+              </a:solidFill>
+              <a:prstDash val="sysDash"/>
+              <a:headEnd type="oval"/>
+              <a:tailEnd type="stealth" w="lg" len="lg"/>
+            </a:ln>
+          </p:spPr>
+          <p:style>
+            <a:lnRef idx="2">
+              <a:schemeClr val="accent1"/>
+            </a:lnRef>
+            <a:fillRef idx="0">
+              <a:schemeClr val="accent1"/>
+            </a:fillRef>
+            <a:effectRef idx="1">
+              <a:schemeClr val="accent1"/>
+            </a:effectRef>
+            <a:fontRef idx="minor">
+              <a:schemeClr val="tx1"/>
+            </a:fontRef>
+          </p:style>
+        </p:cxnSp>
+        <p:cxnSp>
+          <p:nvCxnSpPr>
+            <p:cNvPr id="100" name="Connecteur droit avec flèche 99"/>
+            <p:cNvCxnSpPr/>
+            <p:nvPr/>
+          </p:nvCxnSpPr>
+          <p:spPr>
+            <a:xfrm flipH="1">
+              <a:off x="2141636" y="3219386"/>
+              <a:ext cx="1638412" cy="1465558"/>
+            </a:xfrm>
+            <a:prstGeom prst="straightConnector1">
+              <a:avLst/>
+            </a:prstGeom>
+            <a:ln>
+              <a:solidFill>
+                <a:srgbClr val="FF6600"/>
+              </a:solidFill>
+              <a:prstDash val="sysDash"/>
+              <a:headEnd type="oval"/>
+              <a:tailEnd type="stealth" w="lg" len="lg"/>
+            </a:ln>
+          </p:spPr>
+          <p:style>
+            <a:lnRef idx="2">
+              <a:schemeClr val="accent1"/>
+            </a:lnRef>
+            <a:fillRef idx="0">
+              <a:schemeClr val="accent1"/>
+            </a:fillRef>
+            <a:effectRef idx="1">
+              <a:schemeClr val="accent1"/>
+            </a:effectRef>
+            <a:fontRef idx="minor">
+              <a:schemeClr val="tx1"/>
+            </a:fontRef>
+          </p:style>
+        </p:cxnSp>
+        <p:grpSp>
+          <p:nvGrpSpPr>
+            <p:cNvPr id="108" name="Grouper 107"/>
+            <p:cNvGrpSpPr/>
+            <p:nvPr/>
+          </p:nvGrpSpPr>
+          <p:grpSpPr>
+            <a:xfrm>
+              <a:off x="1828120" y="5699700"/>
+              <a:ext cx="2384613" cy="364936"/>
+              <a:chOff x="6294158" y="426676"/>
+              <a:chExt cx="2384613" cy="364936"/>
+            </a:xfrm>
+          </p:grpSpPr>
+          <p:cxnSp>
+            <p:nvCxnSpPr>
+              <p:cNvPr id="109" name="Connecteur droit avec flèche 108"/>
+              <p:cNvCxnSpPr/>
+              <p:nvPr/>
+            </p:nvCxnSpPr>
+            <p:spPr>
+              <a:xfrm flipH="1" flipV="1">
+                <a:off x="6376487" y="426676"/>
+                <a:ext cx="2002687" cy="1"/>
+              </a:xfrm>
+              <a:prstGeom prst="straightConnector1">
+                <a:avLst/>
+              </a:prstGeom>
+              <a:ln>
+                <a:solidFill>
+                  <a:srgbClr val="FF6600"/>
+                </a:solidFill>
+                <a:prstDash val="sysDash"/>
+                <a:headEnd type="oval"/>
+                <a:tailEnd type="stealth" w="lg" len="lg"/>
+              </a:ln>
+            </p:spPr>
+            <p:style>
+              <a:lnRef idx="2">
+                <a:schemeClr val="accent1"/>
+              </a:lnRef>
+              <a:fillRef idx="0">
+                <a:schemeClr val="accent1"/>
+              </a:fillRef>
+              <a:effectRef idx="1">
+                <a:schemeClr val="accent1"/>
+              </a:effectRef>
+              <a:fontRef idx="minor">
+                <a:schemeClr val="tx1"/>
+              </a:fontRef>
+            </p:style>
+          </p:cxnSp>
+          <p:sp>
+            <p:nvSpPr>
+              <p:cNvPr id="111" name="ZoneTexte 110"/>
+              <p:cNvSpPr txBox="1"/>
+              <p:nvPr/>
+            </p:nvSpPr>
+            <p:spPr>
+              <a:xfrm>
+                <a:off x="6294158" y="483835"/>
+                <a:ext cx="2384613" cy="307777"/>
+              </a:xfrm>
+              <a:prstGeom prst="rect">
+                <a:avLst/>
+              </a:prstGeom>
+              <a:noFill/>
+            </p:spPr>
+            <p:txBody>
+              <a:bodyPr wrap="square" rtlCol="0">
+                <a:spAutoFit/>
+              </a:bodyPr>
+              <a:lstStyle/>
+              <a:p>
+                <a:pPr algn="ctr"/>
+                <a:r>
+                  <a:rPr lang="eu-ES" sz="1400" dirty="0" smtClean="0"/>
+                  <a:t>Deduce (create) requirements</a:t>
+                </a:r>
+                <a:endParaRPr lang="eu-ES" sz="1400" dirty="0"/>
+              </a:p>
+            </p:txBody>
+          </p:sp>
+        </p:grpSp>
+        <p:sp>
+          <p:nvSpPr>
+            <p:cNvPr id="47" name="Rectangle 46"/>
+            <p:cNvSpPr/>
+            <p:nvPr/>
+          </p:nvSpPr>
+          <p:spPr>
+            <a:xfrm>
+              <a:off x="636759" y="3219386"/>
+              <a:ext cx="1426087" cy="848280"/>
+            </a:xfrm>
+            <a:prstGeom prst="rect">
+              <a:avLst/>
+            </a:prstGeom>
+            <a:solidFill>
+              <a:srgbClr val="CC66FF"/>
+            </a:solidFill>
+            <a:ln>
+              <a:solidFill>
+                <a:schemeClr val="bg1"/>
+              </a:solidFill>
+            </a:ln>
+          </p:spPr>
+          <p:style>
+            <a:lnRef idx="1">
+              <a:schemeClr val="accent1"/>
+            </a:lnRef>
+            <a:fillRef idx="3">
+              <a:schemeClr val="accent1"/>
+            </a:fillRef>
+            <a:effectRef idx="2">
+              <a:schemeClr val="accent1"/>
+            </a:effectRef>
+            <a:fontRef idx="minor">
+              <a:schemeClr val="lt1"/>
+            </a:fontRef>
+          </p:style>
+          <p:txBody>
+            <a:bodyPr rtlCol="0" anchor="ctr"/>
+            <a:lstStyle/>
+            <a:p>
+              <a:pPr algn="ctr"/>
+              <a:endParaRPr lang="fr-FR" sz="1600" dirty="0"/>
+            </a:p>
+          </p:txBody>
+        </p:sp>
+        <p:sp>
+          <p:nvSpPr>
+            <p:cNvPr id="48" name="Rectangle 47"/>
+            <p:cNvSpPr/>
+            <p:nvPr/>
+          </p:nvSpPr>
+          <p:spPr>
+            <a:xfrm>
+              <a:off x="789159" y="3371786"/>
+              <a:ext cx="1426087" cy="848280"/>
+            </a:xfrm>
+            <a:prstGeom prst="rect">
+              <a:avLst/>
+            </a:prstGeom>
+            <a:solidFill>
+              <a:srgbClr val="CC66FF"/>
+            </a:solidFill>
+            <a:ln>
+              <a:solidFill>
+                <a:schemeClr val="bg1"/>
+              </a:solidFill>
+            </a:ln>
+          </p:spPr>
+          <p:style>
+            <a:lnRef idx="1">
+              <a:schemeClr val="accent1"/>
+            </a:lnRef>
+            <a:fillRef idx="3">
+              <a:schemeClr val="accent1"/>
+            </a:fillRef>
+            <a:effectRef idx="2">
+              <a:schemeClr val="accent1"/>
+            </a:effectRef>
+            <a:fontRef idx="minor">
+              <a:schemeClr val="lt1"/>
+            </a:fontRef>
+          </p:style>
+          <p:txBody>
+            <a:bodyPr rtlCol="0" anchor="ctr"/>
+            <a:lstStyle/>
+            <a:p>
+              <a:pPr algn="ctr"/>
+              <a:r>
+                <a:rPr lang="fr-FR" sz="1600" dirty="0" smtClean="0"/>
+                <a:t>SW Component</a:t>
+              </a:r>
+              <a:endParaRPr lang="fr-FR" sz="1600" dirty="0" smtClean="0"/>
+            </a:p>
+            <a:p>
+              <a:pPr algn="ctr"/>
+              <a:r>
+                <a:rPr lang="fr-FR" sz="1600" dirty="0" smtClean="0"/>
+                <a:t>Requirements</a:t>
+              </a:r>
+              <a:endParaRPr lang="fr-FR" sz="1600" dirty="0"/>
+            </a:p>
+          </p:txBody>
+        </p:sp>
+        <p:sp>
+          <p:nvSpPr>
+            <p:cNvPr id="49" name="Rectangle 48"/>
+            <p:cNvSpPr/>
+            <p:nvPr/>
+          </p:nvSpPr>
+          <p:spPr>
+            <a:xfrm>
+              <a:off x="636759" y="4524865"/>
+              <a:ext cx="1504876" cy="861687"/>
+            </a:xfrm>
+            <a:prstGeom prst="rect">
+              <a:avLst/>
+            </a:prstGeom>
+            <a:solidFill>
+              <a:srgbClr val="CC66FF"/>
+            </a:solidFill>
+            <a:ln>
+              <a:solidFill>
+                <a:schemeClr val="bg1"/>
+              </a:solidFill>
+            </a:ln>
+          </p:spPr>
+          <p:style>
+            <a:lnRef idx="1">
+              <a:schemeClr val="accent1"/>
+            </a:lnRef>
+            <a:fillRef idx="3">
+              <a:schemeClr val="accent1"/>
+            </a:fillRef>
+            <a:effectRef idx="2">
+              <a:schemeClr val="accent1"/>
+            </a:effectRef>
+            <a:fontRef idx="minor">
+              <a:schemeClr val="lt1"/>
+            </a:fontRef>
+          </p:style>
+          <p:txBody>
+            <a:bodyPr rtlCol="0" anchor="ctr"/>
+            <a:lstStyle/>
+            <a:p>
+              <a:pPr algn="ctr"/>
+              <a:r>
+                <a:rPr lang="fr-FR" sz="1600" dirty="0" smtClean="0"/>
+                <a:t>SW Component</a:t>
+              </a:r>
+              <a:endParaRPr lang="fr-FR" sz="1600" dirty="0" smtClean="0"/>
+            </a:p>
+            <a:p>
+              <a:pPr algn="ctr"/>
+              <a:r>
+                <a:rPr lang="fr-FR" sz="1600" dirty="0" smtClean="0"/>
+                <a:t>Interface requirements</a:t>
+              </a:r>
+              <a:endParaRPr lang="fr-FR" sz="1600" dirty="0"/>
+            </a:p>
+          </p:txBody>
+        </p:sp>
+        <p:cxnSp>
+          <p:nvCxnSpPr>
+            <p:cNvPr id="55" name="Connecteur droit avec flèche 54"/>
+            <p:cNvCxnSpPr/>
+            <p:nvPr/>
+          </p:nvCxnSpPr>
+          <p:spPr>
+            <a:xfrm>
+              <a:off x="2181349" y="2400008"/>
+              <a:ext cx="956482" cy="235942"/>
+            </a:xfrm>
+            <a:prstGeom prst="straightConnector1">
+              <a:avLst/>
+            </a:prstGeom>
+            <a:ln w="28575" cmpd="sng">
+              <a:solidFill>
+                <a:srgbClr val="000000"/>
+              </a:solidFill>
+              <a:tailEnd type="arrow"/>
+            </a:ln>
+          </p:spPr>
+          <p:style>
+            <a:lnRef idx="2">
+              <a:schemeClr val="accent1"/>
+            </a:lnRef>
+            <a:fillRef idx="0">
+              <a:schemeClr val="accent1"/>
+            </a:fillRef>
+            <a:effectRef idx="1">
+              <a:schemeClr val="accent1"/>
+            </a:effectRef>
+            <a:fontRef idx="minor">
+              <a:schemeClr val="tx1"/>
+            </a:fontRef>
+          </p:style>
+        </p:cxnSp>
+        <p:cxnSp>
+          <p:nvCxnSpPr>
+            <p:cNvPr id="58" name="Connecteur droit avec flèche 57"/>
+            <p:cNvCxnSpPr/>
+            <p:nvPr/>
+          </p:nvCxnSpPr>
+          <p:spPr>
+            <a:xfrm flipH="1">
+              <a:off x="2141635" y="1654867"/>
+              <a:ext cx="1195364" cy="643276"/>
+            </a:xfrm>
+            <a:prstGeom prst="straightConnector1">
+              <a:avLst/>
+            </a:prstGeom>
+            <a:ln>
+              <a:solidFill>
+                <a:srgbClr val="FF6600"/>
+              </a:solidFill>
+              <a:prstDash val="sysDash"/>
+              <a:headEnd type="oval"/>
+              <a:tailEnd type="stealth" w="lg" len="lg"/>
+            </a:ln>
+          </p:spPr>
+          <p:style>
+            <a:lnRef idx="2">
+              <a:schemeClr val="accent1"/>
+            </a:lnRef>
+            <a:fillRef idx="0">
+              <a:schemeClr val="accent1"/>
+            </a:fillRef>
+            <a:effectRef idx="1">
+              <a:schemeClr val="accent1"/>
+            </a:effectRef>
+            <a:fontRef idx="minor">
+              <a:schemeClr val="tx1"/>
+            </a:fontRef>
+          </p:style>
+        </p:cxnSp>
+        <p:cxnSp>
+          <p:nvCxnSpPr>
+            <p:cNvPr id="59" name="Connecteur droit avec flèche 58"/>
+            <p:cNvCxnSpPr/>
+            <p:nvPr/>
+          </p:nvCxnSpPr>
+          <p:spPr>
+            <a:xfrm>
+              <a:off x="4217635" y="5699700"/>
+              <a:ext cx="1958429" cy="0"/>
+            </a:xfrm>
+            <a:prstGeom prst="straightConnector1">
+              <a:avLst/>
+            </a:prstGeom>
+            <a:ln>
+              <a:solidFill>
+                <a:srgbClr val="000000"/>
+              </a:solidFill>
+              <a:tailEnd type="arrow"/>
+            </a:ln>
+          </p:spPr>
+          <p:style>
+            <a:lnRef idx="2">
+              <a:schemeClr val="accent1"/>
+            </a:lnRef>
+            <a:fillRef idx="0">
+              <a:schemeClr val="accent1"/>
+            </a:fillRef>
+            <a:effectRef idx="1">
+              <a:schemeClr val="accent1"/>
+            </a:effectRef>
+            <a:fontRef idx="minor">
+              <a:schemeClr val="tx1"/>
+            </a:fontRef>
+          </p:style>
+        </p:cxnSp>
+        <p:sp>
+          <p:nvSpPr>
+            <p:cNvPr id="60" name="ZoneTexte 59"/>
+            <p:cNvSpPr txBox="1"/>
+            <p:nvPr/>
+          </p:nvSpPr>
+          <p:spPr>
+            <a:xfrm>
+              <a:off x="4197787" y="5699701"/>
+              <a:ext cx="2384613" cy="307777"/>
+            </a:xfrm>
+            <a:prstGeom prst="rect">
+              <a:avLst/>
+            </a:prstGeom>
+            <a:noFill/>
+          </p:spPr>
+          <p:txBody>
+            <a:bodyPr wrap="square" rtlCol="0">
+              <a:spAutoFit/>
+            </a:bodyPr>
+            <a:lstStyle/>
+            <a:p>
+              <a:pPr algn="ctr"/>
+              <a:r>
+                <a:rPr lang="fr-FR" sz="1400" dirty="0" smtClean="0"/>
+                <a:t>I</a:t>
+              </a:r>
+              <a:r>
+                <a:rPr lang="eu-ES" sz="1400" dirty="0" smtClean="0"/>
+                <a:t>nput for</a:t>
+              </a:r>
+              <a:endParaRPr lang="eu-ES" sz="1400" dirty="0"/>
+            </a:p>
+          </p:txBody>
+        </p:sp>
+        <p:cxnSp>
+          <p:nvCxnSpPr>
+            <p:cNvPr id="64" name="Connecteur droit avec flèche 63"/>
+            <p:cNvCxnSpPr/>
+            <p:nvPr/>
+          </p:nvCxnSpPr>
+          <p:spPr>
+            <a:xfrm>
+              <a:off x="4310284" y="2202574"/>
+              <a:ext cx="0" cy="272138"/>
+            </a:xfrm>
+            <a:prstGeom prst="straightConnector1">
+              <a:avLst/>
+            </a:prstGeom>
+            <a:ln w="28575" cmpd="sng">
+              <a:solidFill>
+                <a:srgbClr val="000000"/>
+              </a:solidFill>
+              <a:tailEnd type="arrow"/>
+            </a:ln>
+          </p:spPr>
+          <p:style>
+            <a:lnRef idx="2">
+              <a:schemeClr val="accent1"/>
+            </a:lnRef>
+            <a:fillRef idx="0">
+              <a:schemeClr val="accent1"/>
+            </a:fillRef>
+            <a:effectRef idx="1">
+              <a:schemeClr val="accent1"/>
+            </a:effectRef>
+            <a:fontRef idx="minor">
+              <a:schemeClr val="tx1"/>
+            </a:fontRef>
+          </p:style>
+        </p:cxnSp>
+      </p:grpSp>
     </p:spTree>
     <p:extLst>
       <p:ext uri="{BB962C8B-B14F-4D97-AF65-F5344CB8AC3E}">

--- a/T7.3/TraceabilityArchitecture/images/2015-11-01 openETCS traceability_Figures.pptx
+++ b/T7.3/TraceabilityArchitecture/images/2015-11-01 openETCS traceability_Figures.pptx
@@ -5,10 +5,10 @@
     <p:sldMasterId id="2147483648" r:id="rId1"/>
   </p:sldMasterIdLst>
   <p:notesMasterIdLst>
-    <p:notesMasterId r:id="rId33"/>
+    <p:notesMasterId r:id="rId35"/>
   </p:notesMasterIdLst>
   <p:handoutMasterIdLst>
-    <p:handoutMasterId r:id="rId34"/>
+    <p:handoutMasterId r:id="rId36"/>
   </p:handoutMasterIdLst>
   <p:sldIdLst>
     <p:sldId id="256" r:id="rId2"/>
@@ -42,6 +42,8 @@
     <p:sldId id="308" r:id="rId30"/>
     <p:sldId id="313" r:id="rId31"/>
     <p:sldId id="315" r:id="rId32"/>
+    <p:sldId id="316" r:id="rId33"/>
+    <p:sldId id="317" r:id="rId34"/>
   </p:sldIdLst>
   <p:sldSz cx="9144000" cy="6858000" type="screen4x3"/>
   <p:notesSz cx="6858000" cy="9144000"/>
@@ -4029,7 +4031,7 @@
         </p:nvSpPr>
         <p:spPr>
           <a:xfrm>
-            <a:off x="3326812" y="-53360"/>
+            <a:off x="3020427" y="63302"/>
             <a:ext cx="3805399" cy="369332"/>
           </a:xfrm>
           <a:prstGeom prst="rect">
@@ -4083,7 +4085,7 @@
         </p:nvGrpSpPr>
         <p:grpSpPr>
           <a:xfrm>
-            <a:off x="334947" y="522921"/>
+            <a:off x="334947" y="1091659"/>
             <a:ext cx="8459518" cy="5541715"/>
             <a:chOff x="334947" y="522921"/>
             <a:chExt cx="8459518" cy="5541715"/>
@@ -4219,12 +4221,12 @@
           </p:nvSpPr>
           <p:spPr>
             <a:xfrm>
-              <a:off x="334947" y="1036492"/>
-              <a:ext cx="2096962" cy="4485467"/>
+              <a:off x="334947" y="1360713"/>
+              <a:ext cx="2096962" cy="4161245"/>
             </a:xfrm>
             <a:prstGeom prst="can">
               <a:avLst>
-                <a:gd name="adj" fmla="val 16329"/>
+                <a:gd name="adj" fmla="val 6812"/>
               </a:avLst>
             </a:prstGeom>
             <a:solidFill>
@@ -4506,19 +4508,25 @@
               <a:pPr algn="ctr"/>
               <a:r>
                 <a:rPr lang="eu-ES" sz="1400" dirty="0" smtClean="0"/>
-                <a:t>OpenETCS (formal) executable SCADE</a:t>
+                <a:t>OpenETCS (formal</a:t>
               </a:r>
-            </a:p>
-            <a:p>
-              <a:pPr algn="ctr"/>
               <a:r>
-                <a:rPr lang="fr-FR" sz="1400" dirty="0" smtClean="0"/>
+                <a:rPr lang="eu-ES" sz="1400" smtClean="0"/>
+                <a:t>) </a:t>
+              </a:r>
+              <a:r>
+                <a:rPr lang="eu-ES" sz="1400" smtClean="0"/>
+                <a:t>overall executable SCADE </a:t>
+              </a:r>
+              <a:r>
+                <a:rPr lang="fr-FR" sz="1400" smtClean="0"/>
                 <a:t>M</a:t>
               </a:r>
               <a:r>
                 <a:rPr lang="eu-ES" sz="1400" dirty="0" smtClean="0"/>
                 <a:t>odel</a:t>
               </a:r>
+              <a:endParaRPr lang="eu-ES" sz="1400" dirty="0" smtClean="0"/>
             </a:p>
             <a:p>
               <a:pPr algn="ctr"/>
@@ -4695,8 +4703,8 @@
           </p:nvSpPr>
           <p:spPr>
             <a:xfrm>
-              <a:off x="436079" y="2040557"/>
-              <a:ext cx="1705556" cy="754178"/>
+              <a:off x="436079" y="2110619"/>
+              <a:ext cx="1705556" cy="684116"/>
             </a:xfrm>
             <a:prstGeom prst="rect">
               <a:avLst/>
@@ -5376,6 +5384,174 @@
           </p:style>
         </p:cxnSp>
       </p:grpSp>
+      <p:sp>
+        <p:nvSpPr>
+          <p:cNvPr id="29" name="Cylindre 28"/>
+          <p:cNvSpPr/>
+          <p:nvPr/>
+        </p:nvSpPr>
+        <p:spPr>
+          <a:xfrm>
+            <a:off x="334947" y="780009"/>
+            <a:ext cx="2096962" cy="968015"/>
+          </a:xfrm>
+          <a:prstGeom prst="can">
+            <a:avLst>
+              <a:gd name="adj" fmla="val 11757"/>
+            </a:avLst>
+          </a:prstGeom>
+          <a:gradFill flip="none" rotWithShape="1">
+            <a:gsLst>
+              <a:gs pos="0">
+                <a:srgbClr val="8000FF"/>
+              </a:gs>
+              <a:gs pos="100000">
+                <a:srgbClr val="FF00FF"/>
+              </a:gs>
+            </a:gsLst>
+            <a:lin ang="5400000" scaled="0"/>
+            <a:tileRect/>
+          </a:gradFill>
+          <a:ln>
+            <a:solidFill>
+              <a:srgbClr val="000000"/>
+            </a:solidFill>
+          </a:ln>
+        </p:spPr>
+        <p:style>
+          <a:lnRef idx="1">
+            <a:schemeClr val="accent1"/>
+          </a:lnRef>
+          <a:fillRef idx="3">
+            <a:schemeClr val="accent1"/>
+          </a:fillRef>
+          <a:effectRef idx="2">
+            <a:schemeClr val="accent1"/>
+          </a:effectRef>
+          <a:fontRef idx="minor">
+            <a:schemeClr val="lt1"/>
+          </a:fontRef>
+        </p:style>
+        <p:txBody>
+          <a:bodyPr rtlCol="0" anchor="ctr"/>
+          <a:lstStyle/>
+          <a:p>
+            <a:pPr algn="ctr"/>
+            <a:r>
+              <a:rPr lang="fr-FR" sz="1600" dirty="0" smtClean="0">
+                <a:solidFill>
+                  <a:schemeClr val="bg1"/>
+                </a:solidFill>
+              </a:rPr>
+              <a:t>SRS </a:t>
+            </a:r>
+            <a:r>
+              <a:rPr lang="fr-FR" sz="1600" dirty="0" err="1" smtClean="0">
+                <a:solidFill>
+                  <a:schemeClr val="bg1"/>
+                </a:solidFill>
+              </a:rPr>
+              <a:t>Subset</a:t>
+            </a:r>
+            <a:r>
+              <a:rPr lang="fr-FR" sz="1600" dirty="0" smtClean="0">
+                <a:solidFill>
+                  <a:schemeClr val="bg1"/>
+                </a:solidFill>
+              </a:rPr>
+              <a:t> 26 requirements</a:t>
+            </a:r>
+          </a:p>
+          <a:p>
+            <a:pPr algn="ctr"/>
+            <a:r>
+              <a:rPr lang="fr-FR" sz="1600" dirty="0" smtClean="0">
+                <a:solidFill>
+                  <a:schemeClr val="bg1"/>
+                </a:solidFill>
+              </a:rPr>
+              <a:t>as .ReqIF files</a:t>
+            </a:r>
+            <a:endParaRPr lang="fr-FR" sz="1600" dirty="0">
+              <a:solidFill>
+                <a:schemeClr val="bg1"/>
+              </a:solidFill>
+            </a:endParaRPr>
+          </a:p>
+        </p:txBody>
+      </p:sp>
+      <p:cxnSp>
+        <p:nvCxnSpPr>
+          <p:cNvPr id="30" name="Connecteur droit avec flèche 29"/>
+          <p:cNvCxnSpPr/>
+          <p:nvPr/>
+        </p:nvCxnSpPr>
+        <p:spPr>
+          <a:xfrm>
+            <a:off x="2431909" y="1536357"/>
+            <a:ext cx="980286" cy="489857"/>
+          </a:xfrm>
+          <a:prstGeom prst="straightConnector1">
+            <a:avLst/>
+          </a:prstGeom>
+          <a:ln w="28575" cmpd="sng">
+            <a:solidFill>
+              <a:srgbClr val="000000"/>
+            </a:solidFill>
+            <a:tailEnd type="arrow"/>
+          </a:ln>
+        </p:spPr>
+        <p:style>
+          <a:lnRef idx="2">
+            <a:schemeClr val="accent1"/>
+          </a:lnRef>
+          <a:fillRef idx="0">
+            <a:schemeClr val="accent1"/>
+          </a:fillRef>
+          <a:effectRef idx="1">
+            <a:schemeClr val="accent1"/>
+          </a:effectRef>
+          <a:fontRef idx="minor">
+            <a:schemeClr val="tx1"/>
+          </a:fontRef>
+        </p:style>
+      </p:cxnSp>
+      <p:cxnSp>
+        <p:nvCxnSpPr>
+          <p:cNvPr id="33" name="Connecteur droit avec flèche 32"/>
+          <p:cNvCxnSpPr/>
+          <p:nvPr/>
+        </p:nvCxnSpPr>
+        <p:spPr>
+          <a:xfrm>
+            <a:off x="1438875" y="1740394"/>
+            <a:ext cx="0" cy="272138"/>
+          </a:xfrm>
+          <a:prstGeom prst="straightConnector1">
+            <a:avLst/>
+          </a:prstGeom>
+          <a:ln w="28575" cmpd="sng">
+            <a:solidFill>
+              <a:srgbClr val="000000"/>
+            </a:solidFill>
+            <a:tailEnd type="arrow"/>
+          </a:ln>
+        </p:spPr>
+        <p:style>
+          <a:lnRef idx="2">
+            <a:schemeClr val="accent1"/>
+          </a:lnRef>
+          <a:fillRef idx="0">
+            <a:schemeClr val="accent1"/>
+          </a:fillRef>
+          <a:effectRef idx="1">
+            <a:schemeClr val="accent1"/>
+          </a:effectRef>
+          <a:fontRef idx="minor">
+            <a:schemeClr val="tx1"/>
+          </a:fontRef>
+        </p:style>
+      </p:cxnSp>
     </p:spTree>
     <p:extLst>
       <p:ext uri="{BB962C8B-B14F-4D97-AF65-F5344CB8AC3E}">
@@ -7040,84 +7216,6 @@
               <a:srgbClr val="000000"/>
             </a:solidFill>
             <a:tailEnd type="arrow"/>
-          </a:ln>
-        </p:spPr>
-        <p:style>
-          <a:lnRef idx="2">
-            <a:schemeClr val="accent1"/>
-          </a:lnRef>
-          <a:fillRef idx="0">
-            <a:schemeClr val="accent1"/>
-          </a:fillRef>
-          <a:effectRef idx="1">
-            <a:schemeClr val="accent1"/>
-          </a:effectRef>
-          <a:fontRef idx="minor">
-            <a:schemeClr val="tx1"/>
-          </a:fontRef>
-        </p:style>
-      </p:cxnSp>
-      <p:cxnSp>
-        <p:nvCxnSpPr>
-          <p:cNvPr id="95" name="Connecteur droit avec flèche 94"/>
-          <p:cNvCxnSpPr>
-            <a:stCxn id="84" idx="1"/>
-          </p:cNvCxnSpPr>
-          <p:nvPr/>
-        </p:nvCxnSpPr>
-        <p:spPr>
-          <a:xfrm flipH="1">
-            <a:off x="2181350" y="4168667"/>
-            <a:ext cx="562807" cy="389693"/>
-          </a:xfrm>
-          <a:prstGeom prst="straightConnector1">
-            <a:avLst/>
-          </a:prstGeom>
-          <a:ln>
-            <a:solidFill>
-              <a:srgbClr val="FF6600"/>
-            </a:solidFill>
-            <a:prstDash val="sysDash"/>
-            <a:headEnd type="oval"/>
-            <a:tailEnd type="stealth" w="lg" len="lg"/>
-          </a:ln>
-        </p:spPr>
-        <p:style>
-          <a:lnRef idx="2">
-            <a:schemeClr val="accent1"/>
-          </a:lnRef>
-          <a:fillRef idx="0">
-            <a:schemeClr val="accent1"/>
-          </a:fillRef>
-          <a:effectRef idx="1">
-            <a:schemeClr val="accent1"/>
-          </a:effectRef>
-          <a:fontRef idx="minor">
-            <a:schemeClr val="tx1"/>
-          </a:fontRef>
-        </p:style>
-      </p:cxnSp>
-      <p:cxnSp>
-        <p:nvCxnSpPr>
-          <p:cNvPr id="96" name="Connecteur droit avec flèche 95"/>
-          <p:cNvCxnSpPr/>
-          <p:nvPr/>
-        </p:nvCxnSpPr>
-        <p:spPr>
-          <a:xfrm flipH="1">
-            <a:off x="2181351" y="4491503"/>
-            <a:ext cx="839077" cy="858436"/>
-          </a:xfrm>
-          <a:prstGeom prst="straightConnector1">
-            <a:avLst/>
-          </a:prstGeom>
-          <a:ln>
-            <a:solidFill>
-              <a:srgbClr val="FF6600"/>
-            </a:solidFill>
-            <a:prstDash val="sysDash"/>
-            <a:headEnd type="oval"/>
-            <a:tailEnd type="stealth" w="lg" len="lg"/>
           </a:ln>
         </p:spPr>
         <p:style>
@@ -44091,6 +44189,2336 @@
 </p:sld>
 </file>
 
+<file path=ppt/slides/slide32.xml><?xml version="1.0" encoding="utf-8"?>
+<p:sld xmlns:a="http://schemas.openxmlformats.org/drawingml/2006/main" xmlns:r="http://schemas.openxmlformats.org/officeDocument/2006/relationships" xmlns:p="http://schemas.openxmlformats.org/presentationml/2006/main">
+  <p:cSld>
+    <p:spTree>
+      <p:nvGrpSpPr>
+        <p:cNvPr id="1" name=""/>
+        <p:cNvGrpSpPr/>
+        <p:nvPr/>
+      </p:nvGrpSpPr>
+      <p:grpSpPr>
+        <a:xfrm>
+          <a:off x="0" y="0"/>
+          <a:ext cx="0" cy="0"/>
+          <a:chOff x="0" y="0"/>
+          <a:chExt cx="0" cy="0"/>
+        </a:xfrm>
+      </p:grpSpPr>
+      <p:sp>
+        <p:nvSpPr>
+          <p:cNvPr id="150" name="ZoneTexte 149"/>
+          <p:cNvSpPr txBox="1"/>
+          <p:nvPr/>
+        </p:nvSpPr>
+        <p:spPr>
+          <a:xfrm>
+            <a:off x="3116486" y="38504"/>
+            <a:ext cx="3641968" cy="369332"/>
+          </a:xfrm>
+          <a:prstGeom prst="rect">
+            <a:avLst/>
+          </a:prstGeom>
+          <a:noFill/>
+        </p:spPr>
+        <p:txBody>
+          <a:bodyPr wrap="none" rtlCol="0">
+            <a:spAutoFit/>
+          </a:bodyPr>
+          <a:lstStyle/>
+          <a:p>
+            <a:r>
+              <a:rPr lang="fr-FR" dirty="0" err="1" smtClean="0"/>
+              <a:t>requirement</a:t>
+            </a:r>
+            <a:r>
+              <a:rPr lang="fr-FR" dirty="0" smtClean="0"/>
+              <a:t> </a:t>
+            </a:r>
+            <a:r>
+              <a:rPr lang="fr-FR" dirty="0" err="1" smtClean="0"/>
+              <a:t>creation</a:t>
+            </a:r>
+            <a:r>
+              <a:rPr lang="fr-FR" dirty="0" smtClean="0"/>
+              <a:t> </a:t>
+            </a:r>
+            <a:r>
+              <a:rPr lang="fr-FR" dirty="0" err="1" smtClean="0"/>
+              <a:t>at</a:t>
+            </a:r>
+            <a:r>
+              <a:rPr lang="fr-FR" dirty="0" smtClean="0"/>
+              <a:t> system </a:t>
+            </a:r>
+            <a:r>
+              <a:rPr lang="fr-FR" dirty="0" err="1" smtClean="0"/>
+              <a:t>level</a:t>
+            </a:r>
+            <a:endParaRPr lang="fr-FR" dirty="0"/>
+          </a:p>
+        </p:txBody>
+      </p:sp>
+      <p:sp>
+        <p:nvSpPr>
+          <p:cNvPr id="23" name="ZoneTexte 22"/>
+          <p:cNvSpPr txBox="1"/>
+          <p:nvPr/>
+        </p:nvSpPr>
+        <p:spPr>
+          <a:xfrm>
+            <a:off x="5776842" y="6309043"/>
+            <a:ext cx="2384613" cy="307777"/>
+          </a:xfrm>
+          <a:prstGeom prst="rect">
+            <a:avLst/>
+          </a:prstGeom>
+          <a:noFill/>
+        </p:spPr>
+        <p:txBody>
+          <a:bodyPr wrap="square" rtlCol="0">
+            <a:spAutoFit/>
+          </a:bodyPr>
+          <a:lstStyle/>
+          <a:p>
+            <a:pPr algn="ctr"/>
+            <a:r>
+              <a:rPr lang="eu-ES" sz="1400" dirty="0" smtClean="0"/>
+              <a:t>Requirement analysis</a:t>
+            </a:r>
+            <a:endParaRPr lang="eu-ES" sz="1400" dirty="0"/>
+          </a:p>
+        </p:txBody>
+      </p:sp>
+      <p:grpSp>
+        <p:nvGrpSpPr>
+          <p:cNvPr id="5" name="Grouper 4"/>
+          <p:cNvGrpSpPr/>
+          <p:nvPr/>
+        </p:nvGrpSpPr>
+        <p:grpSpPr>
+          <a:xfrm>
+            <a:off x="347340" y="584603"/>
+            <a:ext cx="7582620" cy="6085332"/>
+            <a:chOff x="347340" y="584603"/>
+            <a:chExt cx="7582620" cy="6085332"/>
+          </a:xfrm>
+        </p:grpSpPr>
+        <p:sp>
+          <p:nvSpPr>
+            <p:cNvPr id="68" name="Rectangle 67"/>
+            <p:cNvSpPr/>
+            <p:nvPr/>
+          </p:nvSpPr>
+          <p:spPr>
+            <a:xfrm>
+              <a:off x="347340" y="584603"/>
+              <a:ext cx="7582620" cy="6085332"/>
+            </a:xfrm>
+            <a:prstGeom prst="rect">
+              <a:avLst/>
+            </a:prstGeom>
+            <a:solidFill>
+              <a:schemeClr val="bg1">
+                <a:lumMod val="85000"/>
+                <a:alpha val="18000"/>
+              </a:schemeClr>
+            </a:solidFill>
+            <a:ln>
+              <a:solidFill>
+                <a:schemeClr val="tx1"/>
+              </a:solidFill>
+            </a:ln>
+          </p:spPr>
+          <p:style>
+            <a:lnRef idx="1">
+              <a:schemeClr val="accent1"/>
+            </a:lnRef>
+            <a:fillRef idx="3">
+              <a:schemeClr val="accent1"/>
+            </a:fillRef>
+            <a:effectRef idx="2">
+              <a:schemeClr val="accent1"/>
+            </a:effectRef>
+            <a:fontRef idx="minor">
+              <a:schemeClr val="lt1"/>
+            </a:fontRef>
+          </p:style>
+          <p:txBody>
+            <a:bodyPr rtlCol="0" anchor="ctr"/>
+            <a:lstStyle/>
+            <a:p>
+              <a:pPr algn="ctr"/>
+              <a:endParaRPr lang="fr-FR"/>
+            </a:p>
+          </p:txBody>
+        </p:sp>
+        <p:sp>
+          <p:nvSpPr>
+            <p:cNvPr id="11" name="Rectangle à coins arrondis 10"/>
+            <p:cNvSpPr/>
+            <p:nvPr/>
+          </p:nvSpPr>
+          <p:spPr>
+            <a:xfrm>
+              <a:off x="3116486" y="1173904"/>
+              <a:ext cx="3842239" cy="3831195"/>
+            </a:xfrm>
+            <a:prstGeom prst="roundRect">
+              <a:avLst/>
+            </a:prstGeom>
+            <a:solidFill>
+              <a:srgbClr val="3366FF"/>
+            </a:solidFill>
+          </p:spPr>
+          <p:style>
+            <a:lnRef idx="1">
+              <a:schemeClr val="accent1"/>
+            </a:lnRef>
+            <a:fillRef idx="3">
+              <a:schemeClr val="accent1"/>
+            </a:fillRef>
+            <a:effectRef idx="2">
+              <a:schemeClr val="accent1"/>
+            </a:effectRef>
+            <a:fontRef idx="minor">
+              <a:schemeClr val="lt1"/>
+            </a:fontRef>
+          </p:style>
+          <p:txBody>
+            <a:bodyPr rtlCol="0" anchor="ctr"/>
+            <a:lstStyle/>
+            <a:p>
+              <a:pPr algn="ctr"/>
+              <a:r>
+                <a:rPr lang="eu-ES" sz="1600" dirty="0" smtClean="0"/>
+                <a:t>OpenETCS architecture SysML model - system level definition</a:t>
+              </a:r>
+            </a:p>
+            <a:p>
+              <a:pPr algn="ctr"/>
+              <a:endParaRPr lang="eu-ES" sz="1600" dirty="0"/>
+            </a:p>
+            <a:p>
+              <a:pPr algn="ctr"/>
+              <a:endParaRPr lang="eu-ES" sz="1600" dirty="0" smtClean="0"/>
+            </a:p>
+            <a:p>
+              <a:pPr algn="ctr"/>
+              <a:endParaRPr lang="eu-ES" sz="1600" dirty="0"/>
+            </a:p>
+            <a:p>
+              <a:pPr algn="ctr"/>
+              <a:endParaRPr lang="eu-ES" sz="1600" dirty="0" smtClean="0"/>
+            </a:p>
+            <a:p>
+              <a:pPr algn="ctr"/>
+              <a:endParaRPr lang="eu-ES" sz="1600" dirty="0"/>
+            </a:p>
+            <a:p>
+              <a:pPr algn="ctr"/>
+              <a:endParaRPr lang="eu-ES" sz="1600" dirty="0" smtClean="0"/>
+            </a:p>
+            <a:p>
+              <a:pPr algn="ctr"/>
+              <a:endParaRPr lang="eu-ES" sz="1600" dirty="0" smtClean="0"/>
+            </a:p>
+            <a:p>
+              <a:pPr algn="ctr"/>
+              <a:endParaRPr lang="eu-ES" sz="1600" dirty="0"/>
+            </a:p>
+            <a:p>
+              <a:pPr algn="ctr"/>
+              <a:endParaRPr lang="eu-ES" sz="1600" dirty="0" smtClean="0"/>
+            </a:p>
+            <a:p>
+              <a:pPr algn="ctr"/>
+              <a:endParaRPr lang="eu-ES" sz="1600" dirty="0"/>
+            </a:p>
+            <a:p>
+              <a:pPr algn="ctr"/>
+              <a:endParaRPr lang="eu-ES" sz="1600" dirty="0" smtClean="0"/>
+            </a:p>
+            <a:p>
+              <a:pPr algn="ctr"/>
+              <a:endParaRPr lang="eu-ES" sz="1600" dirty="0"/>
+            </a:p>
+            <a:p>
+              <a:pPr algn="ctr"/>
+              <a:endParaRPr lang="eu-ES" sz="1600" dirty="0"/>
+            </a:p>
+          </p:txBody>
+        </p:sp>
+        <p:sp>
+          <p:nvSpPr>
+            <p:cNvPr id="12" name="Cylindre 11"/>
+            <p:cNvSpPr/>
+            <p:nvPr/>
+          </p:nvSpPr>
+          <p:spPr>
+            <a:xfrm>
+              <a:off x="464604" y="1824887"/>
+              <a:ext cx="1563245" cy="1456310"/>
+            </a:xfrm>
+            <a:prstGeom prst="can">
+              <a:avLst>
+                <a:gd name="adj" fmla="val 16329"/>
+              </a:avLst>
+            </a:prstGeom>
+            <a:solidFill>
+              <a:srgbClr val="8000FF"/>
+            </a:solidFill>
+            <a:ln>
+              <a:solidFill>
+                <a:srgbClr val="000000"/>
+              </a:solidFill>
+            </a:ln>
+          </p:spPr>
+          <p:style>
+            <a:lnRef idx="1">
+              <a:schemeClr val="accent1"/>
+            </a:lnRef>
+            <a:fillRef idx="3">
+              <a:schemeClr val="accent1"/>
+            </a:fillRef>
+            <a:effectRef idx="2">
+              <a:schemeClr val="accent1"/>
+            </a:effectRef>
+            <a:fontRef idx="minor">
+              <a:schemeClr val="lt1"/>
+            </a:fontRef>
+          </p:style>
+          <p:txBody>
+            <a:bodyPr rtlCol="0" anchor="ctr"/>
+            <a:lstStyle/>
+            <a:p>
+              <a:pPr algn="ctr"/>
+              <a:r>
+                <a:rPr lang="fr-FR" sz="1600" dirty="0" smtClean="0">
+                  <a:solidFill>
+                    <a:schemeClr val="bg1"/>
+                  </a:solidFill>
+                </a:rPr>
+                <a:t>OpenETCS System requirements</a:t>
+              </a:r>
+              <a:endParaRPr lang="fr-FR" sz="1600" dirty="0">
+                <a:solidFill>
+                  <a:schemeClr val="bg1"/>
+                </a:solidFill>
+              </a:endParaRPr>
+            </a:p>
+            <a:p>
+              <a:pPr algn="ctr"/>
+              <a:endParaRPr lang="fr-FR" sz="1600" dirty="0" smtClean="0">
+                <a:solidFill>
+                  <a:schemeClr val="bg1"/>
+                </a:solidFill>
+              </a:endParaRPr>
+            </a:p>
+          </p:txBody>
+        </p:sp>
+        <p:sp>
+          <p:nvSpPr>
+            <p:cNvPr id="70" name="ZoneTexte 69"/>
+            <p:cNvSpPr txBox="1"/>
+            <p:nvPr/>
+          </p:nvSpPr>
+          <p:spPr>
+            <a:xfrm>
+              <a:off x="5676190" y="605755"/>
+              <a:ext cx="2204960" cy="317071"/>
+            </a:xfrm>
+            <a:prstGeom prst="rect">
+              <a:avLst/>
+            </a:prstGeom>
+            <a:noFill/>
+          </p:spPr>
+          <p:txBody>
+            <a:bodyPr wrap="none" rtlCol="0">
+              <a:spAutoFit/>
+            </a:bodyPr>
+            <a:lstStyle/>
+            <a:p>
+              <a:r>
+                <a:rPr lang="fr-FR" sz="1100" i="1" dirty="0" smtClean="0"/>
+                <a:t>OpenETCS </a:t>
+              </a:r>
+              <a:r>
+                <a:rPr lang="fr-FR" sz="1100" i="1" dirty="0" err="1" smtClean="0"/>
+                <a:t>product</a:t>
+              </a:r>
+              <a:r>
+                <a:rPr lang="fr-FR" sz="1100" i="1" dirty="0" smtClean="0"/>
+                <a:t> </a:t>
+              </a:r>
+              <a:r>
+                <a:rPr lang="fr-FR" sz="1100" i="1" dirty="0" err="1" smtClean="0"/>
+                <a:t>definition</a:t>
+              </a:r>
+              <a:endParaRPr lang="fr-FR" sz="1100" i="1" dirty="0"/>
+            </a:p>
+          </p:txBody>
+        </p:sp>
+        <p:pic>
+          <p:nvPicPr>
+            <p:cNvPr id="19" name="Image 18" descr="1stlevelarchitecture.PNG"/>
+            <p:cNvPicPr>
+              <a:picLocks noChangeAspect="1"/>
+            </p:cNvPicPr>
+            <p:nvPr/>
+          </p:nvPicPr>
+          <p:blipFill>
+            <a:blip r:embed="rId2">
+              <a:extLst>
+                <a:ext uri="{28A0092B-C50C-407E-A947-70E740481C1C}">
+                  <a14:useLocalDpi xmlns:a14="http://schemas.microsoft.com/office/drawing/2010/main" val="0"/>
+                </a:ext>
+              </a:extLst>
+            </a:blip>
+            <a:stretch>
+              <a:fillRect/>
+            </a:stretch>
+          </p:blipFill>
+          <p:spPr>
+            <a:xfrm>
+              <a:off x="3378531" y="2003078"/>
+              <a:ext cx="3400139" cy="2546884"/>
+            </a:xfrm>
+            <a:prstGeom prst="rect">
+              <a:avLst/>
+            </a:prstGeom>
+          </p:spPr>
+        </p:pic>
+        <p:sp>
+          <p:nvSpPr>
+            <p:cNvPr id="102" name="ZoneTexte 101"/>
+            <p:cNvSpPr txBox="1"/>
+            <p:nvPr/>
+          </p:nvSpPr>
+          <p:spPr>
+            <a:xfrm>
+              <a:off x="2134581" y="1996685"/>
+              <a:ext cx="1095531" cy="738664"/>
+            </a:xfrm>
+            <a:prstGeom prst="rect">
+              <a:avLst/>
+            </a:prstGeom>
+            <a:noFill/>
+          </p:spPr>
+          <p:txBody>
+            <a:bodyPr wrap="square" rtlCol="0">
+              <a:spAutoFit/>
+            </a:bodyPr>
+            <a:lstStyle/>
+            <a:p>
+              <a:r>
+                <a:rPr lang="fr-FR" sz="1400" dirty="0" err="1" smtClean="0">
+                  <a:solidFill>
+                    <a:srgbClr val="FF6600"/>
+                  </a:solidFill>
+                </a:rPr>
+                <a:t>External</a:t>
+              </a:r>
+              <a:r>
+                <a:rPr lang="fr-FR" sz="1400" dirty="0" smtClean="0">
+                  <a:solidFill>
+                    <a:srgbClr val="FF6600"/>
+                  </a:solidFill>
+                </a:rPr>
+                <a:t> System Interfaces</a:t>
+              </a:r>
+              <a:endParaRPr lang="fr-FR" sz="1400" dirty="0">
+                <a:solidFill>
+                  <a:srgbClr val="FF6600"/>
+                </a:solidFill>
+              </a:endParaRPr>
+            </a:p>
+          </p:txBody>
+        </p:sp>
+        <p:cxnSp>
+          <p:nvCxnSpPr>
+            <p:cNvPr id="137" name="Connecteur droit avec flèche 136"/>
+            <p:cNvCxnSpPr/>
+            <p:nvPr/>
+          </p:nvCxnSpPr>
+          <p:spPr>
+            <a:xfrm flipH="1">
+              <a:off x="2013402" y="2742668"/>
+              <a:ext cx="2095662" cy="0"/>
+            </a:xfrm>
+            <a:prstGeom prst="straightConnector1">
+              <a:avLst/>
+            </a:prstGeom>
+            <a:ln>
+              <a:solidFill>
+                <a:srgbClr val="FF6600"/>
+              </a:solidFill>
+              <a:prstDash val="sysDash"/>
+              <a:headEnd type="oval"/>
+              <a:tailEnd type="stealth" w="lg" len="lg"/>
+            </a:ln>
+          </p:spPr>
+          <p:style>
+            <a:lnRef idx="2">
+              <a:schemeClr val="accent1"/>
+            </a:lnRef>
+            <a:fillRef idx="0">
+              <a:schemeClr val="accent1"/>
+            </a:fillRef>
+            <a:effectRef idx="1">
+              <a:schemeClr val="accent1"/>
+            </a:effectRef>
+            <a:fontRef idx="minor">
+              <a:schemeClr val="tx1"/>
+            </a:fontRef>
+          </p:style>
+        </p:cxnSp>
+        <p:cxnSp>
+          <p:nvCxnSpPr>
+            <p:cNvPr id="110" name="Connecteur droit avec flèche 109"/>
+            <p:cNvCxnSpPr/>
+            <p:nvPr/>
+          </p:nvCxnSpPr>
+          <p:spPr>
+            <a:xfrm flipH="1">
+              <a:off x="2013402" y="2657292"/>
+              <a:ext cx="3376408" cy="309483"/>
+            </a:xfrm>
+            <a:prstGeom prst="straightConnector1">
+              <a:avLst/>
+            </a:prstGeom>
+            <a:ln>
+              <a:solidFill>
+                <a:srgbClr val="FF6600"/>
+              </a:solidFill>
+              <a:prstDash val="sysDash"/>
+              <a:headEnd type="oval"/>
+              <a:tailEnd type="stealth" w="lg" len="lg"/>
+            </a:ln>
+          </p:spPr>
+          <p:style>
+            <a:lnRef idx="2">
+              <a:schemeClr val="accent1"/>
+            </a:lnRef>
+            <a:fillRef idx="0">
+              <a:schemeClr val="accent1"/>
+            </a:fillRef>
+            <a:effectRef idx="1">
+              <a:schemeClr val="accent1"/>
+            </a:effectRef>
+            <a:fontRef idx="minor">
+              <a:schemeClr val="tx1"/>
+            </a:fontRef>
+          </p:style>
+        </p:cxnSp>
+        <p:cxnSp>
+          <p:nvCxnSpPr>
+            <p:cNvPr id="113" name="Connecteur droit avec flèche 112"/>
+            <p:cNvCxnSpPr/>
+            <p:nvPr/>
+          </p:nvCxnSpPr>
+          <p:spPr>
+            <a:xfrm flipH="1">
+              <a:off x="2027848" y="2966775"/>
+              <a:ext cx="2732262" cy="896436"/>
+            </a:xfrm>
+            <a:prstGeom prst="straightConnector1">
+              <a:avLst/>
+            </a:prstGeom>
+            <a:ln>
+              <a:solidFill>
+                <a:srgbClr val="FF6600"/>
+              </a:solidFill>
+              <a:prstDash val="sysDash"/>
+              <a:headEnd type="oval"/>
+              <a:tailEnd type="stealth" w="lg" len="lg"/>
+            </a:ln>
+          </p:spPr>
+          <p:style>
+            <a:lnRef idx="2">
+              <a:schemeClr val="accent1"/>
+            </a:lnRef>
+            <a:fillRef idx="0">
+              <a:schemeClr val="accent1"/>
+            </a:fillRef>
+            <a:effectRef idx="1">
+              <a:schemeClr val="accent1"/>
+            </a:effectRef>
+            <a:fontRef idx="minor">
+              <a:schemeClr val="tx1"/>
+            </a:fontRef>
+          </p:style>
+        </p:cxnSp>
+        <p:cxnSp>
+          <p:nvCxnSpPr>
+            <p:cNvPr id="135" name="Connecteur droit avec flèche 134"/>
+            <p:cNvCxnSpPr/>
+            <p:nvPr/>
+          </p:nvCxnSpPr>
+          <p:spPr>
+            <a:xfrm flipH="1">
+              <a:off x="2027848" y="3048492"/>
+              <a:ext cx="3361962" cy="1006812"/>
+            </a:xfrm>
+            <a:prstGeom prst="straightConnector1">
+              <a:avLst/>
+            </a:prstGeom>
+            <a:ln>
+              <a:solidFill>
+                <a:srgbClr val="FF6600"/>
+              </a:solidFill>
+              <a:prstDash val="sysDash"/>
+              <a:headEnd type="oval"/>
+              <a:tailEnd type="stealth" w="lg" len="lg"/>
+            </a:ln>
+          </p:spPr>
+          <p:style>
+            <a:lnRef idx="2">
+              <a:schemeClr val="accent1"/>
+            </a:lnRef>
+            <a:fillRef idx="0">
+              <a:schemeClr val="accent1"/>
+            </a:fillRef>
+            <a:effectRef idx="1">
+              <a:schemeClr val="accent1"/>
+            </a:effectRef>
+            <a:fontRef idx="minor">
+              <a:schemeClr val="tx1"/>
+            </a:fontRef>
+          </p:style>
+        </p:cxnSp>
+        <p:sp>
+          <p:nvSpPr>
+            <p:cNvPr id="145" name="ZoneTexte 144"/>
+            <p:cNvSpPr txBox="1"/>
+            <p:nvPr/>
+          </p:nvSpPr>
+          <p:spPr>
+            <a:xfrm>
+              <a:off x="1956524" y="3175851"/>
+              <a:ext cx="1095531" cy="523220"/>
+            </a:xfrm>
+            <a:prstGeom prst="rect">
+              <a:avLst/>
+            </a:prstGeom>
+            <a:noFill/>
+          </p:spPr>
+          <p:txBody>
+            <a:bodyPr wrap="square" rtlCol="0">
+              <a:spAutoFit/>
+            </a:bodyPr>
+            <a:lstStyle/>
+            <a:p>
+              <a:r>
+                <a:rPr lang="fr-FR" sz="1400" dirty="0" err="1" smtClean="0">
+                  <a:solidFill>
+                    <a:srgbClr val="FF6600"/>
+                  </a:solidFill>
+                </a:rPr>
+                <a:t>External</a:t>
+              </a:r>
+              <a:r>
+                <a:rPr lang="fr-FR" sz="1400" dirty="0" smtClean="0">
+                  <a:solidFill>
+                    <a:srgbClr val="FF6600"/>
+                  </a:solidFill>
+                </a:rPr>
+                <a:t> SW  Interfaces</a:t>
+              </a:r>
+              <a:endParaRPr lang="fr-FR" sz="1400" dirty="0">
+                <a:solidFill>
+                  <a:srgbClr val="FF6600"/>
+                </a:solidFill>
+              </a:endParaRPr>
+            </a:p>
+          </p:txBody>
+        </p:sp>
+        <p:grpSp>
+          <p:nvGrpSpPr>
+            <p:cNvPr id="146" name="Grouper 145"/>
+            <p:cNvGrpSpPr/>
+            <p:nvPr/>
+          </p:nvGrpSpPr>
+          <p:grpSpPr>
+            <a:xfrm>
+              <a:off x="993918" y="6166883"/>
+              <a:ext cx="2384613" cy="349407"/>
+              <a:chOff x="6390215" y="420861"/>
+              <a:chExt cx="2384613" cy="349407"/>
+            </a:xfrm>
+          </p:grpSpPr>
+          <p:cxnSp>
+            <p:nvCxnSpPr>
+              <p:cNvPr id="147" name="Connecteur droit avec flèche 146"/>
+              <p:cNvCxnSpPr/>
+              <p:nvPr/>
+            </p:nvCxnSpPr>
+            <p:spPr>
+              <a:xfrm flipH="1" flipV="1">
+                <a:off x="6737074" y="420861"/>
+                <a:ext cx="1642100" cy="5815"/>
+              </a:xfrm>
+              <a:prstGeom prst="straightConnector1">
+                <a:avLst/>
+              </a:prstGeom>
+              <a:ln>
+                <a:solidFill>
+                  <a:srgbClr val="FF6600"/>
+                </a:solidFill>
+                <a:prstDash val="sysDash"/>
+                <a:headEnd type="oval"/>
+                <a:tailEnd type="stealth" w="lg" len="lg"/>
+              </a:ln>
+            </p:spPr>
+            <p:style>
+              <a:lnRef idx="2">
+                <a:schemeClr val="accent1"/>
+              </a:lnRef>
+              <a:fillRef idx="0">
+                <a:schemeClr val="accent1"/>
+              </a:fillRef>
+              <a:effectRef idx="1">
+                <a:schemeClr val="accent1"/>
+              </a:effectRef>
+              <a:fontRef idx="minor">
+                <a:schemeClr val="tx1"/>
+              </a:fontRef>
+            </p:style>
+          </p:cxnSp>
+          <p:sp>
+            <p:nvSpPr>
+              <p:cNvPr id="148" name="ZoneTexte 147"/>
+              <p:cNvSpPr txBox="1"/>
+              <p:nvPr/>
+            </p:nvSpPr>
+            <p:spPr>
+              <a:xfrm>
+                <a:off x="6390215" y="462491"/>
+                <a:ext cx="2384613" cy="307777"/>
+              </a:xfrm>
+              <a:prstGeom prst="rect">
+                <a:avLst/>
+              </a:prstGeom>
+              <a:noFill/>
+            </p:spPr>
+            <p:txBody>
+              <a:bodyPr wrap="square" rtlCol="0">
+                <a:spAutoFit/>
+              </a:bodyPr>
+              <a:lstStyle/>
+              <a:p>
+                <a:pPr algn="ctr"/>
+                <a:r>
+                  <a:rPr lang="eu-ES" sz="1400" dirty="0" smtClean="0"/>
+                  <a:t>Deduce (create) requirements</a:t>
+                </a:r>
+                <a:endParaRPr lang="eu-ES" sz="1400" dirty="0"/>
+              </a:p>
+            </p:txBody>
+          </p:sp>
+        </p:grpSp>
+        <p:sp>
+          <p:nvSpPr>
+            <p:cNvPr id="20" name="Cylindre 19"/>
+            <p:cNvSpPr/>
+            <p:nvPr/>
+          </p:nvSpPr>
+          <p:spPr>
+            <a:xfrm>
+              <a:off x="464605" y="3437461"/>
+              <a:ext cx="1563244" cy="1164546"/>
+            </a:xfrm>
+            <a:prstGeom prst="can">
+              <a:avLst>
+                <a:gd name="adj" fmla="val 16329"/>
+              </a:avLst>
+            </a:prstGeom>
+            <a:solidFill>
+              <a:srgbClr val="FF00FF"/>
+            </a:solidFill>
+            <a:ln>
+              <a:solidFill>
+                <a:srgbClr val="000000"/>
+              </a:solidFill>
+            </a:ln>
+          </p:spPr>
+          <p:style>
+            <a:lnRef idx="1">
+              <a:schemeClr val="accent1"/>
+            </a:lnRef>
+            <a:fillRef idx="3">
+              <a:schemeClr val="accent1"/>
+            </a:fillRef>
+            <a:effectRef idx="2">
+              <a:schemeClr val="accent1"/>
+            </a:effectRef>
+            <a:fontRef idx="minor">
+              <a:schemeClr val="lt1"/>
+            </a:fontRef>
+          </p:style>
+          <p:txBody>
+            <a:bodyPr rtlCol="0" anchor="ctr"/>
+            <a:lstStyle/>
+            <a:p>
+              <a:pPr algn="ctr"/>
+              <a:endParaRPr lang="fr-FR" sz="1600" dirty="0" smtClean="0">
+                <a:solidFill>
+                  <a:schemeClr val="bg1"/>
+                </a:solidFill>
+              </a:endParaRPr>
+            </a:p>
+            <a:p>
+              <a:pPr algn="ctr"/>
+              <a:endParaRPr lang="fr-FR" sz="1600" dirty="0">
+                <a:solidFill>
+                  <a:schemeClr val="bg1"/>
+                </a:solidFill>
+              </a:endParaRPr>
+            </a:p>
+            <a:p>
+              <a:pPr algn="ctr"/>
+              <a:endParaRPr lang="fr-FR" sz="1600" dirty="0" smtClean="0">
+                <a:solidFill>
+                  <a:schemeClr val="bg1"/>
+                </a:solidFill>
+              </a:endParaRPr>
+            </a:p>
+            <a:p>
+              <a:pPr algn="ctr"/>
+              <a:endParaRPr lang="fr-FR" sz="1600" dirty="0" smtClean="0">
+                <a:solidFill>
+                  <a:schemeClr val="bg1"/>
+                </a:solidFill>
+              </a:endParaRPr>
+            </a:p>
+            <a:p>
+              <a:pPr algn="ctr"/>
+              <a:endParaRPr lang="fr-FR" sz="1600" dirty="0">
+                <a:solidFill>
+                  <a:schemeClr val="bg1"/>
+                </a:solidFill>
+              </a:endParaRPr>
+            </a:p>
+            <a:p>
+              <a:pPr algn="ctr"/>
+              <a:endParaRPr lang="fr-FR" sz="1600" dirty="0" smtClean="0">
+                <a:solidFill>
+                  <a:schemeClr val="bg1"/>
+                </a:solidFill>
+              </a:endParaRPr>
+            </a:p>
+            <a:p>
+              <a:pPr algn="ctr"/>
+              <a:r>
+                <a:rPr lang="fr-FR" sz="1600" dirty="0" smtClean="0">
+                  <a:solidFill>
+                    <a:schemeClr val="bg1"/>
+                  </a:solidFill>
+                </a:rPr>
+                <a:t>OpenETCS Software</a:t>
+              </a:r>
+            </a:p>
+            <a:p>
+              <a:pPr algn="ctr"/>
+              <a:r>
+                <a:rPr lang="fr-FR" sz="1600" dirty="0" smtClean="0">
+                  <a:solidFill>
+                    <a:schemeClr val="bg1"/>
+                  </a:solidFill>
+                </a:rPr>
+                <a:t>Requirements</a:t>
+              </a:r>
+            </a:p>
+            <a:p>
+              <a:pPr algn="ctr"/>
+              <a:endParaRPr lang="fr-FR" sz="1600" dirty="0">
+                <a:solidFill>
+                  <a:schemeClr val="bg1"/>
+                </a:solidFill>
+              </a:endParaRPr>
+            </a:p>
+            <a:p>
+              <a:pPr algn="ctr"/>
+              <a:endParaRPr lang="fr-FR" sz="1600" dirty="0" smtClean="0">
+                <a:solidFill>
+                  <a:schemeClr val="bg1"/>
+                </a:solidFill>
+              </a:endParaRPr>
+            </a:p>
+            <a:p>
+              <a:pPr algn="ctr"/>
+              <a:endParaRPr lang="fr-FR" sz="1600" dirty="0">
+                <a:solidFill>
+                  <a:schemeClr val="bg1"/>
+                </a:solidFill>
+              </a:endParaRPr>
+            </a:p>
+            <a:p>
+              <a:pPr algn="ctr"/>
+              <a:endParaRPr lang="fr-FR" sz="1600" dirty="0" smtClean="0">
+                <a:solidFill>
+                  <a:schemeClr val="bg1"/>
+                </a:solidFill>
+              </a:endParaRPr>
+            </a:p>
+            <a:p>
+              <a:pPr algn="ctr"/>
+              <a:endParaRPr lang="fr-FR" sz="1600" dirty="0" smtClean="0">
+                <a:solidFill>
+                  <a:schemeClr val="bg1"/>
+                </a:solidFill>
+              </a:endParaRPr>
+            </a:p>
+            <a:p>
+              <a:pPr algn="ctr"/>
+              <a:endParaRPr lang="fr-FR" sz="1600" dirty="0">
+                <a:solidFill>
+                  <a:schemeClr val="bg1"/>
+                </a:solidFill>
+              </a:endParaRPr>
+            </a:p>
+          </p:txBody>
+        </p:sp>
+        <p:cxnSp>
+          <p:nvCxnSpPr>
+            <p:cNvPr id="21" name="Connecteur droit avec flèche 20"/>
+            <p:cNvCxnSpPr/>
+            <p:nvPr/>
+          </p:nvCxnSpPr>
+          <p:spPr>
+            <a:xfrm>
+              <a:off x="2027848" y="1551710"/>
+              <a:ext cx="1350683" cy="668036"/>
+            </a:xfrm>
+            <a:prstGeom prst="straightConnector1">
+              <a:avLst/>
+            </a:prstGeom>
+            <a:ln>
+              <a:solidFill>
+                <a:srgbClr val="000000"/>
+              </a:solidFill>
+              <a:tailEnd type="arrow"/>
+            </a:ln>
+          </p:spPr>
+          <p:style>
+            <a:lnRef idx="2">
+              <a:schemeClr val="accent1"/>
+            </a:lnRef>
+            <a:fillRef idx="0">
+              <a:schemeClr val="accent1"/>
+            </a:fillRef>
+            <a:effectRef idx="1">
+              <a:schemeClr val="accent1"/>
+            </a:effectRef>
+            <a:fontRef idx="minor">
+              <a:schemeClr val="tx1"/>
+            </a:fontRef>
+          </p:style>
+        </p:cxnSp>
+        <p:cxnSp>
+          <p:nvCxnSpPr>
+            <p:cNvPr id="22" name="Connecteur droit avec flèche 21"/>
+            <p:cNvCxnSpPr/>
+            <p:nvPr/>
+          </p:nvCxnSpPr>
+          <p:spPr>
+            <a:xfrm>
+              <a:off x="6170776" y="6266355"/>
+              <a:ext cx="1535052" cy="0"/>
+            </a:xfrm>
+            <a:prstGeom prst="straightConnector1">
+              <a:avLst/>
+            </a:prstGeom>
+            <a:ln>
+              <a:solidFill>
+                <a:srgbClr val="000000"/>
+              </a:solidFill>
+              <a:tailEnd type="arrow"/>
+            </a:ln>
+          </p:spPr>
+          <p:style>
+            <a:lnRef idx="2">
+              <a:schemeClr val="accent1"/>
+            </a:lnRef>
+            <a:fillRef idx="0">
+              <a:schemeClr val="accent1"/>
+            </a:fillRef>
+            <a:effectRef idx="1">
+              <a:schemeClr val="accent1"/>
+            </a:effectRef>
+            <a:fontRef idx="minor">
+              <a:schemeClr val="tx1"/>
+            </a:fontRef>
+          </p:style>
+        </p:cxnSp>
+        <p:sp>
+          <p:nvSpPr>
+            <p:cNvPr id="27" name="Cylindre 26"/>
+            <p:cNvSpPr/>
+            <p:nvPr/>
+          </p:nvSpPr>
+          <p:spPr>
+            <a:xfrm>
+              <a:off x="436664" y="725155"/>
+              <a:ext cx="1836660" cy="826555"/>
+            </a:xfrm>
+            <a:prstGeom prst="can">
+              <a:avLst>
+                <a:gd name="adj" fmla="val 16329"/>
+              </a:avLst>
+            </a:prstGeom>
+            <a:solidFill>
+              <a:srgbClr val="8000FF"/>
+            </a:solidFill>
+            <a:ln>
+              <a:solidFill>
+                <a:srgbClr val="000000"/>
+              </a:solidFill>
+            </a:ln>
+          </p:spPr>
+          <p:style>
+            <a:lnRef idx="1">
+              <a:schemeClr val="accent1"/>
+            </a:lnRef>
+            <a:fillRef idx="3">
+              <a:schemeClr val="accent1"/>
+            </a:fillRef>
+            <a:effectRef idx="2">
+              <a:schemeClr val="accent1"/>
+            </a:effectRef>
+            <a:fontRef idx="minor">
+              <a:schemeClr val="lt1"/>
+            </a:fontRef>
+          </p:style>
+          <p:txBody>
+            <a:bodyPr rtlCol="0" anchor="ctr"/>
+            <a:lstStyle/>
+            <a:p>
+              <a:pPr algn="ctr"/>
+              <a:r>
+                <a:rPr lang="fr-FR" sz="1400" dirty="0" smtClean="0">
+                  <a:solidFill>
+                    <a:schemeClr val="bg1"/>
+                  </a:solidFill>
+                </a:rPr>
+                <a:t>OpenETCS </a:t>
+              </a:r>
+              <a:r>
+                <a:rPr lang="fr-FR" sz="1400" dirty="0" err="1" smtClean="0">
+                  <a:solidFill>
+                    <a:schemeClr val="bg1"/>
+                  </a:solidFill>
+                </a:rPr>
+                <a:t>stakeholder</a:t>
+              </a:r>
+              <a:r>
+                <a:rPr lang="fr-FR" sz="1400" dirty="0" smtClean="0">
+                  <a:solidFill>
+                    <a:schemeClr val="bg1"/>
+                  </a:solidFill>
+                </a:rPr>
+                <a:t> </a:t>
+              </a:r>
+            </a:p>
+            <a:p>
+              <a:pPr algn="ctr"/>
+              <a:r>
+                <a:rPr lang="fr-FR" sz="1400" dirty="0" err="1" smtClean="0">
+                  <a:solidFill>
+                    <a:schemeClr val="bg1"/>
+                  </a:solidFill>
+                </a:rPr>
+                <a:t>reference</a:t>
+              </a:r>
+              <a:r>
+                <a:rPr lang="fr-FR" sz="1400" dirty="0" smtClean="0">
+                  <a:solidFill>
+                    <a:schemeClr val="bg1"/>
+                  </a:solidFill>
+                </a:rPr>
+                <a:t> (</a:t>
+              </a:r>
+              <a:r>
+                <a:rPr lang="fr-FR" sz="1400" dirty="0" err="1" smtClean="0">
+                  <a:solidFill>
+                    <a:schemeClr val="bg1"/>
+                  </a:solidFill>
+                </a:rPr>
+                <a:t>baselined</a:t>
+              </a:r>
+              <a:r>
+                <a:rPr lang="fr-FR" sz="1400" dirty="0" smtClean="0">
+                  <a:solidFill>
+                    <a:schemeClr val="bg1"/>
+                  </a:solidFill>
+                </a:rPr>
+                <a:t>) requirements</a:t>
+              </a:r>
+              <a:endParaRPr lang="fr-FR" sz="1400" dirty="0">
+                <a:solidFill>
+                  <a:schemeClr val="bg1"/>
+                </a:solidFill>
+              </a:endParaRPr>
+            </a:p>
+          </p:txBody>
+        </p:sp>
+        <p:cxnSp>
+          <p:nvCxnSpPr>
+            <p:cNvPr id="28" name="Connecteur droit avec flèche 27"/>
+            <p:cNvCxnSpPr>
+              <a:endCxn id="19" idx="1"/>
+            </p:cNvCxnSpPr>
+            <p:nvPr/>
+          </p:nvCxnSpPr>
+          <p:spPr>
+            <a:xfrm>
+              <a:off x="2027849" y="3146094"/>
+              <a:ext cx="1350682" cy="130426"/>
+            </a:xfrm>
+            <a:prstGeom prst="straightConnector1">
+              <a:avLst/>
+            </a:prstGeom>
+            <a:ln>
+              <a:solidFill>
+                <a:srgbClr val="000000"/>
+              </a:solidFill>
+              <a:tailEnd type="arrow"/>
+            </a:ln>
+          </p:spPr>
+          <p:style>
+            <a:lnRef idx="2">
+              <a:schemeClr val="accent1"/>
+            </a:lnRef>
+            <a:fillRef idx="0">
+              <a:schemeClr val="accent1"/>
+            </a:fillRef>
+            <a:effectRef idx="1">
+              <a:schemeClr val="accent1"/>
+            </a:effectRef>
+            <a:fontRef idx="minor">
+              <a:schemeClr val="tx1"/>
+            </a:fontRef>
+          </p:style>
+        </p:cxnSp>
+        <p:cxnSp>
+          <p:nvCxnSpPr>
+            <p:cNvPr id="31" name="Connecteur droit avec flèche 30"/>
+            <p:cNvCxnSpPr/>
+            <p:nvPr/>
+          </p:nvCxnSpPr>
+          <p:spPr>
+            <a:xfrm flipV="1">
+              <a:off x="1268408" y="3055457"/>
+              <a:ext cx="3525" cy="533517"/>
+            </a:xfrm>
+            <a:prstGeom prst="straightConnector1">
+              <a:avLst/>
+            </a:prstGeom>
+            <a:ln w="57150" cmpd="sng">
+              <a:solidFill>
+                <a:srgbClr val="FF0000"/>
+              </a:solidFill>
+              <a:tailEnd type="arrow"/>
+            </a:ln>
+          </p:spPr>
+          <p:style>
+            <a:lnRef idx="2">
+              <a:schemeClr val="accent1"/>
+            </a:lnRef>
+            <a:fillRef idx="0">
+              <a:schemeClr val="accent1"/>
+            </a:fillRef>
+            <a:effectRef idx="1">
+              <a:schemeClr val="accent1"/>
+            </a:effectRef>
+            <a:fontRef idx="minor">
+              <a:schemeClr val="tx1"/>
+            </a:fontRef>
+          </p:style>
+        </p:cxnSp>
+        <p:cxnSp>
+          <p:nvCxnSpPr>
+            <p:cNvPr id="32" name="Connecteur droit avec flèche 31"/>
+            <p:cNvCxnSpPr/>
+            <p:nvPr/>
+          </p:nvCxnSpPr>
+          <p:spPr>
+            <a:xfrm flipH="1">
+              <a:off x="4324611" y="6309042"/>
+              <a:ext cx="976304" cy="1"/>
+            </a:xfrm>
+            <a:prstGeom prst="straightConnector1">
+              <a:avLst/>
+            </a:prstGeom>
+            <a:ln w="57150" cmpd="sng">
+              <a:solidFill>
+                <a:srgbClr val="FF0000"/>
+              </a:solidFill>
+              <a:tailEnd type="arrow"/>
+            </a:ln>
+          </p:spPr>
+          <p:style>
+            <a:lnRef idx="2">
+              <a:schemeClr val="accent1"/>
+            </a:lnRef>
+            <a:fillRef idx="0">
+              <a:schemeClr val="accent1"/>
+            </a:fillRef>
+            <a:effectRef idx="1">
+              <a:schemeClr val="accent1"/>
+            </a:effectRef>
+            <a:fontRef idx="minor">
+              <a:schemeClr val="tx1"/>
+            </a:fontRef>
+          </p:style>
+        </p:cxnSp>
+        <p:sp>
+          <p:nvSpPr>
+            <p:cNvPr id="33" name="ZoneTexte 32"/>
+            <p:cNvSpPr txBox="1"/>
+            <p:nvPr/>
+          </p:nvSpPr>
+          <p:spPr>
+            <a:xfrm>
+              <a:off x="3627441" y="6362158"/>
+              <a:ext cx="2384613" cy="307777"/>
+            </a:xfrm>
+            <a:prstGeom prst="rect">
+              <a:avLst/>
+            </a:prstGeom>
+            <a:noFill/>
+          </p:spPr>
+          <p:txBody>
+            <a:bodyPr wrap="square" rtlCol="0">
+              <a:spAutoFit/>
+            </a:bodyPr>
+            <a:lstStyle/>
+            <a:p>
+              <a:pPr algn="ctr"/>
+              <a:r>
+                <a:rPr lang="eu-ES" sz="1400" dirty="0" smtClean="0"/>
+                <a:t>Trace</a:t>
+              </a:r>
+              <a:endParaRPr lang="eu-ES" sz="1400" dirty="0"/>
+            </a:p>
+          </p:txBody>
+        </p:sp>
+        <p:cxnSp>
+          <p:nvCxnSpPr>
+            <p:cNvPr id="34" name="Connecteur droit avec flèche 33"/>
+            <p:cNvCxnSpPr/>
+            <p:nvPr/>
+          </p:nvCxnSpPr>
+          <p:spPr>
+            <a:xfrm flipV="1">
+              <a:off x="1271933" y="1469561"/>
+              <a:ext cx="3525" cy="533517"/>
+            </a:xfrm>
+            <a:prstGeom prst="straightConnector1">
+              <a:avLst/>
+            </a:prstGeom>
+            <a:ln w="57150" cmpd="sng">
+              <a:solidFill>
+                <a:srgbClr val="FF0000"/>
+              </a:solidFill>
+              <a:tailEnd type="arrow"/>
+            </a:ln>
+          </p:spPr>
+          <p:style>
+            <a:lnRef idx="2">
+              <a:schemeClr val="accent1"/>
+            </a:lnRef>
+            <a:fillRef idx="0">
+              <a:schemeClr val="accent1"/>
+            </a:fillRef>
+            <a:effectRef idx="1">
+              <a:schemeClr val="accent1"/>
+            </a:effectRef>
+            <a:fontRef idx="minor">
+              <a:schemeClr val="tx1"/>
+            </a:fontRef>
+          </p:style>
+        </p:cxnSp>
+      </p:grpSp>
+    </p:spTree>
+    <p:extLst>
+      <p:ext uri="{BB962C8B-B14F-4D97-AF65-F5344CB8AC3E}">
+        <p14:creationId xmlns:p14="http://schemas.microsoft.com/office/powerpoint/2010/main" val="2650341824"/>
+      </p:ext>
+    </p:extLst>
+  </p:cSld>
+  <p:clrMapOvr>
+    <a:masterClrMapping/>
+  </p:clrMapOvr>
+</p:sld>
+</file>
+
+<file path=ppt/slides/slide33.xml><?xml version="1.0" encoding="utf-8"?>
+<p:sld xmlns:a="http://schemas.openxmlformats.org/drawingml/2006/main" xmlns:r="http://schemas.openxmlformats.org/officeDocument/2006/relationships" xmlns:p="http://schemas.openxmlformats.org/presentationml/2006/main">
+  <p:cSld>
+    <p:spTree>
+      <p:nvGrpSpPr>
+        <p:cNvPr id="1" name=""/>
+        <p:cNvGrpSpPr/>
+        <p:nvPr/>
+      </p:nvGrpSpPr>
+      <p:grpSpPr>
+        <a:xfrm>
+          <a:off x="0" y="0"/>
+          <a:ext cx="0" cy="0"/>
+          <a:chOff x="0" y="0"/>
+          <a:chExt cx="0" cy="0"/>
+        </a:xfrm>
+      </p:grpSpPr>
+      <p:grpSp>
+        <p:nvGrpSpPr>
+          <p:cNvPr id="9" name="Grouper 8"/>
+          <p:cNvGrpSpPr/>
+          <p:nvPr/>
+        </p:nvGrpSpPr>
+        <p:grpSpPr>
+          <a:xfrm>
+            <a:off x="387049" y="584603"/>
+            <a:ext cx="7232951" cy="5178778"/>
+            <a:chOff x="387049" y="584603"/>
+            <a:chExt cx="7232951" cy="5178778"/>
+          </a:xfrm>
+        </p:grpSpPr>
+        <p:grpSp>
+          <p:nvGrpSpPr>
+            <p:cNvPr id="4" name="Grouper 3"/>
+            <p:cNvGrpSpPr/>
+            <p:nvPr/>
+          </p:nvGrpSpPr>
+          <p:grpSpPr>
+            <a:xfrm>
+              <a:off x="387049" y="584603"/>
+              <a:ext cx="7232951" cy="5178778"/>
+              <a:chOff x="387049" y="584603"/>
+              <a:chExt cx="7232951" cy="5178778"/>
+            </a:xfrm>
+          </p:grpSpPr>
+          <p:sp>
+            <p:nvSpPr>
+              <p:cNvPr id="30" name="Cylindre 29"/>
+              <p:cNvSpPr/>
+              <p:nvPr/>
+            </p:nvSpPr>
+            <p:spPr>
+              <a:xfrm>
+                <a:off x="443372" y="2358571"/>
+                <a:ext cx="1800295" cy="2025953"/>
+              </a:xfrm>
+              <a:prstGeom prst="can">
+                <a:avLst>
+                  <a:gd name="adj" fmla="val 5994"/>
+                </a:avLst>
+              </a:prstGeom>
+              <a:gradFill flip="none" rotWithShape="1">
+                <a:gsLst>
+                  <a:gs pos="0">
+                    <a:srgbClr val="8000FF"/>
+                  </a:gs>
+                  <a:gs pos="100000">
+                    <a:srgbClr val="FF00FF"/>
+                  </a:gs>
+                </a:gsLst>
+                <a:lin ang="5400000" scaled="0"/>
+                <a:tileRect/>
+              </a:gradFill>
+              <a:ln>
+                <a:solidFill>
+                  <a:srgbClr val="000000"/>
+                </a:solidFill>
+              </a:ln>
+            </p:spPr>
+            <p:style>
+              <a:lnRef idx="1">
+                <a:schemeClr val="accent1"/>
+              </a:lnRef>
+              <a:fillRef idx="3">
+                <a:schemeClr val="accent1"/>
+              </a:fillRef>
+              <a:effectRef idx="2">
+                <a:schemeClr val="accent1"/>
+              </a:effectRef>
+              <a:fontRef idx="minor">
+                <a:schemeClr val="lt1"/>
+              </a:fontRef>
+            </p:style>
+            <p:txBody>
+              <a:bodyPr rtlCol="0" anchor="ctr"/>
+              <a:lstStyle/>
+              <a:p>
+                <a:pPr algn="ctr"/>
+                <a:endParaRPr lang="fr-FR" sz="1600" dirty="0" smtClean="0">
+                  <a:solidFill>
+                    <a:schemeClr val="bg1"/>
+                  </a:solidFill>
+                </a:endParaRPr>
+              </a:p>
+              <a:p>
+                <a:pPr algn="ctr"/>
+                <a:r>
+                  <a:rPr lang="fr-FR" sz="1400" dirty="0" err="1" smtClean="0">
+                    <a:solidFill>
+                      <a:schemeClr val="bg1"/>
+                    </a:solidFill>
+                  </a:rPr>
+                  <a:t>Additional</a:t>
+                </a:r>
+                <a:r>
+                  <a:rPr lang="fr-FR" sz="1400" dirty="0" smtClean="0">
+                    <a:solidFill>
+                      <a:schemeClr val="bg1"/>
+                    </a:solidFill>
+                  </a:rPr>
+                  <a:t> openETCS requirements</a:t>
+                </a:r>
+              </a:p>
+              <a:p>
+                <a:pPr algn="ctr"/>
+                <a:endParaRPr lang="fr-FR" sz="1400" dirty="0">
+                  <a:solidFill>
+                    <a:schemeClr val="bg1"/>
+                  </a:solidFill>
+                </a:endParaRPr>
+              </a:p>
+            </p:txBody>
+          </p:sp>
+          <p:sp>
+            <p:nvSpPr>
+              <p:cNvPr id="29" name="Cylindre 28"/>
+              <p:cNvSpPr/>
+              <p:nvPr/>
+            </p:nvSpPr>
+            <p:spPr>
+              <a:xfrm>
+                <a:off x="443372" y="1173905"/>
+                <a:ext cx="1800295" cy="1096454"/>
+              </a:xfrm>
+              <a:prstGeom prst="can">
+                <a:avLst>
+                  <a:gd name="adj" fmla="val 8009"/>
+                </a:avLst>
+              </a:prstGeom>
+              <a:gradFill flip="none" rotWithShape="1">
+                <a:gsLst>
+                  <a:gs pos="0">
+                    <a:srgbClr val="8000FF"/>
+                  </a:gs>
+                  <a:gs pos="100000">
+                    <a:srgbClr val="FF00FF"/>
+                  </a:gs>
+                </a:gsLst>
+                <a:lin ang="5400000" scaled="0"/>
+                <a:tileRect/>
+              </a:gradFill>
+              <a:ln>
+                <a:solidFill>
+                  <a:srgbClr val="000000"/>
+                </a:solidFill>
+              </a:ln>
+            </p:spPr>
+            <p:style>
+              <a:lnRef idx="1">
+                <a:schemeClr val="accent1"/>
+              </a:lnRef>
+              <a:fillRef idx="3">
+                <a:schemeClr val="accent1"/>
+              </a:fillRef>
+              <a:effectRef idx="2">
+                <a:schemeClr val="accent1"/>
+              </a:effectRef>
+              <a:fontRef idx="minor">
+                <a:schemeClr val="lt1"/>
+              </a:fontRef>
+            </p:style>
+            <p:txBody>
+              <a:bodyPr rtlCol="0" anchor="ctr"/>
+              <a:lstStyle/>
+              <a:p>
+                <a:pPr algn="ctr"/>
+                <a:r>
+                  <a:rPr lang="fr-FR" sz="1600" dirty="0" smtClean="0">
+                    <a:solidFill>
+                      <a:schemeClr val="bg1"/>
+                    </a:solidFill>
+                  </a:rPr>
+                  <a:t>SRS </a:t>
+                </a:r>
+                <a:r>
+                  <a:rPr lang="fr-FR" sz="1600" dirty="0" err="1" smtClean="0">
+                    <a:solidFill>
+                      <a:schemeClr val="bg1"/>
+                    </a:solidFill>
+                  </a:rPr>
+                  <a:t>Subset</a:t>
+                </a:r>
+                <a:r>
+                  <a:rPr lang="fr-FR" sz="1600" dirty="0" smtClean="0">
+                    <a:solidFill>
+                      <a:schemeClr val="bg1"/>
+                    </a:solidFill>
+                  </a:rPr>
+                  <a:t> 26 requirements</a:t>
+                </a:r>
+              </a:p>
+              <a:p>
+                <a:pPr algn="ctr"/>
+                <a:r>
+                  <a:rPr lang="fr-FR" sz="1600" dirty="0" smtClean="0">
+                    <a:solidFill>
+                      <a:schemeClr val="bg1"/>
+                    </a:solidFill>
+                  </a:rPr>
+                  <a:t>as .ReqIF files</a:t>
+                </a:r>
+                <a:endParaRPr lang="fr-FR" sz="1600" dirty="0">
+                  <a:solidFill>
+                    <a:schemeClr val="bg1"/>
+                  </a:solidFill>
+                </a:endParaRPr>
+              </a:p>
+            </p:txBody>
+          </p:sp>
+          <p:sp>
+            <p:nvSpPr>
+              <p:cNvPr id="23" name="ZoneTexte 22"/>
+              <p:cNvSpPr txBox="1"/>
+              <p:nvPr/>
+            </p:nvSpPr>
+            <p:spPr>
+              <a:xfrm>
+                <a:off x="4849684" y="5311540"/>
+                <a:ext cx="2384613" cy="307777"/>
+              </a:xfrm>
+              <a:prstGeom prst="rect">
+                <a:avLst/>
+              </a:prstGeom>
+              <a:noFill/>
+            </p:spPr>
+            <p:txBody>
+              <a:bodyPr wrap="square" rtlCol="0">
+                <a:spAutoFit/>
+              </a:bodyPr>
+              <a:lstStyle/>
+              <a:p>
+                <a:pPr algn="ctr"/>
+                <a:r>
+                  <a:rPr lang="eu-ES" sz="1400" dirty="0" smtClean="0"/>
+                  <a:t>Requirement analysis</a:t>
+                </a:r>
+                <a:endParaRPr lang="eu-ES" sz="1400" dirty="0"/>
+              </a:p>
+            </p:txBody>
+          </p:sp>
+          <p:grpSp>
+            <p:nvGrpSpPr>
+              <p:cNvPr id="5" name="Grouper 4"/>
+              <p:cNvGrpSpPr/>
+              <p:nvPr/>
+            </p:nvGrpSpPr>
+            <p:grpSpPr>
+              <a:xfrm>
+                <a:off x="387049" y="584603"/>
+                <a:ext cx="7232951" cy="5178778"/>
+                <a:chOff x="387049" y="584603"/>
+                <a:chExt cx="7232951" cy="5178778"/>
+              </a:xfrm>
+            </p:grpSpPr>
+            <p:sp>
+              <p:nvSpPr>
+                <p:cNvPr id="68" name="Rectangle 67"/>
+                <p:cNvSpPr/>
+                <p:nvPr/>
+              </p:nvSpPr>
+              <p:spPr>
+                <a:xfrm>
+                  <a:off x="387049" y="584603"/>
+                  <a:ext cx="7232951" cy="5178778"/>
+                </a:xfrm>
+                <a:prstGeom prst="rect">
+                  <a:avLst/>
+                </a:prstGeom>
+                <a:solidFill>
+                  <a:schemeClr val="bg1">
+                    <a:lumMod val="85000"/>
+                    <a:alpha val="18000"/>
+                  </a:schemeClr>
+                </a:solidFill>
+                <a:ln>
+                  <a:solidFill>
+                    <a:schemeClr val="tx1"/>
+                  </a:solidFill>
+                </a:ln>
+              </p:spPr>
+              <p:style>
+                <a:lnRef idx="1">
+                  <a:schemeClr val="accent1"/>
+                </a:lnRef>
+                <a:fillRef idx="3">
+                  <a:schemeClr val="accent1"/>
+                </a:fillRef>
+                <a:effectRef idx="2">
+                  <a:schemeClr val="accent1"/>
+                </a:effectRef>
+                <a:fontRef idx="minor">
+                  <a:schemeClr val="lt1"/>
+                </a:fontRef>
+              </p:style>
+              <p:txBody>
+                <a:bodyPr rtlCol="0" anchor="ctr"/>
+                <a:lstStyle/>
+                <a:p>
+                  <a:pPr algn="ctr"/>
+                  <a:endParaRPr lang="fr-FR"/>
+                </a:p>
+              </p:txBody>
+            </p:sp>
+            <p:sp>
+              <p:nvSpPr>
+                <p:cNvPr id="11" name="Rectangle à coins arrondis 10"/>
+                <p:cNvSpPr/>
+                <p:nvPr/>
+              </p:nvSpPr>
+              <p:spPr>
+                <a:xfrm>
+                  <a:off x="3116486" y="1173904"/>
+                  <a:ext cx="3842239" cy="3831195"/>
+                </a:xfrm>
+                <a:prstGeom prst="roundRect">
+                  <a:avLst/>
+                </a:prstGeom>
+                <a:solidFill>
+                  <a:srgbClr val="3366FF"/>
+                </a:solidFill>
+              </p:spPr>
+              <p:style>
+                <a:lnRef idx="1">
+                  <a:schemeClr val="accent1"/>
+                </a:lnRef>
+                <a:fillRef idx="3">
+                  <a:schemeClr val="accent1"/>
+                </a:fillRef>
+                <a:effectRef idx="2">
+                  <a:schemeClr val="accent1"/>
+                </a:effectRef>
+                <a:fontRef idx="minor">
+                  <a:schemeClr val="lt1"/>
+                </a:fontRef>
+              </p:style>
+              <p:txBody>
+                <a:bodyPr rtlCol="0" anchor="ctr"/>
+                <a:lstStyle/>
+                <a:p>
+                  <a:pPr algn="ctr"/>
+                  <a:r>
+                    <a:rPr lang="eu-ES" sz="1600" dirty="0" smtClean="0"/>
+                    <a:t>OpenETCS architecture SysML model - system level definition</a:t>
+                  </a:r>
+                </a:p>
+                <a:p>
+                  <a:pPr algn="ctr"/>
+                  <a:endParaRPr lang="eu-ES" sz="1600" dirty="0"/>
+                </a:p>
+                <a:p>
+                  <a:pPr algn="ctr"/>
+                  <a:endParaRPr lang="eu-ES" sz="1600" dirty="0" smtClean="0"/>
+                </a:p>
+                <a:p>
+                  <a:pPr algn="ctr"/>
+                  <a:endParaRPr lang="eu-ES" sz="1600" dirty="0"/>
+                </a:p>
+                <a:p>
+                  <a:pPr algn="ctr"/>
+                  <a:endParaRPr lang="eu-ES" sz="1600" dirty="0" smtClean="0"/>
+                </a:p>
+                <a:p>
+                  <a:pPr algn="ctr"/>
+                  <a:endParaRPr lang="eu-ES" sz="1600" dirty="0"/>
+                </a:p>
+                <a:p>
+                  <a:pPr algn="ctr"/>
+                  <a:endParaRPr lang="eu-ES" sz="1600" dirty="0" smtClean="0"/>
+                </a:p>
+                <a:p>
+                  <a:pPr algn="ctr"/>
+                  <a:endParaRPr lang="eu-ES" sz="1600" dirty="0" smtClean="0"/>
+                </a:p>
+                <a:p>
+                  <a:pPr algn="ctr"/>
+                  <a:endParaRPr lang="eu-ES" sz="1600" dirty="0"/>
+                </a:p>
+                <a:p>
+                  <a:pPr algn="ctr"/>
+                  <a:endParaRPr lang="eu-ES" sz="1600" dirty="0" smtClean="0"/>
+                </a:p>
+                <a:p>
+                  <a:pPr algn="ctr"/>
+                  <a:endParaRPr lang="eu-ES" sz="1600" dirty="0"/>
+                </a:p>
+                <a:p>
+                  <a:pPr algn="ctr"/>
+                  <a:endParaRPr lang="eu-ES" sz="1600" dirty="0" smtClean="0"/>
+                </a:p>
+                <a:p>
+                  <a:pPr algn="ctr"/>
+                  <a:endParaRPr lang="eu-ES" sz="1600" dirty="0"/>
+                </a:p>
+                <a:p>
+                  <a:pPr algn="ctr"/>
+                  <a:endParaRPr lang="eu-ES" sz="1600" dirty="0"/>
+                </a:p>
+              </p:txBody>
+            </p:sp>
+            <p:sp>
+              <p:nvSpPr>
+                <p:cNvPr id="70" name="ZoneTexte 69"/>
+                <p:cNvSpPr txBox="1"/>
+                <p:nvPr/>
+              </p:nvSpPr>
+              <p:spPr>
+                <a:xfrm>
+                  <a:off x="448855" y="605755"/>
+                  <a:ext cx="2204960" cy="317071"/>
+                </a:xfrm>
+                <a:prstGeom prst="rect">
+                  <a:avLst/>
+                </a:prstGeom>
+                <a:noFill/>
+              </p:spPr>
+              <p:txBody>
+                <a:bodyPr wrap="none" rtlCol="0">
+                  <a:spAutoFit/>
+                </a:bodyPr>
+                <a:lstStyle/>
+                <a:p>
+                  <a:r>
+                    <a:rPr lang="fr-FR" sz="1100" i="1" dirty="0" smtClean="0"/>
+                    <a:t>OpenETCS </a:t>
+                  </a:r>
+                  <a:r>
+                    <a:rPr lang="fr-FR" sz="1100" i="1" dirty="0" err="1" smtClean="0"/>
+                    <a:t>product</a:t>
+                  </a:r>
+                  <a:r>
+                    <a:rPr lang="fr-FR" sz="1100" i="1" dirty="0" smtClean="0"/>
+                    <a:t> </a:t>
+                  </a:r>
+                  <a:r>
+                    <a:rPr lang="fr-FR" sz="1100" i="1" dirty="0" err="1" smtClean="0"/>
+                    <a:t>definition</a:t>
+                  </a:r>
+                  <a:endParaRPr lang="fr-FR" sz="1100" i="1" dirty="0"/>
+                </a:p>
+              </p:txBody>
+            </p:sp>
+            <p:pic>
+              <p:nvPicPr>
+                <p:cNvPr id="19" name="Image 18" descr="1stlevelarchitecture.PNG"/>
+                <p:cNvPicPr>
+                  <a:picLocks noChangeAspect="1"/>
+                </p:cNvPicPr>
+                <p:nvPr/>
+              </p:nvPicPr>
+              <p:blipFill>
+                <a:blip r:embed="rId2">
+                  <a:extLst>
+                    <a:ext uri="{28A0092B-C50C-407E-A947-70E740481C1C}">
+                      <a14:useLocalDpi xmlns:a14="http://schemas.microsoft.com/office/drawing/2010/main" val="0"/>
+                    </a:ext>
+                  </a:extLst>
+                </a:blip>
+                <a:stretch>
+                  <a:fillRect/>
+                </a:stretch>
+              </p:blipFill>
+              <p:spPr>
+                <a:xfrm>
+                  <a:off x="3378531" y="2003078"/>
+                  <a:ext cx="3400139" cy="2546884"/>
+                </a:xfrm>
+                <a:prstGeom prst="rect">
+                  <a:avLst/>
+                </a:prstGeom>
+              </p:spPr>
+            </p:pic>
+            <p:sp>
+              <p:nvSpPr>
+                <p:cNvPr id="102" name="ZoneTexte 101"/>
+                <p:cNvSpPr txBox="1"/>
+                <p:nvPr/>
+              </p:nvSpPr>
+              <p:spPr>
+                <a:xfrm>
+                  <a:off x="2154349" y="2051117"/>
+                  <a:ext cx="1095531" cy="738664"/>
+                </a:xfrm>
+                <a:prstGeom prst="rect">
+                  <a:avLst/>
+                </a:prstGeom>
+                <a:noFill/>
+              </p:spPr>
+              <p:txBody>
+                <a:bodyPr wrap="square" rtlCol="0">
+                  <a:spAutoFit/>
+                </a:bodyPr>
+                <a:lstStyle/>
+                <a:p>
+                  <a:pPr algn="ctr"/>
+                  <a:r>
+                    <a:rPr lang="fr-FR" sz="1400" dirty="0" err="1" smtClean="0">
+                      <a:solidFill>
+                        <a:srgbClr val="FF6600"/>
+                      </a:solidFill>
+                    </a:rPr>
+                    <a:t>External</a:t>
+                  </a:r>
+                  <a:r>
+                    <a:rPr lang="fr-FR" sz="1400" dirty="0" smtClean="0">
+                      <a:solidFill>
+                        <a:srgbClr val="FF6600"/>
+                      </a:solidFill>
+                    </a:rPr>
+                    <a:t> System Interfaces</a:t>
+                  </a:r>
+                  <a:endParaRPr lang="fr-FR" sz="1400" dirty="0">
+                    <a:solidFill>
+                      <a:srgbClr val="FF6600"/>
+                    </a:solidFill>
+                  </a:endParaRPr>
+                </a:p>
+              </p:txBody>
+            </p:sp>
+            <p:cxnSp>
+              <p:nvCxnSpPr>
+                <p:cNvPr id="137" name="Connecteur droit avec flèche 136"/>
+                <p:cNvCxnSpPr/>
+                <p:nvPr/>
+              </p:nvCxnSpPr>
+              <p:spPr>
+                <a:xfrm flipH="1">
+                  <a:off x="2013402" y="2742668"/>
+                  <a:ext cx="2095662" cy="0"/>
+                </a:xfrm>
+                <a:prstGeom prst="straightConnector1">
+                  <a:avLst/>
+                </a:prstGeom>
+                <a:ln>
+                  <a:solidFill>
+                    <a:srgbClr val="FF6600"/>
+                  </a:solidFill>
+                  <a:prstDash val="sysDash"/>
+                  <a:headEnd type="oval"/>
+                  <a:tailEnd type="stealth" w="lg" len="lg"/>
+                </a:ln>
+              </p:spPr>
+              <p:style>
+                <a:lnRef idx="2">
+                  <a:schemeClr val="accent1"/>
+                </a:lnRef>
+                <a:fillRef idx="0">
+                  <a:schemeClr val="accent1"/>
+                </a:fillRef>
+                <a:effectRef idx="1">
+                  <a:schemeClr val="accent1"/>
+                </a:effectRef>
+                <a:fontRef idx="minor">
+                  <a:schemeClr val="tx1"/>
+                </a:fontRef>
+              </p:style>
+            </p:cxnSp>
+            <p:cxnSp>
+              <p:nvCxnSpPr>
+                <p:cNvPr id="113" name="Connecteur droit avec flèche 112"/>
+                <p:cNvCxnSpPr/>
+                <p:nvPr/>
+              </p:nvCxnSpPr>
+              <p:spPr>
+                <a:xfrm flipH="1">
+                  <a:off x="2027848" y="2966775"/>
+                  <a:ext cx="2732262" cy="896436"/>
+                </a:xfrm>
+                <a:prstGeom prst="straightConnector1">
+                  <a:avLst/>
+                </a:prstGeom>
+                <a:ln>
+                  <a:solidFill>
+                    <a:srgbClr val="FF6600"/>
+                  </a:solidFill>
+                  <a:prstDash val="sysDash"/>
+                  <a:headEnd type="oval"/>
+                  <a:tailEnd type="stealth" w="lg" len="lg"/>
+                </a:ln>
+              </p:spPr>
+              <p:style>
+                <a:lnRef idx="2">
+                  <a:schemeClr val="accent1"/>
+                </a:lnRef>
+                <a:fillRef idx="0">
+                  <a:schemeClr val="accent1"/>
+                </a:fillRef>
+                <a:effectRef idx="1">
+                  <a:schemeClr val="accent1"/>
+                </a:effectRef>
+                <a:fontRef idx="minor">
+                  <a:schemeClr val="tx1"/>
+                </a:fontRef>
+              </p:style>
+            </p:cxnSp>
+            <p:cxnSp>
+              <p:nvCxnSpPr>
+                <p:cNvPr id="135" name="Connecteur droit avec flèche 134"/>
+                <p:cNvCxnSpPr/>
+                <p:nvPr/>
+              </p:nvCxnSpPr>
+              <p:spPr>
+                <a:xfrm flipH="1">
+                  <a:off x="2027848" y="3048492"/>
+                  <a:ext cx="3361962" cy="1006812"/>
+                </a:xfrm>
+                <a:prstGeom prst="straightConnector1">
+                  <a:avLst/>
+                </a:prstGeom>
+                <a:ln>
+                  <a:solidFill>
+                    <a:srgbClr val="FF6600"/>
+                  </a:solidFill>
+                  <a:prstDash val="sysDash"/>
+                  <a:headEnd type="oval"/>
+                  <a:tailEnd type="stealth" w="lg" len="lg"/>
+                </a:ln>
+              </p:spPr>
+              <p:style>
+                <a:lnRef idx="2">
+                  <a:schemeClr val="accent1"/>
+                </a:lnRef>
+                <a:fillRef idx="0">
+                  <a:schemeClr val="accent1"/>
+                </a:fillRef>
+                <a:effectRef idx="1">
+                  <a:schemeClr val="accent1"/>
+                </a:effectRef>
+                <a:fontRef idx="minor">
+                  <a:schemeClr val="tx1"/>
+                </a:fontRef>
+              </p:style>
+            </p:cxnSp>
+            <p:sp>
+              <p:nvSpPr>
+                <p:cNvPr id="145" name="ZoneTexte 144"/>
+                <p:cNvSpPr txBox="1"/>
+                <p:nvPr/>
+              </p:nvSpPr>
+              <p:spPr>
+                <a:xfrm>
+                  <a:off x="2176914" y="3049343"/>
+                  <a:ext cx="1095531" cy="523220"/>
+                </a:xfrm>
+                <a:prstGeom prst="rect">
+                  <a:avLst/>
+                </a:prstGeom>
+                <a:noFill/>
+              </p:spPr>
+              <p:txBody>
+                <a:bodyPr wrap="square" rtlCol="0">
+                  <a:spAutoFit/>
+                </a:bodyPr>
+                <a:lstStyle/>
+                <a:p>
+                  <a:r>
+                    <a:rPr lang="fr-FR" sz="1400" dirty="0" err="1" smtClean="0">
+                      <a:solidFill>
+                        <a:srgbClr val="FF6600"/>
+                      </a:solidFill>
+                    </a:rPr>
+                    <a:t>External</a:t>
+                  </a:r>
+                  <a:r>
+                    <a:rPr lang="fr-FR" sz="1400" dirty="0" smtClean="0">
+                      <a:solidFill>
+                        <a:srgbClr val="FF6600"/>
+                      </a:solidFill>
+                    </a:rPr>
+                    <a:t> SW  Interfaces</a:t>
+                  </a:r>
+                  <a:endParaRPr lang="fr-FR" sz="1400" dirty="0">
+                    <a:solidFill>
+                      <a:srgbClr val="FF6600"/>
+                    </a:solidFill>
+                  </a:endParaRPr>
+                </a:p>
+              </p:txBody>
+            </p:sp>
+            <p:grpSp>
+              <p:nvGrpSpPr>
+                <p:cNvPr id="146" name="Grouper 145"/>
+                <p:cNvGrpSpPr/>
+                <p:nvPr/>
+              </p:nvGrpSpPr>
+              <p:grpSpPr>
+                <a:xfrm>
+                  <a:off x="731873" y="5276864"/>
+                  <a:ext cx="2384613" cy="313592"/>
+                  <a:chOff x="6128170" y="-469158"/>
+                  <a:chExt cx="2384613" cy="313592"/>
+                </a:xfrm>
+              </p:grpSpPr>
+              <p:cxnSp>
+                <p:nvCxnSpPr>
+                  <p:cNvPr id="147" name="Connecteur droit avec flèche 146"/>
+                  <p:cNvCxnSpPr/>
+                  <p:nvPr/>
+                </p:nvCxnSpPr>
+                <p:spPr>
+                  <a:xfrm flipH="1" flipV="1">
+                    <a:off x="6404455" y="-469158"/>
+                    <a:ext cx="1642100" cy="5815"/>
+                  </a:xfrm>
+                  <a:prstGeom prst="straightConnector1">
+                    <a:avLst/>
+                  </a:prstGeom>
+                  <a:ln>
+                    <a:solidFill>
+                      <a:srgbClr val="FF6600"/>
+                    </a:solidFill>
+                    <a:prstDash val="sysDash"/>
+                    <a:headEnd type="oval"/>
+                    <a:tailEnd type="stealth" w="lg" len="lg"/>
+                  </a:ln>
+                </p:spPr>
+                <p:style>
+                  <a:lnRef idx="2">
+                    <a:schemeClr val="accent1"/>
+                  </a:lnRef>
+                  <a:fillRef idx="0">
+                    <a:schemeClr val="accent1"/>
+                  </a:fillRef>
+                  <a:effectRef idx="1">
+                    <a:schemeClr val="accent1"/>
+                  </a:effectRef>
+                  <a:fontRef idx="minor">
+                    <a:schemeClr val="tx1"/>
+                  </a:fontRef>
+                </p:style>
+              </p:cxnSp>
+              <p:sp>
+                <p:nvSpPr>
+                  <p:cNvPr id="148" name="ZoneTexte 147"/>
+                  <p:cNvSpPr txBox="1"/>
+                  <p:nvPr/>
+                </p:nvSpPr>
+                <p:spPr>
+                  <a:xfrm>
+                    <a:off x="6128170" y="-463343"/>
+                    <a:ext cx="2384613" cy="307777"/>
+                  </a:xfrm>
+                  <a:prstGeom prst="rect">
+                    <a:avLst/>
+                  </a:prstGeom>
+                  <a:noFill/>
+                </p:spPr>
+                <p:txBody>
+                  <a:bodyPr wrap="square" rtlCol="0">
+                    <a:spAutoFit/>
+                  </a:bodyPr>
+                  <a:lstStyle/>
+                  <a:p>
+                    <a:pPr algn="ctr"/>
+                    <a:r>
+                      <a:rPr lang="eu-ES" sz="1400" dirty="0" smtClean="0"/>
+                      <a:t>Deduce (create) requirements</a:t>
+                    </a:r>
+                    <a:endParaRPr lang="eu-ES" sz="1400" dirty="0"/>
+                  </a:p>
+                </p:txBody>
+              </p:sp>
+            </p:grpSp>
+            <p:cxnSp>
+              <p:nvCxnSpPr>
+                <p:cNvPr id="22" name="Connecteur droit avec flèche 21"/>
+                <p:cNvCxnSpPr/>
+                <p:nvPr/>
+              </p:nvCxnSpPr>
+              <p:spPr>
+                <a:xfrm>
+                  <a:off x="5243618" y="5268852"/>
+                  <a:ext cx="1535052" cy="0"/>
+                </a:xfrm>
+                <a:prstGeom prst="straightConnector1">
+                  <a:avLst/>
+                </a:prstGeom>
+                <a:ln>
+                  <a:solidFill>
+                    <a:srgbClr val="000000"/>
+                  </a:solidFill>
+                  <a:tailEnd type="arrow"/>
+                </a:ln>
+              </p:spPr>
+              <p:style>
+                <a:lnRef idx="2">
+                  <a:schemeClr val="accent1"/>
+                </a:lnRef>
+                <a:fillRef idx="0">
+                  <a:schemeClr val="accent1"/>
+                </a:fillRef>
+                <a:effectRef idx="1">
+                  <a:schemeClr val="accent1"/>
+                </a:effectRef>
+                <a:fontRef idx="minor">
+                  <a:schemeClr val="tx1"/>
+                </a:fontRef>
+              </p:style>
+            </p:cxnSp>
+            <p:cxnSp>
+              <p:nvCxnSpPr>
+                <p:cNvPr id="21" name="Connecteur droit avec flèche 20"/>
+                <p:cNvCxnSpPr/>
+                <p:nvPr/>
+              </p:nvCxnSpPr>
+              <p:spPr>
+                <a:xfrm>
+                  <a:off x="2243667" y="1735798"/>
+                  <a:ext cx="1134864" cy="534560"/>
+                </a:xfrm>
+                <a:prstGeom prst="straightConnector1">
+                  <a:avLst/>
+                </a:prstGeom>
+                <a:ln>
+                  <a:solidFill>
+                    <a:srgbClr val="000000"/>
+                  </a:solidFill>
+                  <a:tailEnd type="arrow"/>
+                </a:ln>
+              </p:spPr>
+              <p:style>
+                <a:lnRef idx="2">
+                  <a:schemeClr val="accent1"/>
+                </a:lnRef>
+                <a:fillRef idx="0">
+                  <a:schemeClr val="accent1"/>
+                </a:fillRef>
+                <a:effectRef idx="1">
+                  <a:schemeClr val="accent1"/>
+                </a:effectRef>
+                <a:fontRef idx="minor">
+                  <a:schemeClr val="tx1"/>
+                </a:fontRef>
+              </p:style>
+            </p:cxnSp>
+          </p:grpSp>
+        </p:grpSp>
+        <p:sp>
+          <p:nvSpPr>
+            <p:cNvPr id="36" name="ZoneTexte 35"/>
+            <p:cNvSpPr txBox="1"/>
+            <p:nvPr/>
+          </p:nvSpPr>
+          <p:spPr>
+            <a:xfrm>
+              <a:off x="1451429" y="2534919"/>
+              <a:ext cx="547429" cy="307777"/>
+            </a:xfrm>
+            <a:prstGeom prst="rect">
+              <a:avLst/>
+            </a:prstGeom>
+            <a:solidFill>
+              <a:srgbClr val="FF6600"/>
+            </a:solidFill>
+            <a:ln>
+              <a:solidFill>
+                <a:srgbClr val="8000FF"/>
+              </a:solidFill>
+            </a:ln>
+          </p:spPr>
+          <p:txBody>
+            <a:bodyPr wrap="square" rtlCol="0">
+              <a:spAutoFit/>
+            </a:bodyPr>
+            <a:lstStyle/>
+            <a:p>
+              <a:r>
+                <a:rPr lang="fr-FR" sz="700" dirty="0" smtClean="0"/>
+                <a:t>System IF </a:t>
+              </a:r>
+              <a:r>
+                <a:rPr lang="fr-FR" sz="700" dirty="0" err="1" smtClean="0"/>
+                <a:t>Req</a:t>
+              </a:r>
+              <a:r>
+                <a:rPr lang="fr-FR" sz="700" dirty="0" smtClean="0"/>
+                <a:t> 1</a:t>
+              </a:r>
+              <a:endParaRPr lang="fr-FR" sz="700" dirty="0"/>
+            </a:p>
+          </p:txBody>
+        </p:sp>
+        <p:sp>
+          <p:nvSpPr>
+            <p:cNvPr id="39" name="ZoneTexte 38"/>
+            <p:cNvSpPr txBox="1"/>
+            <p:nvPr/>
+          </p:nvSpPr>
+          <p:spPr>
+            <a:xfrm>
+              <a:off x="1566333" y="3648890"/>
+              <a:ext cx="432525" cy="307777"/>
+            </a:xfrm>
+            <a:prstGeom prst="rect">
+              <a:avLst/>
+            </a:prstGeom>
+            <a:solidFill>
+              <a:srgbClr val="FF6600"/>
+            </a:solidFill>
+            <a:ln>
+              <a:solidFill>
+                <a:srgbClr val="8000FF"/>
+              </a:solidFill>
+            </a:ln>
+          </p:spPr>
+          <p:txBody>
+            <a:bodyPr wrap="square" rtlCol="0">
+              <a:spAutoFit/>
+            </a:bodyPr>
+            <a:lstStyle/>
+            <a:p>
+              <a:r>
+                <a:rPr lang="fr-FR" sz="700" dirty="0" smtClean="0"/>
+                <a:t>SW IF </a:t>
+              </a:r>
+              <a:r>
+                <a:rPr lang="fr-FR" sz="700" dirty="0" err="1" smtClean="0"/>
+                <a:t>Req</a:t>
+              </a:r>
+              <a:r>
+                <a:rPr lang="fr-FR" sz="700" dirty="0" smtClean="0"/>
+                <a:t> 1</a:t>
+              </a:r>
+              <a:endParaRPr lang="fr-FR" sz="700" dirty="0"/>
+            </a:p>
+          </p:txBody>
+        </p:sp>
+        <p:sp>
+          <p:nvSpPr>
+            <p:cNvPr id="40" name="ZoneTexte 39"/>
+            <p:cNvSpPr txBox="1"/>
+            <p:nvPr/>
+          </p:nvSpPr>
+          <p:spPr>
+            <a:xfrm>
+              <a:off x="1693333" y="3928298"/>
+              <a:ext cx="457925" cy="307777"/>
+            </a:xfrm>
+            <a:prstGeom prst="rect">
+              <a:avLst/>
+            </a:prstGeom>
+            <a:solidFill>
+              <a:srgbClr val="FF6600"/>
+            </a:solidFill>
+            <a:ln>
+              <a:solidFill>
+                <a:srgbClr val="8000FF"/>
+              </a:solidFill>
+            </a:ln>
+          </p:spPr>
+          <p:txBody>
+            <a:bodyPr wrap="square" rtlCol="0">
+              <a:spAutoFit/>
+            </a:bodyPr>
+            <a:lstStyle/>
+            <a:p>
+              <a:r>
+                <a:rPr lang="fr-FR" sz="700" dirty="0" smtClean="0"/>
+                <a:t>SW IF</a:t>
+              </a:r>
+            </a:p>
+            <a:p>
+              <a:r>
+                <a:rPr lang="fr-FR" sz="700" dirty="0" smtClean="0"/>
+                <a:t> </a:t>
+              </a:r>
+              <a:r>
+                <a:rPr lang="fr-FR" sz="700" dirty="0" err="1" smtClean="0"/>
+                <a:t>Req</a:t>
+              </a:r>
+              <a:r>
+                <a:rPr lang="fr-FR" sz="700" dirty="0" smtClean="0"/>
+                <a:t> 2</a:t>
+              </a:r>
+              <a:endParaRPr lang="fr-FR" sz="700" dirty="0"/>
+            </a:p>
+          </p:txBody>
+        </p:sp>
+      </p:grpSp>
+      <p:sp>
+        <p:nvSpPr>
+          <p:cNvPr id="150" name="ZoneTexte 149"/>
+          <p:cNvSpPr txBox="1"/>
+          <p:nvPr/>
+        </p:nvSpPr>
+        <p:spPr>
+          <a:xfrm>
+            <a:off x="3116486" y="38504"/>
+            <a:ext cx="3641968" cy="369332"/>
+          </a:xfrm>
+          <a:prstGeom prst="rect">
+            <a:avLst/>
+          </a:prstGeom>
+          <a:noFill/>
+        </p:spPr>
+        <p:txBody>
+          <a:bodyPr wrap="none" rtlCol="0">
+            <a:spAutoFit/>
+          </a:bodyPr>
+          <a:lstStyle/>
+          <a:p>
+            <a:r>
+              <a:rPr lang="fr-FR" dirty="0" err="1" smtClean="0"/>
+              <a:t>requirement</a:t>
+            </a:r>
+            <a:r>
+              <a:rPr lang="fr-FR" dirty="0" smtClean="0"/>
+              <a:t> </a:t>
+            </a:r>
+            <a:r>
+              <a:rPr lang="fr-FR" dirty="0" err="1" smtClean="0"/>
+              <a:t>creation</a:t>
+            </a:r>
+            <a:r>
+              <a:rPr lang="fr-FR" dirty="0" smtClean="0"/>
+              <a:t> </a:t>
+            </a:r>
+            <a:r>
+              <a:rPr lang="fr-FR" dirty="0" err="1" smtClean="0"/>
+              <a:t>at</a:t>
+            </a:r>
+            <a:r>
+              <a:rPr lang="fr-FR" dirty="0" smtClean="0"/>
+              <a:t> system </a:t>
+            </a:r>
+            <a:r>
+              <a:rPr lang="fr-FR" dirty="0" err="1" smtClean="0"/>
+              <a:t>level</a:t>
+            </a:r>
+            <a:endParaRPr lang="fr-FR" dirty="0"/>
+          </a:p>
+        </p:txBody>
+      </p:sp>
+    </p:spTree>
+    <p:extLst>
+      <p:ext uri="{BB962C8B-B14F-4D97-AF65-F5344CB8AC3E}">
+        <p14:creationId xmlns:p14="http://schemas.microsoft.com/office/powerpoint/2010/main" val="673336731"/>
+      </p:ext>
+    </p:extLst>
+  </p:cSld>
+  <p:clrMapOvr>
+    <a:masterClrMapping/>
+  </p:clrMapOvr>
+</p:sld>
+</file>
+
 <file path=ppt/slides/slide4.xml><?xml version="1.0" encoding="utf-8"?>
 <p:sld xmlns:a="http://schemas.openxmlformats.org/drawingml/2006/main" xmlns:r="http://schemas.openxmlformats.org/officeDocument/2006/relationships" xmlns:p="http://schemas.openxmlformats.org/presentationml/2006/main">
   <p:cSld>
@@ -52979,6 +55407,987 @@
           <a:chExt cx="0" cy="0"/>
         </a:xfrm>
       </p:grpSpPr>
+      <p:grpSp>
+        <p:nvGrpSpPr>
+          <p:cNvPr id="9" name="Grouper 8"/>
+          <p:cNvGrpSpPr/>
+          <p:nvPr/>
+        </p:nvGrpSpPr>
+        <p:grpSpPr>
+          <a:xfrm>
+            <a:off x="393096" y="665238"/>
+            <a:ext cx="6706810" cy="4729238"/>
+            <a:chOff x="393096" y="666326"/>
+            <a:chExt cx="6706810" cy="4793056"/>
+          </a:xfrm>
+        </p:grpSpPr>
+        <p:grpSp>
+          <p:nvGrpSpPr>
+            <p:cNvPr id="4" name="Grouper 3"/>
+            <p:cNvGrpSpPr/>
+            <p:nvPr/>
+          </p:nvGrpSpPr>
+          <p:grpSpPr>
+            <a:xfrm>
+              <a:off x="393096" y="666326"/>
+              <a:ext cx="6706810" cy="4793056"/>
+              <a:chOff x="393096" y="666326"/>
+              <a:chExt cx="6706810" cy="4793056"/>
+            </a:xfrm>
+          </p:grpSpPr>
+          <p:sp>
+            <p:nvSpPr>
+              <p:cNvPr id="30" name="Cylindre 29"/>
+              <p:cNvSpPr/>
+              <p:nvPr/>
+            </p:nvSpPr>
+            <p:spPr>
+              <a:xfrm>
+                <a:off x="443372" y="2358571"/>
+                <a:ext cx="1800295" cy="2025953"/>
+              </a:xfrm>
+              <a:prstGeom prst="can">
+                <a:avLst>
+                  <a:gd name="adj" fmla="val 5994"/>
+                </a:avLst>
+              </a:prstGeom>
+              <a:gradFill flip="none" rotWithShape="1">
+                <a:gsLst>
+                  <a:gs pos="0">
+                    <a:srgbClr val="8000FF"/>
+                  </a:gs>
+                  <a:gs pos="100000">
+                    <a:srgbClr val="FF00FF"/>
+                  </a:gs>
+                </a:gsLst>
+                <a:lin ang="5400000" scaled="0"/>
+                <a:tileRect/>
+              </a:gradFill>
+              <a:ln>
+                <a:solidFill>
+                  <a:srgbClr val="000000"/>
+                </a:solidFill>
+              </a:ln>
+            </p:spPr>
+            <p:style>
+              <a:lnRef idx="1">
+                <a:schemeClr val="accent1"/>
+              </a:lnRef>
+              <a:fillRef idx="3">
+                <a:schemeClr val="accent1"/>
+              </a:fillRef>
+              <a:effectRef idx="2">
+                <a:schemeClr val="accent1"/>
+              </a:effectRef>
+              <a:fontRef idx="minor">
+                <a:schemeClr val="lt1"/>
+              </a:fontRef>
+            </p:style>
+            <p:txBody>
+              <a:bodyPr rtlCol="0" anchor="ctr"/>
+              <a:lstStyle/>
+              <a:p>
+                <a:pPr algn="ctr"/>
+                <a:endParaRPr lang="fr-FR" sz="1600" dirty="0" smtClean="0">
+                  <a:solidFill>
+                    <a:schemeClr val="bg1"/>
+                  </a:solidFill>
+                </a:endParaRPr>
+              </a:p>
+              <a:p>
+                <a:pPr algn="ctr"/>
+                <a:r>
+                  <a:rPr lang="fr-FR" sz="1400" dirty="0" err="1" smtClean="0">
+                    <a:solidFill>
+                      <a:schemeClr val="bg1"/>
+                    </a:solidFill>
+                  </a:rPr>
+                  <a:t>Additional</a:t>
+                </a:r>
+                <a:r>
+                  <a:rPr lang="fr-FR" sz="1400" dirty="0" smtClean="0">
+                    <a:solidFill>
+                      <a:schemeClr val="bg1"/>
+                    </a:solidFill>
+                  </a:rPr>
+                  <a:t> openETCS requirements</a:t>
+                </a:r>
+              </a:p>
+              <a:p>
+                <a:pPr algn="ctr"/>
+                <a:endParaRPr lang="fr-FR" sz="1400" dirty="0">
+                  <a:solidFill>
+                    <a:schemeClr val="bg1"/>
+                  </a:solidFill>
+                </a:endParaRPr>
+              </a:p>
+            </p:txBody>
+          </p:sp>
+          <p:sp>
+            <p:nvSpPr>
+              <p:cNvPr id="29" name="Cylindre 28"/>
+              <p:cNvSpPr/>
+              <p:nvPr/>
+            </p:nvSpPr>
+            <p:spPr>
+              <a:xfrm>
+                <a:off x="443372" y="1173905"/>
+                <a:ext cx="1800295" cy="1096454"/>
+              </a:xfrm>
+              <a:prstGeom prst="can">
+                <a:avLst>
+                  <a:gd name="adj" fmla="val 8009"/>
+                </a:avLst>
+              </a:prstGeom>
+              <a:gradFill flip="none" rotWithShape="1">
+                <a:gsLst>
+                  <a:gs pos="0">
+                    <a:srgbClr val="8000FF"/>
+                  </a:gs>
+                  <a:gs pos="100000">
+                    <a:srgbClr val="FF00FF"/>
+                  </a:gs>
+                </a:gsLst>
+                <a:lin ang="5400000" scaled="0"/>
+                <a:tileRect/>
+              </a:gradFill>
+              <a:ln>
+                <a:solidFill>
+                  <a:srgbClr val="000000"/>
+                </a:solidFill>
+              </a:ln>
+            </p:spPr>
+            <p:style>
+              <a:lnRef idx="1">
+                <a:schemeClr val="accent1"/>
+              </a:lnRef>
+              <a:fillRef idx="3">
+                <a:schemeClr val="accent1"/>
+              </a:fillRef>
+              <a:effectRef idx="2">
+                <a:schemeClr val="accent1"/>
+              </a:effectRef>
+              <a:fontRef idx="minor">
+                <a:schemeClr val="lt1"/>
+              </a:fontRef>
+            </p:style>
+            <p:txBody>
+              <a:bodyPr rtlCol="0" anchor="ctr"/>
+              <a:lstStyle/>
+              <a:p>
+                <a:pPr algn="ctr"/>
+                <a:r>
+                  <a:rPr lang="fr-FR" sz="1600" dirty="0" smtClean="0">
+                    <a:solidFill>
+                      <a:schemeClr val="bg1"/>
+                    </a:solidFill>
+                  </a:rPr>
+                  <a:t>SRS </a:t>
+                </a:r>
+                <a:r>
+                  <a:rPr lang="fr-FR" sz="1600" dirty="0" err="1" smtClean="0">
+                    <a:solidFill>
+                      <a:schemeClr val="bg1"/>
+                    </a:solidFill>
+                  </a:rPr>
+                  <a:t>Subset</a:t>
+                </a:r>
+                <a:r>
+                  <a:rPr lang="fr-FR" sz="1600" dirty="0" smtClean="0">
+                    <a:solidFill>
+                      <a:schemeClr val="bg1"/>
+                    </a:solidFill>
+                  </a:rPr>
+                  <a:t> 26 requirements</a:t>
+                </a:r>
+              </a:p>
+              <a:p>
+                <a:pPr algn="ctr"/>
+                <a:r>
+                  <a:rPr lang="fr-FR" sz="1600" dirty="0" smtClean="0">
+                    <a:solidFill>
+                      <a:schemeClr val="bg1"/>
+                    </a:solidFill>
+                  </a:rPr>
+                  <a:t>as .ReqIF files</a:t>
+                </a:r>
+                <a:endParaRPr lang="fr-FR" sz="1600" dirty="0">
+                  <a:solidFill>
+                    <a:schemeClr val="bg1"/>
+                  </a:solidFill>
+                </a:endParaRPr>
+              </a:p>
+            </p:txBody>
+          </p:sp>
+          <p:sp>
+            <p:nvSpPr>
+              <p:cNvPr id="23" name="ZoneTexte 22"/>
+              <p:cNvSpPr txBox="1"/>
+              <p:nvPr/>
+            </p:nvSpPr>
+            <p:spPr>
+              <a:xfrm>
+                <a:off x="569422" y="5041275"/>
+                <a:ext cx="2384613" cy="307777"/>
+              </a:xfrm>
+              <a:prstGeom prst="rect">
+                <a:avLst/>
+              </a:prstGeom>
+              <a:noFill/>
+            </p:spPr>
+            <p:txBody>
+              <a:bodyPr wrap="square" rtlCol="0">
+                <a:spAutoFit/>
+              </a:bodyPr>
+              <a:lstStyle/>
+              <a:p>
+                <a:pPr algn="ctr"/>
+                <a:r>
+                  <a:rPr lang="eu-ES" sz="1400" dirty="0" smtClean="0"/>
+                  <a:t>Requirement analysis</a:t>
+                </a:r>
+                <a:endParaRPr lang="eu-ES" sz="1400" dirty="0"/>
+              </a:p>
+            </p:txBody>
+          </p:sp>
+          <p:grpSp>
+            <p:nvGrpSpPr>
+              <p:cNvPr id="5" name="Grouper 4"/>
+              <p:cNvGrpSpPr/>
+              <p:nvPr/>
+            </p:nvGrpSpPr>
+            <p:grpSpPr>
+              <a:xfrm>
+                <a:off x="393096" y="666326"/>
+                <a:ext cx="6706810" cy="4793056"/>
+                <a:chOff x="393096" y="666326"/>
+                <a:chExt cx="6706810" cy="4793056"/>
+              </a:xfrm>
+            </p:grpSpPr>
+            <p:sp>
+              <p:nvSpPr>
+                <p:cNvPr id="68" name="Rectangle 67"/>
+                <p:cNvSpPr/>
+                <p:nvPr/>
+              </p:nvSpPr>
+              <p:spPr>
+                <a:xfrm>
+                  <a:off x="393096" y="666326"/>
+                  <a:ext cx="6706810" cy="4793056"/>
+                </a:xfrm>
+                <a:prstGeom prst="rect">
+                  <a:avLst/>
+                </a:prstGeom>
+                <a:solidFill>
+                  <a:schemeClr val="bg1">
+                    <a:lumMod val="85000"/>
+                    <a:alpha val="18000"/>
+                  </a:schemeClr>
+                </a:solidFill>
+                <a:ln>
+                  <a:solidFill>
+                    <a:schemeClr val="tx1"/>
+                  </a:solidFill>
+                </a:ln>
+              </p:spPr>
+              <p:style>
+                <a:lnRef idx="1">
+                  <a:schemeClr val="accent1"/>
+                </a:lnRef>
+                <a:fillRef idx="3">
+                  <a:schemeClr val="accent1"/>
+                </a:fillRef>
+                <a:effectRef idx="2">
+                  <a:schemeClr val="accent1"/>
+                </a:effectRef>
+                <a:fontRef idx="minor">
+                  <a:schemeClr val="lt1"/>
+                </a:fontRef>
+              </p:style>
+              <p:txBody>
+                <a:bodyPr rtlCol="0" anchor="ctr"/>
+                <a:lstStyle/>
+                <a:p>
+                  <a:pPr algn="ctr"/>
+                  <a:endParaRPr lang="fr-FR"/>
+                </a:p>
+              </p:txBody>
+            </p:sp>
+            <p:sp>
+              <p:nvSpPr>
+                <p:cNvPr id="11" name="Rectangle à coins arrondis 10"/>
+                <p:cNvSpPr/>
+                <p:nvPr/>
+              </p:nvSpPr>
+              <p:spPr>
+                <a:xfrm>
+                  <a:off x="3116486" y="1173904"/>
+                  <a:ext cx="3842239" cy="3831195"/>
+                </a:xfrm>
+                <a:prstGeom prst="roundRect">
+                  <a:avLst/>
+                </a:prstGeom>
+                <a:solidFill>
+                  <a:srgbClr val="3366FF"/>
+                </a:solidFill>
+              </p:spPr>
+              <p:style>
+                <a:lnRef idx="1">
+                  <a:schemeClr val="accent1"/>
+                </a:lnRef>
+                <a:fillRef idx="3">
+                  <a:schemeClr val="accent1"/>
+                </a:fillRef>
+                <a:effectRef idx="2">
+                  <a:schemeClr val="accent1"/>
+                </a:effectRef>
+                <a:fontRef idx="minor">
+                  <a:schemeClr val="lt1"/>
+                </a:fontRef>
+              </p:style>
+              <p:txBody>
+                <a:bodyPr rtlCol="0" anchor="ctr"/>
+                <a:lstStyle/>
+                <a:p>
+                  <a:pPr algn="ctr"/>
+                  <a:r>
+                    <a:rPr lang="eu-ES" sz="1600" dirty="0" smtClean="0"/>
+                    <a:t>OpenETCS architecture SysML model - system level definition</a:t>
+                  </a:r>
+                </a:p>
+                <a:p>
+                  <a:pPr algn="ctr"/>
+                  <a:endParaRPr lang="eu-ES" sz="1600" dirty="0"/>
+                </a:p>
+                <a:p>
+                  <a:pPr algn="ctr"/>
+                  <a:endParaRPr lang="eu-ES" sz="1600" dirty="0" smtClean="0"/>
+                </a:p>
+                <a:p>
+                  <a:pPr algn="ctr"/>
+                  <a:endParaRPr lang="eu-ES" sz="1600" dirty="0"/>
+                </a:p>
+                <a:p>
+                  <a:pPr algn="ctr"/>
+                  <a:endParaRPr lang="eu-ES" sz="1600" dirty="0" smtClean="0"/>
+                </a:p>
+                <a:p>
+                  <a:pPr algn="ctr"/>
+                  <a:endParaRPr lang="eu-ES" sz="1600" dirty="0"/>
+                </a:p>
+                <a:p>
+                  <a:pPr algn="ctr"/>
+                  <a:endParaRPr lang="eu-ES" sz="1600" dirty="0" smtClean="0"/>
+                </a:p>
+                <a:p>
+                  <a:pPr algn="ctr"/>
+                  <a:endParaRPr lang="eu-ES" sz="1600" dirty="0" smtClean="0"/>
+                </a:p>
+                <a:p>
+                  <a:pPr algn="ctr"/>
+                  <a:endParaRPr lang="eu-ES" sz="1600" dirty="0"/>
+                </a:p>
+                <a:p>
+                  <a:pPr algn="ctr"/>
+                  <a:endParaRPr lang="eu-ES" sz="1600" dirty="0" smtClean="0"/>
+                </a:p>
+                <a:p>
+                  <a:pPr algn="ctr"/>
+                  <a:endParaRPr lang="eu-ES" sz="1600" dirty="0"/>
+                </a:p>
+                <a:p>
+                  <a:pPr algn="ctr"/>
+                  <a:endParaRPr lang="eu-ES" sz="1600" dirty="0" smtClean="0"/>
+                </a:p>
+                <a:p>
+                  <a:pPr algn="ctr"/>
+                  <a:endParaRPr lang="eu-ES" sz="1600" dirty="0"/>
+                </a:p>
+                <a:p>
+                  <a:pPr algn="ctr"/>
+                  <a:endParaRPr lang="eu-ES" sz="1600" dirty="0"/>
+                </a:p>
+              </p:txBody>
+            </p:sp>
+            <p:sp>
+              <p:nvSpPr>
+                <p:cNvPr id="70" name="ZoneTexte 69"/>
+                <p:cNvSpPr txBox="1"/>
+                <p:nvPr/>
+              </p:nvSpPr>
+              <p:spPr>
+                <a:xfrm>
+                  <a:off x="448855" y="716081"/>
+                  <a:ext cx="2204960" cy="317071"/>
+                </a:xfrm>
+                <a:prstGeom prst="rect">
+                  <a:avLst/>
+                </a:prstGeom>
+                <a:noFill/>
+              </p:spPr>
+              <p:txBody>
+                <a:bodyPr wrap="none" rtlCol="0">
+                  <a:spAutoFit/>
+                </a:bodyPr>
+                <a:lstStyle/>
+                <a:p>
+                  <a:r>
+                    <a:rPr lang="fr-FR" sz="1100" i="1" dirty="0" smtClean="0"/>
+                    <a:t>OpenETCS </a:t>
+                  </a:r>
+                  <a:r>
+                    <a:rPr lang="fr-FR" sz="1100" i="1" dirty="0" err="1" smtClean="0"/>
+                    <a:t>product</a:t>
+                  </a:r>
+                  <a:r>
+                    <a:rPr lang="fr-FR" sz="1100" i="1" dirty="0" smtClean="0"/>
+                    <a:t> </a:t>
+                  </a:r>
+                  <a:r>
+                    <a:rPr lang="fr-FR" sz="1100" i="1" dirty="0" err="1" smtClean="0"/>
+                    <a:t>definition</a:t>
+                  </a:r>
+                  <a:endParaRPr lang="fr-FR" sz="1100" i="1" dirty="0"/>
+                </a:p>
+              </p:txBody>
+            </p:sp>
+            <p:pic>
+              <p:nvPicPr>
+                <p:cNvPr id="19" name="Image 18" descr="1stlevelarchitecture.PNG"/>
+                <p:cNvPicPr>
+                  <a:picLocks noChangeAspect="1"/>
+                </p:cNvPicPr>
+                <p:nvPr/>
+              </p:nvPicPr>
+              <p:blipFill>
+                <a:blip r:embed="rId2">
+                  <a:extLst>
+                    <a:ext uri="{28A0092B-C50C-407E-A947-70E740481C1C}">
+                      <a14:useLocalDpi xmlns:a14="http://schemas.microsoft.com/office/drawing/2010/main" val="0"/>
+                    </a:ext>
+                  </a:extLst>
+                </a:blip>
+                <a:stretch>
+                  <a:fillRect/>
+                </a:stretch>
+              </p:blipFill>
+              <p:spPr>
+                <a:xfrm>
+                  <a:off x="3378531" y="2003078"/>
+                  <a:ext cx="3400139" cy="2546884"/>
+                </a:xfrm>
+                <a:prstGeom prst="rect">
+                  <a:avLst/>
+                </a:prstGeom>
+              </p:spPr>
+            </p:pic>
+            <p:sp>
+              <p:nvSpPr>
+                <p:cNvPr id="102" name="ZoneTexte 101"/>
+                <p:cNvSpPr txBox="1"/>
+                <p:nvPr/>
+              </p:nvSpPr>
+              <p:spPr>
+                <a:xfrm>
+                  <a:off x="2154349" y="2051117"/>
+                  <a:ext cx="1095531" cy="738664"/>
+                </a:xfrm>
+                <a:prstGeom prst="rect">
+                  <a:avLst/>
+                </a:prstGeom>
+                <a:noFill/>
+              </p:spPr>
+              <p:txBody>
+                <a:bodyPr wrap="square" rtlCol="0">
+                  <a:spAutoFit/>
+                </a:bodyPr>
+                <a:lstStyle/>
+                <a:p>
+                  <a:pPr algn="ctr"/>
+                  <a:r>
+                    <a:rPr lang="fr-FR" sz="1400" dirty="0" err="1" smtClean="0">
+                      <a:solidFill>
+                        <a:srgbClr val="FF6600"/>
+                      </a:solidFill>
+                    </a:rPr>
+                    <a:t>External</a:t>
+                  </a:r>
+                  <a:r>
+                    <a:rPr lang="fr-FR" sz="1400" dirty="0" smtClean="0">
+                      <a:solidFill>
+                        <a:srgbClr val="FF6600"/>
+                      </a:solidFill>
+                    </a:rPr>
+                    <a:t> System Interfaces</a:t>
+                  </a:r>
+                  <a:endParaRPr lang="fr-FR" sz="1400" dirty="0">
+                    <a:solidFill>
+                      <a:srgbClr val="FF6600"/>
+                    </a:solidFill>
+                  </a:endParaRPr>
+                </a:p>
+              </p:txBody>
+            </p:sp>
+            <p:cxnSp>
+              <p:nvCxnSpPr>
+                <p:cNvPr id="137" name="Connecteur droit avec flèche 136"/>
+                <p:cNvCxnSpPr/>
+                <p:nvPr/>
+              </p:nvCxnSpPr>
+              <p:spPr>
+                <a:xfrm flipH="1">
+                  <a:off x="2013402" y="2742668"/>
+                  <a:ext cx="2095662" cy="0"/>
+                </a:xfrm>
+                <a:prstGeom prst="straightConnector1">
+                  <a:avLst/>
+                </a:prstGeom>
+                <a:ln>
+                  <a:solidFill>
+                    <a:srgbClr val="FF6600"/>
+                  </a:solidFill>
+                  <a:prstDash val="sysDash"/>
+                  <a:headEnd type="oval"/>
+                  <a:tailEnd type="stealth" w="lg" len="lg"/>
+                </a:ln>
+              </p:spPr>
+              <p:style>
+                <a:lnRef idx="2">
+                  <a:schemeClr val="accent1"/>
+                </a:lnRef>
+                <a:fillRef idx="0">
+                  <a:schemeClr val="accent1"/>
+                </a:fillRef>
+                <a:effectRef idx="1">
+                  <a:schemeClr val="accent1"/>
+                </a:effectRef>
+                <a:fontRef idx="minor">
+                  <a:schemeClr val="tx1"/>
+                </a:fontRef>
+              </p:style>
+            </p:cxnSp>
+            <p:cxnSp>
+              <p:nvCxnSpPr>
+                <p:cNvPr id="113" name="Connecteur droit avec flèche 112"/>
+                <p:cNvCxnSpPr/>
+                <p:nvPr/>
+              </p:nvCxnSpPr>
+              <p:spPr>
+                <a:xfrm flipH="1">
+                  <a:off x="2027848" y="2966775"/>
+                  <a:ext cx="2732262" cy="896436"/>
+                </a:xfrm>
+                <a:prstGeom prst="straightConnector1">
+                  <a:avLst/>
+                </a:prstGeom>
+                <a:ln>
+                  <a:solidFill>
+                    <a:srgbClr val="FF6600"/>
+                  </a:solidFill>
+                  <a:prstDash val="sysDash"/>
+                  <a:headEnd type="oval"/>
+                  <a:tailEnd type="stealth" w="lg" len="lg"/>
+                </a:ln>
+              </p:spPr>
+              <p:style>
+                <a:lnRef idx="2">
+                  <a:schemeClr val="accent1"/>
+                </a:lnRef>
+                <a:fillRef idx="0">
+                  <a:schemeClr val="accent1"/>
+                </a:fillRef>
+                <a:effectRef idx="1">
+                  <a:schemeClr val="accent1"/>
+                </a:effectRef>
+                <a:fontRef idx="minor">
+                  <a:schemeClr val="tx1"/>
+                </a:fontRef>
+              </p:style>
+            </p:cxnSp>
+            <p:cxnSp>
+              <p:nvCxnSpPr>
+                <p:cNvPr id="135" name="Connecteur droit avec flèche 134"/>
+                <p:cNvCxnSpPr/>
+                <p:nvPr/>
+              </p:nvCxnSpPr>
+              <p:spPr>
+                <a:xfrm flipH="1">
+                  <a:off x="2027848" y="3048492"/>
+                  <a:ext cx="3361962" cy="1006812"/>
+                </a:xfrm>
+                <a:prstGeom prst="straightConnector1">
+                  <a:avLst/>
+                </a:prstGeom>
+                <a:ln>
+                  <a:solidFill>
+                    <a:srgbClr val="FF6600"/>
+                  </a:solidFill>
+                  <a:prstDash val="sysDash"/>
+                  <a:headEnd type="oval"/>
+                  <a:tailEnd type="stealth" w="lg" len="lg"/>
+                </a:ln>
+              </p:spPr>
+              <p:style>
+                <a:lnRef idx="2">
+                  <a:schemeClr val="accent1"/>
+                </a:lnRef>
+                <a:fillRef idx="0">
+                  <a:schemeClr val="accent1"/>
+                </a:fillRef>
+                <a:effectRef idx="1">
+                  <a:schemeClr val="accent1"/>
+                </a:effectRef>
+                <a:fontRef idx="minor">
+                  <a:schemeClr val="tx1"/>
+                </a:fontRef>
+              </p:style>
+            </p:cxnSp>
+            <p:sp>
+              <p:nvSpPr>
+                <p:cNvPr id="145" name="ZoneTexte 144"/>
+                <p:cNvSpPr txBox="1"/>
+                <p:nvPr/>
+              </p:nvSpPr>
+              <p:spPr>
+                <a:xfrm>
+                  <a:off x="2176914" y="3049343"/>
+                  <a:ext cx="1095531" cy="523220"/>
+                </a:xfrm>
+                <a:prstGeom prst="rect">
+                  <a:avLst/>
+                </a:prstGeom>
+                <a:noFill/>
+              </p:spPr>
+              <p:txBody>
+                <a:bodyPr wrap="square" rtlCol="0">
+                  <a:spAutoFit/>
+                </a:bodyPr>
+                <a:lstStyle/>
+                <a:p>
+                  <a:r>
+                    <a:rPr lang="fr-FR" sz="1400" dirty="0" err="1" smtClean="0">
+                      <a:solidFill>
+                        <a:srgbClr val="FF6600"/>
+                      </a:solidFill>
+                    </a:rPr>
+                    <a:t>External</a:t>
+                  </a:r>
+                  <a:r>
+                    <a:rPr lang="fr-FR" sz="1400" dirty="0" smtClean="0">
+                      <a:solidFill>
+                        <a:srgbClr val="FF6600"/>
+                      </a:solidFill>
+                    </a:rPr>
+                    <a:t> SW  Interfaces</a:t>
+                  </a:r>
+                  <a:endParaRPr lang="fr-FR" sz="1400" dirty="0">
+                    <a:solidFill>
+                      <a:srgbClr val="FF6600"/>
+                    </a:solidFill>
+                  </a:endParaRPr>
+                </a:p>
+              </p:txBody>
+            </p:sp>
+            <p:grpSp>
+              <p:nvGrpSpPr>
+                <p:cNvPr id="146" name="Grouper 145"/>
+                <p:cNvGrpSpPr/>
+                <p:nvPr/>
+              </p:nvGrpSpPr>
+              <p:grpSpPr>
+                <a:xfrm>
+                  <a:off x="494750" y="4697322"/>
+                  <a:ext cx="2384613" cy="307777"/>
+                  <a:chOff x="5891047" y="-1048700"/>
+                  <a:chExt cx="2384613" cy="307777"/>
+                </a:xfrm>
+              </p:grpSpPr>
+              <p:cxnSp>
+                <p:nvCxnSpPr>
+                  <p:cNvPr id="147" name="Connecteur droit avec flèche 146"/>
+                  <p:cNvCxnSpPr/>
+                  <p:nvPr/>
+                </p:nvCxnSpPr>
+                <p:spPr>
+                  <a:xfrm flipH="1" flipV="1">
+                    <a:off x="6186741" y="-746738"/>
+                    <a:ext cx="1642100" cy="5815"/>
+                  </a:xfrm>
+                  <a:prstGeom prst="straightConnector1">
+                    <a:avLst/>
+                  </a:prstGeom>
+                  <a:ln>
+                    <a:solidFill>
+                      <a:srgbClr val="FF6600"/>
+                    </a:solidFill>
+                    <a:prstDash val="sysDash"/>
+                    <a:headEnd type="oval"/>
+                    <a:tailEnd type="stealth" w="lg" len="lg"/>
+                  </a:ln>
+                </p:spPr>
+                <p:style>
+                  <a:lnRef idx="2">
+                    <a:schemeClr val="accent1"/>
+                  </a:lnRef>
+                  <a:fillRef idx="0">
+                    <a:schemeClr val="accent1"/>
+                  </a:fillRef>
+                  <a:effectRef idx="1">
+                    <a:schemeClr val="accent1"/>
+                  </a:effectRef>
+                  <a:fontRef idx="minor">
+                    <a:schemeClr val="tx1"/>
+                  </a:fontRef>
+                </p:style>
+              </p:cxnSp>
+              <p:sp>
+                <p:nvSpPr>
+                  <p:cNvPr id="148" name="ZoneTexte 147"/>
+                  <p:cNvSpPr txBox="1"/>
+                  <p:nvPr/>
+                </p:nvSpPr>
+                <p:spPr>
+                  <a:xfrm>
+                    <a:off x="5891047" y="-1048700"/>
+                    <a:ext cx="2384613" cy="307777"/>
+                  </a:xfrm>
+                  <a:prstGeom prst="rect">
+                    <a:avLst/>
+                  </a:prstGeom>
+                  <a:noFill/>
+                </p:spPr>
+                <p:txBody>
+                  <a:bodyPr wrap="square" rtlCol="0">
+                    <a:spAutoFit/>
+                  </a:bodyPr>
+                  <a:lstStyle/>
+                  <a:p>
+                    <a:pPr algn="ctr"/>
+                    <a:r>
+                      <a:rPr lang="eu-ES" sz="1400" dirty="0" smtClean="0"/>
+                      <a:t>Deduce (create) requirements</a:t>
+                    </a:r>
+                    <a:endParaRPr lang="eu-ES" sz="1400" dirty="0"/>
+                  </a:p>
+                </p:txBody>
+              </p:sp>
+            </p:grpSp>
+            <p:cxnSp>
+              <p:nvCxnSpPr>
+                <p:cNvPr id="22" name="Connecteur droit avec flèche 21"/>
+                <p:cNvCxnSpPr/>
+                <p:nvPr/>
+              </p:nvCxnSpPr>
+              <p:spPr>
+                <a:xfrm>
+                  <a:off x="981637" y="5353873"/>
+                  <a:ext cx="1535052" cy="0"/>
+                </a:xfrm>
+                <a:prstGeom prst="straightConnector1">
+                  <a:avLst/>
+                </a:prstGeom>
+                <a:ln>
+                  <a:solidFill>
+                    <a:srgbClr val="000000"/>
+                  </a:solidFill>
+                  <a:tailEnd type="arrow"/>
+                </a:ln>
+              </p:spPr>
+              <p:style>
+                <a:lnRef idx="2">
+                  <a:schemeClr val="accent1"/>
+                </a:lnRef>
+                <a:fillRef idx="0">
+                  <a:schemeClr val="accent1"/>
+                </a:fillRef>
+                <a:effectRef idx="1">
+                  <a:schemeClr val="accent1"/>
+                </a:effectRef>
+                <a:fontRef idx="minor">
+                  <a:schemeClr val="tx1"/>
+                </a:fontRef>
+              </p:style>
+            </p:cxnSp>
+            <p:cxnSp>
+              <p:nvCxnSpPr>
+                <p:cNvPr id="21" name="Connecteur droit avec flèche 20"/>
+                <p:cNvCxnSpPr/>
+                <p:nvPr/>
+              </p:nvCxnSpPr>
+              <p:spPr>
+                <a:xfrm>
+                  <a:off x="2243667" y="1735798"/>
+                  <a:ext cx="1134864" cy="534560"/>
+                </a:xfrm>
+                <a:prstGeom prst="straightConnector1">
+                  <a:avLst/>
+                </a:prstGeom>
+                <a:ln>
+                  <a:solidFill>
+                    <a:srgbClr val="000000"/>
+                  </a:solidFill>
+                  <a:tailEnd type="arrow"/>
+                </a:ln>
+              </p:spPr>
+              <p:style>
+                <a:lnRef idx="2">
+                  <a:schemeClr val="accent1"/>
+                </a:lnRef>
+                <a:fillRef idx="0">
+                  <a:schemeClr val="accent1"/>
+                </a:fillRef>
+                <a:effectRef idx="1">
+                  <a:schemeClr val="accent1"/>
+                </a:effectRef>
+                <a:fontRef idx="minor">
+                  <a:schemeClr val="tx1"/>
+                </a:fontRef>
+              </p:style>
+            </p:cxnSp>
+          </p:grpSp>
+        </p:grpSp>
+        <p:sp>
+          <p:nvSpPr>
+            <p:cNvPr id="36" name="ZoneTexte 35"/>
+            <p:cNvSpPr txBox="1"/>
+            <p:nvPr/>
+          </p:nvSpPr>
+          <p:spPr>
+            <a:xfrm>
+              <a:off x="1451429" y="2534919"/>
+              <a:ext cx="547429" cy="307777"/>
+            </a:xfrm>
+            <a:prstGeom prst="rect">
+              <a:avLst/>
+            </a:prstGeom>
+            <a:solidFill>
+              <a:srgbClr val="FF6600"/>
+            </a:solidFill>
+            <a:ln>
+              <a:solidFill>
+                <a:srgbClr val="8000FF"/>
+              </a:solidFill>
+            </a:ln>
+          </p:spPr>
+          <p:txBody>
+            <a:bodyPr wrap="square" rtlCol="0">
+              <a:spAutoFit/>
+            </a:bodyPr>
+            <a:lstStyle/>
+            <a:p>
+              <a:r>
+                <a:rPr lang="fr-FR" sz="700" dirty="0" smtClean="0"/>
+                <a:t>System IF </a:t>
+              </a:r>
+              <a:r>
+                <a:rPr lang="fr-FR" sz="700" dirty="0" err="1" smtClean="0"/>
+                <a:t>Req</a:t>
+              </a:r>
+              <a:r>
+                <a:rPr lang="fr-FR" sz="700" dirty="0" smtClean="0"/>
+                <a:t> 1</a:t>
+              </a:r>
+              <a:endParaRPr lang="fr-FR" sz="700" dirty="0"/>
+            </a:p>
+          </p:txBody>
+        </p:sp>
+        <p:sp>
+          <p:nvSpPr>
+            <p:cNvPr id="39" name="ZoneTexte 38"/>
+            <p:cNvSpPr txBox="1"/>
+            <p:nvPr/>
+          </p:nvSpPr>
+          <p:spPr>
+            <a:xfrm>
+              <a:off x="1566333" y="3648890"/>
+              <a:ext cx="432525" cy="307777"/>
+            </a:xfrm>
+            <a:prstGeom prst="rect">
+              <a:avLst/>
+            </a:prstGeom>
+            <a:solidFill>
+              <a:srgbClr val="FF6600"/>
+            </a:solidFill>
+            <a:ln>
+              <a:solidFill>
+                <a:srgbClr val="8000FF"/>
+              </a:solidFill>
+            </a:ln>
+          </p:spPr>
+          <p:txBody>
+            <a:bodyPr wrap="square" rtlCol="0">
+              <a:spAutoFit/>
+            </a:bodyPr>
+            <a:lstStyle/>
+            <a:p>
+              <a:r>
+                <a:rPr lang="fr-FR" sz="700" dirty="0" smtClean="0"/>
+                <a:t>SW </a:t>
+              </a:r>
+              <a:r>
+                <a:rPr lang="fr-FR" sz="700" dirty="0" err="1" smtClean="0"/>
+                <a:t>Req</a:t>
+              </a:r>
+              <a:r>
+                <a:rPr lang="fr-FR" sz="700" dirty="0" smtClean="0"/>
+                <a:t> 1</a:t>
+              </a:r>
+              <a:endParaRPr lang="fr-FR" sz="700" dirty="0"/>
+            </a:p>
+          </p:txBody>
+        </p:sp>
+        <p:sp>
+          <p:nvSpPr>
+            <p:cNvPr id="40" name="ZoneTexte 39"/>
+            <p:cNvSpPr txBox="1"/>
+            <p:nvPr/>
+          </p:nvSpPr>
+          <p:spPr>
+            <a:xfrm>
+              <a:off x="1693333" y="3928298"/>
+              <a:ext cx="457925" cy="307777"/>
+            </a:xfrm>
+            <a:prstGeom prst="rect">
+              <a:avLst/>
+            </a:prstGeom>
+            <a:solidFill>
+              <a:srgbClr val="FF6600"/>
+            </a:solidFill>
+            <a:ln>
+              <a:solidFill>
+                <a:srgbClr val="8000FF"/>
+              </a:solidFill>
+            </a:ln>
+          </p:spPr>
+          <p:txBody>
+            <a:bodyPr wrap="square" rtlCol="0">
+              <a:spAutoFit/>
+            </a:bodyPr>
+            <a:lstStyle/>
+            <a:p>
+              <a:r>
+                <a:rPr lang="fr-FR" sz="700" dirty="0" smtClean="0"/>
+                <a:t>SW</a:t>
+              </a:r>
+            </a:p>
+            <a:p>
+              <a:r>
+                <a:rPr lang="fr-FR" sz="700" dirty="0" smtClean="0"/>
+                <a:t> </a:t>
+              </a:r>
+              <a:r>
+                <a:rPr lang="fr-FR" sz="700" dirty="0" err="1" smtClean="0"/>
+                <a:t>Req</a:t>
+              </a:r>
+              <a:r>
+                <a:rPr lang="fr-FR" sz="700" dirty="0" smtClean="0"/>
+                <a:t> 2</a:t>
+              </a:r>
+              <a:endParaRPr lang="fr-FR" sz="700" dirty="0"/>
+            </a:p>
+          </p:txBody>
+        </p:sp>
+      </p:grpSp>
       <p:sp>
         <p:nvSpPr>
           <p:cNvPr id="150" name="ZoneTexte 149"/>
@@ -53033,1187 +56442,6 @@
           </a:p>
         </p:txBody>
       </p:sp>
-      <p:sp>
-        <p:nvSpPr>
-          <p:cNvPr id="23" name="ZoneTexte 22"/>
-          <p:cNvSpPr txBox="1"/>
-          <p:nvPr/>
-        </p:nvSpPr>
-        <p:spPr>
-          <a:xfrm>
-            <a:off x="5776842" y="6309043"/>
-            <a:ext cx="2384613" cy="307777"/>
-          </a:xfrm>
-          <a:prstGeom prst="rect">
-            <a:avLst/>
-          </a:prstGeom>
-          <a:noFill/>
-        </p:spPr>
-        <p:txBody>
-          <a:bodyPr wrap="square" rtlCol="0">
-            <a:spAutoFit/>
-          </a:bodyPr>
-          <a:lstStyle/>
-          <a:p>
-            <a:pPr algn="ctr"/>
-            <a:r>
-              <a:rPr lang="eu-ES" sz="1400" dirty="0" smtClean="0"/>
-              <a:t>Requirement analysis</a:t>
-            </a:r>
-            <a:endParaRPr lang="eu-ES" sz="1400" dirty="0"/>
-          </a:p>
-        </p:txBody>
-      </p:sp>
-      <p:grpSp>
-        <p:nvGrpSpPr>
-          <p:cNvPr id="5" name="Grouper 4"/>
-          <p:cNvGrpSpPr/>
-          <p:nvPr/>
-        </p:nvGrpSpPr>
-        <p:grpSpPr>
-          <a:xfrm>
-            <a:off x="347340" y="584603"/>
-            <a:ext cx="7582620" cy="6085332"/>
-            <a:chOff x="347340" y="584603"/>
-            <a:chExt cx="7582620" cy="6085332"/>
-          </a:xfrm>
-        </p:grpSpPr>
-        <p:sp>
-          <p:nvSpPr>
-            <p:cNvPr id="68" name="Rectangle 67"/>
-            <p:cNvSpPr/>
-            <p:nvPr/>
-          </p:nvSpPr>
-          <p:spPr>
-            <a:xfrm>
-              <a:off x="347340" y="584603"/>
-              <a:ext cx="7582620" cy="6085332"/>
-            </a:xfrm>
-            <a:prstGeom prst="rect">
-              <a:avLst/>
-            </a:prstGeom>
-            <a:solidFill>
-              <a:schemeClr val="bg1">
-                <a:lumMod val="85000"/>
-                <a:alpha val="18000"/>
-              </a:schemeClr>
-            </a:solidFill>
-            <a:ln>
-              <a:solidFill>
-                <a:schemeClr val="tx1"/>
-              </a:solidFill>
-            </a:ln>
-          </p:spPr>
-          <p:style>
-            <a:lnRef idx="1">
-              <a:schemeClr val="accent1"/>
-            </a:lnRef>
-            <a:fillRef idx="3">
-              <a:schemeClr val="accent1"/>
-            </a:fillRef>
-            <a:effectRef idx="2">
-              <a:schemeClr val="accent1"/>
-            </a:effectRef>
-            <a:fontRef idx="minor">
-              <a:schemeClr val="lt1"/>
-            </a:fontRef>
-          </p:style>
-          <p:txBody>
-            <a:bodyPr rtlCol="0" anchor="ctr"/>
-            <a:lstStyle/>
-            <a:p>
-              <a:pPr algn="ctr"/>
-              <a:endParaRPr lang="fr-FR"/>
-            </a:p>
-          </p:txBody>
-        </p:sp>
-        <p:sp>
-          <p:nvSpPr>
-            <p:cNvPr id="11" name="Rectangle à coins arrondis 10"/>
-            <p:cNvSpPr/>
-            <p:nvPr/>
-          </p:nvSpPr>
-          <p:spPr>
-            <a:xfrm>
-              <a:off x="3116486" y="1173904"/>
-              <a:ext cx="3842239" cy="3831195"/>
-            </a:xfrm>
-            <a:prstGeom prst="roundRect">
-              <a:avLst/>
-            </a:prstGeom>
-            <a:solidFill>
-              <a:srgbClr val="3366FF"/>
-            </a:solidFill>
-          </p:spPr>
-          <p:style>
-            <a:lnRef idx="1">
-              <a:schemeClr val="accent1"/>
-            </a:lnRef>
-            <a:fillRef idx="3">
-              <a:schemeClr val="accent1"/>
-            </a:fillRef>
-            <a:effectRef idx="2">
-              <a:schemeClr val="accent1"/>
-            </a:effectRef>
-            <a:fontRef idx="minor">
-              <a:schemeClr val="lt1"/>
-            </a:fontRef>
-          </p:style>
-          <p:txBody>
-            <a:bodyPr rtlCol="0" anchor="ctr"/>
-            <a:lstStyle/>
-            <a:p>
-              <a:pPr algn="ctr"/>
-              <a:r>
-                <a:rPr lang="eu-ES" sz="1600" dirty="0" smtClean="0"/>
-                <a:t>OpenETCS architecture SysML model - system level definition</a:t>
-              </a:r>
-            </a:p>
-            <a:p>
-              <a:pPr algn="ctr"/>
-              <a:endParaRPr lang="eu-ES" sz="1600" dirty="0"/>
-            </a:p>
-            <a:p>
-              <a:pPr algn="ctr"/>
-              <a:endParaRPr lang="eu-ES" sz="1600" dirty="0" smtClean="0"/>
-            </a:p>
-            <a:p>
-              <a:pPr algn="ctr"/>
-              <a:endParaRPr lang="eu-ES" sz="1600" dirty="0"/>
-            </a:p>
-            <a:p>
-              <a:pPr algn="ctr"/>
-              <a:endParaRPr lang="eu-ES" sz="1600" dirty="0" smtClean="0"/>
-            </a:p>
-            <a:p>
-              <a:pPr algn="ctr"/>
-              <a:endParaRPr lang="eu-ES" sz="1600" dirty="0"/>
-            </a:p>
-            <a:p>
-              <a:pPr algn="ctr"/>
-              <a:endParaRPr lang="eu-ES" sz="1600" dirty="0" smtClean="0"/>
-            </a:p>
-            <a:p>
-              <a:pPr algn="ctr"/>
-              <a:endParaRPr lang="eu-ES" sz="1600" dirty="0" smtClean="0"/>
-            </a:p>
-            <a:p>
-              <a:pPr algn="ctr"/>
-              <a:endParaRPr lang="eu-ES" sz="1600" dirty="0"/>
-            </a:p>
-            <a:p>
-              <a:pPr algn="ctr"/>
-              <a:endParaRPr lang="eu-ES" sz="1600" dirty="0" smtClean="0"/>
-            </a:p>
-            <a:p>
-              <a:pPr algn="ctr"/>
-              <a:endParaRPr lang="eu-ES" sz="1600" dirty="0"/>
-            </a:p>
-            <a:p>
-              <a:pPr algn="ctr"/>
-              <a:endParaRPr lang="eu-ES" sz="1600" dirty="0" smtClean="0"/>
-            </a:p>
-            <a:p>
-              <a:pPr algn="ctr"/>
-              <a:endParaRPr lang="eu-ES" sz="1600" dirty="0"/>
-            </a:p>
-            <a:p>
-              <a:pPr algn="ctr"/>
-              <a:endParaRPr lang="eu-ES" sz="1600" dirty="0"/>
-            </a:p>
-          </p:txBody>
-        </p:sp>
-        <p:sp>
-          <p:nvSpPr>
-            <p:cNvPr id="12" name="Cylindre 11"/>
-            <p:cNvSpPr/>
-            <p:nvPr/>
-          </p:nvSpPr>
-          <p:spPr>
-            <a:xfrm>
-              <a:off x="464604" y="1824887"/>
-              <a:ext cx="1563245" cy="1456310"/>
-            </a:xfrm>
-            <a:prstGeom prst="can">
-              <a:avLst>
-                <a:gd name="adj" fmla="val 16329"/>
-              </a:avLst>
-            </a:prstGeom>
-            <a:solidFill>
-              <a:srgbClr val="8000FF"/>
-            </a:solidFill>
-            <a:ln>
-              <a:solidFill>
-                <a:srgbClr val="000000"/>
-              </a:solidFill>
-            </a:ln>
-          </p:spPr>
-          <p:style>
-            <a:lnRef idx="1">
-              <a:schemeClr val="accent1"/>
-            </a:lnRef>
-            <a:fillRef idx="3">
-              <a:schemeClr val="accent1"/>
-            </a:fillRef>
-            <a:effectRef idx="2">
-              <a:schemeClr val="accent1"/>
-            </a:effectRef>
-            <a:fontRef idx="minor">
-              <a:schemeClr val="lt1"/>
-            </a:fontRef>
-          </p:style>
-          <p:txBody>
-            <a:bodyPr rtlCol="0" anchor="ctr"/>
-            <a:lstStyle/>
-            <a:p>
-              <a:pPr algn="ctr"/>
-              <a:r>
-                <a:rPr lang="fr-FR" sz="1600" dirty="0" smtClean="0">
-                  <a:solidFill>
-                    <a:schemeClr val="bg1"/>
-                  </a:solidFill>
-                </a:rPr>
-                <a:t>OpenETCS System requirements</a:t>
-              </a:r>
-              <a:endParaRPr lang="fr-FR" sz="1600" dirty="0">
-                <a:solidFill>
-                  <a:schemeClr val="bg1"/>
-                </a:solidFill>
-              </a:endParaRPr>
-            </a:p>
-            <a:p>
-              <a:pPr algn="ctr"/>
-              <a:endParaRPr lang="fr-FR" sz="1600" dirty="0" smtClean="0">
-                <a:solidFill>
-                  <a:schemeClr val="bg1"/>
-                </a:solidFill>
-              </a:endParaRPr>
-            </a:p>
-          </p:txBody>
-        </p:sp>
-        <p:sp>
-          <p:nvSpPr>
-            <p:cNvPr id="70" name="ZoneTexte 69"/>
-            <p:cNvSpPr txBox="1"/>
-            <p:nvPr/>
-          </p:nvSpPr>
-          <p:spPr>
-            <a:xfrm>
-              <a:off x="5676190" y="605755"/>
-              <a:ext cx="2204960" cy="317071"/>
-            </a:xfrm>
-            <a:prstGeom prst="rect">
-              <a:avLst/>
-            </a:prstGeom>
-            <a:noFill/>
-          </p:spPr>
-          <p:txBody>
-            <a:bodyPr wrap="none" rtlCol="0">
-              <a:spAutoFit/>
-            </a:bodyPr>
-            <a:lstStyle/>
-            <a:p>
-              <a:r>
-                <a:rPr lang="fr-FR" sz="1100" i="1" dirty="0" smtClean="0"/>
-                <a:t>OpenETCS </a:t>
-              </a:r>
-              <a:r>
-                <a:rPr lang="fr-FR" sz="1100" i="1" dirty="0" err="1" smtClean="0"/>
-                <a:t>product</a:t>
-              </a:r>
-              <a:r>
-                <a:rPr lang="fr-FR" sz="1100" i="1" dirty="0" smtClean="0"/>
-                <a:t> </a:t>
-              </a:r>
-              <a:r>
-                <a:rPr lang="fr-FR" sz="1100" i="1" dirty="0" err="1" smtClean="0"/>
-                <a:t>definition</a:t>
-              </a:r>
-              <a:endParaRPr lang="fr-FR" sz="1100" i="1" dirty="0"/>
-            </a:p>
-          </p:txBody>
-        </p:sp>
-        <p:pic>
-          <p:nvPicPr>
-            <p:cNvPr id="19" name="Image 18" descr="1stlevelarchitecture.PNG"/>
-            <p:cNvPicPr>
-              <a:picLocks noChangeAspect="1"/>
-            </p:cNvPicPr>
-            <p:nvPr/>
-          </p:nvPicPr>
-          <p:blipFill>
-            <a:blip r:embed="rId2">
-              <a:extLst>
-                <a:ext uri="{28A0092B-C50C-407E-A947-70E740481C1C}">
-                  <a14:useLocalDpi xmlns:a14="http://schemas.microsoft.com/office/drawing/2010/main" val="0"/>
-                </a:ext>
-              </a:extLst>
-            </a:blip>
-            <a:stretch>
-              <a:fillRect/>
-            </a:stretch>
-          </p:blipFill>
-          <p:spPr>
-            <a:xfrm>
-              <a:off x="3378531" y="2003078"/>
-              <a:ext cx="3400139" cy="2546884"/>
-            </a:xfrm>
-            <a:prstGeom prst="rect">
-              <a:avLst/>
-            </a:prstGeom>
-          </p:spPr>
-        </p:pic>
-        <p:sp>
-          <p:nvSpPr>
-            <p:cNvPr id="102" name="ZoneTexte 101"/>
-            <p:cNvSpPr txBox="1"/>
-            <p:nvPr/>
-          </p:nvSpPr>
-          <p:spPr>
-            <a:xfrm>
-              <a:off x="2134581" y="1996685"/>
-              <a:ext cx="1095531" cy="738664"/>
-            </a:xfrm>
-            <a:prstGeom prst="rect">
-              <a:avLst/>
-            </a:prstGeom>
-            <a:noFill/>
-          </p:spPr>
-          <p:txBody>
-            <a:bodyPr wrap="square" rtlCol="0">
-              <a:spAutoFit/>
-            </a:bodyPr>
-            <a:lstStyle/>
-            <a:p>
-              <a:r>
-                <a:rPr lang="fr-FR" sz="1400" dirty="0" err="1" smtClean="0">
-                  <a:solidFill>
-                    <a:srgbClr val="FF6600"/>
-                  </a:solidFill>
-                </a:rPr>
-                <a:t>External</a:t>
-              </a:r>
-              <a:r>
-                <a:rPr lang="fr-FR" sz="1400" dirty="0" smtClean="0">
-                  <a:solidFill>
-                    <a:srgbClr val="FF6600"/>
-                  </a:solidFill>
-                </a:rPr>
-                <a:t> System Interfaces</a:t>
-              </a:r>
-              <a:endParaRPr lang="fr-FR" sz="1400" dirty="0">
-                <a:solidFill>
-                  <a:srgbClr val="FF6600"/>
-                </a:solidFill>
-              </a:endParaRPr>
-            </a:p>
-          </p:txBody>
-        </p:sp>
-        <p:cxnSp>
-          <p:nvCxnSpPr>
-            <p:cNvPr id="137" name="Connecteur droit avec flèche 136"/>
-            <p:cNvCxnSpPr/>
-            <p:nvPr/>
-          </p:nvCxnSpPr>
-          <p:spPr>
-            <a:xfrm flipH="1">
-              <a:off x="2013402" y="2742668"/>
-              <a:ext cx="2095662" cy="0"/>
-            </a:xfrm>
-            <a:prstGeom prst="straightConnector1">
-              <a:avLst/>
-            </a:prstGeom>
-            <a:ln>
-              <a:solidFill>
-                <a:srgbClr val="FF6600"/>
-              </a:solidFill>
-              <a:prstDash val="sysDash"/>
-              <a:headEnd type="oval"/>
-              <a:tailEnd type="stealth" w="lg" len="lg"/>
-            </a:ln>
-          </p:spPr>
-          <p:style>
-            <a:lnRef idx="2">
-              <a:schemeClr val="accent1"/>
-            </a:lnRef>
-            <a:fillRef idx="0">
-              <a:schemeClr val="accent1"/>
-            </a:fillRef>
-            <a:effectRef idx="1">
-              <a:schemeClr val="accent1"/>
-            </a:effectRef>
-            <a:fontRef idx="minor">
-              <a:schemeClr val="tx1"/>
-            </a:fontRef>
-          </p:style>
-        </p:cxnSp>
-        <p:cxnSp>
-          <p:nvCxnSpPr>
-            <p:cNvPr id="110" name="Connecteur droit avec flèche 109"/>
-            <p:cNvCxnSpPr/>
-            <p:nvPr/>
-          </p:nvCxnSpPr>
-          <p:spPr>
-            <a:xfrm flipH="1">
-              <a:off x="2013402" y="2657292"/>
-              <a:ext cx="3376408" cy="309483"/>
-            </a:xfrm>
-            <a:prstGeom prst="straightConnector1">
-              <a:avLst/>
-            </a:prstGeom>
-            <a:ln>
-              <a:solidFill>
-                <a:srgbClr val="FF6600"/>
-              </a:solidFill>
-              <a:prstDash val="sysDash"/>
-              <a:headEnd type="oval"/>
-              <a:tailEnd type="stealth" w="lg" len="lg"/>
-            </a:ln>
-          </p:spPr>
-          <p:style>
-            <a:lnRef idx="2">
-              <a:schemeClr val="accent1"/>
-            </a:lnRef>
-            <a:fillRef idx="0">
-              <a:schemeClr val="accent1"/>
-            </a:fillRef>
-            <a:effectRef idx="1">
-              <a:schemeClr val="accent1"/>
-            </a:effectRef>
-            <a:fontRef idx="minor">
-              <a:schemeClr val="tx1"/>
-            </a:fontRef>
-          </p:style>
-        </p:cxnSp>
-        <p:cxnSp>
-          <p:nvCxnSpPr>
-            <p:cNvPr id="113" name="Connecteur droit avec flèche 112"/>
-            <p:cNvCxnSpPr/>
-            <p:nvPr/>
-          </p:nvCxnSpPr>
-          <p:spPr>
-            <a:xfrm flipH="1">
-              <a:off x="2027848" y="2966775"/>
-              <a:ext cx="2732262" cy="896436"/>
-            </a:xfrm>
-            <a:prstGeom prst="straightConnector1">
-              <a:avLst/>
-            </a:prstGeom>
-            <a:ln>
-              <a:solidFill>
-                <a:srgbClr val="FF6600"/>
-              </a:solidFill>
-              <a:prstDash val="sysDash"/>
-              <a:headEnd type="oval"/>
-              <a:tailEnd type="stealth" w="lg" len="lg"/>
-            </a:ln>
-          </p:spPr>
-          <p:style>
-            <a:lnRef idx="2">
-              <a:schemeClr val="accent1"/>
-            </a:lnRef>
-            <a:fillRef idx="0">
-              <a:schemeClr val="accent1"/>
-            </a:fillRef>
-            <a:effectRef idx="1">
-              <a:schemeClr val="accent1"/>
-            </a:effectRef>
-            <a:fontRef idx="minor">
-              <a:schemeClr val="tx1"/>
-            </a:fontRef>
-          </p:style>
-        </p:cxnSp>
-        <p:cxnSp>
-          <p:nvCxnSpPr>
-            <p:cNvPr id="135" name="Connecteur droit avec flèche 134"/>
-            <p:cNvCxnSpPr/>
-            <p:nvPr/>
-          </p:nvCxnSpPr>
-          <p:spPr>
-            <a:xfrm flipH="1">
-              <a:off x="2027848" y="3048492"/>
-              <a:ext cx="3361962" cy="1006812"/>
-            </a:xfrm>
-            <a:prstGeom prst="straightConnector1">
-              <a:avLst/>
-            </a:prstGeom>
-            <a:ln>
-              <a:solidFill>
-                <a:srgbClr val="FF6600"/>
-              </a:solidFill>
-              <a:prstDash val="sysDash"/>
-              <a:headEnd type="oval"/>
-              <a:tailEnd type="stealth" w="lg" len="lg"/>
-            </a:ln>
-          </p:spPr>
-          <p:style>
-            <a:lnRef idx="2">
-              <a:schemeClr val="accent1"/>
-            </a:lnRef>
-            <a:fillRef idx="0">
-              <a:schemeClr val="accent1"/>
-            </a:fillRef>
-            <a:effectRef idx="1">
-              <a:schemeClr val="accent1"/>
-            </a:effectRef>
-            <a:fontRef idx="minor">
-              <a:schemeClr val="tx1"/>
-            </a:fontRef>
-          </p:style>
-        </p:cxnSp>
-        <p:sp>
-          <p:nvSpPr>
-            <p:cNvPr id="145" name="ZoneTexte 144"/>
-            <p:cNvSpPr txBox="1"/>
-            <p:nvPr/>
-          </p:nvSpPr>
-          <p:spPr>
-            <a:xfrm>
-              <a:off x="1956524" y="3175851"/>
-              <a:ext cx="1095531" cy="523220"/>
-            </a:xfrm>
-            <a:prstGeom prst="rect">
-              <a:avLst/>
-            </a:prstGeom>
-            <a:noFill/>
-          </p:spPr>
-          <p:txBody>
-            <a:bodyPr wrap="square" rtlCol="0">
-              <a:spAutoFit/>
-            </a:bodyPr>
-            <a:lstStyle/>
-            <a:p>
-              <a:r>
-                <a:rPr lang="fr-FR" sz="1400" dirty="0" err="1" smtClean="0">
-                  <a:solidFill>
-                    <a:srgbClr val="FF6600"/>
-                  </a:solidFill>
-                </a:rPr>
-                <a:t>External</a:t>
-              </a:r>
-              <a:r>
-                <a:rPr lang="fr-FR" sz="1400" dirty="0" smtClean="0">
-                  <a:solidFill>
-                    <a:srgbClr val="FF6600"/>
-                  </a:solidFill>
-                </a:rPr>
-                <a:t> SW  Interfaces</a:t>
-              </a:r>
-              <a:endParaRPr lang="fr-FR" sz="1400" dirty="0">
-                <a:solidFill>
-                  <a:srgbClr val="FF6600"/>
-                </a:solidFill>
-              </a:endParaRPr>
-            </a:p>
-          </p:txBody>
-        </p:sp>
-        <p:grpSp>
-          <p:nvGrpSpPr>
-            <p:cNvPr id="146" name="Grouper 145"/>
-            <p:cNvGrpSpPr/>
-            <p:nvPr/>
-          </p:nvGrpSpPr>
-          <p:grpSpPr>
-            <a:xfrm>
-              <a:off x="993918" y="6166883"/>
-              <a:ext cx="2384613" cy="349407"/>
-              <a:chOff x="6390215" y="420861"/>
-              <a:chExt cx="2384613" cy="349407"/>
-            </a:xfrm>
-          </p:grpSpPr>
-          <p:cxnSp>
-            <p:nvCxnSpPr>
-              <p:cNvPr id="147" name="Connecteur droit avec flèche 146"/>
-              <p:cNvCxnSpPr/>
-              <p:nvPr/>
-            </p:nvCxnSpPr>
-            <p:spPr>
-              <a:xfrm flipH="1" flipV="1">
-                <a:off x="6737074" y="420861"/>
-                <a:ext cx="1642100" cy="5815"/>
-              </a:xfrm>
-              <a:prstGeom prst="straightConnector1">
-                <a:avLst/>
-              </a:prstGeom>
-              <a:ln>
-                <a:solidFill>
-                  <a:srgbClr val="FF6600"/>
-                </a:solidFill>
-                <a:prstDash val="sysDash"/>
-                <a:headEnd type="oval"/>
-                <a:tailEnd type="stealth" w="lg" len="lg"/>
-              </a:ln>
-            </p:spPr>
-            <p:style>
-              <a:lnRef idx="2">
-                <a:schemeClr val="accent1"/>
-              </a:lnRef>
-              <a:fillRef idx="0">
-                <a:schemeClr val="accent1"/>
-              </a:fillRef>
-              <a:effectRef idx="1">
-                <a:schemeClr val="accent1"/>
-              </a:effectRef>
-              <a:fontRef idx="minor">
-                <a:schemeClr val="tx1"/>
-              </a:fontRef>
-            </p:style>
-          </p:cxnSp>
-          <p:sp>
-            <p:nvSpPr>
-              <p:cNvPr id="148" name="ZoneTexte 147"/>
-              <p:cNvSpPr txBox="1"/>
-              <p:nvPr/>
-            </p:nvSpPr>
-            <p:spPr>
-              <a:xfrm>
-                <a:off x="6390215" y="462491"/>
-                <a:ext cx="2384613" cy="307777"/>
-              </a:xfrm>
-              <a:prstGeom prst="rect">
-                <a:avLst/>
-              </a:prstGeom>
-              <a:noFill/>
-            </p:spPr>
-            <p:txBody>
-              <a:bodyPr wrap="square" rtlCol="0">
-                <a:spAutoFit/>
-              </a:bodyPr>
-              <a:lstStyle/>
-              <a:p>
-                <a:pPr algn="ctr"/>
-                <a:r>
-                  <a:rPr lang="eu-ES" sz="1400" dirty="0" smtClean="0"/>
-                  <a:t>Deduce (create) requirements</a:t>
-                </a:r>
-                <a:endParaRPr lang="eu-ES" sz="1400" dirty="0"/>
-              </a:p>
-            </p:txBody>
-          </p:sp>
-        </p:grpSp>
-        <p:sp>
-          <p:nvSpPr>
-            <p:cNvPr id="20" name="Cylindre 19"/>
-            <p:cNvSpPr/>
-            <p:nvPr/>
-          </p:nvSpPr>
-          <p:spPr>
-            <a:xfrm>
-              <a:off x="464605" y="3437461"/>
-              <a:ext cx="1563244" cy="1164546"/>
-            </a:xfrm>
-            <a:prstGeom prst="can">
-              <a:avLst>
-                <a:gd name="adj" fmla="val 16329"/>
-              </a:avLst>
-            </a:prstGeom>
-            <a:solidFill>
-              <a:srgbClr val="FF00FF"/>
-            </a:solidFill>
-            <a:ln>
-              <a:solidFill>
-                <a:srgbClr val="000000"/>
-              </a:solidFill>
-            </a:ln>
-          </p:spPr>
-          <p:style>
-            <a:lnRef idx="1">
-              <a:schemeClr val="accent1"/>
-            </a:lnRef>
-            <a:fillRef idx="3">
-              <a:schemeClr val="accent1"/>
-            </a:fillRef>
-            <a:effectRef idx="2">
-              <a:schemeClr val="accent1"/>
-            </a:effectRef>
-            <a:fontRef idx="minor">
-              <a:schemeClr val="lt1"/>
-            </a:fontRef>
-          </p:style>
-          <p:txBody>
-            <a:bodyPr rtlCol="0" anchor="ctr"/>
-            <a:lstStyle/>
-            <a:p>
-              <a:pPr algn="ctr"/>
-              <a:endParaRPr lang="fr-FR" sz="1600" dirty="0" smtClean="0">
-                <a:solidFill>
-                  <a:schemeClr val="bg1"/>
-                </a:solidFill>
-              </a:endParaRPr>
-            </a:p>
-            <a:p>
-              <a:pPr algn="ctr"/>
-              <a:endParaRPr lang="fr-FR" sz="1600" dirty="0">
-                <a:solidFill>
-                  <a:schemeClr val="bg1"/>
-                </a:solidFill>
-              </a:endParaRPr>
-            </a:p>
-            <a:p>
-              <a:pPr algn="ctr"/>
-              <a:endParaRPr lang="fr-FR" sz="1600" dirty="0" smtClean="0">
-                <a:solidFill>
-                  <a:schemeClr val="bg1"/>
-                </a:solidFill>
-              </a:endParaRPr>
-            </a:p>
-            <a:p>
-              <a:pPr algn="ctr"/>
-              <a:endParaRPr lang="fr-FR" sz="1600" dirty="0" smtClean="0">
-                <a:solidFill>
-                  <a:schemeClr val="bg1"/>
-                </a:solidFill>
-              </a:endParaRPr>
-            </a:p>
-            <a:p>
-              <a:pPr algn="ctr"/>
-              <a:endParaRPr lang="fr-FR" sz="1600" dirty="0">
-                <a:solidFill>
-                  <a:schemeClr val="bg1"/>
-                </a:solidFill>
-              </a:endParaRPr>
-            </a:p>
-            <a:p>
-              <a:pPr algn="ctr"/>
-              <a:endParaRPr lang="fr-FR" sz="1600" dirty="0" smtClean="0">
-                <a:solidFill>
-                  <a:schemeClr val="bg1"/>
-                </a:solidFill>
-              </a:endParaRPr>
-            </a:p>
-            <a:p>
-              <a:pPr algn="ctr"/>
-              <a:r>
-                <a:rPr lang="fr-FR" sz="1600" dirty="0" smtClean="0">
-                  <a:solidFill>
-                    <a:schemeClr val="bg1"/>
-                  </a:solidFill>
-                </a:rPr>
-                <a:t>OpenETCS Software</a:t>
-              </a:r>
-            </a:p>
-            <a:p>
-              <a:pPr algn="ctr"/>
-              <a:r>
-                <a:rPr lang="fr-FR" sz="1600" dirty="0" smtClean="0">
-                  <a:solidFill>
-                    <a:schemeClr val="bg1"/>
-                  </a:solidFill>
-                </a:rPr>
-                <a:t>Requirements</a:t>
-              </a:r>
-            </a:p>
-            <a:p>
-              <a:pPr algn="ctr"/>
-              <a:endParaRPr lang="fr-FR" sz="1600" dirty="0">
-                <a:solidFill>
-                  <a:schemeClr val="bg1"/>
-                </a:solidFill>
-              </a:endParaRPr>
-            </a:p>
-            <a:p>
-              <a:pPr algn="ctr"/>
-              <a:endParaRPr lang="fr-FR" sz="1600" dirty="0" smtClean="0">
-                <a:solidFill>
-                  <a:schemeClr val="bg1"/>
-                </a:solidFill>
-              </a:endParaRPr>
-            </a:p>
-            <a:p>
-              <a:pPr algn="ctr"/>
-              <a:endParaRPr lang="fr-FR" sz="1600" dirty="0">
-                <a:solidFill>
-                  <a:schemeClr val="bg1"/>
-                </a:solidFill>
-              </a:endParaRPr>
-            </a:p>
-            <a:p>
-              <a:pPr algn="ctr"/>
-              <a:endParaRPr lang="fr-FR" sz="1600" dirty="0" smtClean="0">
-                <a:solidFill>
-                  <a:schemeClr val="bg1"/>
-                </a:solidFill>
-              </a:endParaRPr>
-            </a:p>
-            <a:p>
-              <a:pPr algn="ctr"/>
-              <a:endParaRPr lang="fr-FR" sz="1600" dirty="0" smtClean="0">
-                <a:solidFill>
-                  <a:schemeClr val="bg1"/>
-                </a:solidFill>
-              </a:endParaRPr>
-            </a:p>
-            <a:p>
-              <a:pPr algn="ctr"/>
-              <a:endParaRPr lang="fr-FR" sz="1600" dirty="0">
-                <a:solidFill>
-                  <a:schemeClr val="bg1"/>
-                </a:solidFill>
-              </a:endParaRPr>
-            </a:p>
-          </p:txBody>
-        </p:sp>
-        <p:cxnSp>
-          <p:nvCxnSpPr>
-            <p:cNvPr id="21" name="Connecteur droit avec flèche 20"/>
-            <p:cNvCxnSpPr/>
-            <p:nvPr/>
-          </p:nvCxnSpPr>
-          <p:spPr>
-            <a:xfrm>
-              <a:off x="2027848" y="1551710"/>
-              <a:ext cx="1350683" cy="668036"/>
-            </a:xfrm>
-            <a:prstGeom prst="straightConnector1">
-              <a:avLst/>
-            </a:prstGeom>
-            <a:ln>
-              <a:solidFill>
-                <a:srgbClr val="000000"/>
-              </a:solidFill>
-              <a:tailEnd type="arrow"/>
-            </a:ln>
-          </p:spPr>
-          <p:style>
-            <a:lnRef idx="2">
-              <a:schemeClr val="accent1"/>
-            </a:lnRef>
-            <a:fillRef idx="0">
-              <a:schemeClr val="accent1"/>
-            </a:fillRef>
-            <a:effectRef idx="1">
-              <a:schemeClr val="accent1"/>
-            </a:effectRef>
-            <a:fontRef idx="minor">
-              <a:schemeClr val="tx1"/>
-            </a:fontRef>
-          </p:style>
-        </p:cxnSp>
-        <p:cxnSp>
-          <p:nvCxnSpPr>
-            <p:cNvPr id="22" name="Connecteur droit avec flèche 21"/>
-            <p:cNvCxnSpPr/>
-            <p:nvPr/>
-          </p:nvCxnSpPr>
-          <p:spPr>
-            <a:xfrm>
-              <a:off x="6170776" y="6266355"/>
-              <a:ext cx="1535052" cy="0"/>
-            </a:xfrm>
-            <a:prstGeom prst="straightConnector1">
-              <a:avLst/>
-            </a:prstGeom>
-            <a:ln>
-              <a:solidFill>
-                <a:srgbClr val="000000"/>
-              </a:solidFill>
-              <a:tailEnd type="arrow"/>
-            </a:ln>
-          </p:spPr>
-          <p:style>
-            <a:lnRef idx="2">
-              <a:schemeClr val="accent1"/>
-            </a:lnRef>
-            <a:fillRef idx="0">
-              <a:schemeClr val="accent1"/>
-            </a:fillRef>
-            <a:effectRef idx="1">
-              <a:schemeClr val="accent1"/>
-            </a:effectRef>
-            <a:fontRef idx="minor">
-              <a:schemeClr val="tx1"/>
-            </a:fontRef>
-          </p:style>
-        </p:cxnSp>
-        <p:sp>
-          <p:nvSpPr>
-            <p:cNvPr id="27" name="Cylindre 26"/>
-            <p:cNvSpPr/>
-            <p:nvPr/>
-          </p:nvSpPr>
-          <p:spPr>
-            <a:xfrm>
-              <a:off x="436664" y="725155"/>
-              <a:ext cx="1836660" cy="826555"/>
-            </a:xfrm>
-            <a:prstGeom prst="can">
-              <a:avLst>
-                <a:gd name="adj" fmla="val 16329"/>
-              </a:avLst>
-            </a:prstGeom>
-            <a:solidFill>
-              <a:srgbClr val="8000FF"/>
-            </a:solidFill>
-            <a:ln>
-              <a:solidFill>
-                <a:srgbClr val="000000"/>
-              </a:solidFill>
-            </a:ln>
-          </p:spPr>
-          <p:style>
-            <a:lnRef idx="1">
-              <a:schemeClr val="accent1"/>
-            </a:lnRef>
-            <a:fillRef idx="3">
-              <a:schemeClr val="accent1"/>
-            </a:fillRef>
-            <a:effectRef idx="2">
-              <a:schemeClr val="accent1"/>
-            </a:effectRef>
-            <a:fontRef idx="minor">
-              <a:schemeClr val="lt1"/>
-            </a:fontRef>
-          </p:style>
-          <p:txBody>
-            <a:bodyPr rtlCol="0" anchor="ctr"/>
-            <a:lstStyle/>
-            <a:p>
-              <a:pPr algn="ctr"/>
-              <a:r>
-                <a:rPr lang="fr-FR" sz="1400" dirty="0" smtClean="0">
-                  <a:solidFill>
-                    <a:schemeClr val="bg1"/>
-                  </a:solidFill>
-                </a:rPr>
-                <a:t>OpenETCS </a:t>
-              </a:r>
-              <a:r>
-                <a:rPr lang="fr-FR" sz="1400" dirty="0" err="1" smtClean="0">
-                  <a:solidFill>
-                    <a:schemeClr val="bg1"/>
-                  </a:solidFill>
-                </a:rPr>
-                <a:t>stakeholder</a:t>
-              </a:r>
-              <a:r>
-                <a:rPr lang="fr-FR" sz="1400" dirty="0" smtClean="0">
-                  <a:solidFill>
-                    <a:schemeClr val="bg1"/>
-                  </a:solidFill>
-                </a:rPr>
-                <a:t> </a:t>
-              </a:r>
-            </a:p>
-            <a:p>
-              <a:pPr algn="ctr"/>
-              <a:r>
-                <a:rPr lang="fr-FR" sz="1400" dirty="0" err="1" smtClean="0">
-                  <a:solidFill>
-                    <a:schemeClr val="bg1"/>
-                  </a:solidFill>
-                </a:rPr>
-                <a:t>reference</a:t>
-              </a:r>
-              <a:r>
-                <a:rPr lang="fr-FR" sz="1400" dirty="0" smtClean="0">
-                  <a:solidFill>
-                    <a:schemeClr val="bg1"/>
-                  </a:solidFill>
-                </a:rPr>
-                <a:t> (</a:t>
-              </a:r>
-              <a:r>
-                <a:rPr lang="fr-FR" sz="1400" dirty="0" err="1" smtClean="0">
-                  <a:solidFill>
-                    <a:schemeClr val="bg1"/>
-                  </a:solidFill>
-                </a:rPr>
-                <a:t>baselined</a:t>
-              </a:r>
-              <a:r>
-                <a:rPr lang="fr-FR" sz="1400" dirty="0" smtClean="0">
-                  <a:solidFill>
-                    <a:schemeClr val="bg1"/>
-                  </a:solidFill>
-                </a:rPr>
-                <a:t>) requirements</a:t>
-              </a:r>
-              <a:endParaRPr lang="fr-FR" sz="1400" dirty="0">
-                <a:solidFill>
-                  <a:schemeClr val="bg1"/>
-                </a:solidFill>
-              </a:endParaRPr>
-            </a:p>
-          </p:txBody>
-        </p:sp>
-        <p:cxnSp>
-          <p:nvCxnSpPr>
-            <p:cNvPr id="28" name="Connecteur droit avec flèche 27"/>
-            <p:cNvCxnSpPr>
-              <a:endCxn id="19" idx="1"/>
-            </p:cNvCxnSpPr>
-            <p:nvPr/>
-          </p:nvCxnSpPr>
-          <p:spPr>
-            <a:xfrm>
-              <a:off x="2027849" y="3146094"/>
-              <a:ext cx="1350682" cy="130426"/>
-            </a:xfrm>
-            <a:prstGeom prst="straightConnector1">
-              <a:avLst/>
-            </a:prstGeom>
-            <a:ln>
-              <a:solidFill>
-                <a:srgbClr val="000000"/>
-              </a:solidFill>
-              <a:tailEnd type="arrow"/>
-            </a:ln>
-          </p:spPr>
-          <p:style>
-            <a:lnRef idx="2">
-              <a:schemeClr val="accent1"/>
-            </a:lnRef>
-            <a:fillRef idx="0">
-              <a:schemeClr val="accent1"/>
-            </a:fillRef>
-            <a:effectRef idx="1">
-              <a:schemeClr val="accent1"/>
-            </a:effectRef>
-            <a:fontRef idx="minor">
-              <a:schemeClr val="tx1"/>
-            </a:fontRef>
-          </p:style>
-        </p:cxnSp>
-        <p:cxnSp>
-          <p:nvCxnSpPr>
-            <p:cNvPr id="31" name="Connecteur droit avec flèche 30"/>
-            <p:cNvCxnSpPr/>
-            <p:nvPr/>
-          </p:nvCxnSpPr>
-          <p:spPr>
-            <a:xfrm flipV="1">
-              <a:off x="1268408" y="3055457"/>
-              <a:ext cx="3525" cy="533517"/>
-            </a:xfrm>
-            <a:prstGeom prst="straightConnector1">
-              <a:avLst/>
-            </a:prstGeom>
-            <a:ln w="57150" cmpd="sng">
-              <a:solidFill>
-                <a:srgbClr val="FF0000"/>
-              </a:solidFill>
-              <a:tailEnd type="arrow"/>
-            </a:ln>
-          </p:spPr>
-          <p:style>
-            <a:lnRef idx="2">
-              <a:schemeClr val="accent1"/>
-            </a:lnRef>
-            <a:fillRef idx="0">
-              <a:schemeClr val="accent1"/>
-            </a:fillRef>
-            <a:effectRef idx="1">
-              <a:schemeClr val="accent1"/>
-            </a:effectRef>
-            <a:fontRef idx="minor">
-              <a:schemeClr val="tx1"/>
-            </a:fontRef>
-          </p:style>
-        </p:cxnSp>
-        <p:cxnSp>
-          <p:nvCxnSpPr>
-            <p:cNvPr id="32" name="Connecteur droit avec flèche 31"/>
-            <p:cNvCxnSpPr/>
-            <p:nvPr/>
-          </p:nvCxnSpPr>
-          <p:spPr>
-            <a:xfrm flipH="1">
-              <a:off x="4324611" y="6309042"/>
-              <a:ext cx="976304" cy="1"/>
-            </a:xfrm>
-            <a:prstGeom prst="straightConnector1">
-              <a:avLst/>
-            </a:prstGeom>
-            <a:ln w="57150" cmpd="sng">
-              <a:solidFill>
-                <a:srgbClr val="FF0000"/>
-              </a:solidFill>
-              <a:tailEnd type="arrow"/>
-            </a:ln>
-          </p:spPr>
-          <p:style>
-            <a:lnRef idx="2">
-              <a:schemeClr val="accent1"/>
-            </a:lnRef>
-            <a:fillRef idx="0">
-              <a:schemeClr val="accent1"/>
-            </a:fillRef>
-            <a:effectRef idx="1">
-              <a:schemeClr val="accent1"/>
-            </a:effectRef>
-            <a:fontRef idx="minor">
-              <a:schemeClr val="tx1"/>
-            </a:fontRef>
-          </p:style>
-        </p:cxnSp>
-        <p:sp>
-          <p:nvSpPr>
-            <p:cNvPr id="33" name="ZoneTexte 32"/>
-            <p:cNvSpPr txBox="1"/>
-            <p:nvPr/>
-          </p:nvSpPr>
-          <p:spPr>
-            <a:xfrm>
-              <a:off x="3627441" y="6362158"/>
-              <a:ext cx="2384613" cy="307777"/>
-            </a:xfrm>
-            <a:prstGeom prst="rect">
-              <a:avLst/>
-            </a:prstGeom>
-            <a:noFill/>
-          </p:spPr>
-          <p:txBody>
-            <a:bodyPr wrap="square" rtlCol="0">
-              <a:spAutoFit/>
-            </a:bodyPr>
-            <a:lstStyle/>
-            <a:p>
-              <a:pPr algn="ctr"/>
-              <a:r>
-                <a:rPr lang="eu-ES" sz="1400" dirty="0" smtClean="0"/>
-                <a:t>Trace</a:t>
-              </a:r>
-              <a:endParaRPr lang="eu-ES" sz="1400" dirty="0"/>
-            </a:p>
-          </p:txBody>
-        </p:sp>
-        <p:cxnSp>
-          <p:nvCxnSpPr>
-            <p:cNvPr id="34" name="Connecteur droit avec flèche 33"/>
-            <p:cNvCxnSpPr/>
-            <p:nvPr/>
-          </p:nvCxnSpPr>
-          <p:spPr>
-            <a:xfrm flipV="1">
-              <a:off x="1271933" y="1469561"/>
-              <a:ext cx="3525" cy="533517"/>
-            </a:xfrm>
-            <a:prstGeom prst="straightConnector1">
-              <a:avLst/>
-            </a:prstGeom>
-            <a:ln w="57150" cmpd="sng">
-              <a:solidFill>
-                <a:srgbClr val="FF0000"/>
-              </a:solidFill>
-              <a:tailEnd type="arrow"/>
-            </a:ln>
-          </p:spPr>
-          <p:style>
-            <a:lnRef idx="2">
-              <a:schemeClr val="accent1"/>
-            </a:lnRef>
-            <a:fillRef idx="0">
-              <a:schemeClr val="accent1"/>
-            </a:fillRef>
-            <a:effectRef idx="1">
-              <a:schemeClr val="accent1"/>
-            </a:effectRef>
-            <a:fontRef idx="minor">
-              <a:schemeClr val="tx1"/>
-            </a:fontRef>
-          </p:style>
-        </p:cxnSp>
-      </p:grpSp>
     </p:spTree>
     <p:extLst>
       <p:ext uri="{BB962C8B-B14F-4D97-AF65-F5344CB8AC3E}">
